--- a/reference/Surv_Simul-Plot-Output.pptx
+++ b/reference/Surv_Simul-Plot-Output.pptx
@@ -32443,159 +32443,2445 @@
           </p:nvSpPr>
           <p:spPr>
             <a:xfrm>
-              <a:off x="3488656" y="1335444"/>
-              <a:ext cx="1604058" cy="873912"/>
-            </a:xfrm>
-            <a:custGeom>
-              <a:avLst/>
-              <a:pathLst>
-                <a:path w="1604058" h="873912">
-                  <a:moveTo>
-                    <a:pt x="0" y="0"/>
-                  </a:moveTo>
-                  <a:lnTo>
-                    <a:pt x="514882" y="0"/>
-                  </a:lnTo>
-                  <a:lnTo>
-                    <a:pt x="514882" y="13253"/>
-                  </a:lnTo>
-                  <a:lnTo>
-                    <a:pt x="594095" y="13253"/>
-                  </a:lnTo>
-                  <a:lnTo>
-                    <a:pt x="594095" y="31164"/>
-                  </a:lnTo>
-                  <a:lnTo>
-                    <a:pt x="653505" y="31164"/>
-                  </a:lnTo>
-                  <a:lnTo>
-                    <a:pt x="653505" y="53531"/>
-                  </a:lnTo>
-                  <a:lnTo>
-                    <a:pt x="712914" y="53531"/>
-                  </a:lnTo>
-                  <a:lnTo>
-                    <a:pt x="712914" y="84439"/>
-                  </a:lnTo>
-                  <a:lnTo>
-                    <a:pt x="752521" y="84439"/>
-                  </a:lnTo>
-                  <a:lnTo>
-                    <a:pt x="752521" y="123805"/>
-                  </a:lnTo>
-                  <a:lnTo>
-                    <a:pt x="792127" y="123805"/>
-                  </a:lnTo>
-                  <a:lnTo>
-                    <a:pt x="792127" y="173276"/>
-                  </a:lnTo>
-                  <a:lnTo>
-                    <a:pt x="831734" y="173276"/>
-                  </a:lnTo>
-                  <a:lnTo>
-                    <a:pt x="831734" y="231990"/>
-                  </a:lnTo>
-                  <a:lnTo>
-                    <a:pt x="871340" y="231990"/>
-                  </a:lnTo>
-                  <a:lnTo>
-                    <a:pt x="871340" y="298319"/>
-                  </a:lnTo>
-                  <a:lnTo>
-                    <a:pt x="910946" y="298319"/>
-                  </a:lnTo>
-                  <a:lnTo>
-                    <a:pt x="910946" y="369572"/>
-                  </a:lnTo>
-                  <a:lnTo>
-                    <a:pt x="950553" y="369572"/>
-                  </a:lnTo>
-                  <a:lnTo>
-                    <a:pt x="950553" y="438518"/>
-                  </a:lnTo>
-                  <a:lnTo>
-                    <a:pt x="990159" y="438518"/>
-                  </a:lnTo>
-                  <a:lnTo>
-                    <a:pt x="990159" y="499429"/>
-                  </a:lnTo>
-                  <a:lnTo>
-                    <a:pt x="1029765" y="499429"/>
-                  </a:lnTo>
-                  <a:lnTo>
-                    <a:pt x="1029765" y="550559"/>
-                  </a:lnTo>
-                  <a:lnTo>
-                    <a:pt x="1069372" y="550559"/>
-                  </a:lnTo>
-                  <a:lnTo>
-                    <a:pt x="1069372" y="592474"/>
-                  </a:lnTo>
-                  <a:lnTo>
-                    <a:pt x="1108978" y="592474"/>
-                  </a:lnTo>
-                  <a:lnTo>
-                    <a:pt x="1108978" y="627248"/>
-                  </a:lnTo>
-                  <a:lnTo>
-                    <a:pt x="1148585" y="627248"/>
-                  </a:lnTo>
-                  <a:lnTo>
-                    <a:pt x="1148585" y="656897"/>
-                  </a:lnTo>
-                  <a:lnTo>
-                    <a:pt x="1207994" y="656897"/>
-                  </a:lnTo>
-                  <a:lnTo>
-                    <a:pt x="1207994" y="682998"/>
-                  </a:lnTo>
-                  <a:lnTo>
-                    <a:pt x="1267404" y="682998"/>
-                  </a:lnTo>
-                  <a:lnTo>
-                    <a:pt x="1267404" y="710089"/>
-                  </a:lnTo>
-                  <a:lnTo>
-                    <a:pt x="1307010" y="710089"/>
-                  </a:lnTo>
-                  <a:lnTo>
-                    <a:pt x="1307010" y="738860"/>
-                  </a:lnTo>
-                  <a:lnTo>
-                    <a:pt x="1346616" y="738860"/>
-                  </a:lnTo>
-                  <a:lnTo>
-                    <a:pt x="1346616" y="769118"/>
-                  </a:lnTo>
-                  <a:lnTo>
-                    <a:pt x="1386223" y="769118"/>
-                  </a:lnTo>
-                  <a:lnTo>
-                    <a:pt x="1386223" y="799777"/>
-                  </a:lnTo>
-                  <a:lnTo>
-                    <a:pt x="1425829" y="799777"/>
-                  </a:lnTo>
-                  <a:lnTo>
-                    <a:pt x="1425829" y="827581"/>
-                  </a:lnTo>
-                  <a:lnTo>
-                    <a:pt x="1465436" y="827581"/>
-                  </a:lnTo>
-                  <a:lnTo>
-                    <a:pt x="1465436" y="850450"/>
-                  </a:lnTo>
-                  <a:lnTo>
-                    <a:pt x="1505042" y="850450"/>
-                  </a:lnTo>
-                  <a:lnTo>
-                    <a:pt x="1505042" y="867616"/>
-                  </a:lnTo>
-                  <a:lnTo>
-                    <a:pt x="1604058" y="867616"/>
-                  </a:lnTo>
-                  <a:lnTo>
-                    <a:pt x="1604058" y="873912"/>
+              <a:off x="3488656" y="1335063"/>
+              <a:ext cx="1604058" cy="991682"/>
+            </a:xfrm>
+            <a:custGeom>
+              <a:avLst/>
+              <a:pathLst>
+                <a:path w="1604058" h="991682">
+                  <a:moveTo>
+                    <a:pt x="0" y="0"/>
+                  </a:moveTo>
+                  <a:lnTo>
+                    <a:pt x="3960" y="0"/>
+                  </a:lnTo>
+                  <a:lnTo>
+                    <a:pt x="3960" y="52"/>
+                  </a:lnTo>
+                  <a:lnTo>
+                    <a:pt x="7921" y="52"/>
+                  </a:lnTo>
+                  <a:lnTo>
+                    <a:pt x="7921" y="114"/>
+                  </a:lnTo>
+                  <a:lnTo>
+                    <a:pt x="11881" y="114"/>
+                  </a:lnTo>
+                  <a:lnTo>
+                    <a:pt x="11881" y="186"/>
+                  </a:lnTo>
+                  <a:lnTo>
+                    <a:pt x="15842" y="186"/>
+                  </a:lnTo>
+                  <a:lnTo>
+                    <a:pt x="15842" y="268"/>
+                  </a:lnTo>
+                  <a:lnTo>
+                    <a:pt x="19803" y="268"/>
+                  </a:lnTo>
+                  <a:lnTo>
+                    <a:pt x="19803" y="360"/>
+                  </a:lnTo>
+                  <a:lnTo>
+                    <a:pt x="23763" y="360"/>
+                  </a:lnTo>
+                  <a:lnTo>
+                    <a:pt x="23763" y="462"/>
+                  </a:lnTo>
+                  <a:lnTo>
+                    <a:pt x="27724" y="462"/>
+                  </a:lnTo>
+                  <a:lnTo>
+                    <a:pt x="27724" y="573"/>
+                  </a:lnTo>
+                  <a:lnTo>
+                    <a:pt x="31685" y="573"/>
+                  </a:lnTo>
+                  <a:lnTo>
+                    <a:pt x="31685" y="695"/>
+                  </a:lnTo>
+                  <a:lnTo>
+                    <a:pt x="35645" y="695"/>
+                  </a:lnTo>
+                  <a:lnTo>
+                    <a:pt x="35645" y="826"/>
+                  </a:lnTo>
+                  <a:lnTo>
+                    <a:pt x="39606" y="826"/>
+                  </a:lnTo>
+                  <a:lnTo>
+                    <a:pt x="39606" y="967"/>
+                  </a:lnTo>
+                  <a:lnTo>
+                    <a:pt x="43567" y="967"/>
+                  </a:lnTo>
+                  <a:lnTo>
+                    <a:pt x="43567" y="1119"/>
+                  </a:lnTo>
+                  <a:lnTo>
+                    <a:pt x="47527" y="1119"/>
+                  </a:lnTo>
+                  <a:lnTo>
+                    <a:pt x="47527" y="1280"/>
+                  </a:lnTo>
+                  <a:lnTo>
+                    <a:pt x="51488" y="1280"/>
+                  </a:lnTo>
+                  <a:lnTo>
+                    <a:pt x="51488" y="1451"/>
+                  </a:lnTo>
+                  <a:lnTo>
+                    <a:pt x="55448" y="1451"/>
+                  </a:lnTo>
+                  <a:lnTo>
+                    <a:pt x="55448" y="1631"/>
+                  </a:lnTo>
+                  <a:lnTo>
+                    <a:pt x="59409" y="1631"/>
+                  </a:lnTo>
+                  <a:lnTo>
+                    <a:pt x="59409" y="1822"/>
+                  </a:lnTo>
+                  <a:lnTo>
+                    <a:pt x="63370" y="1822"/>
+                  </a:lnTo>
+                  <a:lnTo>
+                    <a:pt x="63370" y="2023"/>
+                  </a:lnTo>
+                  <a:lnTo>
+                    <a:pt x="67330" y="2023"/>
+                  </a:lnTo>
+                  <a:lnTo>
+                    <a:pt x="67330" y="2233"/>
+                  </a:lnTo>
+                  <a:lnTo>
+                    <a:pt x="71291" y="2233"/>
+                  </a:lnTo>
+                  <a:lnTo>
+                    <a:pt x="71291" y="2453"/>
+                  </a:lnTo>
+                  <a:lnTo>
+                    <a:pt x="75252" y="2453"/>
+                  </a:lnTo>
+                  <a:lnTo>
+                    <a:pt x="75252" y="2684"/>
+                  </a:lnTo>
+                  <a:lnTo>
+                    <a:pt x="79212" y="2684"/>
+                  </a:lnTo>
+                  <a:lnTo>
+                    <a:pt x="79212" y="2924"/>
+                  </a:lnTo>
+                  <a:lnTo>
+                    <a:pt x="83173" y="2924"/>
+                  </a:lnTo>
+                  <a:lnTo>
+                    <a:pt x="83173" y="3173"/>
+                  </a:lnTo>
+                  <a:lnTo>
+                    <a:pt x="87134" y="3173"/>
+                  </a:lnTo>
+                  <a:lnTo>
+                    <a:pt x="87134" y="3433"/>
+                  </a:lnTo>
+                  <a:lnTo>
+                    <a:pt x="91094" y="3433"/>
+                  </a:lnTo>
+                  <a:lnTo>
+                    <a:pt x="91094" y="3703"/>
+                  </a:lnTo>
+                  <a:lnTo>
+                    <a:pt x="95055" y="3703"/>
+                  </a:lnTo>
+                  <a:lnTo>
+                    <a:pt x="95055" y="3982"/>
+                  </a:lnTo>
+                  <a:lnTo>
+                    <a:pt x="99015" y="3982"/>
+                  </a:lnTo>
+                  <a:lnTo>
+                    <a:pt x="99015" y="4272"/>
+                  </a:lnTo>
+                  <a:lnTo>
+                    <a:pt x="102976" y="4272"/>
+                  </a:lnTo>
+                  <a:lnTo>
+                    <a:pt x="102976" y="4571"/>
+                  </a:lnTo>
+                  <a:lnTo>
+                    <a:pt x="106937" y="4571"/>
+                  </a:lnTo>
+                  <a:lnTo>
+                    <a:pt x="106937" y="4880"/>
+                  </a:lnTo>
+                  <a:lnTo>
+                    <a:pt x="110897" y="4880"/>
+                  </a:lnTo>
+                  <a:lnTo>
+                    <a:pt x="110897" y="5199"/>
+                  </a:lnTo>
+                  <a:lnTo>
+                    <a:pt x="114858" y="5199"/>
+                  </a:lnTo>
+                  <a:lnTo>
+                    <a:pt x="114858" y="5527"/>
+                  </a:lnTo>
+                  <a:lnTo>
+                    <a:pt x="118819" y="5527"/>
+                  </a:lnTo>
+                  <a:lnTo>
+                    <a:pt x="118819" y="5866"/>
+                  </a:lnTo>
+                  <a:lnTo>
+                    <a:pt x="122779" y="5866"/>
+                  </a:lnTo>
+                  <a:lnTo>
+                    <a:pt x="122779" y="6214"/>
+                  </a:lnTo>
+                  <a:lnTo>
+                    <a:pt x="126740" y="6214"/>
+                  </a:lnTo>
+                  <a:lnTo>
+                    <a:pt x="126740" y="6572"/>
+                  </a:lnTo>
+                  <a:lnTo>
+                    <a:pt x="130701" y="6572"/>
+                  </a:lnTo>
+                  <a:lnTo>
+                    <a:pt x="130701" y="6940"/>
+                  </a:lnTo>
+                  <a:lnTo>
+                    <a:pt x="134661" y="6940"/>
+                  </a:lnTo>
+                  <a:lnTo>
+                    <a:pt x="134661" y="7318"/>
+                  </a:lnTo>
+                  <a:lnTo>
+                    <a:pt x="138622" y="7318"/>
+                  </a:lnTo>
+                  <a:lnTo>
+                    <a:pt x="138622" y="7706"/>
+                  </a:lnTo>
+                  <a:lnTo>
+                    <a:pt x="142582" y="7706"/>
+                  </a:lnTo>
+                  <a:lnTo>
+                    <a:pt x="142582" y="8103"/>
+                  </a:lnTo>
+                  <a:lnTo>
+                    <a:pt x="146543" y="8103"/>
+                  </a:lnTo>
+                  <a:lnTo>
+                    <a:pt x="146543" y="8511"/>
+                  </a:lnTo>
+                  <a:lnTo>
+                    <a:pt x="150504" y="8511"/>
+                  </a:lnTo>
+                  <a:lnTo>
+                    <a:pt x="150504" y="8928"/>
+                  </a:lnTo>
+                  <a:lnTo>
+                    <a:pt x="154464" y="8928"/>
+                  </a:lnTo>
+                  <a:lnTo>
+                    <a:pt x="154464" y="9354"/>
+                  </a:lnTo>
+                  <a:lnTo>
+                    <a:pt x="158425" y="9354"/>
+                  </a:lnTo>
+                  <a:lnTo>
+                    <a:pt x="158425" y="9791"/>
+                  </a:lnTo>
+                  <a:lnTo>
+                    <a:pt x="162386" y="9791"/>
+                  </a:lnTo>
+                  <a:lnTo>
+                    <a:pt x="162386" y="10238"/>
+                  </a:lnTo>
+                  <a:lnTo>
+                    <a:pt x="166346" y="10238"/>
+                  </a:lnTo>
+                  <a:lnTo>
+                    <a:pt x="166346" y="10694"/>
+                  </a:lnTo>
+                  <a:lnTo>
+                    <a:pt x="170307" y="10694"/>
+                  </a:lnTo>
+                  <a:lnTo>
+                    <a:pt x="170307" y="11160"/>
+                  </a:lnTo>
+                  <a:lnTo>
+                    <a:pt x="174268" y="11160"/>
+                  </a:lnTo>
+                  <a:lnTo>
+                    <a:pt x="174268" y="11635"/>
+                  </a:lnTo>
+                  <a:lnTo>
+                    <a:pt x="178228" y="11635"/>
+                  </a:lnTo>
+                  <a:lnTo>
+                    <a:pt x="178228" y="12121"/>
+                  </a:lnTo>
+                  <a:lnTo>
+                    <a:pt x="182189" y="12121"/>
+                  </a:lnTo>
+                  <a:lnTo>
+                    <a:pt x="182189" y="12616"/>
+                  </a:lnTo>
+                  <a:lnTo>
+                    <a:pt x="186149" y="12616"/>
+                  </a:lnTo>
+                  <a:lnTo>
+                    <a:pt x="186149" y="13121"/>
+                  </a:lnTo>
+                  <a:lnTo>
+                    <a:pt x="190110" y="13121"/>
+                  </a:lnTo>
+                  <a:lnTo>
+                    <a:pt x="190110" y="13636"/>
+                  </a:lnTo>
+                  <a:lnTo>
+                    <a:pt x="194071" y="13636"/>
+                  </a:lnTo>
+                  <a:lnTo>
+                    <a:pt x="194071" y="14161"/>
+                  </a:lnTo>
+                  <a:lnTo>
+                    <a:pt x="198031" y="14161"/>
+                  </a:lnTo>
+                  <a:lnTo>
+                    <a:pt x="198031" y="14695"/>
+                  </a:lnTo>
+                  <a:lnTo>
+                    <a:pt x="201992" y="14695"/>
+                  </a:lnTo>
+                  <a:lnTo>
+                    <a:pt x="201992" y="15239"/>
+                  </a:lnTo>
+                  <a:lnTo>
+                    <a:pt x="205953" y="15239"/>
+                  </a:lnTo>
+                  <a:lnTo>
+                    <a:pt x="205953" y="15793"/>
+                  </a:lnTo>
+                  <a:lnTo>
+                    <a:pt x="209913" y="15793"/>
+                  </a:lnTo>
+                  <a:lnTo>
+                    <a:pt x="209913" y="16356"/>
+                  </a:lnTo>
+                  <a:lnTo>
+                    <a:pt x="213874" y="16356"/>
+                  </a:lnTo>
+                  <a:lnTo>
+                    <a:pt x="213874" y="16929"/>
+                  </a:lnTo>
+                  <a:lnTo>
+                    <a:pt x="217835" y="16929"/>
+                  </a:lnTo>
+                  <a:lnTo>
+                    <a:pt x="217835" y="17512"/>
+                  </a:lnTo>
+                  <a:lnTo>
+                    <a:pt x="221795" y="17512"/>
+                  </a:lnTo>
+                  <a:lnTo>
+                    <a:pt x="221795" y="18105"/>
+                  </a:lnTo>
+                  <a:lnTo>
+                    <a:pt x="225756" y="18105"/>
+                  </a:lnTo>
+                  <a:lnTo>
+                    <a:pt x="225756" y="18707"/>
+                  </a:lnTo>
+                  <a:lnTo>
+                    <a:pt x="229717" y="18707"/>
+                  </a:lnTo>
+                  <a:lnTo>
+                    <a:pt x="229717" y="19319"/>
+                  </a:lnTo>
+                  <a:lnTo>
+                    <a:pt x="233677" y="19319"/>
+                  </a:lnTo>
+                  <a:lnTo>
+                    <a:pt x="233677" y="19941"/>
+                  </a:lnTo>
+                  <a:lnTo>
+                    <a:pt x="237638" y="19941"/>
+                  </a:lnTo>
+                  <a:lnTo>
+                    <a:pt x="237638" y="20572"/>
+                  </a:lnTo>
+                  <a:lnTo>
+                    <a:pt x="241598" y="20572"/>
+                  </a:lnTo>
+                  <a:lnTo>
+                    <a:pt x="241598" y="21213"/>
+                  </a:lnTo>
+                  <a:lnTo>
+                    <a:pt x="245559" y="21213"/>
+                  </a:lnTo>
+                  <a:lnTo>
+                    <a:pt x="245559" y="21864"/>
+                  </a:lnTo>
+                  <a:lnTo>
+                    <a:pt x="249520" y="21864"/>
+                  </a:lnTo>
+                  <a:lnTo>
+                    <a:pt x="249520" y="22524"/>
+                  </a:lnTo>
+                  <a:lnTo>
+                    <a:pt x="253480" y="22524"/>
+                  </a:lnTo>
+                  <a:lnTo>
+                    <a:pt x="253480" y="23194"/>
+                  </a:lnTo>
+                  <a:lnTo>
+                    <a:pt x="257441" y="23194"/>
+                  </a:lnTo>
+                  <a:lnTo>
+                    <a:pt x="257441" y="23873"/>
+                  </a:lnTo>
+                  <a:lnTo>
+                    <a:pt x="261402" y="23873"/>
+                  </a:lnTo>
+                  <a:lnTo>
+                    <a:pt x="261402" y="24563"/>
+                  </a:lnTo>
+                  <a:lnTo>
+                    <a:pt x="265362" y="24563"/>
+                  </a:lnTo>
+                  <a:lnTo>
+                    <a:pt x="265362" y="25262"/>
+                  </a:lnTo>
+                  <a:lnTo>
+                    <a:pt x="269323" y="25262"/>
+                  </a:lnTo>
+                  <a:lnTo>
+                    <a:pt x="269323" y="25970"/>
+                  </a:lnTo>
+                  <a:lnTo>
+                    <a:pt x="273284" y="25970"/>
+                  </a:lnTo>
+                  <a:lnTo>
+                    <a:pt x="273284" y="26688"/>
+                  </a:lnTo>
+                  <a:lnTo>
+                    <a:pt x="277244" y="26688"/>
+                  </a:lnTo>
+                  <a:lnTo>
+                    <a:pt x="277244" y="27416"/>
+                  </a:lnTo>
+                  <a:lnTo>
+                    <a:pt x="281205" y="27416"/>
+                  </a:lnTo>
+                  <a:lnTo>
+                    <a:pt x="281205" y="28153"/>
+                  </a:lnTo>
+                  <a:lnTo>
+                    <a:pt x="285165" y="28153"/>
+                  </a:lnTo>
+                  <a:lnTo>
+                    <a:pt x="285165" y="28900"/>
+                  </a:lnTo>
+                  <a:lnTo>
+                    <a:pt x="289126" y="28900"/>
+                  </a:lnTo>
+                  <a:lnTo>
+                    <a:pt x="289126" y="29656"/>
+                  </a:lnTo>
+                  <a:lnTo>
+                    <a:pt x="293087" y="29656"/>
+                  </a:lnTo>
+                  <a:lnTo>
+                    <a:pt x="293087" y="30422"/>
+                  </a:lnTo>
+                  <a:lnTo>
+                    <a:pt x="297047" y="30422"/>
+                  </a:lnTo>
+                  <a:lnTo>
+                    <a:pt x="297047" y="31198"/>
+                  </a:lnTo>
+                  <a:lnTo>
+                    <a:pt x="301008" y="31198"/>
+                  </a:lnTo>
+                  <a:lnTo>
+                    <a:pt x="301008" y="31983"/>
+                  </a:lnTo>
+                  <a:lnTo>
+                    <a:pt x="304969" y="31983"/>
+                  </a:lnTo>
+                  <a:lnTo>
+                    <a:pt x="304969" y="32778"/>
+                  </a:lnTo>
+                  <a:lnTo>
+                    <a:pt x="308929" y="32778"/>
+                  </a:lnTo>
+                  <a:lnTo>
+                    <a:pt x="308929" y="33582"/>
+                  </a:lnTo>
+                  <a:lnTo>
+                    <a:pt x="312890" y="33582"/>
+                  </a:lnTo>
+                  <a:lnTo>
+                    <a:pt x="312890" y="34396"/>
+                  </a:lnTo>
+                  <a:lnTo>
+                    <a:pt x="316851" y="34396"/>
+                  </a:lnTo>
+                  <a:lnTo>
+                    <a:pt x="316851" y="35219"/>
+                  </a:lnTo>
+                  <a:lnTo>
+                    <a:pt x="320811" y="35219"/>
+                  </a:lnTo>
+                  <a:lnTo>
+                    <a:pt x="320811" y="36052"/>
+                  </a:lnTo>
+                  <a:lnTo>
+                    <a:pt x="324772" y="36052"/>
+                  </a:lnTo>
+                  <a:lnTo>
+                    <a:pt x="324772" y="36894"/>
+                  </a:lnTo>
+                  <a:lnTo>
+                    <a:pt x="328732" y="36894"/>
+                  </a:lnTo>
+                  <a:lnTo>
+                    <a:pt x="328732" y="37746"/>
+                  </a:lnTo>
+                  <a:lnTo>
+                    <a:pt x="332693" y="37746"/>
+                  </a:lnTo>
+                  <a:lnTo>
+                    <a:pt x="332693" y="38607"/>
+                  </a:lnTo>
+                  <a:lnTo>
+                    <a:pt x="336654" y="38607"/>
+                  </a:lnTo>
+                  <a:lnTo>
+                    <a:pt x="336654" y="39478"/>
+                  </a:lnTo>
+                  <a:lnTo>
+                    <a:pt x="340614" y="39478"/>
+                  </a:lnTo>
+                  <a:lnTo>
+                    <a:pt x="340614" y="40358"/>
+                  </a:lnTo>
+                  <a:lnTo>
+                    <a:pt x="344575" y="40358"/>
+                  </a:lnTo>
+                  <a:lnTo>
+                    <a:pt x="344575" y="41247"/>
+                  </a:lnTo>
+                  <a:lnTo>
+                    <a:pt x="348536" y="41247"/>
+                  </a:lnTo>
+                  <a:lnTo>
+                    <a:pt x="348536" y="42146"/>
+                  </a:lnTo>
+                  <a:lnTo>
+                    <a:pt x="352496" y="42146"/>
+                  </a:lnTo>
+                  <a:lnTo>
+                    <a:pt x="352496" y="43055"/>
+                  </a:lnTo>
+                  <a:lnTo>
+                    <a:pt x="356457" y="43055"/>
+                  </a:lnTo>
+                  <a:lnTo>
+                    <a:pt x="356457" y="43973"/>
+                  </a:lnTo>
+                  <a:lnTo>
+                    <a:pt x="360418" y="43973"/>
+                  </a:lnTo>
+                  <a:lnTo>
+                    <a:pt x="360418" y="44900"/>
+                  </a:lnTo>
+                  <a:lnTo>
+                    <a:pt x="364378" y="44900"/>
+                  </a:lnTo>
+                  <a:lnTo>
+                    <a:pt x="364378" y="45837"/>
+                  </a:lnTo>
+                  <a:lnTo>
+                    <a:pt x="368339" y="45837"/>
+                  </a:lnTo>
+                  <a:lnTo>
+                    <a:pt x="368339" y="46783"/>
+                  </a:lnTo>
+                  <a:lnTo>
+                    <a:pt x="372299" y="46783"/>
+                  </a:lnTo>
+                  <a:lnTo>
+                    <a:pt x="372299" y="47738"/>
+                  </a:lnTo>
+                  <a:lnTo>
+                    <a:pt x="376260" y="47738"/>
+                  </a:lnTo>
+                  <a:lnTo>
+                    <a:pt x="376260" y="48703"/>
+                  </a:lnTo>
+                  <a:lnTo>
+                    <a:pt x="380221" y="48703"/>
+                  </a:lnTo>
+                  <a:lnTo>
+                    <a:pt x="380221" y="49678"/>
+                  </a:lnTo>
+                  <a:lnTo>
+                    <a:pt x="384181" y="49678"/>
+                  </a:lnTo>
+                  <a:lnTo>
+                    <a:pt x="384181" y="50661"/>
+                  </a:lnTo>
+                  <a:lnTo>
+                    <a:pt x="388142" y="50661"/>
+                  </a:lnTo>
+                  <a:lnTo>
+                    <a:pt x="388142" y="51654"/>
+                  </a:lnTo>
+                  <a:lnTo>
+                    <a:pt x="392103" y="51654"/>
+                  </a:lnTo>
+                  <a:lnTo>
+                    <a:pt x="392103" y="52656"/>
+                  </a:lnTo>
+                  <a:lnTo>
+                    <a:pt x="396063" y="52656"/>
+                  </a:lnTo>
+                  <a:lnTo>
+                    <a:pt x="396063" y="53668"/>
+                  </a:lnTo>
+                  <a:lnTo>
+                    <a:pt x="400024" y="53668"/>
+                  </a:lnTo>
+                  <a:lnTo>
+                    <a:pt x="400024" y="54689"/>
+                  </a:lnTo>
+                  <a:lnTo>
+                    <a:pt x="403985" y="54689"/>
+                  </a:lnTo>
+                  <a:lnTo>
+                    <a:pt x="403985" y="55719"/>
+                  </a:lnTo>
+                  <a:lnTo>
+                    <a:pt x="407945" y="55719"/>
+                  </a:lnTo>
+                  <a:lnTo>
+                    <a:pt x="407945" y="56759"/>
+                  </a:lnTo>
+                  <a:lnTo>
+                    <a:pt x="411906" y="56759"/>
+                  </a:lnTo>
+                  <a:lnTo>
+                    <a:pt x="411906" y="57807"/>
+                  </a:lnTo>
+                  <a:lnTo>
+                    <a:pt x="415867" y="57807"/>
+                  </a:lnTo>
+                  <a:lnTo>
+                    <a:pt x="415867" y="58865"/>
+                  </a:lnTo>
+                  <a:lnTo>
+                    <a:pt x="419827" y="58865"/>
+                  </a:lnTo>
+                  <a:lnTo>
+                    <a:pt x="419827" y="59933"/>
+                  </a:lnTo>
+                  <a:lnTo>
+                    <a:pt x="423788" y="59933"/>
+                  </a:lnTo>
+                  <a:lnTo>
+                    <a:pt x="423788" y="61009"/>
+                  </a:lnTo>
+                  <a:lnTo>
+                    <a:pt x="427748" y="61009"/>
+                  </a:lnTo>
+                  <a:lnTo>
+                    <a:pt x="427748" y="62095"/>
+                  </a:lnTo>
+                  <a:lnTo>
+                    <a:pt x="431709" y="62095"/>
+                  </a:lnTo>
+                  <a:lnTo>
+                    <a:pt x="431709" y="63190"/>
+                  </a:lnTo>
+                  <a:lnTo>
+                    <a:pt x="435670" y="63190"/>
+                  </a:lnTo>
+                  <a:lnTo>
+                    <a:pt x="435670" y="64294"/>
+                  </a:lnTo>
+                  <a:lnTo>
+                    <a:pt x="439630" y="64294"/>
+                  </a:lnTo>
+                  <a:lnTo>
+                    <a:pt x="439630" y="65407"/>
+                  </a:lnTo>
+                  <a:lnTo>
+                    <a:pt x="443591" y="65407"/>
+                  </a:lnTo>
+                  <a:lnTo>
+                    <a:pt x="443591" y="66530"/>
+                  </a:lnTo>
+                  <a:lnTo>
+                    <a:pt x="447552" y="66530"/>
+                  </a:lnTo>
+                  <a:lnTo>
+                    <a:pt x="447552" y="67661"/>
+                  </a:lnTo>
+                  <a:lnTo>
+                    <a:pt x="451512" y="67661"/>
+                  </a:lnTo>
+                  <a:lnTo>
+                    <a:pt x="451512" y="68802"/>
+                  </a:lnTo>
+                  <a:lnTo>
+                    <a:pt x="455473" y="68802"/>
+                  </a:lnTo>
+                  <a:lnTo>
+                    <a:pt x="455473" y="69952"/>
+                  </a:lnTo>
+                  <a:lnTo>
+                    <a:pt x="459434" y="69952"/>
+                  </a:lnTo>
+                  <a:lnTo>
+                    <a:pt x="459434" y="71111"/>
+                  </a:lnTo>
+                  <a:lnTo>
+                    <a:pt x="463394" y="71111"/>
+                  </a:lnTo>
+                  <a:lnTo>
+                    <a:pt x="463394" y="72280"/>
+                  </a:lnTo>
+                  <a:lnTo>
+                    <a:pt x="467355" y="72280"/>
+                  </a:lnTo>
+                  <a:lnTo>
+                    <a:pt x="467355" y="73457"/>
+                  </a:lnTo>
+                  <a:lnTo>
+                    <a:pt x="471315" y="73457"/>
+                  </a:lnTo>
+                  <a:lnTo>
+                    <a:pt x="471315" y="74643"/>
+                  </a:lnTo>
+                  <a:lnTo>
+                    <a:pt x="475276" y="74643"/>
+                  </a:lnTo>
+                  <a:lnTo>
+                    <a:pt x="475276" y="75839"/>
+                  </a:lnTo>
+                  <a:lnTo>
+                    <a:pt x="479237" y="75839"/>
+                  </a:lnTo>
+                  <a:lnTo>
+                    <a:pt x="479237" y="77044"/>
+                  </a:lnTo>
+                  <a:lnTo>
+                    <a:pt x="483197" y="77044"/>
+                  </a:lnTo>
+                  <a:lnTo>
+                    <a:pt x="483197" y="78257"/>
+                  </a:lnTo>
+                  <a:lnTo>
+                    <a:pt x="487158" y="78257"/>
+                  </a:lnTo>
+                  <a:lnTo>
+                    <a:pt x="487158" y="79480"/>
+                  </a:lnTo>
+                  <a:lnTo>
+                    <a:pt x="491119" y="79480"/>
+                  </a:lnTo>
+                  <a:lnTo>
+                    <a:pt x="491119" y="80712"/>
+                  </a:lnTo>
+                  <a:lnTo>
+                    <a:pt x="495079" y="80712"/>
+                  </a:lnTo>
+                  <a:lnTo>
+                    <a:pt x="495079" y="81952"/>
+                  </a:lnTo>
+                  <a:lnTo>
+                    <a:pt x="499040" y="81952"/>
+                  </a:lnTo>
+                  <a:lnTo>
+                    <a:pt x="499040" y="83202"/>
+                  </a:lnTo>
+                  <a:lnTo>
+                    <a:pt x="503001" y="83202"/>
+                  </a:lnTo>
+                  <a:lnTo>
+                    <a:pt x="503001" y="84461"/>
+                  </a:lnTo>
+                  <a:lnTo>
+                    <a:pt x="506961" y="84461"/>
+                  </a:lnTo>
+                  <a:lnTo>
+                    <a:pt x="506961" y="85729"/>
+                  </a:lnTo>
+                  <a:lnTo>
+                    <a:pt x="510922" y="85729"/>
+                  </a:lnTo>
+                  <a:lnTo>
+                    <a:pt x="510922" y="87005"/>
+                  </a:lnTo>
+                  <a:lnTo>
+                    <a:pt x="514882" y="87005"/>
+                  </a:lnTo>
+                  <a:lnTo>
+                    <a:pt x="514882" y="88291"/>
+                  </a:lnTo>
+                  <a:lnTo>
+                    <a:pt x="518843" y="88291"/>
+                  </a:lnTo>
+                  <a:lnTo>
+                    <a:pt x="518843" y="89599"/>
+                  </a:lnTo>
+                  <a:lnTo>
+                    <a:pt x="522804" y="89599"/>
+                  </a:lnTo>
+                  <a:lnTo>
+                    <a:pt x="522804" y="90929"/>
+                  </a:lnTo>
+                  <a:lnTo>
+                    <a:pt x="526764" y="90929"/>
+                  </a:lnTo>
+                  <a:lnTo>
+                    <a:pt x="526764" y="92282"/>
+                  </a:lnTo>
+                  <a:lnTo>
+                    <a:pt x="530725" y="92282"/>
+                  </a:lnTo>
+                  <a:lnTo>
+                    <a:pt x="530725" y="93657"/>
+                  </a:lnTo>
+                  <a:lnTo>
+                    <a:pt x="534686" y="93657"/>
+                  </a:lnTo>
+                  <a:lnTo>
+                    <a:pt x="534686" y="95055"/>
+                  </a:lnTo>
+                  <a:lnTo>
+                    <a:pt x="538646" y="95055"/>
+                  </a:lnTo>
+                  <a:lnTo>
+                    <a:pt x="538646" y="96475"/>
+                  </a:lnTo>
+                  <a:lnTo>
+                    <a:pt x="542607" y="96475"/>
+                  </a:lnTo>
+                  <a:lnTo>
+                    <a:pt x="542607" y="97917"/>
+                  </a:lnTo>
+                  <a:lnTo>
+                    <a:pt x="546568" y="97917"/>
+                  </a:lnTo>
+                  <a:lnTo>
+                    <a:pt x="546568" y="99381"/>
+                  </a:lnTo>
+                  <a:lnTo>
+                    <a:pt x="550528" y="99381"/>
+                  </a:lnTo>
+                  <a:lnTo>
+                    <a:pt x="550528" y="100867"/>
+                  </a:lnTo>
+                  <a:lnTo>
+                    <a:pt x="554489" y="100867"/>
+                  </a:lnTo>
+                  <a:lnTo>
+                    <a:pt x="554489" y="102376"/>
+                  </a:lnTo>
+                  <a:lnTo>
+                    <a:pt x="558449" y="102376"/>
+                  </a:lnTo>
+                  <a:lnTo>
+                    <a:pt x="558449" y="103907"/>
+                  </a:lnTo>
+                  <a:lnTo>
+                    <a:pt x="562410" y="103907"/>
+                  </a:lnTo>
+                  <a:lnTo>
+                    <a:pt x="562410" y="105459"/>
+                  </a:lnTo>
+                  <a:lnTo>
+                    <a:pt x="566371" y="105459"/>
+                  </a:lnTo>
+                  <a:lnTo>
+                    <a:pt x="566371" y="107034"/>
+                  </a:lnTo>
+                  <a:lnTo>
+                    <a:pt x="570331" y="107034"/>
+                  </a:lnTo>
+                  <a:lnTo>
+                    <a:pt x="570331" y="108630"/>
+                  </a:lnTo>
+                  <a:lnTo>
+                    <a:pt x="574292" y="108630"/>
+                  </a:lnTo>
+                  <a:lnTo>
+                    <a:pt x="574292" y="110249"/>
+                  </a:lnTo>
+                  <a:lnTo>
+                    <a:pt x="578253" y="110249"/>
+                  </a:lnTo>
+                  <a:lnTo>
+                    <a:pt x="578253" y="111889"/>
+                  </a:lnTo>
+                  <a:lnTo>
+                    <a:pt x="582213" y="111889"/>
+                  </a:lnTo>
+                  <a:lnTo>
+                    <a:pt x="582213" y="113552"/>
+                  </a:lnTo>
+                  <a:lnTo>
+                    <a:pt x="586174" y="113552"/>
+                  </a:lnTo>
+                  <a:lnTo>
+                    <a:pt x="586174" y="115236"/>
+                  </a:lnTo>
+                  <a:lnTo>
+                    <a:pt x="590135" y="115236"/>
+                  </a:lnTo>
+                  <a:lnTo>
+                    <a:pt x="590135" y="116941"/>
+                  </a:lnTo>
+                  <a:lnTo>
+                    <a:pt x="594095" y="116941"/>
+                  </a:lnTo>
+                  <a:lnTo>
+                    <a:pt x="594095" y="118669"/>
+                  </a:lnTo>
+                  <a:lnTo>
+                    <a:pt x="598056" y="118669"/>
+                  </a:lnTo>
+                  <a:lnTo>
+                    <a:pt x="598056" y="120425"/>
+                  </a:lnTo>
+                  <a:lnTo>
+                    <a:pt x="602016" y="120425"/>
+                  </a:lnTo>
+                  <a:lnTo>
+                    <a:pt x="602016" y="122209"/>
+                  </a:lnTo>
+                  <a:lnTo>
+                    <a:pt x="605977" y="122209"/>
+                  </a:lnTo>
+                  <a:lnTo>
+                    <a:pt x="605977" y="124022"/>
+                  </a:lnTo>
+                  <a:lnTo>
+                    <a:pt x="609938" y="124022"/>
+                  </a:lnTo>
+                  <a:lnTo>
+                    <a:pt x="609938" y="125863"/>
+                  </a:lnTo>
+                  <a:lnTo>
+                    <a:pt x="613898" y="125863"/>
+                  </a:lnTo>
+                  <a:lnTo>
+                    <a:pt x="613898" y="127733"/>
+                  </a:lnTo>
+                  <a:lnTo>
+                    <a:pt x="617859" y="127733"/>
+                  </a:lnTo>
+                  <a:lnTo>
+                    <a:pt x="617859" y="129631"/>
+                  </a:lnTo>
+                  <a:lnTo>
+                    <a:pt x="621820" y="129631"/>
+                  </a:lnTo>
+                  <a:lnTo>
+                    <a:pt x="621820" y="131557"/>
+                  </a:lnTo>
+                  <a:lnTo>
+                    <a:pt x="625780" y="131557"/>
+                  </a:lnTo>
+                  <a:lnTo>
+                    <a:pt x="625780" y="133511"/>
+                  </a:lnTo>
+                  <a:lnTo>
+                    <a:pt x="629741" y="133511"/>
+                  </a:lnTo>
+                  <a:lnTo>
+                    <a:pt x="629741" y="135493"/>
+                  </a:lnTo>
+                  <a:lnTo>
+                    <a:pt x="633702" y="135493"/>
+                  </a:lnTo>
+                  <a:lnTo>
+                    <a:pt x="633702" y="137503"/>
+                  </a:lnTo>
+                  <a:lnTo>
+                    <a:pt x="637662" y="137503"/>
+                  </a:lnTo>
+                  <a:lnTo>
+                    <a:pt x="637662" y="139541"/>
+                  </a:lnTo>
+                  <a:lnTo>
+                    <a:pt x="641623" y="139541"/>
+                  </a:lnTo>
+                  <a:lnTo>
+                    <a:pt x="641623" y="141607"/>
+                  </a:lnTo>
+                  <a:lnTo>
+                    <a:pt x="645584" y="141607"/>
+                  </a:lnTo>
+                  <a:lnTo>
+                    <a:pt x="645584" y="143701"/>
+                  </a:lnTo>
+                  <a:lnTo>
+                    <a:pt x="649544" y="143701"/>
+                  </a:lnTo>
+                  <a:lnTo>
+                    <a:pt x="649544" y="145822"/>
+                  </a:lnTo>
+                  <a:lnTo>
+                    <a:pt x="653505" y="145822"/>
+                  </a:lnTo>
+                  <a:lnTo>
+                    <a:pt x="653505" y="147971"/>
+                  </a:lnTo>
+                  <a:lnTo>
+                    <a:pt x="657465" y="147971"/>
+                  </a:lnTo>
+                  <a:lnTo>
+                    <a:pt x="657465" y="150175"/>
+                  </a:lnTo>
+                  <a:lnTo>
+                    <a:pt x="661426" y="150175"/>
+                  </a:lnTo>
+                  <a:lnTo>
+                    <a:pt x="661426" y="152433"/>
+                  </a:lnTo>
+                  <a:lnTo>
+                    <a:pt x="665387" y="152433"/>
+                  </a:lnTo>
+                  <a:lnTo>
+                    <a:pt x="665387" y="154746"/>
+                  </a:lnTo>
+                  <a:lnTo>
+                    <a:pt x="669347" y="154746"/>
+                  </a:lnTo>
+                  <a:lnTo>
+                    <a:pt x="669347" y="157114"/>
+                  </a:lnTo>
+                  <a:lnTo>
+                    <a:pt x="673308" y="157114"/>
+                  </a:lnTo>
+                  <a:lnTo>
+                    <a:pt x="673308" y="159535"/>
+                  </a:lnTo>
+                  <a:lnTo>
+                    <a:pt x="677269" y="159535"/>
+                  </a:lnTo>
+                  <a:lnTo>
+                    <a:pt x="677269" y="162011"/>
+                  </a:lnTo>
+                  <a:lnTo>
+                    <a:pt x="681229" y="162011"/>
+                  </a:lnTo>
+                  <a:lnTo>
+                    <a:pt x="681229" y="164541"/>
+                  </a:lnTo>
+                  <a:lnTo>
+                    <a:pt x="685190" y="164541"/>
+                  </a:lnTo>
+                  <a:lnTo>
+                    <a:pt x="685190" y="167124"/>
+                  </a:lnTo>
+                  <a:lnTo>
+                    <a:pt x="689151" y="167124"/>
+                  </a:lnTo>
+                  <a:lnTo>
+                    <a:pt x="689151" y="169761"/>
+                  </a:lnTo>
+                  <a:lnTo>
+                    <a:pt x="693111" y="169761"/>
+                  </a:lnTo>
+                  <a:lnTo>
+                    <a:pt x="693111" y="172451"/>
+                  </a:lnTo>
+                  <a:lnTo>
+                    <a:pt x="697072" y="172451"/>
+                  </a:lnTo>
+                  <a:lnTo>
+                    <a:pt x="697072" y="175195"/>
+                  </a:lnTo>
+                  <a:lnTo>
+                    <a:pt x="701032" y="175195"/>
+                  </a:lnTo>
+                  <a:lnTo>
+                    <a:pt x="701032" y="177992"/>
+                  </a:lnTo>
+                  <a:lnTo>
+                    <a:pt x="704993" y="177992"/>
+                  </a:lnTo>
+                  <a:lnTo>
+                    <a:pt x="704993" y="180841"/>
+                  </a:lnTo>
+                  <a:lnTo>
+                    <a:pt x="708954" y="180841"/>
+                  </a:lnTo>
+                  <a:lnTo>
+                    <a:pt x="708954" y="183744"/>
+                  </a:lnTo>
+                  <a:lnTo>
+                    <a:pt x="712914" y="183744"/>
+                  </a:lnTo>
+                  <a:lnTo>
+                    <a:pt x="712914" y="186698"/>
+                  </a:lnTo>
+                  <a:lnTo>
+                    <a:pt x="716875" y="186698"/>
+                  </a:lnTo>
+                  <a:lnTo>
+                    <a:pt x="716875" y="189735"/>
+                  </a:lnTo>
+                  <a:lnTo>
+                    <a:pt x="720836" y="189735"/>
+                  </a:lnTo>
+                  <a:lnTo>
+                    <a:pt x="720836" y="192854"/>
+                  </a:lnTo>
+                  <a:lnTo>
+                    <a:pt x="724796" y="192854"/>
+                  </a:lnTo>
+                  <a:lnTo>
+                    <a:pt x="724796" y="196055"/>
+                  </a:lnTo>
+                  <a:lnTo>
+                    <a:pt x="728757" y="196055"/>
+                  </a:lnTo>
+                  <a:lnTo>
+                    <a:pt x="728757" y="199337"/>
+                  </a:lnTo>
+                  <a:lnTo>
+                    <a:pt x="732718" y="199337"/>
+                  </a:lnTo>
+                  <a:lnTo>
+                    <a:pt x="732718" y="202700"/>
+                  </a:lnTo>
+                  <a:lnTo>
+                    <a:pt x="736678" y="202700"/>
+                  </a:lnTo>
+                  <a:lnTo>
+                    <a:pt x="736678" y="206144"/>
+                  </a:lnTo>
+                  <a:lnTo>
+                    <a:pt x="740639" y="206144"/>
+                  </a:lnTo>
+                  <a:lnTo>
+                    <a:pt x="740639" y="209669"/>
+                  </a:lnTo>
+                  <a:lnTo>
+                    <a:pt x="744599" y="209669"/>
+                  </a:lnTo>
+                  <a:lnTo>
+                    <a:pt x="744599" y="213273"/>
+                  </a:lnTo>
+                  <a:lnTo>
+                    <a:pt x="748560" y="213273"/>
+                  </a:lnTo>
+                  <a:lnTo>
+                    <a:pt x="748560" y="216957"/>
+                  </a:lnTo>
+                  <a:lnTo>
+                    <a:pt x="752521" y="216957"/>
+                  </a:lnTo>
+                  <a:lnTo>
+                    <a:pt x="752521" y="220720"/>
+                  </a:lnTo>
+                  <a:lnTo>
+                    <a:pt x="756481" y="220720"/>
+                  </a:lnTo>
+                  <a:lnTo>
+                    <a:pt x="756481" y="224582"/>
+                  </a:lnTo>
+                  <a:lnTo>
+                    <a:pt x="760442" y="224582"/>
+                  </a:lnTo>
+                  <a:lnTo>
+                    <a:pt x="760442" y="228543"/>
+                  </a:lnTo>
+                  <a:lnTo>
+                    <a:pt x="764403" y="228543"/>
+                  </a:lnTo>
+                  <a:lnTo>
+                    <a:pt x="764403" y="232601"/>
+                  </a:lnTo>
+                  <a:lnTo>
+                    <a:pt x="768363" y="232601"/>
+                  </a:lnTo>
+                  <a:lnTo>
+                    <a:pt x="768363" y="236757"/>
+                  </a:lnTo>
+                  <a:lnTo>
+                    <a:pt x="772324" y="236757"/>
+                  </a:lnTo>
+                  <a:lnTo>
+                    <a:pt x="772324" y="241010"/>
+                  </a:lnTo>
+                  <a:lnTo>
+                    <a:pt x="776285" y="241010"/>
+                  </a:lnTo>
+                  <a:lnTo>
+                    <a:pt x="776285" y="245359"/>
+                  </a:lnTo>
+                  <a:lnTo>
+                    <a:pt x="780245" y="245359"/>
+                  </a:lnTo>
+                  <a:lnTo>
+                    <a:pt x="780245" y="249804"/>
+                  </a:lnTo>
+                  <a:lnTo>
+                    <a:pt x="784206" y="249804"/>
+                  </a:lnTo>
+                  <a:lnTo>
+                    <a:pt x="784206" y="254344"/>
+                  </a:lnTo>
+                  <a:lnTo>
+                    <a:pt x="788166" y="254344"/>
+                  </a:lnTo>
+                  <a:lnTo>
+                    <a:pt x="788166" y="258979"/>
+                  </a:lnTo>
+                  <a:lnTo>
+                    <a:pt x="792127" y="258979"/>
+                  </a:lnTo>
+                  <a:lnTo>
+                    <a:pt x="792127" y="263709"/>
+                  </a:lnTo>
+                  <a:lnTo>
+                    <a:pt x="796088" y="263709"/>
+                  </a:lnTo>
+                  <a:lnTo>
+                    <a:pt x="796088" y="268529"/>
+                  </a:lnTo>
+                  <a:lnTo>
+                    <a:pt x="800048" y="268529"/>
+                  </a:lnTo>
+                  <a:lnTo>
+                    <a:pt x="800048" y="273440"/>
+                  </a:lnTo>
+                  <a:lnTo>
+                    <a:pt x="804009" y="273440"/>
+                  </a:lnTo>
+                  <a:lnTo>
+                    <a:pt x="804009" y="278440"/>
+                  </a:lnTo>
+                  <a:lnTo>
+                    <a:pt x="807970" y="278440"/>
+                  </a:lnTo>
+                  <a:lnTo>
+                    <a:pt x="807970" y="283530"/>
+                  </a:lnTo>
+                  <a:lnTo>
+                    <a:pt x="811930" y="283530"/>
+                  </a:lnTo>
+                  <a:lnTo>
+                    <a:pt x="811930" y="288709"/>
+                  </a:lnTo>
+                  <a:lnTo>
+                    <a:pt x="815891" y="288709"/>
+                  </a:lnTo>
+                  <a:lnTo>
+                    <a:pt x="815891" y="293976"/>
+                  </a:lnTo>
+                  <a:lnTo>
+                    <a:pt x="819852" y="293976"/>
+                  </a:lnTo>
+                  <a:lnTo>
+                    <a:pt x="819852" y="299330"/>
+                  </a:lnTo>
+                  <a:lnTo>
+                    <a:pt x="823812" y="299330"/>
+                  </a:lnTo>
+                  <a:lnTo>
+                    <a:pt x="823812" y="304771"/>
+                  </a:lnTo>
+                  <a:lnTo>
+                    <a:pt x="827773" y="304771"/>
+                  </a:lnTo>
+                  <a:lnTo>
+                    <a:pt x="827773" y="310298"/>
+                  </a:lnTo>
+                  <a:lnTo>
+                    <a:pt x="831734" y="310298"/>
+                  </a:lnTo>
+                  <a:lnTo>
+                    <a:pt x="831734" y="315911"/>
+                  </a:lnTo>
+                  <a:lnTo>
+                    <a:pt x="835694" y="315911"/>
+                  </a:lnTo>
+                  <a:lnTo>
+                    <a:pt x="835694" y="321599"/>
+                  </a:lnTo>
+                  <a:lnTo>
+                    <a:pt x="839655" y="321599"/>
+                  </a:lnTo>
+                  <a:lnTo>
+                    <a:pt x="839655" y="327363"/>
+                  </a:lnTo>
+                  <a:lnTo>
+                    <a:pt x="843615" y="327363"/>
+                  </a:lnTo>
+                  <a:lnTo>
+                    <a:pt x="843615" y="333200"/>
+                  </a:lnTo>
+                  <a:lnTo>
+                    <a:pt x="847576" y="333200"/>
+                  </a:lnTo>
+                  <a:lnTo>
+                    <a:pt x="847576" y="339112"/>
+                  </a:lnTo>
+                  <a:lnTo>
+                    <a:pt x="851537" y="339112"/>
+                  </a:lnTo>
+                  <a:lnTo>
+                    <a:pt x="851537" y="345096"/>
+                  </a:lnTo>
+                  <a:lnTo>
+                    <a:pt x="855497" y="345096"/>
+                  </a:lnTo>
+                  <a:lnTo>
+                    <a:pt x="855497" y="351153"/>
+                  </a:lnTo>
+                  <a:lnTo>
+                    <a:pt x="859458" y="351153"/>
+                  </a:lnTo>
+                  <a:lnTo>
+                    <a:pt x="859458" y="357282"/>
+                  </a:lnTo>
+                  <a:lnTo>
+                    <a:pt x="863419" y="357282"/>
+                  </a:lnTo>
+                  <a:lnTo>
+                    <a:pt x="863419" y="363482"/>
+                  </a:lnTo>
+                  <a:lnTo>
+                    <a:pt x="867379" y="363482"/>
+                  </a:lnTo>
+                  <a:lnTo>
+                    <a:pt x="867379" y="369753"/>
+                  </a:lnTo>
+                  <a:lnTo>
+                    <a:pt x="871340" y="369753"/>
+                  </a:lnTo>
+                  <a:lnTo>
+                    <a:pt x="871340" y="376094"/>
+                  </a:lnTo>
+                  <a:lnTo>
+                    <a:pt x="875301" y="376094"/>
+                  </a:lnTo>
+                  <a:lnTo>
+                    <a:pt x="875301" y="382484"/>
+                  </a:lnTo>
+                  <a:lnTo>
+                    <a:pt x="879261" y="382484"/>
+                  </a:lnTo>
+                  <a:lnTo>
+                    <a:pt x="879261" y="388923"/>
+                  </a:lnTo>
+                  <a:lnTo>
+                    <a:pt x="883222" y="388923"/>
+                  </a:lnTo>
+                  <a:lnTo>
+                    <a:pt x="883222" y="395410"/>
+                  </a:lnTo>
+                  <a:lnTo>
+                    <a:pt x="887182" y="395410"/>
+                  </a:lnTo>
+                  <a:lnTo>
+                    <a:pt x="887182" y="401945"/>
+                  </a:lnTo>
+                  <a:lnTo>
+                    <a:pt x="891143" y="401945"/>
+                  </a:lnTo>
+                  <a:lnTo>
+                    <a:pt x="891143" y="408527"/>
+                  </a:lnTo>
+                  <a:lnTo>
+                    <a:pt x="895104" y="408527"/>
+                  </a:lnTo>
+                  <a:lnTo>
+                    <a:pt x="895104" y="415156"/>
+                  </a:lnTo>
+                  <a:lnTo>
+                    <a:pt x="899064" y="415156"/>
+                  </a:lnTo>
+                  <a:lnTo>
+                    <a:pt x="899064" y="421832"/>
+                  </a:lnTo>
+                  <a:lnTo>
+                    <a:pt x="903025" y="421832"/>
+                  </a:lnTo>
+                  <a:lnTo>
+                    <a:pt x="903025" y="428553"/>
+                  </a:lnTo>
+                  <a:lnTo>
+                    <a:pt x="906986" y="428553"/>
+                  </a:lnTo>
+                  <a:lnTo>
+                    <a:pt x="906986" y="435320"/>
+                  </a:lnTo>
+                  <a:lnTo>
+                    <a:pt x="910946" y="435320"/>
+                  </a:lnTo>
+                  <a:lnTo>
+                    <a:pt x="910946" y="442131"/>
+                  </a:lnTo>
+                  <a:lnTo>
+                    <a:pt x="914907" y="442131"/>
+                  </a:lnTo>
+                  <a:lnTo>
+                    <a:pt x="914907" y="448920"/>
+                  </a:lnTo>
+                  <a:lnTo>
+                    <a:pt x="918868" y="448920"/>
+                  </a:lnTo>
+                  <a:lnTo>
+                    <a:pt x="918868" y="455686"/>
+                  </a:lnTo>
+                  <a:lnTo>
+                    <a:pt x="922828" y="455686"/>
+                  </a:lnTo>
+                  <a:lnTo>
+                    <a:pt x="922828" y="462431"/>
+                  </a:lnTo>
+                  <a:lnTo>
+                    <a:pt x="926789" y="462431"/>
+                  </a:lnTo>
+                  <a:lnTo>
+                    <a:pt x="926789" y="469153"/>
+                  </a:lnTo>
+                  <a:lnTo>
+                    <a:pt x="930749" y="469153"/>
+                  </a:lnTo>
+                  <a:lnTo>
+                    <a:pt x="930749" y="475853"/>
+                  </a:lnTo>
+                  <a:lnTo>
+                    <a:pt x="934710" y="475853"/>
+                  </a:lnTo>
+                  <a:lnTo>
+                    <a:pt x="934710" y="482531"/>
+                  </a:lnTo>
+                  <a:lnTo>
+                    <a:pt x="938671" y="482531"/>
+                  </a:lnTo>
+                  <a:lnTo>
+                    <a:pt x="938671" y="489187"/>
+                  </a:lnTo>
+                  <a:lnTo>
+                    <a:pt x="942631" y="489187"/>
+                  </a:lnTo>
+                  <a:lnTo>
+                    <a:pt x="942631" y="495821"/>
+                  </a:lnTo>
+                  <a:lnTo>
+                    <a:pt x="946592" y="495821"/>
+                  </a:lnTo>
+                  <a:lnTo>
+                    <a:pt x="946592" y="502433"/>
+                  </a:lnTo>
+                  <a:lnTo>
+                    <a:pt x="950553" y="502433"/>
+                  </a:lnTo>
+                  <a:lnTo>
+                    <a:pt x="950553" y="509024"/>
+                  </a:lnTo>
+                  <a:lnTo>
+                    <a:pt x="954513" y="509024"/>
+                  </a:lnTo>
+                  <a:lnTo>
+                    <a:pt x="954513" y="515535"/>
+                  </a:lnTo>
+                  <a:lnTo>
+                    <a:pt x="958474" y="515535"/>
+                  </a:lnTo>
+                  <a:lnTo>
+                    <a:pt x="958474" y="521968"/>
+                  </a:lnTo>
+                  <a:lnTo>
+                    <a:pt x="962435" y="521968"/>
+                  </a:lnTo>
+                  <a:lnTo>
+                    <a:pt x="962435" y="528322"/>
+                  </a:lnTo>
+                  <a:lnTo>
+                    <a:pt x="966395" y="528322"/>
+                  </a:lnTo>
+                  <a:lnTo>
+                    <a:pt x="966395" y="534599"/>
+                  </a:lnTo>
+                  <a:lnTo>
+                    <a:pt x="970356" y="534599"/>
+                  </a:lnTo>
+                  <a:lnTo>
+                    <a:pt x="970356" y="540799"/>
+                  </a:lnTo>
+                  <a:lnTo>
+                    <a:pt x="974316" y="540799"/>
+                  </a:lnTo>
+                  <a:lnTo>
+                    <a:pt x="974316" y="546922"/>
+                  </a:lnTo>
+                  <a:lnTo>
+                    <a:pt x="978277" y="546922"/>
+                  </a:lnTo>
+                  <a:lnTo>
+                    <a:pt x="978277" y="552969"/>
+                  </a:lnTo>
+                  <a:lnTo>
+                    <a:pt x="982238" y="552969"/>
+                  </a:lnTo>
+                  <a:lnTo>
+                    <a:pt x="982238" y="558941"/>
+                  </a:lnTo>
+                  <a:lnTo>
+                    <a:pt x="986198" y="558941"/>
+                  </a:lnTo>
+                  <a:lnTo>
+                    <a:pt x="986198" y="564838"/>
+                  </a:lnTo>
+                  <a:lnTo>
+                    <a:pt x="990159" y="564838"/>
+                  </a:lnTo>
+                  <a:lnTo>
+                    <a:pt x="990159" y="570661"/>
+                  </a:lnTo>
+                  <a:lnTo>
+                    <a:pt x="994120" y="570661"/>
+                  </a:lnTo>
+                  <a:lnTo>
+                    <a:pt x="994120" y="576387"/>
+                  </a:lnTo>
+                  <a:lnTo>
+                    <a:pt x="998080" y="576387"/>
+                  </a:lnTo>
+                  <a:lnTo>
+                    <a:pt x="998080" y="582018"/>
+                  </a:lnTo>
+                  <a:lnTo>
+                    <a:pt x="1002041" y="582018"/>
+                  </a:lnTo>
+                  <a:lnTo>
+                    <a:pt x="1002041" y="587553"/>
+                  </a:lnTo>
+                  <a:lnTo>
+                    <a:pt x="1006002" y="587553"/>
+                  </a:lnTo>
+                  <a:lnTo>
+                    <a:pt x="1006002" y="592994"/>
+                  </a:lnTo>
+                  <a:lnTo>
+                    <a:pt x="1009962" y="592994"/>
+                  </a:lnTo>
+                  <a:lnTo>
+                    <a:pt x="1009962" y="598341"/>
+                  </a:lnTo>
+                  <a:lnTo>
+                    <a:pt x="1013923" y="598341"/>
+                  </a:lnTo>
+                  <a:lnTo>
+                    <a:pt x="1013923" y="603595"/>
+                  </a:lnTo>
+                  <a:lnTo>
+                    <a:pt x="1017883" y="603595"/>
+                  </a:lnTo>
+                  <a:lnTo>
+                    <a:pt x="1017883" y="608757"/>
+                  </a:lnTo>
+                  <a:lnTo>
+                    <a:pt x="1021844" y="608757"/>
+                  </a:lnTo>
+                  <a:lnTo>
+                    <a:pt x="1021844" y="613827"/>
+                  </a:lnTo>
+                  <a:lnTo>
+                    <a:pt x="1025805" y="613827"/>
+                  </a:lnTo>
+                  <a:lnTo>
+                    <a:pt x="1025805" y="618805"/>
+                  </a:lnTo>
+                  <a:lnTo>
+                    <a:pt x="1029765" y="618805"/>
+                  </a:lnTo>
+                  <a:lnTo>
+                    <a:pt x="1029765" y="623693"/>
+                  </a:lnTo>
+                  <a:lnTo>
+                    <a:pt x="1033726" y="623693"/>
+                  </a:lnTo>
+                  <a:lnTo>
+                    <a:pt x="1033726" y="628490"/>
+                  </a:lnTo>
+                  <a:lnTo>
+                    <a:pt x="1037687" y="628490"/>
+                  </a:lnTo>
+                  <a:lnTo>
+                    <a:pt x="1037687" y="633197"/>
+                  </a:lnTo>
+                  <a:lnTo>
+                    <a:pt x="1041647" y="633197"/>
+                  </a:lnTo>
+                  <a:lnTo>
+                    <a:pt x="1041647" y="637815"/>
+                  </a:lnTo>
+                  <a:lnTo>
+                    <a:pt x="1045608" y="637815"/>
+                  </a:lnTo>
+                  <a:lnTo>
+                    <a:pt x="1045608" y="642344"/>
+                  </a:lnTo>
+                  <a:lnTo>
+                    <a:pt x="1049569" y="642344"/>
+                  </a:lnTo>
+                  <a:lnTo>
+                    <a:pt x="1049569" y="646785"/>
+                  </a:lnTo>
+                  <a:lnTo>
+                    <a:pt x="1053529" y="646785"/>
+                  </a:lnTo>
+                  <a:lnTo>
+                    <a:pt x="1053529" y="651138"/>
+                  </a:lnTo>
+                  <a:lnTo>
+                    <a:pt x="1057490" y="651138"/>
+                  </a:lnTo>
+                  <a:lnTo>
+                    <a:pt x="1057490" y="655403"/>
+                  </a:lnTo>
+                  <a:lnTo>
+                    <a:pt x="1061451" y="655403"/>
+                  </a:lnTo>
+                  <a:lnTo>
+                    <a:pt x="1061451" y="659582"/>
+                  </a:lnTo>
+                  <a:lnTo>
+                    <a:pt x="1065411" y="659582"/>
+                  </a:lnTo>
+                  <a:lnTo>
+                    <a:pt x="1065411" y="663675"/>
+                  </a:lnTo>
+                  <a:lnTo>
+                    <a:pt x="1069372" y="663675"/>
+                  </a:lnTo>
+                  <a:lnTo>
+                    <a:pt x="1069372" y="667682"/>
+                  </a:lnTo>
+                  <a:lnTo>
+                    <a:pt x="1073332" y="667682"/>
+                  </a:lnTo>
+                  <a:lnTo>
+                    <a:pt x="1073332" y="671619"/>
+                  </a:lnTo>
+                  <a:lnTo>
+                    <a:pt x="1077293" y="671619"/>
+                  </a:lnTo>
+                  <a:lnTo>
+                    <a:pt x="1077293" y="675486"/>
+                  </a:lnTo>
+                  <a:lnTo>
+                    <a:pt x="1081254" y="675486"/>
+                  </a:lnTo>
+                  <a:lnTo>
+                    <a:pt x="1081254" y="679285"/>
+                  </a:lnTo>
+                  <a:lnTo>
+                    <a:pt x="1085214" y="679285"/>
+                  </a:lnTo>
+                  <a:lnTo>
+                    <a:pt x="1085214" y="683014"/>
+                  </a:lnTo>
+                  <a:lnTo>
+                    <a:pt x="1089175" y="683014"/>
+                  </a:lnTo>
+                  <a:lnTo>
+                    <a:pt x="1089175" y="686675"/>
+                  </a:lnTo>
+                  <a:lnTo>
+                    <a:pt x="1093136" y="686675"/>
+                  </a:lnTo>
+                  <a:lnTo>
+                    <a:pt x="1093136" y="690268"/>
+                  </a:lnTo>
+                  <a:lnTo>
+                    <a:pt x="1097096" y="690268"/>
+                  </a:lnTo>
+                  <a:lnTo>
+                    <a:pt x="1097096" y="693794"/>
+                  </a:lnTo>
+                  <a:lnTo>
+                    <a:pt x="1101057" y="693794"/>
+                  </a:lnTo>
+                  <a:lnTo>
+                    <a:pt x="1101057" y="697252"/>
+                  </a:lnTo>
+                  <a:lnTo>
+                    <a:pt x="1105018" y="697252"/>
+                  </a:lnTo>
+                  <a:lnTo>
+                    <a:pt x="1105018" y="700643"/>
+                  </a:lnTo>
+                  <a:lnTo>
+                    <a:pt x="1108978" y="700643"/>
+                  </a:lnTo>
+                  <a:lnTo>
+                    <a:pt x="1108978" y="703967"/>
+                  </a:lnTo>
+                  <a:lnTo>
+                    <a:pt x="1112939" y="703967"/>
+                  </a:lnTo>
+                  <a:lnTo>
+                    <a:pt x="1112939" y="707241"/>
+                  </a:lnTo>
+                  <a:lnTo>
+                    <a:pt x="1116899" y="707241"/>
+                  </a:lnTo>
+                  <a:lnTo>
+                    <a:pt x="1116899" y="710466"/>
+                  </a:lnTo>
+                  <a:lnTo>
+                    <a:pt x="1120860" y="710466"/>
+                  </a:lnTo>
+                  <a:lnTo>
+                    <a:pt x="1120860" y="713641"/>
+                  </a:lnTo>
+                  <a:lnTo>
+                    <a:pt x="1124821" y="713641"/>
+                  </a:lnTo>
+                  <a:lnTo>
+                    <a:pt x="1124821" y="716767"/>
+                  </a:lnTo>
+                  <a:lnTo>
+                    <a:pt x="1128781" y="716767"/>
+                  </a:lnTo>
+                  <a:lnTo>
+                    <a:pt x="1128781" y="719843"/>
+                  </a:lnTo>
+                  <a:lnTo>
+                    <a:pt x="1132742" y="719843"/>
+                  </a:lnTo>
+                  <a:lnTo>
+                    <a:pt x="1132742" y="722871"/>
+                  </a:lnTo>
+                  <a:lnTo>
+                    <a:pt x="1136703" y="722871"/>
+                  </a:lnTo>
+                  <a:lnTo>
+                    <a:pt x="1136703" y="725850"/>
+                  </a:lnTo>
+                  <a:lnTo>
+                    <a:pt x="1140663" y="725850"/>
+                  </a:lnTo>
+                  <a:lnTo>
+                    <a:pt x="1140663" y="728781"/>
+                  </a:lnTo>
+                  <a:lnTo>
+                    <a:pt x="1144624" y="728781"/>
+                  </a:lnTo>
+                  <a:lnTo>
+                    <a:pt x="1144624" y="731663"/>
+                  </a:lnTo>
+                  <a:lnTo>
+                    <a:pt x="1148585" y="731663"/>
+                  </a:lnTo>
+                  <a:lnTo>
+                    <a:pt x="1148585" y="734497"/>
+                  </a:lnTo>
+                  <a:lnTo>
+                    <a:pt x="1152545" y="734497"/>
+                  </a:lnTo>
+                  <a:lnTo>
+                    <a:pt x="1152545" y="737307"/>
+                  </a:lnTo>
+                  <a:lnTo>
+                    <a:pt x="1156506" y="737307"/>
+                  </a:lnTo>
+                  <a:lnTo>
+                    <a:pt x="1156506" y="740093"/>
+                  </a:lnTo>
+                  <a:lnTo>
+                    <a:pt x="1160466" y="740093"/>
+                  </a:lnTo>
+                  <a:lnTo>
+                    <a:pt x="1160466" y="742854"/>
+                  </a:lnTo>
+                  <a:lnTo>
+                    <a:pt x="1164427" y="742854"/>
+                  </a:lnTo>
+                  <a:lnTo>
+                    <a:pt x="1164427" y="745592"/>
+                  </a:lnTo>
+                  <a:lnTo>
+                    <a:pt x="1168388" y="745592"/>
+                  </a:lnTo>
+                  <a:lnTo>
+                    <a:pt x="1168388" y="748305"/>
+                  </a:lnTo>
+                  <a:lnTo>
+                    <a:pt x="1172348" y="748305"/>
+                  </a:lnTo>
+                  <a:lnTo>
+                    <a:pt x="1172348" y="750995"/>
+                  </a:lnTo>
+                  <a:lnTo>
+                    <a:pt x="1176309" y="750995"/>
+                  </a:lnTo>
+                  <a:lnTo>
+                    <a:pt x="1176309" y="753660"/>
+                  </a:lnTo>
+                  <a:lnTo>
+                    <a:pt x="1180270" y="753660"/>
+                  </a:lnTo>
+                  <a:lnTo>
+                    <a:pt x="1180270" y="756302"/>
+                  </a:lnTo>
+                  <a:lnTo>
+                    <a:pt x="1184230" y="756302"/>
+                  </a:lnTo>
+                  <a:lnTo>
+                    <a:pt x="1184230" y="758921"/>
+                  </a:lnTo>
+                  <a:lnTo>
+                    <a:pt x="1188191" y="758921"/>
+                  </a:lnTo>
+                  <a:lnTo>
+                    <a:pt x="1188191" y="761515"/>
+                  </a:lnTo>
+                  <a:lnTo>
+                    <a:pt x="1192152" y="761515"/>
+                  </a:lnTo>
+                  <a:lnTo>
+                    <a:pt x="1192152" y="764087"/>
+                  </a:lnTo>
+                  <a:lnTo>
+                    <a:pt x="1196112" y="764087"/>
+                  </a:lnTo>
+                  <a:lnTo>
+                    <a:pt x="1196112" y="766634"/>
+                  </a:lnTo>
+                  <a:lnTo>
+                    <a:pt x="1200073" y="766634"/>
+                  </a:lnTo>
+                  <a:lnTo>
+                    <a:pt x="1200073" y="769159"/>
+                  </a:lnTo>
+                  <a:lnTo>
+                    <a:pt x="1204033" y="769159"/>
+                  </a:lnTo>
+                  <a:lnTo>
+                    <a:pt x="1204033" y="771660"/>
+                  </a:lnTo>
+                  <a:lnTo>
+                    <a:pt x="1207994" y="771660"/>
+                  </a:lnTo>
+                  <a:lnTo>
+                    <a:pt x="1207994" y="774139"/>
+                  </a:lnTo>
+                  <a:lnTo>
+                    <a:pt x="1211955" y="774139"/>
+                  </a:lnTo>
+                  <a:lnTo>
+                    <a:pt x="1211955" y="776622"/>
+                  </a:lnTo>
+                  <a:lnTo>
+                    <a:pt x="1215915" y="776622"/>
+                  </a:lnTo>
+                  <a:lnTo>
+                    <a:pt x="1215915" y="779111"/>
+                  </a:lnTo>
+                  <a:lnTo>
+                    <a:pt x="1219876" y="779111"/>
+                  </a:lnTo>
+                  <a:lnTo>
+                    <a:pt x="1219876" y="781605"/>
+                  </a:lnTo>
+                  <a:lnTo>
+                    <a:pt x="1223837" y="781605"/>
+                  </a:lnTo>
+                  <a:lnTo>
+                    <a:pt x="1223837" y="784105"/>
+                  </a:lnTo>
+                  <a:lnTo>
+                    <a:pt x="1227797" y="784105"/>
+                  </a:lnTo>
+                  <a:lnTo>
+                    <a:pt x="1227797" y="786609"/>
+                  </a:lnTo>
+                  <a:lnTo>
+                    <a:pt x="1231758" y="786609"/>
+                  </a:lnTo>
+                  <a:lnTo>
+                    <a:pt x="1231758" y="789119"/>
+                  </a:lnTo>
+                  <a:lnTo>
+                    <a:pt x="1235719" y="789119"/>
+                  </a:lnTo>
+                  <a:lnTo>
+                    <a:pt x="1235719" y="791634"/>
+                  </a:lnTo>
+                  <a:lnTo>
+                    <a:pt x="1239679" y="791634"/>
+                  </a:lnTo>
+                  <a:lnTo>
+                    <a:pt x="1239679" y="794154"/>
+                  </a:lnTo>
+                  <a:lnTo>
+                    <a:pt x="1243640" y="794154"/>
+                  </a:lnTo>
+                  <a:lnTo>
+                    <a:pt x="1243640" y="796679"/>
+                  </a:lnTo>
+                  <a:lnTo>
+                    <a:pt x="1247601" y="796679"/>
+                  </a:lnTo>
+                  <a:lnTo>
+                    <a:pt x="1247601" y="799210"/>
+                  </a:lnTo>
+                  <a:lnTo>
+                    <a:pt x="1251561" y="799210"/>
+                  </a:lnTo>
+                  <a:lnTo>
+                    <a:pt x="1251561" y="801745"/>
+                  </a:lnTo>
+                  <a:lnTo>
+                    <a:pt x="1255522" y="801745"/>
+                  </a:lnTo>
+                  <a:lnTo>
+                    <a:pt x="1255522" y="804285"/>
+                  </a:lnTo>
+                  <a:lnTo>
+                    <a:pt x="1259482" y="804285"/>
+                  </a:lnTo>
+                  <a:lnTo>
+                    <a:pt x="1259482" y="806831"/>
+                  </a:lnTo>
+                  <a:lnTo>
+                    <a:pt x="1263443" y="806831"/>
+                  </a:lnTo>
+                  <a:lnTo>
+                    <a:pt x="1263443" y="809381"/>
+                  </a:lnTo>
+                  <a:lnTo>
+                    <a:pt x="1267404" y="809381"/>
+                  </a:lnTo>
+                  <a:lnTo>
+                    <a:pt x="1267404" y="811936"/>
+                  </a:lnTo>
+                  <a:lnTo>
+                    <a:pt x="1271364" y="811936"/>
+                  </a:lnTo>
+                  <a:lnTo>
+                    <a:pt x="1271364" y="814507"/>
+                  </a:lnTo>
+                  <a:lnTo>
+                    <a:pt x="1275325" y="814507"/>
+                  </a:lnTo>
+                  <a:lnTo>
+                    <a:pt x="1275325" y="817095"/>
+                  </a:lnTo>
+                  <a:lnTo>
+                    <a:pt x="1279286" y="817095"/>
+                  </a:lnTo>
+                  <a:lnTo>
+                    <a:pt x="1279286" y="819698"/>
+                  </a:lnTo>
+                  <a:lnTo>
+                    <a:pt x="1283246" y="819698"/>
+                  </a:lnTo>
+                  <a:lnTo>
+                    <a:pt x="1283246" y="822318"/>
+                  </a:lnTo>
+                  <a:lnTo>
+                    <a:pt x="1287207" y="822318"/>
+                  </a:lnTo>
+                  <a:lnTo>
+                    <a:pt x="1287207" y="824953"/>
+                  </a:lnTo>
+                  <a:lnTo>
+                    <a:pt x="1291168" y="824953"/>
+                  </a:lnTo>
+                  <a:lnTo>
+                    <a:pt x="1291168" y="827605"/>
+                  </a:lnTo>
+                  <a:lnTo>
+                    <a:pt x="1295128" y="827605"/>
+                  </a:lnTo>
+                  <a:lnTo>
+                    <a:pt x="1295128" y="830272"/>
+                  </a:lnTo>
+                  <a:lnTo>
+                    <a:pt x="1299089" y="830272"/>
+                  </a:lnTo>
+                  <a:lnTo>
+                    <a:pt x="1299089" y="832954"/>
+                  </a:lnTo>
+                  <a:lnTo>
+                    <a:pt x="1303049" y="832954"/>
+                  </a:lnTo>
+                  <a:lnTo>
+                    <a:pt x="1303049" y="835653"/>
+                  </a:lnTo>
+                  <a:lnTo>
+                    <a:pt x="1307010" y="835653"/>
+                  </a:lnTo>
+                  <a:lnTo>
+                    <a:pt x="1307010" y="838366"/>
+                  </a:lnTo>
+                  <a:lnTo>
+                    <a:pt x="1310971" y="838366"/>
+                  </a:lnTo>
+                  <a:lnTo>
+                    <a:pt x="1310971" y="841094"/>
+                  </a:lnTo>
+                  <a:lnTo>
+                    <a:pt x="1314931" y="841094"/>
+                  </a:lnTo>
+                  <a:lnTo>
+                    <a:pt x="1314931" y="843837"/>
+                  </a:lnTo>
+                  <a:lnTo>
+                    <a:pt x="1318892" y="843837"/>
+                  </a:lnTo>
+                  <a:lnTo>
+                    <a:pt x="1318892" y="846593"/>
+                  </a:lnTo>
+                  <a:lnTo>
+                    <a:pt x="1322853" y="846593"/>
+                  </a:lnTo>
+                  <a:lnTo>
+                    <a:pt x="1322853" y="849364"/>
+                  </a:lnTo>
+                  <a:lnTo>
+                    <a:pt x="1326813" y="849364"/>
+                  </a:lnTo>
+                  <a:lnTo>
+                    <a:pt x="1326813" y="852149"/>
+                  </a:lnTo>
+                  <a:lnTo>
+                    <a:pt x="1330774" y="852149"/>
+                  </a:lnTo>
+                  <a:lnTo>
+                    <a:pt x="1330774" y="854948"/>
+                  </a:lnTo>
+                  <a:lnTo>
+                    <a:pt x="1334735" y="854948"/>
+                  </a:lnTo>
+                  <a:lnTo>
+                    <a:pt x="1334735" y="857760"/>
+                  </a:lnTo>
+                  <a:lnTo>
+                    <a:pt x="1338695" y="857760"/>
+                  </a:lnTo>
+                  <a:lnTo>
+                    <a:pt x="1338695" y="860587"/>
+                  </a:lnTo>
+                  <a:lnTo>
+                    <a:pt x="1342656" y="860587"/>
+                  </a:lnTo>
+                  <a:lnTo>
+                    <a:pt x="1342656" y="863427"/>
+                  </a:lnTo>
+                  <a:lnTo>
+                    <a:pt x="1346616" y="863427"/>
+                  </a:lnTo>
+                  <a:lnTo>
+                    <a:pt x="1346616" y="866281"/>
+                  </a:lnTo>
+                  <a:lnTo>
+                    <a:pt x="1350577" y="866281"/>
+                  </a:lnTo>
+                  <a:lnTo>
+                    <a:pt x="1350577" y="869139"/>
+                  </a:lnTo>
+                  <a:lnTo>
+                    <a:pt x="1354538" y="869139"/>
+                  </a:lnTo>
+                  <a:lnTo>
+                    <a:pt x="1354538" y="872001"/>
+                  </a:lnTo>
+                  <a:lnTo>
+                    <a:pt x="1358498" y="872001"/>
+                  </a:lnTo>
+                  <a:lnTo>
+                    <a:pt x="1358498" y="874867"/>
+                  </a:lnTo>
+                  <a:lnTo>
+                    <a:pt x="1362459" y="874867"/>
+                  </a:lnTo>
+                  <a:lnTo>
+                    <a:pt x="1362459" y="877736"/>
+                  </a:lnTo>
+                  <a:lnTo>
+                    <a:pt x="1366420" y="877736"/>
+                  </a:lnTo>
+                  <a:lnTo>
+                    <a:pt x="1366420" y="880609"/>
+                  </a:lnTo>
+                  <a:lnTo>
+                    <a:pt x="1370380" y="880609"/>
+                  </a:lnTo>
+                  <a:lnTo>
+                    <a:pt x="1370380" y="883486"/>
+                  </a:lnTo>
+                  <a:lnTo>
+                    <a:pt x="1374341" y="883486"/>
+                  </a:lnTo>
+                  <a:lnTo>
+                    <a:pt x="1374341" y="886367"/>
+                  </a:lnTo>
+                  <a:lnTo>
+                    <a:pt x="1378302" y="886367"/>
+                  </a:lnTo>
+                  <a:lnTo>
+                    <a:pt x="1378302" y="889252"/>
+                  </a:lnTo>
+                  <a:lnTo>
+                    <a:pt x="1382262" y="889252"/>
+                  </a:lnTo>
+                  <a:lnTo>
+                    <a:pt x="1382262" y="892140"/>
+                  </a:lnTo>
+                  <a:lnTo>
+                    <a:pt x="1386223" y="892140"/>
+                  </a:lnTo>
+                  <a:lnTo>
+                    <a:pt x="1386223" y="895032"/>
+                  </a:lnTo>
+                  <a:lnTo>
+                    <a:pt x="1390183" y="895032"/>
+                  </a:lnTo>
+                  <a:lnTo>
+                    <a:pt x="1390183" y="897896"/>
+                  </a:lnTo>
+                  <a:lnTo>
+                    <a:pt x="1394144" y="897896"/>
+                  </a:lnTo>
+                  <a:lnTo>
+                    <a:pt x="1394144" y="900733"/>
+                  </a:lnTo>
+                  <a:lnTo>
+                    <a:pt x="1398105" y="900733"/>
+                  </a:lnTo>
+                  <a:lnTo>
+                    <a:pt x="1398105" y="903543"/>
+                  </a:lnTo>
+                  <a:lnTo>
+                    <a:pt x="1402065" y="903543"/>
+                  </a:lnTo>
+                  <a:lnTo>
+                    <a:pt x="1402065" y="906326"/>
+                  </a:lnTo>
+                  <a:lnTo>
+                    <a:pt x="1406026" y="906326"/>
+                  </a:lnTo>
+                  <a:lnTo>
+                    <a:pt x="1406026" y="909082"/>
+                  </a:lnTo>
+                  <a:lnTo>
+                    <a:pt x="1409987" y="909082"/>
+                  </a:lnTo>
+                  <a:lnTo>
+                    <a:pt x="1409987" y="911811"/>
+                  </a:lnTo>
+                  <a:lnTo>
+                    <a:pt x="1413947" y="911811"/>
+                  </a:lnTo>
+                  <a:lnTo>
+                    <a:pt x="1413947" y="914513"/>
+                  </a:lnTo>
+                  <a:lnTo>
+                    <a:pt x="1417908" y="914513"/>
+                  </a:lnTo>
+                  <a:lnTo>
+                    <a:pt x="1417908" y="917188"/>
+                  </a:lnTo>
+                  <a:lnTo>
+                    <a:pt x="1421869" y="917188"/>
+                  </a:lnTo>
+                  <a:lnTo>
+                    <a:pt x="1421869" y="919837"/>
+                  </a:lnTo>
+                  <a:lnTo>
+                    <a:pt x="1425829" y="919837"/>
+                  </a:lnTo>
+                  <a:lnTo>
+                    <a:pt x="1425829" y="922460"/>
+                  </a:lnTo>
+                  <a:lnTo>
+                    <a:pt x="1429790" y="922460"/>
+                  </a:lnTo>
+                  <a:lnTo>
+                    <a:pt x="1429790" y="925035"/>
+                  </a:lnTo>
+                  <a:lnTo>
+                    <a:pt x="1433751" y="925035"/>
+                  </a:lnTo>
+                  <a:lnTo>
+                    <a:pt x="1433751" y="927563"/>
+                  </a:lnTo>
+                  <a:lnTo>
+                    <a:pt x="1437711" y="927563"/>
+                  </a:lnTo>
+                  <a:lnTo>
+                    <a:pt x="1437711" y="930044"/>
+                  </a:lnTo>
+                  <a:lnTo>
+                    <a:pt x="1441672" y="930044"/>
+                  </a:lnTo>
+                  <a:lnTo>
+                    <a:pt x="1441672" y="932478"/>
+                  </a:lnTo>
+                  <a:lnTo>
+                    <a:pt x="1445632" y="932478"/>
+                  </a:lnTo>
+                  <a:lnTo>
+                    <a:pt x="1445632" y="934866"/>
+                  </a:lnTo>
+                  <a:lnTo>
+                    <a:pt x="1449593" y="934866"/>
+                  </a:lnTo>
+                  <a:lnTo>
+                    <a:pt x="1449593" y="937207"/>
+                  </a:lnTo>
+                  <a:lnTo>
+                    <a:pt x="1453554" y="937207"/>
+                  </a:lnTo>
+                  <a:lnTo>
+                    <a:pt x="1453554" y="939502"/>
+                  </a:lnTo>
+                  <a:lnTo>
+                    <a:pt x="1457514" y="939502"/>
+                  </a:lnTo>
+                  <a:lnTo>
+                    <a:pt x="1457514" y="941750"/>
+                  </a:lnTo>
+                  <a:lnTo>
+                    <a:pt x="1461475" y="941750"/>
+                  </a:lnTo>
+                  <a:lnTo>
+                    <a:pt x="1461475" y="943953"/>
+                  </a:lnTo>
+                  <a:lnTo>
+                    <a:pt x="1465436" y="943953"/>
+                  </a:lnTo>
+                  <a:lnTo>
+                    <a:pt x="1465436" y="946110"/>
+                  </a:lnTo>
+                  <a:lnTo>
+                    <a:pt x="1469396" y="946110"/>
+                  </a:lnTo>
+                  <a:lnTo>
+                    <a:pt x="1469396" y="948213"/>
+                  </a:lnTo>
+                  <a:lnTo>
+                    <a:pt x="1473357" y="948213"/>
+                  </a:lnTo>
+                  <a:lnTo>
+                    <a:pt x="1473357" y="950261"/>
+                  </a:lnTo>
+                  <a:lnTo>
+                    <a:pt x="1477318" y="950261"/>
+                  </a:lnTo>
+                  <a:lnTo>
+                    <a:pt x="1477318" y="952254"/>
+                  </a:lnTo>
+                  <a:lnTo>
+                    <a:pt x="1481278" y="952254"/>
+                  </a:lnTo>
+                  <a:lnTo>
+                    <a:pt x="1481278" y="954194"/>
+                  </a:lnTo>
+                  <a:lnTo>
+                    <a:pt x="1485239" y="954194"/>
+                  </a:lnTo>
+                  <a:lnTo>
+                    <a:pt x="1485239" y="956080"/>
+                  </a:lnTo>
+                  <a:lnTo>
+                    <a:pt x="1489199" y="956080"/>
+                  </a:lnTo>
+                  <a:lnTo>
+                    <a:pt x="1489199" y="957912"/>
+                  </a:lnTo>
+                  <a:lnTo>
+                    <a:pt x="1493160" y="957912"/>
+                  </a:lnTo>
+                  <a:lnTo>
+                    <a:pt x="1493160" y="959691"/>
+                  </a:lnTo>
+                  <a:lnTo>
+                    <a:pt x="1497121" y="959691"/>
+                  </a:lnTo>
+                  <a:lnTo>
+                    <a:pt x="1497121" y="961416"/>
+                  </a:lnTo>
+                  <a:lnTo>
+                    <a:pt x="1501081" y="961416"/>
+                  </a:lnTo>
+                  <a:lnTo>
+                    <a:pt x="1501081" y="963089"/>
+                  </a:lnTo>
+                  <a:lnTo>
+                    <a:pt x="1505042" y="963089"/>
+                  </a:lnTo>
+                  <a:lnTo>
+                    <a:pt x="1505042" y="964708"/>
+                  </a:lnTo>
+                  <a:lnTo>
+                    <a:pt x="1509003" y="964708"/>
+                  </a:lnTo>
+                  <a:lnTo>
+                    <a:pt x="1509003" y="966284"/>
+                  </a:lnTo>
+                  <a:lnTo>
+                    <a:pt x="1512963" y="966284"/>
+                  </a:lnTo>
+                  <a:lnTo>
+                    <a:pt x="1512963" y="967819"/>
+                  </a:lnTo>
+                  <a:lnTo>
+                    <a:pt x="1516924" y="967819"/>
+                  </a:lnTo>
+                  <a:lnTo>
+                    <a:pt x="1516924" y="969311"/>
+                  </a:lnTo>
+                  <a:lnTo>
+                    <a:pt x="1520885" y="969311"/>
+                  </a:lnTo>
+                  <a:lnTo>
+                    <a:pt x="1520885" y="970762"/>
+                  </a:lnTo>
+                  <a:lnTo>
+                    <a:pt x="1524845" y="970762"/>
+                  </a:lnTo>
+                  <a:lnTo>
+                    <a:pt x="1524845" y="972171"/>
+                  </a:lnTo>
+                  <a:lnTo>
+                    <a:pt x="1528806" y="972171"/>
+                  </a:lnTo>
+                  <a:lnTo>
+                    <a:pt x="1528806" y="973537"/>
+                  </a:lnTo>
+                  <a:lnTo>
+                    <a:pt x="1532766" y="973537"/>
+                  </a:lnTo>
+                  <a:lnTo>
+                    <a:pt x="1532766" y="974863"/>
+                  </a:lnTo>
+                  <a:lnTo>
+                    <a:pt x="1536727" y="974863"/>
+                  </a:lnTo>
+                  <a:lnTo>
+                    <a:pt x="1536727" y="976146"/>
+                  </a:lnTo>
+                  <a:lnTo>
+                    <a:pt x="1540688" y="976146"/>
+                  </a:lnTo>
+                  <a:lnTo>
+                    <a:pt x="1540688" y="977388"/>
+                  </a:lnTo>
+                  <a:lnTo>
+                    <a:pt x="1544648" y="977388"/>
+                  </a:lnTo>
+                  <a:lnTo>
+                    <a:pt x="1544648" y="978589"/>
+                  </a:lnTo>
+                  <a:lnTo>
+                    <a:pt x="1548609" y="978589"/>
+                  </a:lnTo>
+                  <a:lnTo>
+                    <a:pt x="1548609" y="979748"/>
+                  </a:lnTo>
+                  <a:lnTo>
+                    <a:pt x="1552570" y="979748"/>
+                  </a:lnTo>
+                  <a:lnTo>
+                    <a:pt x="1552570" y="980867"/>
+                  </a:lnTo>
+                  <a:lnTo>
+                    <a:pt x="1556530" y="980867"/>
+                  </a:lnTo>
+                  <a:lnTo>
+                    <a:pt x="1556530" y="981944"/>
+                  </a:lnTo>
+                  <a:lnTo>
+                    <a:pt x="1560491" y="981944"/>
+                  </a:lnTo>
+                  <a:lnTo>
+                    <a:pt x="1560491" y="982979"/>
+                  </a:lnTo>
+                  <a:lnTo>
+                    <a:pt x="1564452" y="982979"/>
+                  </a:lnTo>
+                  <a:lnTo>
+                    <a:pt x="1564452" y="983974"/>
+                  </a:lnTo>
+                  <a:lnTo>
+                    <a:pt x="1568412" y="983974"/>
+                  </a:lnTo>
+                  <a:lnTo>
+                    <a:pt x="1568412" y="984928"/>
+                  </a:lnTo>
+                  <a:lnTo>
+                    <a:pt x="1572373" y="984928"/>
+                  </a:lnTo>
+                  <a:lnTo>
+                    <a:pt x="1572373" y="985841"/>
+                  </a:lnTo>
+                  <a:lnTo>
+                    <a:pt x="1576333" y="985841"/>
+                  </a:lnTo>
+                  <a:lnTo>
+                    <a:pt x="1576333" y="986714"/>
+                  </a:lnTo>
+                  <a:lnTo>
+                    <a:pt x="1580294" y="986714"/>
+                  </a:lnTo>
+                  <a:lnTo>
+                    <a:pt x="1580294" y="987545"/>
+                  </a:lnTo>
+                  <a:lnTo>
+                    <a:pt x="1584255" y="987545"/>
+                  </a:lnTo>
+                  <a:lnTo>
+                    <a:pt x="1584255" y="988336"/>
+                  </a:lnTo>
+                  <a:lnTo>
+                    <a:pt x="1588215" y="988336"/>
+                  </a:lnTo>
+                  <a:lnTo>
+                    <a:pt x="1588215" y="989086"/>
+                  </a:lnTo>
+                  <a:lnTo>
+                    <a:pt x="1592176" y="989086"/>
+                  </a:lnTo>
+                  <a:lnTo>
+                    <a:pt x="1592176" y="989796"/>
+                  </a:lnTo>
+                  <a:lnTo>
+                    <a:pt x="1596137" y="989796"/>
+                  </a:lnTo>
+                  <a:lnTo>
+                    <a:pt x="1596137" y="990465"/>
+                  </a:lnTo>
+                  <a:lnTo>
+                    <a:pt x="1600097" y="990465"/>
+                  </a:lnTo>
+                  <a:lnTo>
+                    <a:pt x="1600097" y="991094"/>
+                  </a:lnTo>
+                  <a:lnTo>
+                    <a:pt x="1604058" y="991094"/>
+                  </a:lnTo>
+                  <a:lnTo>
+                    <a:pt x="1604058" y="991682"/>
                   </a:lnTo>
                 </a:path>
               </a:pathLst>
@@ -32624,159 +34910,2445 @@
           </p:nvSpPr>
           <p:spPr>
             <a:xfrm>
-              <a:off x="3488656" y="1335359"/>
-              <a:ext cx="1604058" cy="725385"/>
-            </a:xfrm>
-            <a:custGeom>
-              <a:avLst/>
-              <a:pathLst>
-                <a:path w="1604058" h="725385">
-                  <a:moveTo>
-                    <a:pt x="0" y="0"/>
-                  </a:moveTo>
-                  <a:lnTo>
-                    <a:pt x="514882" y="0"/>
-                  </a:lnTo>
-                  <a:lnTo>
-                    <a:pt x="514882" y="10608"/>
-                  </a:lnTo>
-                  <a:lnTo>
-                    <a:pt x="594095" y="10608"/>
-                  </a:lnTo>
-                  <a:lnTo>
-                    <a:pt x="594095" y="24961"/>
-                  </a:lnTo>
-                  <a:lnTo>
-                    <a:pt x="653505" y="24961"/>
-                  </a:lnTo>
-                  <a:lnTo>
-                    <a:pt x="653505" y="42911"/>
-                  </a:lnTo>
-                  <a:lnTo>
-                    <a:pt x="712914" y="42911"/>
-                  </a:lnTo>
-                  <a:lnTo>
-                    <a:pt x="712914" y="67767"/>
-                  </a:lnTo>
-                  <a:lnTo>
-                    <a:pt x="752521" y="67767"/>
-                  </a:lnTo>
-                  <a:lnTo>
-                    <a:pt x="752521" y="99510"/>
-                  </a:lnTo>
-                  <a:lnTo>
-                    <a:pt x="792127" y="99510"/>
-                  </a:lnTo>
-                  <a:lnTo>
-                    <a:pt x="792127" y="139539"/>
-                  </a:lnTo>
-                  <a:lnTo>
-                    <a:pt x="831734" y="139539"/>
-                  </a:lnTo>
-                  <a:lnTo>
-                    <a:pt x="831734" y="187251"/>
-                  </a:lnTo>
-                  <a:lnTo>
-                    <a:pt x="871340" y="187251"/>
-                  </a:lnTo>
-                  <a:lnTo>
-                    <a:pt x="871340" y="241425"/>
-                  </a:lnTo>
-                  <a:lnTo>
-                    <a:pt x="910946" y="241425"/>
-                  </a:lnTo>
-                  <a:lnTo>
-                    <a:pt x="910946" y="299956"/>
-                  </a:lnTo>
-                  <a:lnTo>
-                    <a:pt x="950553" y="299956"/>
-                  </a:lnTo>
-                  <a:lnTo>
-                    <a:pt x="950553" y="356933"/>
-                  </a:lnTo>
-                  <a:lnTo>
-                    <a:pt x="990159" y="356933"/>
-                  </a:lnTo>
-                  <a:lnTo>
-                    <a:pt x="990159" y="407560"/>
-                  </a:lnTo>
-                  <a:lnTo>
-                    <a:pt x="1029765" y="407560"/>
-                  </a:lnTo>
-                  <a:lnTo>
-                    <a:pt x="1029765" y="450274"/>
-                  </a:lnTo>
-                  <a:lnTo>
-                    <a:pt x="1069372" y="450274"/>
-                  </a:lnTo>
-                  <a:lnTo>
-                    <a:pt x="1069372" y="485441"/>
-                  </a:lnTo>
-                  <a:lnTo>
-                    <a:pt x="1108978" y="485441"/>
-                  </a:lnTo>
-                  <a:lnTo>
-                    <a:pt x="1108978" y="514724"/>
-                  </a:lnTo>
-                  <a:lnTo>
-                    <a:pt x="1148585" y="514724"/>
-                  </a:lnTo>
-                  <a:lnTo>
-                    <a:pt x="1148585" y="539768"/>
-                  </a:lnTo>
-                  <a:lnTo>
-                    <a:pt x="1207994" y="539768"/>
-                  </a:lnTo>
-                  <a:lnTo>
-                    <a:pt x="1207994" y="561876"/>
-                  </a:lnTo>
-                  <a:lnTo>
-                    <a:pt x="1267404" y="561876"/>
-                  </a:lnTo>
-                  <a:lnTo>
-                    <a:pt x="1267404" y="584883"/>
-                  </a:lnTo>
-                  <a:lnTo>
-                    <a:pt x="1307010" y="584883"/>
-                  </a:lnTo>
-                  <a:lnTo>
-                    <a:pt x="1307010" y="609385"/>
-                  </a:lnTo>
-                  <a:lnTo>
-                    <a:pt x="1346616" y="609385"/>
-                  </a:lnTo>
-                  <a:lnTo>
-                    <a:pt x="1346616" y="635231"/>
-                  </a:lnTo>
-                  <a:lnTo>
-                    <a:pt x="1386223" y="635231"/>
-                  </a:lnTo>
-                  <a:lnTo>
-                    <a:pt x="1386223" y="661504"/>
-                  </a:lnTo>
-                  <a:lnTo>
-                    <a:pt x="1425829" y="661504"/>
-                  </a:lnTo>
-                  <a:lnTo>
-                    <a:pt x="1425829" y="685403"/>
-                  </a:lnTo>
-                  <a:lnTo>
-                    <a:pt x="1465436" y="685403"/>
-                  </a:lnTo>
-                  <a:lnTo>
-                    <a:pt x="1465436" y="705113"/>
-                  </a:lnTo>
-                  <a:lnTo>
-                    <a:pt x="1505042" y="705113"/>
-                  </a:lnTo>
-                  <a:lnTo>
-                    <a:pt x="1505042" y="719939"/>
-                  </a:lnTo>
-                  <a:lnTo>
-                    <a:pt x="1604058" y="719939"/>
-                  </a:lnTo>
-                  <a:lnTo>
-                    <a:pt x="1604058" y="725385"/>
+              <a:off x="3488656" y="1335054"/>
+              <a:ext cx="1604058" cy="827919"/>
+            </a:xfrm>
+            <a:custGeom>
+              <a:avLst/>
+              <a:pathLst>
+                <a:path w="1604058" h="827919">
+                  <a:moveTo>
+                    <a:pt x="0" y="0"/>
+                  </a:moveTo>
+                  <a:lnTo>
+                    <a:pt x="3960" y="0"/>
+                  </a:lnTo>
+                  <a:lnTo>
+                    <a:pt x="3960" y="41"/>
+                  </a:lnTo>
+                  <a:lnTo>
+                    <a:pt x="7921" y="41"/>
+                  </a:lnTo>
+                  <a:lnTo>
+                    <a:pt x="7921" y="91"/>
+                  </a:lnTo>
+                  <a:lnTo>
+                    <a:pt x="11881" y="91"/>
+                  </a:lnTo>
+                  <a:lnTo>
+                    <a:pt x="11881" y="149"/>
+                  </a:lnTo>
+                  <a:lnTo>
+                    <a:pt x="15842" y="149"/>
+                  </a:lnTo>
+                  <a:lnTo>
+                    <a:pt x="15842" y="214"/>
+                  </a:lnTo>
+                  <a:lnTo>
+                    <a:pt x="19803" y="214"/>
+                  </a:lnTo>
+                  <a:lnTo>
+                    <a:pt x="19803" y="288"/>
+                  </a:lnTo>
+                  <a:lnTo>
+                    <a:pt x="23763" y="288"/>
+                  </a:lnTo>
+                  <a:lnTo>
+                    <a:pt x="23763" y="369"/>
+                  </a:lnTo>
+                  <a:lnTo>
+                    <a:pt x="27724" y="369"/>
+                  </a:lnTo>
+                  <a:lnTo>
+                    <a:pt x="27724" y="458"/>
+                  </a:lnTo>
+                  <a:lnTo>
+                    <a:pt x="31685" y="458"/>
+                  </a:lnTo>
+                  <a:lnTo>
+                    <a:pt x="31685" y="556"/>
+                  </a:lnTo>
+                  <a:lnTo>
+                    <a:pt x="35645" y="556"/>
+                  </a:lnTo>
+                  <a:lnTo>
+                    <a:pt x="35645" y="661"/>
+                  </a:lnTo>
+                  <a:lnTo>
+                    <a:pt x="39606" y="661"/>
+                  </a:lnTo>
+                  <a:lnTo>
+                    <a:pt x="39606" y="774"/>
+                  </a:lnTo>
+                  <a:lnTo>
+                    <a:pt x="43567" y="774"/>
+                  </a:lnTo>
+                  <a:lnTo>
+                    <a:pt x="43567" y="895"/>
+                  </a:lnTo>
+                  <a:lnTo>
+                    <a:pt x="47527" y="895"/>
+                  </a:lnTo>
+                  <a:lnTo>
+                    <a:pt x="47527" y="1024"/>
+                  </a:lnTo>
+                  <a:lnTo>
+                    <a:pt x="51488" y="1024"/>
+                  </a:lnTo>
+                  <a:lnTo>
+                    <a:pt x="51488" y="1160"/>
+                  </a:lnTo>
+                  <a:lnTo>
+                    <a:pt x="55448" y="1160"/>
+                  </a:lnTo>
+                  <a:lnTo>
+                    <a:pt x="55448" y="1305"/>
+                  </a:lnTo>
+                  <a:lnTo>
+                    <a:pt x="59409" y="1305"/>
+                  </a:lnTo>
+                  <a:lnTo>
+                    <a:pt x="59409" y="1458"/>
+                  </a:lnTo>
+                  <a:lnTo>
+                    <a:pt x="63370" y="1458"/>
+                  </a:lnTo>
+                  <a:lnTo>
+                    <a:pt x="63370" y="1618"/>
+                  </a:lnTo>
+                  <a:lnTo>
+                    <a:pt x="67330" y="1618"/>
+                  </a:lnTo>
+                  <a:lnTo>
+                    <a:pt x="67330" y="1786"/>
+                  </a:lnTo>
+                  <a:lnTo>
+                    <a:pt x="71291" y="1786"/>
+                  </a:lnTo>
+                  <a:lnTo>
+                    <a:pt x="71291" y="1963"/>
+                  </a:lnTo>
+                  <a:lnTo>
+                    <a:pt x="75252" y="1963"/>
+                  </a:lnTo>
+                  <a:lnTo>
+                    <a:pt x="75252" y="2147"/>
+                  </a:lnTo>
+                  <a:lnTo>
+                    <a:pt x="79212" y="2147"/>
+                  </a:lnTo>
+                  <a:lnTo>
+                    <a:pt x="79212" y="2339"/>
+                  </a:lnTo>
+                  <a:lnTo>
+                    <a:pt x="83173" y="2339"/>
+                  </a:lnTo>
+                  <a:lnTo>
+                    <a:pt x="83173" y="2539"/>
+                  </a:lnTo>
+                  <a:lnTo>
+                    <a:pt x="87134" y="2539"/>
+                  </a:lnTo>
+                  <a:lnTo>
+                    <a:pt x="87134" y="2747"/>
+                  </a:lnTo>
+                  <a:lnTo>
+                    <a:pt x="91094" y="2747"/>
+                  </a:lnTo>
+                  <a:lnTo>
+                    <a:pt x="91094" y="2963"/>
+                  </a:lnTo>
+                  <a:lnTo>
+                    <a:pt x="95055" y="2963"/>
+                  </a:lnTo>
+                  <a:lnTo>
+                    <a:pt x="95055" y="3186"/>
+                  </a:lnTo>
+                  <a:lnTo>
+                    <a:pt x="99015" y="3186"/>
+                  </a:lnTo>
+                  <a:lnTo>
+                    <a:pt x="99015" y="3418"/>
+                  </a:lnTo>
+                  <a:lnTo>
+                    <a:pt x="102976" y="3418"/>
+                  </a:lnTo>
+                  <a:lnTo>
+                    <a:pt x="102976" y="3657"/>
+                  </a:lnTo>
+                  <a:lnTo>
+                    <a:pt x="106937" y="3657"/>
+                  </a:lnTo>
+                  <a:lnTo>
+                    <a:pt x="106937" y="3904"/>
+                  </a:lnTo>
+                  <a:lnTo>
+                    <a:pt x="110897" y="3904"/>
+                  </a:lnTo>
+                  <a:lnTo>
+                    <a:pt x="110897" y="4160"/>
+                  </a:lnTo>
+                  <a:lnTo>
+                    <a:pt x="114858" y="4160"/>
+                  </a:lnTo>
+                  <a:lnTo>
+                    <a:pt x="114858" y="4423"/>
+                  </a:lnTo>
+                  <a:lnTo>
+                    <a:pt x="118819" y="4423"/>
+                  </a:lnTo>
+                  <a:lnTo>
+                    <a:pt x="118819" y="4694"/>
+                  </a:lnTo>
+                  <a:lnTo>
+                    <a:pt x="122779" y="4694"/>
+                  </a:lnTo>
+                  <a:lnTo>
+                    <a:pt x="122779" y="4972"/>
+                  </a:lnTo>
+                  <a:lnTo>
+                    <a:pt x="126740" y="4972"/>
+                  </a:lnTo>
+                  <a:lnTo>
+                    <a:pt x="126740" y="5259"/>
+                  </a:lnTo>
+                  <a:lnTo>
+                    <a:pt x="130701" y="5259"/>
+                  </a:lnTo>
+                  <a:lnTo>
+                    <a:pt x="130701" y="5554"/>
+                  </a:lnTo>
+                  <a:lnTo>
+                    <a:pt x="134661" y="5554"/>
+                  </a:lnTo>
+                  <a:lnTo>
+                    <a:pt x="134661" y="5856"/>
+                  </a:lnTo>
+                  <a:lnTo>
+                    <a:pt x="138622" y="5856"/>
+                  </a:lnTo>
+                  <a:lnTo>
+                    <a:pt x="138622" y="6166"/>
+                  </a:lnTo>
+                  <a:lnTo>
+                    <a:pt x="142582" y="6166"/>
+                  </a:lnTo>
+                  <a:lnTo>
+                    <a:pt x="142582" y="6485"/>
+                  </a:lnTo>
+                  <a:lnTo>
+                    <a:pt x="146543" y="6485"/>
+                  </a:lnTo>
+                  <a:lnTo>
+                    <a:pt x="146543" y="6811"/>
+                  </a:lnTo>
+                  <a:lnTo>
+                    <a:pt x="150504" y="6811"/>
+                  </a:lnTo>
+                  <a:lnTo>
+                    <a:pt x="150504" y="7144"/>
+                  </a:lnTo>
+                  <a:lnTo>
+                    <a:pt x="154464" y="7144"/>
+                  </a:lnTo>
+                  <a:lnTo>
+                    <a:pt x="154464" y="7486"/>
+                  </a:lnTo>
+                  <a:lnTo>
+                    <a:pt x="158425" y="7486"/>
+                  </a:lnTo>
+                  <a:lnTo>
+                    <a:pt x="158425" y="7836"/>
+                  </a:lnTo>
+                  <a:lnTo>
+                    <a:pt x="162386" y="7836"/>
+                  </a:lnTo>
+                  <a:lnTo>
+                    <a:pt x="162386" y="8193"/>
+                  </a:lnTo>
+                  <a:lnTo>
+                    <a:pt x="166346" y="8193"/>
+                  </a:lnTo>
+                  <a:lnTo>
+                    <a:pt x="166346" y="8558"/>
+                  </a:lnTo>
+                  <a:lnTo>
+                    <a:pt x="170307" y="8558"/>
+                  </a:lnTo>
+                  <a:lnTo>
+                    <a:pt x="170307" y="8931"/>
+                  </a:lnTo>
+                  <a:lnTo>
+                    <a:pt x="174268" y="8931"/>
+                  </a:lnTo>
+                  <a:lnTo>
+                    <a:pt x="174268" y="9312"/>
+                  </a:lnTo>
+                  <a:lnTo>
+                    <a:pt x="178228" y="9312"/>
+                  </a:lnTo>
+                  <a:lnTo>
+                    <a:pt x="178228" y="9701"/>
+                  </a:lnTo>
+                  <a:lnTo>
+                    <a:pt x="182189" y="9701"/>
+                  </a:lnTo>
+                  <a:lnTo>
+                    <a:pt x="182189" y="10098"/>
+                  </a:lnTo>
+                  <a:lnTo>
+                    <a:pt x="186149" y="10098"/>
+                  </a:lnTo>
+                  <a:lnTo>
+                    <a:pt x="186149" y="10502"/>
+                  </a:lnTo>
+                  <a:lnTo>
+                    <a:pt x="190110" y="10502"/>
+                  </a:lnTo>
+                  <a:lnTo>
+                    <a:pt x="190110" y="10914"/>
+                  </a:lnTo>
+                  <a:lnTo>
+                    <a:pt x="194071" y="10914"/>
+                  </a:lnTo>
+                  <a:lnTo>
+                    <a:pt x="194071" y="11334"/>
+                  </a:lnTo>
+                  <a:lnTo>
+                    <a:pt x="198031" y="11334"/>
+                  </a:lnTo>
+                  <a:lnTo>
+                    <a:pt x="198031" y="11762"/>
+                  </a:lnTo>
+                  <a:lnTo>
+                    <a:pt x="201992" y="11762"/>
+                  </a:lnTo>
+                  <a:lnTo>
+                    <a:pt x="201992" y="12198"/>
+                  </a:lnTo>
+                  <a:lnTo>
+                    <a:pt x="205953" y="12198"/>
+                  </a:lnTo>
+                  <a:lnTo>
+                    <a:pt x="205953" y="12641"/>
+                  </a:lnTo>
+                  <a:lnTo>
+                    <a:pt x="209913" y="12641"/>
+                  </a:lnTo>
+                  <a:lnTo>
+                    <a:pt x="209913" y="13093"/>
+                  </a:lnTo>
+                  <a:lnTo>
+                    <a:pt x="213874" y="13093"/>
+                  </a:lnTo>
+                  <a:lnTo>
+                    <a:pt x="213874" y="13552"/>
+                  </a:lnTo>
+                  <a:lnTo>
+                    <a:pt x="217835" y="13552"/>
+                  </a:lnTo>
+                  <a:lnTo>
+                    <a:pt x="217835" y="14019"/>
+                  </a:lnTo>
+                  <a:lnTo>
+                    <a:pt x="221795" y="14019"/>
+                  </a:lnTo>
+                  <a:lnTo>
+                    <a:pt x="221795" y="14493"/>
+                  </a:lnTo>
+                  <a:lnTo>
+                    <a:pt x="225756" y="14493"/>
+                  </a:lnTo>
+                  <a:lnTo>
+                    <a:pt x="225756" y="14976"/>
+                  </a:lnTo>
+                  <a:lnTo>
+                    <a:pt x="229717" y="14976"/>
+                  </a:lnTo>
+                  <a:lnTo>
+                    <a:pt x="229717" y="15466"/>
+                  </a:lnTo>
+                  <a:lnTo>
+                    <a:pt x="233677" y="15466"/>
+                  </a:lnTo>
+                  <a:lnTo>
+                    <a:pt x="233677" y="15964"/>
+                  </a:lnTo>
+                  <a:lnTo>
+                    <a:pt x="237638" y="15964"/>
+                  </a:lnTo>
+                  <a:lnTo>
+                    <a:pt x="237638" y="16470"/>
+                  </a:lnTo>
+                  <a:lnTo>
+                    <a:pt x="241598" y="16470"/>
+                  </a:lnTo>
+                  <a:lnTo>
+                    <a:pt x="241598" y="16984"/>
+                  </a:lnTo>
+                  <a:lnTo>
+                    <a:pt x="245559" y="16984"/>
+                  </a:lnTo>
+                  <a:lnTo>
+                    <a:pt x="245559" y="17505"/>
+                  </a:lnTo>
+                  <a:lnTo>
+                    <a:pt x="249520" y="17505"/>
+                  </a:lnTo>
+                  <a:lnTo>
+                    <a:pt x="249520" y="18034"/>
+                  </a:lnTo>
+                  <a:lnTo>
+                    <a:pt x="253480" y="18034"/>
+                  </a:lnTo>
+                  <a:lnTo>
+                    <a:pt x="253480" y="18571"/>
+                  </a:lnTo>
+                  <a:lnTo>
+                    <a:pt x="257441" y="18571"/>
+                  </a:lnTo>
+                  <a:lnTo>
+                    <a:pt x="257441" y="19116"/>
+                  </a:lnTo>
+                  <a:lnTo>
+                    <a:pt x="261402" y="19116"/>
+                  </a:lnTo>
+                  <a:lnTo>
+                    <a:pt x="261402" y="19668"/>
+                  </a:lnTo>
+                  <a:lnTo>
+                    <a:pt x="265362" y="19668"/>
+                  </a:lnTo>
+                  <a:lnTo>
+                    <a:pt x="265362" y="20228"/>
+                  </a:lnTo>
+                  <a:lnTo>
+                    <a:pt x="269323" y="20228"/>
+                  </a:lnTo>
+                  <a:lnTo>
+                    <a:pt x="269323" y="20796"/>
+                  </a:lnTo>
+                  <a:lnTo>
+                    <a:pt x="273284" y="20796"/>
+                  </a:lnTo>
+                  <a:lnTo>
+                    <a:pt x="273284" y="21372"/>
+                  </a:lnTo>
+                  <a:lnTo>
+                    <a:pt x="277244" y="21372"/>
+                  </a:lnTo>
+                  <a:lnTo>
+                    <a:pt x="277244" y="21955"/>
+                  </a:lnTo>
+                  <a:lnTo>
+                    <a:pt x="281205" y="21955"/>
+                  </a:lnTo>
+                  <a:lnTo>
+                    <a:pt x="281205" y="22546"/>
+                  </a:lnTo>
+                  <a:lnTo>
+                    <a:pt x="285165" y="22546"/>
+                  </a:lnTo>
+                  <a:lnTo>
+                    <a:pt x="285165" y="23145"/>
+                  </a:lnTo>
+                  <a:lnTo>
+                    <a:pt x="289126" y="23145"/>
+                  </a:lnTo>
+                  <a:lnTo>
+                    <a:pt x="289126" y="23751"/>
+                  </a:lnTo>
+                  <a:lnTo>
+                    <a:pt x="293087" y="23751"/>
+                  </a:lnTo>
+                  <a:lnTo>
+                    <a:pt x="293087" y="24365"/>
+                  </a:lnTo>
+                  <a:lnTo>
+                    <a:pt x="297047" y="24365"/>
+                  </a:lnTo>
+                  <a:lnTo>
+                    <a:pt x="297047" y="24987"/>
+                  </a:lnTo>
+                  <a:lnTo>
+                    <a:pt x="301008" y="24987"/>
+                  </a:lnTo>
+                  <a:lnTo>
+                    <a:pt x="301008" y="25617"/>
+                  </a:lnTo>
+                  <a:lnTo>
+                    <a:pt x="304969" y="25617"/>
+                  </a:lnTo>
+                  <a:lnTo>
+                    <a:pt x="304969" y="26254"/>
+                  </a:lnTo>
+                  <a:lnTo>
+                    <a:pt x="308929" y="26254"/>
+                  </a:lnTo>
+                  <a:lnTo>
+                    <a:pt x="308929" y="26899"/>
+                  </a:lnTo>
+                  <a:lnTo>
+                    <a:pt x="312890" y="26899"/>
+                  </a:lnTo>
+                  <a:lnTo>
+                    <a:pt x="312890" y="27552"/>
+                  </a:lnTo>
+                  <a:lnTo>
+                    <a:pt x="316851" y="27552"/>
+                  </a:lnTo>
+                  <a:lnTo>
+                    <a:pt x="316851" y="28212"/>
+                  </a:lnTo>
+                  <a:lnTo>
+                    <a:pt x="320811" y="28212"/>
+                  </a:lnTo>
+                  <a:lnTo>
+                    <a:pt x="320811" y="28880"/>
+                  </a:lnTo>
+                  <a:lnTo>
+                    <a:pt x="324772" y="28880"/>
+                  </a:lnTo>
+                  <a:lnTo>
+                    <a:pt x="324772" y="29556"/>
+                  </a:lnTo>
+                  <a:lnTo>
+                    <a:pt x="328732" y="29556"/>
+                  </a:lnTo>
+                  <a:lnTo>
+                    <a:pt x="328732" y="30239"/>
+                  </a:lnTo>
+                  <a:lnTo>
+                    <a:pt x="332693" y="30239"/>
+                  </a:lnTo>
+                  <a:lnTo>
+                    <a:pt x="332693" y="30930"/>
+                  </a:lnTo>
+                  <a:lnTo>
+                    <a:pt x="336654" y="30930"/>
+                  </a:lnTo>
+                  <a:lnTo>
+                    <a:pt x="336654" y="31628"/>
+                  </a:lnTo>
+                  <a:lnTo>
+                    <a:pt x="340614" y="31628"/>
+                  </a:lnTo>
+                  <a:lnTo>
+                    <a:pt x="340614" y="32335"/>
+                  </a:lnTo>
+                  <a:lnTo>
+                    <a:pt x="344575" y="32335"/>
+                  </a:lnTo>
+                  <a:lnTo>
+                    <a:pt x="344575" y="33049"/>
+                  </a:lnTo>
+                  <a:lnTo>
+                    <a:pt x="348536" y="33049"/>
+                  </a:lnTo>
+                  <a:lnTo>
+                    <a:pt x="348536" y="33770"/>
+                  </a:lnTo>
+                  <a:lnTo>
+                    <a:pt x="352496" y="33770"/>
+                  </a:lnTo>
+                  <a:lnTo>
+                    <a:pt x="352496" y="34499"/>
+                  </a:lnTo>
+                  <a:lnTo>
+                    <a:pt x="356457" y="34499"/>
+                  </a:lnTo>
+                  <a:lnTo>
+                    <a:pt x="356457" y="35236"/>
+                  </a:lnTo>
+                  <a:lnTo>
+                    <a:pt x="360418" y="35236"/>
+                  </a:lnTo>
+                  <a:lnTo>
+                    <a:pt x="360418" y="35980"/>
+                  </a:lnTo>
+                  <a:lnTo>
+                    <a:pt x="364378" y="35980"/>
+                  </a:lnTo>
+                  <a:lnTo>
+                    <a:pt x="364378" y="36732"/>
+                  </a:lnTo>
+                  <a:lnTo>
+                    <a:pt x="368339" y="36732"/>
+                  </a:lnTo>
+                  <a:lnTo>
+                    <a:pt x="368339" y="37492"/>
+                  </a:lnTo>
+                  <a:lnTo>
+                    <a:pt x="372299" y="37492"/>
+                  </a:lnTo>
+                  <a:lnTo>
+                    <a:pt x="372299" y="38259"/>
+                  </a:lnTo>
+                  <a:lnTo>
+                    <a:pt x="376260" y="38259"/>
+                  </a:lnTo>
+                  <a:lnTo>
+                    <a:pt x="376260" y="39034"/>
+                  </a:lnTo>
+                  <a:lnTo>
+                    <a:pt x="380221" y="39034"/>
+                  </a:lnTo>
+                  <a:lnTo>
+                    <a:pt x="380221" y="39816"/>
+                  </a:lnTo>
+                  <a:lnTo>
+                    <a:pt x="384181" y="39816"/>
+                  </a:lnTo>
+                  <a:lnTo>
+                    <a:pt x="384181" y="40606"/>
+                  </a:lnTo>
+                  <a:lnTo>
+                    <a:pt x="388142" y="40606"/>
+                  </a:lnTo>
+                  <a:lnTo>
+                    <a:pt x="388142" y="41403"/>
+                  </a:lnTo>
+                  <a:lnTo>
+                    <a:pt x="392103" y="41403"/>
+                  </a:lnTo>
+                  <a:lnTo>
+                    <a:pt x="392103" y="42208"/>
+                  </a:lnTo>
+                  <a:lnTo>
+                    <a:pt x="396063" y="42208"/>
+                  </a:lnTo>
+                  <a:lnTo>
+                    <a:pt x="396063" y="43020"/>
+                  </a:lnTo>
+                  <a:lnTo>
+                    <a:pt x="400024" y="43020"/>
+                  </a:lnTo>
+                  <a:lnTo>
+                    <a:pt x="400024" y="43840"/>
+                  </a:lnTo>
+                  <a:lnTo>
+                    <a:pt x="403985" y="43840"/>
+                  </a:lnTo>
+                  <a:lnTo>
+                    <a:pt x="403985" y="44668"/>
+                  </a:lnTo>
+                  <a:lnTo>
+                    <a:pt x="407945" y="44668"/>
+                  </a:lnTo>
+                  <a:lnTo>
+                    <a:pt x="407945" y="45503"/>
+                  </a:lnTo>
+                  <a:lnTo>
+                    <a:pt x="411906" y="45503"/>
+                  </a:lnTo>
+                  <a:lnTo>
+                    <a:pt x="411906" y="46346"/>
+                  </a:lnTo>
+                  <a:lnTo>
+                    <a:pt x="415867" y="46346"/>
+                  </a:lnTo>
+                  <a:lnTo>
+                    <a:pt x="415867" y="47196"/>
+                  </a:lnTo>
+                  <a:lnTo>
+                    <a:pt x="419827" y="47196"/>
+                  </a:lnTo>
+                  <a:lnTo>
+                    <a:pt x="419827" y="48053"/>
+                  </a:lnTo>
+                  <a:lnTo>
+                    <a:pt x="423788" y="48053"/>
+                  </a:lnTo>
+                  <a:lnTo>
+                    <a:pt x="423788" y="48919"/>
+                  </a:lnTo>
+                  <a:lnTo>
+                    <a:pt x="427748" y="48919"/>
+                  </a:lnTo>
+                  <a:lnTo>
+                    <a:pt x="427748" y="49791"/>
+                  </a:lnTo>
+                  <a:lnTo>
+                    <a:pt x="431709" y="49791"/>
+                  </a:lnTo>
+                  <a:lnTo>
+                    <a:pt x="431709" y="50671"/>
+                  </a:lnTo>
+                  <a:lnTo>
+                    <a:pt x="435670" y="50671"/>
+                  </a:lnTo>
+                  <a:lnTo>
+                    <a:pt x="435670" y="51559"/>
+                  </a:lnTo>
+                  <a:lnTo>
+                    <a:pt x="439630" y="51559"/>
+                  </a:lnTo>
+                  <a:lnTo>
+                    <a:pt x="439630" y="52454"/>
+                  </a:lnTo>
+                  <a:lnTo>
+                    <a:pt x="443591" y="52454"/>
+                  </a:lnTo>
+                  <a:lnTo>
+                    <a:pt x="443591" y="53356"/>
+                  </a:lnTo>
+                  <a:lnTo>
+                    <a:pt x="447552" y="53356"/>
+                  </a:lnTo>
+                  <a:lnTo>
+                    <a:pt x="447552" y="54266"/>
+                  </a:lnTo>
+                  <a:lnTo>
+                    <a:pt x="451512" y="54266"/>
+                  </a:lnTo>
+                  <a:lnTo>
+                    <a:pt x="451512" y="55184"/>
+                  </a:lnTo>
+                  <a:lnTo>
+                    <a:pt x="455473" y="55184"/>
+                  </a:lnTo>
+                  <a:lnTo>
+                    <a:pt x="455473" y="56108"/>
+                  </a:lnTo>
+                  <a:lnTo>
+                    <a:pt x="459434" y="56108"/>
+                  </a:lnTo>
+                  <a:lnTo>
+                    <a:pt x="459434" y="57041"/>
+                  </a:lnTo>
+                  <a:lnTo>
+                    <a:pt x="463394" y="57041"/>
+                  </a:lnTo>
+                  <a:lnTo>
+                    <a:pt x="463394" y="57980"/>
+                  </a:lnTo>
+                  <a:lnTo>
+                    <a:pt x="467355" y="57980"/>
+                  </a:lnTo>
+                  <a:lnTo>
+                    <a:pt x="467355" y="58927"/>
+                  </a:lnTo>
+                  <a:lnTo>
+                    <a:pt x="471315" y="58927"/>
+                  </a:lnTo>
+                  <a:lnTo>
+                    <a:pt x="471315" y="59882"/>
+                  </a:lnTo>
+                  <a:lnTo>
+                    <a:pt x="475276" y="59882"/>
+                  </a:lnTo>
+                  <a:lnTo>
+                    <a:pt x="475276" y="60844"/>
+                  </a:lnTo>
+                  <a:lnTo>
+                    <a:pt x="479237" y="60844"/>
+                  </a:lnTo>
+                  <a:lnTo>
+                    <a:pt x="479237" y="61813"/>
+                  </a:lnTo>
+                  <a:lnTo>
+                    <a:pt x="483197" y="61813"/>
+                  </a:lnTo>
+                  <a:lnTo>
+                    <a:pt x="483197" y="62790"/>
+                  </a:lnTo>
+                  <a:lnTo>
+                    <a:pt x="487158" y="62790"/>
+                  </a:lnTo>
+                  <a:lnTo>
+                    <a:pt x="487158" y="63774"/>
+                  </a:lnTo>
+                  <a:lnTo>
+                    <a:pt x="491119" y="63774"/>
+                  </a:lnTo>
+                  <a:lnTo>
+                    <a:pt x="491119" y="64765"/>
+                  </a:lnTo>
+                  <a:lnTo>
+                    <a:pt x="495079" y="64765"/>
+                  </a:lnTo>
+                  <a:lnTo>
+                    <a:pt x="495079" y="65764"/>
+                  </a:lnTo>
+                  <a:lnTo>
+                    <a:pt x="499040" y="65764"/>
+                  </a:lnTo>
+                  <a:lnTo>
+                    <a:pt x="499040" y="66770"/>
+                  </a:lnTo>
+                  <a:lnTo>
+                    <a:pt x="503001" y="66770"/>
+                  </a:lnTo>
+                  <a:lnTo>
+                    <a:pt x="503001" y="67783"/>
+                  </a:lnTo>
+                  <a:lnTo>
+                    <a:pt x="506961" y="67783"/>
+                  </a:lnTo>
+                  <a:lnTo>
+                    <a:pt x="506961" y="68804"/>
+                  </a:lnTo>
+                  <a:lnTo>
+                    <a:pt x="510922" y="68804"/>
+                  </a:lnTo>
+                  <a:lnTo>
+                    <a:pt x="510922" y="69832"/>
+                  </a:lnTo>
+                  <a:lnTo>
+                    <a:pt x="514882" y="69832"/>
+                  </a:lnTo>
+                  <a:lnTo>
+                    <a:pt x="514882" y="70867"/>
+                  </a:lnTo>
+                  <a:lnTo>
+                    <a:pt x="518843" y="70867"/>
+                  </a:lnTo>
+                  <a:lnTo>
+                    <a:pt x="518843" y="71920"/>
+                  </a:lnTo>
+                  <a:lnTo>
+                    <a:pt x="522804" y="71920"/>
+                  </a:lnTo>
+                  <a:lnTo>
+                    <a:pt x="522804" y="72992"/>
+                  </a:lnTo>
+                  <a:lnTo>
+                    <a:pt x="526764" y="72992"/>
+                  </a:lnTo>
+                  <a:lnTo>
+                    <a:pt x="526764" y="74082"/>
+                  </a:lnTo>
+                  <a:lnTo>
+                    <a:pt x="530725" y="74082"/>
+                  </a:lnTo>
+                  <a:lnTo>
+                    <a:pt x="530725" y="75190"/>
+                  </a:lnTo>
+                  <a:lnTo>
+                    <a:pt x="534686" y="75190"/>
+                  </a:lnTo>
+                  <a:lnTo>
+                    <a:pt x="534686" y="76316"/>
+                  </a:lnTo>
+                  <a:lnTo>
+                    <a:pt x="538646" y="76316"/>
+                  </a:lnTo>
+                  <a:lnTo>
+                    <a:pt x="538646" y="77460"/>
+                  </a:lnTo>
+                  <a:lnTo>
+                    <a:pt x="542607" y="77460"/>
+                  </a:lnTo>
+                  <a:lnTo>
+                    <a:pt x="542607" y="78622"/>
+                  </a:lnTo>
+                  <a:lnTo>
+                    <a:pt x="546568" y="78622"/>
+                  </a:lnTo>
+                  <a:lnTo>
+                    <a:pt x="546568" y="79802"/>
+                  </a:lnTo>
+                  <a:lnTo>
+                    <a:pt x="550528" y="79802"/>
+                  </a:lnTo>
+                  <a:lnTo>
+                    <a:pt x="550528" y="81000"/>
+                  </a:lnTo>
+                  <a:lnTo>
+                    <a:pt x="554489" y="81000"/>
+                  </a:lnTo>
+                  <a:lnTo>
+                    <a:pt x="554489" y="82216"/>
+                  </a:lnTo>
+                  <a:lnTo>
+                    <a:pt x="558449" y="82216"/>
+                  </a:lnTo>
+                  <a:lnTo>
+                    <a:pt x="558449" y="83450"/>
+                  </a:lnTo>
+                  <a:lnTo>
+                    <a:pt x="562410" y="83450"/>
+                  </a:lnTo>
+                  <a:lnTo>
+                    <a:pt x="562410" y="84702"/>
+                  </a:lnTo>
+                  <a:lnTo>
+                    <a:pt x="566371" y="84702"/>
+                  </a:lnTo>
+                  <a:lnTo>
+                    <a:pt x="566371" y="85972"/>
+                  </a:lnTo>
+                  <a:lnTo>
+                    <a:pt x="570331" y="85972"/>
+                  </a:lnTo>
+                  <a:lnTo>
+                    <a:pt x="570331" y="87260"/>
+                  </a:lnTo>
+                  <a:lnTo>
+                    <a:pt x="574292" y="87260"/>
+                  </a:lnTo>
+                  <a:lnTo>
+                    <a:pt x="574292" y="88566"/>
+                  </a:lnTo>
+                  <a:lnTo>
+                    <a:pt x="578253" y="88566"/>
+                  </a:lnTo>
+                  <a:lnTo>
+                    <a:pt x="578253" y="89889"/>
+                  </a:lnTo>
+                  <a:lnTo>
+                    <a:pt x="582213" y="89889"/>
+                  </a:lnTo>
+                  <a:lnTo>
+                    <a:pt x="582213" y="91230"/>
+                  </a:lnTo>
+                  <a:lnTo>
+                    <a:pt x="586174" y="91230"/>
+                  </a:lnTo>
+                  <a:lnTo>
+                    <a:pt x="586174" y="92589"/>
+                  </a:lnTo>
+                  <a:lnTo>
+                    <a:pt x="590135" y="92589"/>
+                  </a:lnTo>
+                  <a:lnTo>
+                    <a:pt x="590135" y="93966"/>
+                  </a:lnTo>
+                  <a:lnTo>
+                    <a:pt x="594095" y="93966"/>
+                  </a:lnTo>
+                  <a:lnTo>
+                    <a:pt x="594095" y="95360"/>
+                  </a:lnTo>
+                  <a:lnTo>
+                    <a:pt x="598056" y="95360"/>
+                  </a:lnTo>
+                  <a:lnTo>
+                    <a:pt x="598056" y="96778"/>
+                  </a:lnTo>
+                  <a:lnTo>
+                    <a:pt x="602016" y="96778"/>
+                  </a:lnTo>
+                  <a:lnTo>
+                    <a:pt x="602016" y="98218"/>
+                  </a:lnTo>
+                  <a:lnTo>
+                    <a:pt x="605977" y="98218"/>
+                  </a:lnTo>
+                  <a:lnTo>
+                    <a:pt x="605977" y="99682"/>
+                  </a:lnTo>
+                  <a:lnTo>
+                    <a:pt x="609938" y="99682"/>
+                  </a:lnTo>
+                  <a:lnTo>
+                    <a:pt x="609938" y="101169"/>
+                  </a:lnTo>
+                  <a:lnTo>
+                    <a:pt x="613898" y="101169"/>
+                  </a:lnTo>
+                  <a:lnTo>
+                    <a:pt x="613898" y="102680"/>
+                  </a:lnTo>
+                  <a:lnTo>
+                    <a:pt x="617859" y="102680"/>
+                  </a:lnTo>
+                  <a:lnTo>
+                    <a:pt x="617859" y="104213"/>
+                  </a:lnTo>
+                  <a:lnTo>
+                    <a:pt x="621820" y="104213"/>
+                  </a:lnTo>
+                  <a:lnTo>
+                    <a:pt x="621820" y="105769"/>
+                  </a:lnTo>
+                  <a:lnTo>
+                    <a:pt x="625780" y="105769"/>
+                  </a:lnTo>
+                  <a:lnTo>
+                    <a:pt x="625780" y="107348"/>
+                  </a:lnTo>
+                  <a:lnTo>
+                    <a:pt x="629741" y="107348"/>
+                  </a:lnTo>
+                  <a:lnTo>
+                    <a:pt x="629741" y="108950"/>
+                  </a:lnTo>
+                  <a:lnTo>
+                    <a:pt x="633702" y="108950"/>
+                  </a:lnTo>
+                  <a:lnTo>
+                    <a:pt x="633702" y="110575"/>
+                  </a:lnTo>
+                  <a:lnTo>
+                    <a:pt x="637662" y="110575"/>
+                  </a:lnTo>
+                  <a:lnTo>
+                    <a:pt x="637662" y="112223"/>
+                  </a:lnTo>
+                  <a:lnTo>
+                    <a:pt x="641623" y="112223"/>
+                  </a:lnTo>
+                  <a:lnTo>
+                    <a:pt x="641623" y="113893"/>
+                  </a:lnTo>
+                  <a:lnTo>
+                    <a:pt x="645584" y="113893"/>
+                  </a:lnTo>
+                  <a:lnTo>
+                    <a:pt x="645584" y="115586"/>
+                  </a:lnTo>
+                  <a:lnTo>
+                    <a:pt x="649544" y="115586"/>
+                  </a:lnTo>
+                  <a:lnTo>
+                    <a:pt x="649544" y="117302"/>
+                  </a:lnTo>
+                  <a:lnTo>
+                    <a:pt x="653505" y="117302"/>
+                  </a:lnTo>
+                  <a:lnTo>
+                    <a:pt x="653505" y="119041"/>
+                  </a:lnTo>
+                  <a:lnTo>
+                    <a:pt x="657465" y="119041"/>
+                  </a:lnTo>
+                  <a:lnTo>
+                    <a:pt x="657465" y="120824"/>
+                  </a:lnTo>
+                  <a:lnTo>
+                    <a:pt x="661426" y="120824"/>
+                  </a:lnTo>
+                  <a:lnTo>
+                    <a:pt x="661426" y="122652"/>
+                  </a:lnTo>
+                  <a:lnTo>
+                    <a:pt x="665387" y="122652"/>
+                  </a:lnTo>
+                  <a:lnTo>
+                    <a:pt x="665387" y="124524"/>
+                  </a:lnTo>
+                  <a:lnTo>
+                    <a:pt x="669347" y="124524"/>
+                  </a:lnTo>
+                  <a:lnTo>
+                    <a:pt x="669347" y="126440"/>
+                  </a:lnTo>
+                  <a:lnTo>
+                    <a:pt x="673308" y="126440"/>
+                  </a:lnTo>
+                  <a:lnTo>
+                    <a:pt x="673308" y="128401"/>
+                  </a:lnTo>
+                  <a:lnTo>
+                    <a:pt x="677269" y="128401"/>
+                  </a:lnTo>
+                  <a:lnTo>
+                    <a:pt x="677269" y="130406"/>
+                  </a:lnTo>
+                  <a:lnTo>
+                    <a:pt x="681229" y="130406"/>
+                  </a:lnTo>
+                  <a:lnTo>
+                    <a:pt x="681229" y="132455"/>
+                  </a:lnTo>
+                  <a:lnTo>
+                    <a:pt x="685190" y="132455"/>
+                  </a:lnTo>
+                  <a:lnTo>
+                    <a:pt x="685190" y="134549"/>
+                  </a:lnTo>
+                  <a:lnTo>
+                    <a:pt x="689151" y="134549"/>
+                  </a:lnTo>
+                  <a:lnTo>
+                    <a:pt x="689151" y="136686"/>
+                  </a:lnTo>
+                  <a:lnTo>
+                    <a:pt x="693111" y="136686"/>
+                  </a:lnTo>
+                  <a:lnTo>
+                    <a:pt x="693111" y="138866"/>
+                  </a:lnTo>
+                  <a:lnTo>
+                    <a:pt x="697072" y="138866"/>
+                  </a:lnTo>
+                  <a:lnTo>
+                    <a:pt x="697072" y="141091"/>
+                  </a:lnTo>
+                  <a:lnTo>
+                    <a:pt x="701032" y="141091"/>
+                  </a:lnTo>
+                  <a:lnTo>
+                    <a:pt x="701032" y="143358"/>
+                  </a:lnTo>
+                  <a:lnTo>
+                    <a:pt x="704993" y="143358"/>
+                  </a:lnTo>
+                  <a:lnTo>
+                    <a:pt x="704993" y="145670"/>
+                  </a:lnTo>
+                  <a:lnTo>
+                    <a:pt x="708954" y="145670"/>
+                  </a:lnTo>
+                  <a:lnTo>
+                    <a:pt x="708954" y="148024"/>
+                  </a:lnTo>
+                  <a:lnTo>
+                    <a:pt x="712914" y="148024"/>
+                  </a:lnTo>
+                  <a:lnTo>
+                    <a:pt x="712914" y="150422"/>
+                  </a:lnTo>
+                  <a:lnTo>
+                    <a:pt x="716875" y="150422"/>
+                  </a:lnTo>
+                  <a:lnTo>
+                    <a:pt x="716875" y="152887"/>
+                  </a:lnTo>
+                  <a:lnTo>
+                    <a:pt x="720836" y="152887"/>
+                  </a:lnTo>
+                  <a:lnTo>
+                    <a:pt x="720836" y="155419"/>
+                  </a:lnTo>
+                  <a:lnTo>
+                    <a:pt x="724796" y="155419"/>
+                  </a:lnTo>
+                  <a:lnTo>
+                    <a:pt x="724796" y="158018"/>
+                  </a:lnTo>
+                  <a:lnTo>
+                    <a:pt x="728757" y="158018"/>
+                  </a:lnTo>
+                  <a:lnTo>
+                    <a:pt x="728757" y="160684"/>
+                  </a:lnTo>
+                  <a:lnTo>
+                    <a:pt x="732718" y="160684"/>
+                  </a:lnTo>
+                  <a:lnTo>
+                    <a:pt x="732718" y="163417"/>
+                  </a:lnTo>
+                  <a:lnTo>
+                    <a:pt x="736678" y="163417"/>
+                  </a:lnTo>
+                  <a:lnTo>
+                    <a:pt x="736678" y="166216"/>
+                  </a:lnTo>
+                  <a:lnTo>
+                    <a:pt x="740639" y="166216"/>
+                  </a:lnTo>
+                  <a:lnTo>
+                    <a:pt x="740639" y="169081"/>
+                  </a:lnTo>
+                  <a:lnTo>
+                    <a:pt x="744599" y="169081"/>
+                  </a:lnTo>
+                  <a:lnTo>
+                    <a:pt x="744599" y="172011"/>
+                  </a:lnTo>
+                  <a:lnTo>
+                    <a:pt x="748560" y="172011"/>
+                  </a:lnTo>
+                  <a:lnTo>
+                    <a:pt x="748560" y="175008"/>
+                  </a:lnTo>
+                  <a:lnTo>
+                    <a:pt x="752521" y="175008"/>
+                  </a:lnTo>
+                  <a:lnTo>
+                    <a:pt x="752521" y="178070"/>
+                  </a:lnTo>
+                  <a:lnTo>
+                    <a:pt x="756481" y="178070"/>
+                  </a:lnTo>
+                  <a:lnTo>
+                    <a:pt x="756481" y="181213"/>
+                  </a:lnTo>
+                  <a:lnTo>
+                    <a:pt x="760442" y="181213"/>
+                  </a:lnTo>
+                  <a:lnTo>
+                    <a:pt x="760442" y="184438"/>
+                  </a:lnTo>
+                  <a:lnTo>
+                    <a:pt x="764403" y="184438"/>
+                  </a:lnTo>
+                  <a:lnTo>
+                    <a:pt x="764403" y="187743"/>
+                  </a:lnTo>
+                  <a:lnTo>
+                    <a:pt x="768363" y="187743"/>
+                  </a:lnTo>
+                  <a:lnTo>
+                    <a:pt x="768363" y="191129"/>
+                  </a:lnTo>
+                  <a:lnTo>
+                    <a:pt x="772324" y="191129"/>
+                  </a:lnTo>
+                  <a:lnTo>
+                    <a:pt x="772324" y="194595"/>
+                  </a:lnTo>
+                  <a:lnTo>
+                    <a:pt x="776285" y="194595"/>
+                  </a:lnTo>
+                  <a:lnTo>
+                    <a:pt x="776285" y="198140"/>
+                  </a:lnTo>
+                  <a:lnTo>
+                    <a:pt x="780245" y="198140"/>
+                  </a:lnTo>
+                  <a:lnTo>
+                    <a:pt x="780245" y="201765"/>
+                  </a:lnTo>
+                  <a:lnTo>
+                    <a:pt x="784206" y="201765"/>
+                  </a:lnTo>
+                  <a:lnTo>
+                    <a:pt x="784206" y="205470"/>
+                  </a:lnTo>
+                  <a:lnTo>
+                    <a:pt x="788166" y="205470"/>
+                  </a:lnTo>
+                  <a:lnTo>
+                    <a:pt x="788166" y="209252"/>
+                  </a:lnTo>
+                  <a:lnTo>
+                    <a:pt x="792127" y="209252"/>
+                  </a:lnTo>
+                  <a:lnTo>
+                    <a:pt x="792127" y="213114"/>
+                  </a:lnTo>
+                  <a:lnTo>
+                    <a:pt x="796088" y="213114"/>
+                  </a:lnTo>
+                  <a:lnTo>
+                    <a:pt x="796088" y="217051"/>
+                  </a:lnTo>
+                  <a:lnTo>
+                    <a:pt x="800048" y="217051"/>
+                  </a:lnTo>
+                  <a:lnTo>
+                    <a:pt x="800048" y="221063"/>
+                  </a:lnTo>
+                  <a:lnTo>
+                    <a:pt x="804009" y="221063"/>
+                  </a:lnTo>
+                  <a:lnTo>
+                    <a:pt x="804009" y="225151"/>
+                  </a:lnTo>
+                  <a:lnTo>
+                    <a:pt x="807970" y="225151"/>
+                  </a:lnTo>
+                  <a:lnTo>
+                    <a:pt x="807970" y="229314"/>
+                  </a:lnTo>
+                  <a:lnTo>
+                    <a:pt x="811930" y="229314"/>
+                  </a:lnTo>
+                  <a:lnTo>
+                    <a:pt x="811930" y="233551"/>
+                  </a:lnTo>
+                  <a:lnTo>
+                    <a:pt x="815891" y="233551"/>
+                  </a:lnTo>
+                  <a:lnTo>
+                    <a:pt x="815891" y="237861"/>
+                  </a:lnTo>
+                  <a:lnTo>
+                    <a:pt x="819852" y="237861"/>
+                  </a:lnTo>
+                  <a:lnTo>
+                    <a:pt x="819852" y="242246"/>
+                  </a:lnTo>
+                  <a:lnTo>
+                    <a:pt x="823812" y="242246"/>
+                  </a:lnTo>
+                  <a:lnTo>
+                    <a:pt x="823812" y="246703"/>
+                  </a:lnTo>
+                  <a:lnTo>
+                    <a:pt x="827773" y="246703"/>
+                  </a:lnTo>
+                  <a:lnTo>
+                    <a:pt x="827773" y="251233"/>
+                  </a:lnTo>
+                  <a:lnTo>
+                    <a:pt x="831734" y="251233"/>
+                  </a:lnTo>
+                  <a:lnTo>
+                    <a:pt x="831734" y="255835"/>
+                  </a:lnTo>
+                  <a:lnTo>
+                    <a:pt x="835694" y="255835"/>
+                  </a:lnTo>
+                  <a:lnTo>
+                    <a:pt x="835694" y="260502"/>
+                  </a:lnTo>
+                  <a:lnTo>
+                    <a:pt x="839655" y="260502"/>
+                  </a:lnTo>
+                  <a:lnTo>
+                    <a:pt x="839655" y="265232"/>
+                  </a:lnTo>
+                  <a:lnTo>
+                    <a:pt x="843615" y="265232"/>
+                  </a:lnTo>
+                  <a:lnTo>
+                    <a:pt x="843615" y="270026"/>
+                  </a:lnTo>
+                  <a:lnTo>
+                    <a:pt x="847576" y="270026"/>
+                  </a:lnTo>
+                  <a:lnTo>
+                    <a:pt x="847576" y="274882"/>
+                  </a:lnTo>
+                  <a:lnTo>
+                    <a:pt x="851537" y="274882"/>
+                  </a:lnTo>
+                  <a:lnTo>
+                    <a:pt x="851537" y="279802"/>
+                  </a:lnTo>
+                  <a:lnTo>
+                    <a:pt x="855497" y="279802"/>
+                  </a:lnTo>
+                  <a:lnTo>
+                    <a:pt x="855497" y="284783"/>
+                  </a:lnTo>
+                  <a:lnTo>
+                    <a:pt x="859458" y="284783"/>
+                  </a:lnTo>
+                  <a:lnTo>
+                    <a:pt x="859458" y="289826"/>
+                  </a:lnTo>
+                  <a:lnTo>
+                    <a:pt x="863419" y="289826"/>
+                  </a:lnTo>
+                  <a:lnTo>
+                    <a:pt x="863419" y="294930"/>
+                  </a:lnTo>
+                  <a:lnTo>
+                    <a:pt x="867379" y="294930"/>
+                  </a:lnTo>
+                  <a:lnTo>
+                    <a:pt x="867379" y="300096"/>
+                  </a:lnTo>
+                  <a:lnTo>
+                    <a:pt x="871340" y="300096"/>
+                  </a:lnTo>
+                  <a:lnTo>
+                    <a:pt x="871340" y="305321"/>
+                  </a:lnTo>
+                  <a:lnTo>
+                    <a:pt x="875301" y="305321"/>
+                  </a:lnTo>
+                  <a:lnTo>
+                    <a:pt x="875301" y="310590"/>
+                  </a:lnTo>
+                  <a:lnTo>
+                    <a:pt x="879261" y="310590"/>
+                  </a:lnTo>
+                  <a:lnTo>
+                    <a:pt x="879261" y="315903"/>
+                  </a:lnTo>
+                  <a:lnTo>
+                    <a:pt x="883222" y="315903"/>
+                  </a:lnTo>
+                  <a:lnTo>
+                    <a:pt x="883222" y="321258"/>
+                  </a:lnTo>
+                  <a:lnTo>
+                    <a:pt x="887182" y="321258"/>
+                  </a:lnTo>
+                  <a:lnTo>
+                    <a:pt x="887182" y="326656"/>
+                  </a:lnTo>
+                  <a:lnTo>
+                    <a:pt x="891143" y="326656"/>
+                  </a:lnTo>
+                  <a:lnTo>
+                    <a:pt x="891143" y="332096"/>
+                  </a:lnTo>
+                  <a:lnTo>
+                    <a:pt x="895104" y="332096"/>
+                  </a:lnTo>
+                  <a:lnTo>
+                    <a:pt x="895104" y="337578"/>
+                  </a:lnTo>
+                  <a:lnTo>
+                    <a:pt x="899064" y="337578"/>
+                  </a:lnTo>
+                  <a:lnTo>
+                    <a:pt x="899064" y="343101"/>
+                  </a:lnTo>
+                  <a:lnTo>
+                    <a:pt x="903025" y="343101"/>
+                  </a:lnTo>
+                  <a:lnTo>
+                    <a:pt x="903025" y="348666"/>
+                  </a:lnTo>
+                  <a:lnTo>
+                    <a:pt x="906986" y="348666"/>
+                  </a:lnTo>
+                  <a:lnTo>
+                    <a:pt x="906986" y="354271"/>
+                  </a:lnTo>
+                  <a:lnTo>
+                    <a:pt x="910946" y="354271"/>
+                  </a:lnTo>
+                  <a:lnTo>
+                    <a:pt x="910946" y="359917"/>
+                  </a:lnTo>
+                  <a:lnTo>
+                    <a:pt x="914907" y="359917"/>
+                  </a:lnTo>
+                  <a:lnTo>
+                    <a:pt x="914907" y="365548"/>
+                  </a:lnTo>
+                  <a:lnTo>
+                    <a:pt x="918868" y="365548"/>
+                  </a:lnTo>
+                  <a:lnTo>
+                    <a:pt x="918868" y="371163"/>
+                  </a:lnTo>
+                  <a:lnTo>
+                    <a:pt x="922828" y="371163"/>
+                  </a:lnTo>
+                  <a:lnTo>
+                    <a:pt x="922828" y="376763"/>
+                  </a:lnTo>
+                  <a:lnTo>
+                    <a:pt x="926789" y="376763"/>
+                  </a:lnTo>
+                  <a:lnTo>
+                    <a:pt x="926789" y="382349"/>
+                  </a:lnTo>
+                  <a:lnTo>
+                    <a:pt x="930749" y="382349"/>
+                  </a:lnTo>
+                  <a:lnTo>
+                    <a:pt x="930749" y="387919"/>
+                  </a:lnTo>
+                  <a:lnTo>
+                    <a:pt x="934710" y="387919"/>
+                  </a:lnTo>
+                  <a:lnTo>
+                    <a:pt x="934710" y="393475"/>
+                  </a:lnTo>
+                  <a:lnTo>
+                    <a:pt x="938671" y="393475"/>
+                  </a:lnTo>
+                  <a:lnTo>
+                    <a:pt x="938671" y="399015"/>
+                  </a:lnTo>
+                  <a:lnTo>
+                    <a:pt x="942631" y="399015"/>
+                  </a:lnTo>
+                  <a:lnTo>
+                    <a:pt x="942631" y="404541"/>
+                  </a:lnTo>
+                  <a:lnTo>
+                    <a:pt x="946592" y="404541"/>
+                  </a:lnTo>
+                  <a:lnTo>
+                    <a:pt x="946592" y="410051"/>
+                  </a:lnTo>
+                  <a:lnTo>
+                    <a:pt x="950553" y="410051"/>
+                  </a:lnTo>
+                  <a:lnTo>
+                    <a:pt x="950553" y="415547"/>
+                  </a:lnTo>
+                  <a:lnTo>
+                    <a:pt x="954513" y="415547"/>
+                  </a:lnTo>
+                  <a:lnTo>
+                    <a:pt x="954513" y="420980"/>
+                  </a:lnTo>
+                  <a:lnTo>
+                    <a:pt x="958474" y="420980"/>
+                  </a:lnTo>
+                  <a:lnTo>
+                    <a:pt x="958474" y="426351"/>
+                  </a:lnTo>
+                  <a:lnTo>
+                    <a:pt x="962435" y="426351"/>
+                  </a:lnTo>
+                  <a:lnTo>
+                    <a:pt x="962435" y="431659"/>
+                  </a:lnTo>
+                  <a:lnTo>
+                    <a:pt x="966395" y="431659"/>
+                  </a:lnTo>
+                  <a:lnTo>
+                    <a:pt x="966395" y="436906"/>
+                  </a:lnTo>
+                  <a:lnTo>
+                    <a:pt x="970356" y="436906"/>
+                  </a:lnTo>
+                  <a:lnTo>
+                    <a:pt x="970356" y="442091"/>
+                  </a:lnTo>
+                  <a:lnTo>
+                    <a:pt x="974316" y="442091"/>
+                  </a:lnTo>
+                  <a:lnTo>
+                    <a:pt x="974316" y="447215"/>
+                  </a:lnTo>
+                  <a:lnTo>
+                    <a:pt x="978277" y="447215"/>
+                  </a:lnTo>
+                  <a:lnTo>
+                    <a:pt x="978277" y="452278"/>
+                  </a:lnTo>
+                  <a:lnTo>
+                    <a:pt x="982238" y="452278"/>
+                  </a:lnTo>
+                  <a:lnTo>
+                    <a:pt x="982238" y="457281"/>
+                  </a:lnTo>
+                  <a:lnTo>
+                    <a:pt x="986198" y="457281"/>
+                  </a:lnTo>
+                  <a:lnTo>
+                    <a:pt x="986198" y="462224"/>
+                  </a:lnTo>
+                  <a:lnTo>
+                    <a:pt x="990159" y="462224"/>
+                  </a:lnTo>
+                  <a:lnTo>
+                    <a:pt x="990159" y="467108"/>
+                  </a:lnTo>
+                  <a:lnTo>
+                    <a:pt x="994120" y="467108"/>
+                  </a:lnTo>
+                  <a:lnTo>
+                    <a:pt x="994120" y="471913"/>
+                  </a:lnTo>
+                  <a:lnTo>
+                    <a:pt x="998080" y="471913"/>
+                  </a:lnTo>
+                  <a:lnTo>
+                    <a:pt x="998080" y="476640"/>
+                  </a:lnTo>
+                  <a:lnTo>
+                    <a:pt x="1002041" y="476640"/>
+                  </a:lnTo>
+                  <a:lnTo>
+                    <a:pt x="1002041" y="481290"/>
+                  </a:lnTo>
+                  <a:lnTo>
+                    <a:pt x="1006002" y="481290"/>
+                  </a:lnTo>
+                  <a:lnTo>
+                    <a:pt x="1006002" y="485863"/>
+                  </a:lnTo>
+                  <a:lnTo>
+                    <a:pt x="1009962" y="485863"/>
+                  </a:lnTo>
+                  <a:lnTo>
+                    <a:pt x="1009962" y="490360"/>
+                  </a:lnTo>
+                  <a:lnTo>
+                    <a:pt x="1013923" y="490360"/>
+                  </a:lnTo>
+                  <a:lnTo>
+                    <a:pt x="1013923" y="494780"/>
+                  </a:lnTo>
+                  <a:lnTo>
+                    <a:pt x="1017883" y="494780"/>
+                  </a:lnTo>
+                  <a:lnTo>
+                    <a:pt x="1017883" y="499125"/>
+                  </a:lnTo>
+                  <a:lnTo>
+                    <a:pt x="1021844" y="499125"/>
+                  </a:lnTo>
+                  <a:lnTo>
+                    <a:pt x="1021844" y="503394"/>
+                  </a:lnTo>
+                  <a:lnTo>
+                    <a:pt x="1025805" y="503394"/>
+                  </a:lnTo>
+                  <a:lnTo>
+                    <a:pt x="1025805" y="507589"/>
+                  </a:lnTo>
+                  <a:lnTo>
+                    <a:pt x="1029765" y="507589"/>
+                  </a:lnTo>
+                  <a:lnTo>
+                    <a:pt x="1029765" y="511709"/>
+                  </a:lnTo>
+                  <a:lnTo>
+                    <a:pt x="1033726" y="511709"/>
+                  </a:lnTo>
+                  <a:lnTo>
+                    <a:pt x="1033726" y="515755"/>
+                  </a:lnTo>
+                  <a:lnTo>
+                    <a:pt x="1037687" y="515755"/>
+                  </a:lnTo>
+                  <a:lnTo>
+                    <a:pt x="1037687" y="519727"/>
+                  </a:lnTo>
+                  <a:lnTo>
+                    <a:pt x="1041647" y="519727"/>
+                  </a:lnTo>
+                  <a:lnTo>
+                    <a:pt x="1041647" y="523625"/>
+                  </a:lnTo>
+                  <a:lnTo>
+                    <a:pt x="1045608" y="523625"/>
+                  </a:lnTo>
+                  <a:lnTo>
+                    <a:pt x="1045608" y="527450"/>
+                  </a:lnTo>
+                  <a:lnTo>
+                    <a:pt x="1049569" y="527450"/>
+                  </a:lnTo>
+                  <a:lnTo>
+                    <a:pt x="1049569" y="531201"/>
+                  </a:lnTo>
+                  <a:lnTo>
+                    <a:pt x="1053529" y="531201"/>
+                  </a:lnTo>
+                  <a:lnTo>
+                    <a:pt x="1053529" y="534881"/>
+                  </a:lnTo>
+                  <a:lnTo>
+                    <a:pt x="1057490" y="534881"/>
+                  </a:lnTo>
+                  <a:lnTo>
+                    <a:pt x="1057490" y="538487"/>
+                  </a:lnTo>
+                  <a:lnTo>
+                    <a:pt x="1061451" y="538487"/>
+                  </a:lnTo>
+                  <a:lnTo>
+                    <a:pt x="1061451" y="542023"/>
+                  </a:lnTo>
+                  <a:lnTo>
+                    <a:pt x="1065411" y="542023"/>
+                  </a:lnTo>
+                  <a:lnTo>
+                    <a:pt x="1065411" y="545486"/>
+                  </a:lnTo>
+                  <a:lnTo>
+                    <a:pt x="1069372" y="545486"/>
+                  </a:lnTo>
+                  <a:lnTo>
+                    <a:pt x="1069372" y="548878"/>
+                  </a:lnTo>
+                  <a:lnTo>
+                    <a:pt x="1073332" y="548878"/>
+                  </a:lnTo>
+                  <a:lnTo>
+                    <a:pt x="1073332" y="552213"/>
+                  </a:lnTo>
+                  <a:lnTo>
+                    <a:pt x="1077293" y="552213"/>
+                  </a:lnTo>
+                  <a:lnTo>
+                    <a:pt x="1077293" y="555490"/>
+                  </a:lnTo>
+                  <a:lnTo>
+                    <a:pt x="1081254" y="555490"/>
+                  </a:lnTo>
+                  <a:lnTo>
+                    <a:pt x="1081254" y="558709"/>
+                  </a:lnTo>
+                  <a:lnTo>
+                    <a:pt x="1085214" y="558709"/>
+                  </a:lnTo>
+                  <a:lnTo>
+                    <a:pt x="1085214" y="561871"/>
+                  </a:lnTo>
+                  <a:lnTo>
+                    <a:pt x="1089175" y="561871"/>
+                  </a:lnTo>
+                  <a:lnTo>
+                    <a:pt x="1089175" y="564977"/>
+                  </a:lnTo>
+                  <a:lnTo>
+                    <a:pt x="1093136" y="564977"/>
+                  </a:lnTo>
+                  <a:lnTo>
+                    <a:pt x="1093136" y="568026"/>
+                  </a:lnTo>
+                  <a:lnTo>
+                    <a:pt x="1097096" y="568026"/>
+                  </a:lnTo>
+                  <a:lnTo>
+                    <a:pt x="1097096" y="571018"/>
+                  </a:lnTo>
+                  <a:lnTo>
+                    <a:pt x="1101057" y="571018"/>
+                  </a:lnTo>
+                  <a:lnTo>
+                    <a:pt x="1101057" y="573955"/>
+                  </a:lnTo>
+                  <a:lnTo>
+                    <a:pt x="1105018" y="573955"/>
+                  </a:lnTo>
+                  <a:lnTo>
+                    <a:pt x="1105018" y="576835"/>
+                  </a:lnTo>
+                  <a:lnTo>
+                    <a:pt x="1108978" y="576835"/>
+                  </a:lnTo>
+                  <a:lnTo>
+                    <a:pt x="1108978" y="579659"/>
+                  </a:lnTo>
+                  <a:lnTo>
+                    <a:pt x="1112939" y="579659"/>
+                  </a:lnTo>
+                  <a:lnTo>
+                    <a:pt x="1112939" y="582443"/>
+                  </a:lnTo>
+                  <a:lnTo>
+                    <a:pt x="1116899" y="582443"/>
+                  </a:lnTo>
+                  <a:lnTo>
+                    <a:pt x="1116899" y="585184"/>
+                  </a:lnTo>
+                  <a:lnTo>
+                    <a:pt x="1120860" y="585184"/>
+                  </a:lnTo>
+                  <a:lnTo>
+                    <a:pt x="1120860" y="587885"/>
+                  </a:lnTo>
+                  <a:lnTo>
+                    <a:pt x="1124821" y="587885"/>
+                  </a:lnTo>
+                  <a:lnTo>
+                    <a:pt x="1124821" y="590544"/>
+                  </a:lnTo>
+                  <a:lnTo>
+                    <a:pt x="1128781" y="590544"/>
+                  </a:lnTo>
+                  <a:lnTo>
+                    <a:pt x="1128781" y="593162"/>
+                  </a:lnTo>
+                  <a:lnTo>
+                    <a:pt x="1132742" y="593162"/>
+                  </a:lnTo>
+                  <a:lnTo>
+                    <a:pt x="1132742" y="595740"/>
+                  </a:lnTo>
+                  <a:lnTo>
+                    <a:pt x="1136703" y="595740"/>
+                  </a:lnTo>
+                  <a:lnTo>
+                    <a:pt x="1136703" y="598277"/>
+                  </a:lnTo>
+                  <a:lnTo>
+                    <a:pt x="1140663" y="598277"/>
+                  </a:lnTo>
+                  <a:lnTo>
+                    <a:pt x="1140663" y="600773"/>
+                  </a:lnTo>
+                  <a:lnTo>
+                    <a:pt x="1144624" y="600773"/>
+                  </a:lnTo>
+                  <a:lnTo>
+                    <a:pt x="1144624" y="603229"/>
+                  </a:lnTo>
+                  <a:lnTo>
+                    <a:pt x="1148585" y="603229"/>
+                  </a:lnTo>
+                  <a:lnTo>
+                    <a:pt x="1148585" y="605645"/>
+                  </a:lnTo>
+                  <a:lnTo>
+                    <a:pt x="1152545" y="605645"/>
+                  </a:lnTo>
+                  <a:lnTo>
+                    <a:pt x="1152545" y="608041"/>
+                  </a:lnTo>
+                  <a:lnTo>
+                    <a:pt x="1156506" y="608041"/>
+                  </a:lnTo>
+                  <a:lnTo>
+                    <a:pt x="1156506" y="610417"/>
+                  </a:lnTo>
+                  <a:lnTo>
+                    <a:pt x="1160466" y="610417"/>
+                  </a:lnTo>
+                  <a:lnTo>
+                    <a:pt x="1160466" y="612772"/>
+                  </a:lnTo>
+                  <a:lnTo>
+                    <a:pt x="1164427" y="612772"/>
+                  </a:lnTo>
+                  <a:lnTo>
+                    <a:pt x="1164427" y="615108"/>
+                  </a:lnTo>
+                  <a:lnTo>
+                    <a:pt x="1168388" y="615108"/>
+                  </a:lnTo>
+                  <a:lnTo>
+                    <a:pt x="1168388" y="617424"/>
+                  </a:lnTo>
+                  <a:lnTo>
+                    <a:pt x="1172348" y="617424"/>
+                  </a:lnTo>
+                  <a:lnTo>
+                    <a:pt x="1172348" y="619721"/>
+                  </a:lnTo>
+                  <a:lnTo>
+                    <a:pt x="1176309" y="619721"/>
+                  </a:lnTo>
+                  <a:lnTo>
+                    <a:pt x="1176309" y="621997"/>
+                  </a:lnTo>
+                  <a:lnTo>
+                    <a:pt x="1180270" y="621997"/>
+                  </a:lnTo>
+                  <a:lnTo>
+                    <a:pt x="1180270" y="624254"/>
+                  </a:lnTo>
+                  <a:lnTo>
+                    <a:pt x="1184230" y="624254"/>
+                  </a:lnTo>
+                  <a:lnTo>
+                    <a:pt x="1184230" y="626491"/>
+                  </a:lnTo>
+                  <a:lnTo>
+                    <a:pt x="1188191" y="626491"/>
+                  </a:lnTo>
+                  <a:lnTo>
+                    <a:pt x="1188191" y="628709"/>
+                  </a:lnTo>
+                  <a:lnTo>
+                    <a:pt x="1192152" y="628709"/>
+                  </a:lnTo>
+                  <a:lnTo>
+                    <a:pt x="1192152" y="630907"/>
+                  </a:lnTo>
+                  <a:lnTo>
+                    <a:pt x="1196112" y="630907"/>
+                  </a:lnTo>
+                  <a:lnTo>
+                    <a:pt x="1196112" y="633086"/>
+                  </a:lnTo>
+                  <a:lnTo>
+                    <a:pt x="1200073" y="633086"/>
+                  </a:lnTo>
+                  <a:lnTo>
+                    <a:pt x="1200073" y="635246"/>
+                  </a:lnTo>
+                  <a:lnTo>
+                    <a:pt x="1204033" y="635246"/>
+                  </a:lnTo>
+                  <a:lnTo>
+                    <a:pt x="1204033" y="637386"/>
+                  </a:lnTo>
+                  <a:lnTo>
+                    <a:pt x="1207994" y="637386"/>
+                  </a:lnTo>
+                  <a:lnTo>
+                    <a:pt x="1207994" y="639507"/>
+                  </a:lnTo>
+                  <a:lnTo>
+                    <a:pt x="1211955" y="639507"/>
+                  </a:lnTo>
+                  <a:lnTo>
+                    <a:pt x="1211955" y="641633"/>
+                  </a:lnTo>
+                  <a:lnTo>
+                    <a:pt x="1215915" y="641633"/>
+                  </a:lnTo>
+                  <a:lnTo>
+                    <a:pt x="1215915" y="643764"/>
+                  </a:lnTo>
+                  <a:lnTo>
+                    <a:pt x="1219876" y="643764"/>
+                  </a:lnTo>
+                  <a:lnTo>
+                    <a:pt x="1219876" y="645900"/>
+                  </a:lnTo>
+                  <a:lnTo>
+                    <a:pt x="1223837" y="645900"/>
+                  </a:lnTo>
+                  <a:lnTo>
+                    <a:pt x="1223837" y="648042"/>
+                  </a:lnTo>
+                  <a:lnTo>
+                    <a:pt x="1227797" y="648042"/>
+                  </a:lnTo>
+                  <a:lnTo>
+                    <a:pt x="1227797" y="650188"/>
+                  </a:lnTo>
+                  <a:lnTo>
+                    <a:pt x="1231758" y="650188"/>
+                  </a:lnTo>
+                  <a:lnTo>
+                    <a:pt x="1231758" y="652339"/>
+                  </a:lnTo>
+                  <a:lnTo>
+                    <a:pt x="1235719" y="652339"/>
+                  </a:lnTo>
+                  <a:lnTo>
+                    <a:pt x="1235719" y="654496"/>
+                  </a:lnTo>
+                  <a:lnTo>
+                    <a:pt x="1239679" y="654496"/>
+                  </a:lnTo>
+                  <a:lnTo>
+                    <a:pt x="1239679" y="656657"/>
+                  </a:lnTo>
+                  <a:lnTo>
+                    <a:pt x="1243640" y="656657"/>
+                  </a:lnTo>
+                  <a:lnTo>
+                    <a:pt x="1243640" y="658823"/>
+                  </a:lnTo>
+                  <a:lnTo>
+                    <a:pt x="1247601" y="658823"/>
+                  </a:lnTo>
+                  <a:lnTo>
+                    <a:pt x="1247601" y="660994"/>
+                  </a:lnTo>
+                  <a:lnTo>
+                    <a:pt x="1251561" y="660994"/>
+                  </a:lnTo>
+                  <a:lnTo>
+                    <a:pt x="1251561" y="663171"/>
+                  </a:lnTo>
+                  <a:lnTo>
+                    <a:pt x="1255522" y="663171"/>
+                  </a:lnTo>
+                  <a:lnTo>
+                    <a:pt x="1255522" y="665351"/>
+                  </a:lnTo>
+                  <a:lnTo>
+                    <a:pt x="1259482" y="665351"/>
+                  </a:lnTo>
+                  <a:lnTo>
+                    <a:pt x="1259482" y="667537"/>
+                  </a:lnTo>
+                  <a:lnTo>
+                    <a:pt x="1263443" y="667537"/>
+                  </a:lnTo>
+                  <a:lnTo>
+                    <a:pt x="1263443" y="669728"/>
+                  </a:lnTo>
+                  <a:lnTo>
+                    <a:pt x="1267404" y="669728"/>
+                  </a:lnTo>
+                  <a:lnTo>
+                    <a:pt x="1267404" y="671924"/>
+                  </a:lnTo>
+                  <a:lnTo>
+                    <a:pt x="1271364" y="671924"/>
+                  </a:lnTo>
+                  <a:lnTo>
+                    <a:pt x="1271364" y="674134"/>
+                  </a:lnTo>
+                  <a:lnTo>
+                    <a:pt x="1275325" y="674134"/>
+                  </a:lnTo>
+                  <a:lnTo>
+                    <a:pt x="1275325" y="676358"/>
+                  </a:lnTo>
+                  <a:lnTo>
+                    <a:pt x="1279286" y="676358"/>
+                  </a:lnTo>
+                  <a:lnTo>
+                    <a:pt x="1279286" y="678597"/>
+                  </a:lnTo>
+                  <a:lnTo>
+                    <a:pt x="1283246" y="678597"/>
+                  </a:lnTo>
+                  <a:lnTo>
+                    <a:pt x="1283246" y="680850"/>
+                  </a:lnTo>
+                  <a:lnTo>
+                    <a:pt x="1287207" y="680850"/>
+                  </a:lnTo>
+                  <a:lnTo>
+                    <a:pt x="1287207" y="683118"/>
+                  </a:lnTo>
+                  <a:lnTo>
+                    <a:pt x="1291168" y="683118"/>
+                  </a:lnTo>
+                  <a:lnTo>
+                    <a:pt x="1291168" y="685400"/>
+                  </a:lnTo>
+                  <a:lnTo>
+                    <a:pt x="1295128" y="685400"/>
+                  </a:lnTo>
+                  <a:lnTo>
+                    <a:pt x="1295128" y="687696"/>
+                  </a:lnTo>
+                  <a:lnTo>
+                    <a:pt x="1299089" y="687696"/>
+                  </a:lnTo>
+                  <a:lnTo>
+                    <a:pt x="1299089" y="690006"/>
+                  </a:lnTo>
+                  <a:lnTo>
+                    <a:pt x="1303049" y="690006"/>
+                  </a:lnTo>
+                  <a:lnTo>
+                    <a:pt x="1303049" y="692330"/>
+                  </a:lnTo>
+                  <a:lnTo>
+                    <a:pt x="1307010" y="692330"/>
+                  </a:lnTo>
+                  <a:lnTo>
+                    <a:pt x="1307010" y="694668"/>
+                  </a:lnTo>
+                  <a:lnTo>
+                    <a:pt x="1310971" y="694668"/>
+                  </a:lnTo>
+                  <a:lnTo>
+                    <a:pt x="1310971" y="697020"/>
+                  </a:lnTo>
+                  <a:lnTo>
+                    <a:pt x="1314931" y="697020"/>
+                  </a:lnTo>
+                  <a:lnTo>
+                    <a:pt x="1314931" y="699384"/>
+                  </a:lnTo>
+                  <a:lnTo>
+                    <a:pt x="1318892" y="699384"/>
+                  </a:lnTo>
+                  <a:lnTo>
+                    <a:pt x="1318892" y="701762"/>
+                  </a:lnTo>
+                  <a:lnTo>
+                    <a:pt x="1322853" y="701762"/>
+                  </a:lnTo>
+                  <a:lnTo>
+                    <a:pt x="1322853" y="704152"/>
+                  </a:lnTo>
+                  <a:lnTo>
+                    <a:pt x="1326813" y="704152"/>
+                  </a:lnTo>
+                  <a:lnTo>
+                    <a:pt x="1326813" y="706555"/>
+                  </a:lnTo>
+                  <a:lnTo>
+                    <a:pt x="1330774" y="706555"/>
+                  </a:lnTo>
+                  <a:lnTo>
+                    <a:pt x="1330774" y="708971"/>
+                  </a:lnTo>
+                  <a:lnTo>
+                    <a:pt x="1334735" y="708971"/>
+                  </a:lnTo>
+                  <a:lnTo>
+                    <a:pt x="1334735" y="711399"/>
+                  </a:lnTo>
+                  <a:lnTo>
+                    <a:pt x="1338695" y="711399"/>
+                  </a:lnTo>
+                  <a:lnTo>
+                    <a:pt x="1338695" y="713841"/>
+                  </a:lnTo>
+                  <a:lnTo>
+                    <a:pt x="1342656" y="713841"/>
+                  </a:lnTo>
+                  <a:lnTo>
+                    <a:pt x="1342656" y="716295"/>
+                  </a:lnTo>
+                  <a:lnTo>
+                    <a:pt x="1346616" y="716295"/>
+                  </a:lnTo>
+                  <a:lnTo>
+                    <a:pt x="1346616" y="718761"/>
+                  </a:lnTo>
+                  <a:lnTo>
+                    <a:pt x="1350577" y="718761"/>
+                  </a:lnTo>
+                  <a:lnTo>
+                    <a:pt x="1350577" y="721232"/>
+                  </a:lnTo>
+                  <a:lnTo>
+                    <a:pt x="1354538" y="721232"/>
+                  </a:lnTo>
+                  <a:lnTo>
+                    <a:pt x="1354538" y="723707"/>
+                  </a:lnTo>
+                  <a:lnTo>
+                    <a:pt x="1358498" y="723707"/>
+                  </a:lnTo>
+                  <a:lnTo>
+                    <a:pt x="1358498" y="726186"/>
+                  </a:lnTo>
+                  <a:lnTo>
+                    <a:pt x="1362459" y="726186"/>
+                  </a:lnTo>
+                  <a:lnTo>
+                    <a:pt x="1362459" y="728669"/>
+                  </a:lnTo>
+                  <a:lnTo>
+                    <a:pt x="1366420" y="728669"/>
+                  </a:lnTo>
+                  <a:lnTo>
+                    <a:pt x="1366420" y="731156"/>
+                  </a:lnTo>
+                  <a:lnTo>
+                    <a:pt x="1370380" y="731156"/>
+                  </a:lnTo>
+                  <a:lnTo>
+                    <a:pt x="1370380" y="733647"/>
+                  </a:lnTo>
+                  <a:lnTo>
+                    <a:pt x="1374341" y="733647"/>
+                  </a:lnTo>
+                  <a:lnTo>
+                    <a:pt x="1374341" y="736142"/>
+                  </a:lnTo>
+                  <a:lnTo>
+                    <a:pt x="1378302" y="736142"/>
+                  </a:lnTo>
+                  <a:lnTo>
+                    <a:pt x="1378302" y="738642"/>
+                  </a:lnTo>
+                  <a:lnTo>
+                    <a:pt x="1382262" y="738642"/>
+                  </a:lnTo>
+                  <a:lnTo>
+                    <a:pt x="1382262" y="741145"/>
+                  </a:lnTo>
+                  <a:lnTo>
+                    <a:pt x="1386223" y="741145"/>
+                  </a:lnTo>
+                  <a:lnTo>
+                    <a:pt x="1386223" y="743652"/>
+                  </a:lnTo>
+                  <a:lnTo>
+                    <a:pt x="1390183" y="743652"/>
+                  </a:lnTo>
+                  <a:lnTo>
+                    <a:pt x="1390183" y="746136"/>
+                  </a:lnTo>
+                  <a:lnTo>
+                    <a:pt x="1394144" y="746136"/>
+                  </a:lnTo>
+                  <a:lnTo>
+                    <a:pt x="1394144" y="748597"/>
+                  </a:lnTo>
+                  <a:lnTo>
+                    <a:pt x="1398105" y="748597"/>
+                  </a:lnTo>
+                  <a:lnTo>
+                    <a:pt x="1398105" y="751036"/>
+                  </a:lnTo>
+                  <a:lnTo>
+                    <a:pt x="1402065" y="751036"/>
+                  </a:lnTo>
+                  <a:lnTo>
+                    <a:pt x="1402065" y="753451"/>
+                  </a:lnTo>
+                  <a:lnTo>
+                    <a:pt x="1406026" y="753451"/>
+                  </a:lnTo>
+                  <a:lnTo>
+                    <a:pt x="1406026" y="755844"/>
+                  </a:lnTo>
+                  <a:lnTo>
+                    <a:pt x="1409987" y="755844"/>
+                  </a:lnTo>
+                  <a:lnTo>
+                    <a:pt x="1409987" y="758215"/>
+                  </a:lnTo>
+                  <a:lnTo>
+                    <a:pt x="1413947" y="758215"/>
+                  </a:lnTo>
+                  <a:lnTo>
+                    <a:pt x="1413947" y="760563"/>
+                  </a:lnTo>
+                  <a:lnTo>
+                    <a:pt x="1417908" y="760563"/>
+                  </a:lnTo>
+                  <a:lnTo>
+                    <a:pt x="1417908" y="762888"/>
+                  </a:lnTo>
+                  <a:lnTo>
+                    <a:pt x="1421869" y="762888"/>
+                  </a:lnTo>
+                  <a:lnTo>
+                    <a:pt x="1421869" y="765191"/>
+                  </a:lnTo>
+                  <a:lnTo>
+                    <a:pt x="1425829" y="765191"/>
+                  </a:lnTo>
+                  <a:lnTo>
+                    <a:pt x="1425829" y="767472"/>
+                  </a:lnTo>
+                  <a:lnTo>
+                    <a:pt x="1429790" y="767472"/>
+                  </a:lnTo>
+                  <a:lnTo>
+                    <a:pt x="1429790" y="769712"/>
+                  </a:lnTo>
+                  <a:lnTo>
+                    <a:pt x="1433751" y="769712"/>
+                  </a:lnTo>
+                  <a:lnTo>
+                    <a:pt x="1433751" y="771912"/>
+                  </a:lnTo>
+                  <a:lnTo>
+                    <a:pt x="1437711" y="771912"/>
+                  </a:lnTo>
+                  <a:lnTo>
+                    <a:pt x="1437711" y="774071"/>
+                  </a:lnTo>
+                  <a:lnTo>
+                    <a:pt x="1441672" y="774071"/>
+                  </a:lnTo>
+                  <a:lnTo>
+                    <a:pt x="1441672" y="776190"/>
+                  </a:lnTo>
+                  <a:lnTo>
+                    <a:pt x="1445632" y="776190"/>
+                  </a:lnTo>
+                  <a:lnTo>
+                    <a:pt x="1445632" y="778270"/>
+                  </a:lnTo>
+                  <a:lnTo>
+                    <a:pt x="1449593" y="778270"/>
+                  </a:lnTo>
+                  <a:lnTo>
+                    <a:pt x="1449593" y="780309"/>
+                  </a:lnTo>
+                  <a:lnTo>
+                    <a:pt x="1453554" y="780309"/>
+                  </a:lnTo>
+                  <a:lnTo>
+                    <a:pt x="1453554" y="782309"/>
+                  </a:lnTo>
+                  <a:lnTo>
+                    <a:pt x="1457514" y="782309"/>
+                  </a:lnTo>
+                  <a:lnTo>
+                    <a:pt x="1457514" y="784269"/>
+                  </a:lnTo>
+                  <a:lnTo>
+                    <a:pt x="1461475" y="784269"/>
+                  </a:lnTo>
+                  <a:lnTo>
+                    <a:pt x="1461475" y="786189"/>
+                  </a:lnTo>
+                  <a:lnTo>
+                    <a:pt x="1465436" y="786189"/>
+                  </a:lnTo>
+                  <a:lnTo>
+                    <a:pt x="1465436" y="788070"/>
+                  </a:lnTo>
+                  <a:lnTo>
+                    <a:pt x="1469396" y="788070"/>
+                  </a:lnTo>
+                  <a:lnTo>
+                    <a:pt x="1469396" y="789904"/>
+                  </a:lnTo>
+                  <a:lnTo>
+                    <a:pt x="1473357" y="789904"/>
+                  </a:lnTo>
+                  <a:lnTo>
+                    <a:pt x="1473357" y="791691"/>
+                  </a:lnTo>
+                  <a:lnTo>
+                    <a:pt x="1477318" y="791691"/>
+                  </a:lnTo>
+                  <a:lnTo>
+                    <a:pt x="1477318" y="793430"/>
+                  </a:lnTo>
+                  <a:lnTo>
+                    <a:pt x="1481278" y="793430"/>
+                  </a:lnTo>
+                  <a:lnTo>
+                    <a:pt x="1481278" y="795124"/>
+                  </a:lnTo>
+                  <a:lnTo>
+                    <a:pt x="1485239" y="795124"/>
+                  </a:lnTo>
+                  <a:lnTo>
+                    <a:pt x="1485239" y="796770"/>
+                  </a:lnTo>
+                  <a:lnTo>
+                    <a:pt x="1489199" y="796770"/>
+                  </a:lnTo>
+                  <a:lnTo>
+                    <a:pt x="1489199" y="798370"/>
+                  </a:lnTo>
+                  <a:lnTo>
+                    <a:pt x="1493160" y="798370"/>
+                  </a:lnTo>
+                  <a:lnTo>
+                    <a:pt x="1493160" y="799923"/>
+                  </a:lnTo>
+                  <a:lnTo>
+                    <a:pt x="1497121" y="799923"/>
+                  </a:lnTo>
+                  <a:lnTo>
+                    <a:pt x="1497121" y="801431"/>
+                  </a:lnTo>
+                  <a:lnTo>
+                    <a:pt x="1501081" y="801431"/>
+                  </a:lnTo>
+                  <a:lnTo>
+                    <a:pt x="1501081" y="802892"/>
+                  </a:lnTo>
+                  <a:lnTo>
+                    <a:pt x="1505042" y="802892"/>
+                  </a:lnTo>
+                  <a:lnTo>
+                    <a:pt x="1505042" y="804306"/>
+                  </a:lnTo>
+                  <a:lnTo>
+                    <a:pt x="1509003" y="804306"/>
+                  </a:lnTo>
+                  <a:lnTo>
+                    <a:pt x="1509003" y="805685"/>
+                  </a:lnTo>
+                  <a:lnTo>
+                    <a:pt x="1512963" y="805685"/>
+                  </a:lnTo>
+                  <a:lnTo>
+                    <a:pt x="1512963" y="807026"/>
+                  </a:lnTo>
+                  <a:lnTo>
+                    <a:pt x="1516924" y="807026"/>
+                  </a:lnTo>
+                  <a:lnTo>
+                    <a:pt x="1516924" y="808331"/>
+                  </a:lnTo>
+                  <a:lnTo>
+                    <a:pt x="1520885" y="808331"/>
+                  </a:lnTo>
+                  <a:lnTo>
+                    <a:pt x="1520885" y="809600"/>
+                  </a:lnTo>
+                  <a:lnTo>
+                    <a:pt x="1524845" y="809600"/>
+                  </a:lnTo>
+                  <a:lnTo>
+                    <a:pt x="1524845" y="810832"/>
+                  </a:lnTo>
+                  <a:lnTo>
+                    <a:pt x="1528806" y="810832"/>
+                  </a:lnTo>
+                  <a:lnTo>
+                    <a:pt x="1528806" y="812027"/>
+                  </a:lnTo>
+                  <a:lnTo>
+                    <a:pt x="1532766" y="812027"/>
+                  </a:lnTo>
+                  <a:lnTo>
+                    <a:pt x="1532766" y="813187"/>
+                  </a:lnTo>
+                  <a:lnTo>
+                    <a:pt x="1536727" y="813187"/>
+                  </a:lnTo>
+                  <a:lnTo>
+                    <a:pt x="1536727" y="814310"/>
+                  </a:lnTo>
+                  <a:lnTo>
+                    <a:pt x="1540688" y="814310"/>
+                  </a:lnTo>
+                  <a:lnTo>
+                    <a:pt x="1540688" y="815397"/>
+                  </a:lnTo>
+                  <a:lnTo>
+                    <a:pt x="1544648" y="815397"/>
+                  </a:lnTo>
+                  <a:lnTo>
+                    <a:pt x="1544648" y="816448"/>
+                  </a:lnTo>
+                  <a:lnTo>
+                    <a:pt x="1548609" y="816448"/>
+                  </a:lnTo>
+                  <a:lnTo>
+                    <a:pt x="1548609" y="817463"/>
+                  </a:lnTo>
+                  <a:lnTo>
+                    <a:pt x="1552570" y="817463"/>
+                  </a:lnTo>
+                  <a:lnTo>
+                    <a:pt x="1552570" y="818442"/>
+                  </a:lnTo>
+                  <a:lnTo>
+                    <a:pt x="1556530" y="818442"/>
+                  </a:lnTo>
+                  <a:lnTo>
+                    <a:pt x="1556530" y="819385"/>
+                  </a:lnTo>
+                  <a:lnTo>
+                    <a:pt x="1560491" y="819385"/>
+                  </a:lnTo>
+                  <a:lnTo>
+                    <a:pt x="1560491" y="820293"/>
+                  </a:lnTo>
+                  <a:lnTo>
+                    <a:pt x="1564452" y="820293"/>
+                  </a:lnTo>
+                  <a:lnTo>
+                    <a:pt x="1564452" y="821164"/>
+                  </a:lnTo>
+                  <a:lnTo>
+                    <a:pt x="1568412" y="821164"/>
+                  </a:lnTo>
+                  <a:lnTo>
+                    <a:pt x="1568412" y="822000"/>
+                  </a:lnTo>
+                  <a:lnTo>
+                    <a:pt x="1572373" y="822000"/>
+                  </a:lnTo>
+                  <a:lnTo>
+                    <a:pt x="1572373" y="822800"/>
+                  </a:lnTo>
+                  <a:lnTo>
+                    <a:pt x="1576333" y="822800"/>
+                  </a:lnTo>
+                  <a:lnTo>
+                    <a:pt x="1576333" y="823564"/>
+                  </a:lnTo>
+                  <a:lnTo>
+                    <a:pt x="1580294" y="823564"/>
+                  </a:lnTo>
+                  <a:lnTo>
+                    <a:pt x="1580294" y="824293"/>
+                  </a:lnTo>
+                  <a:lnTo>
+                    <a:pt x="1584255" y="824293"/>
+                  </a:lnTo>
+                  <a:lnTo>
+                    <a:pt x="1584255" y="824986"/>
+                  </a:lnTo>
+                  <a:lnTo>
+                    <a:pt x="1588215" y="824986"/>
+                  </a:lnTo>
+                  <a:lnTo>
+                    <a:pt x="1588215" y="825643"/>
+                  </a:lnTo>
+                  <a:lnTo>
+                    <a:pt x="1592176" y="825643"/>
+                  </a:lnTo>
+                  <a:lnTo>
+                    <a:pt x="1592176" y="826265"/>
+                  </a:lnTo>
+                  <a:lnTo>
+                    <a:pt x="1596137" y="826265"/>
+                  </a:lnTo>
+                  <a:lnTo>
+                    <a:pt x="1596137" y="826852"/>
+                  </a:lnTo>
+                  <a:lnTo>
+                    <a:pt x="1600097" y="826852"/>
+                  </a:lnTo>
+                  <a:lnTo>
+                    <a:pt x="1600097" y="827403"/>
+                  </a:lnTo>
+                  <a:lnTo>
+                    <a:pt x="1604058" y="827403"/>
+                  </a:lnTo>
+                  <a:lnTo>
+                    <a:pt x="1604058" y="827919"/>
                   </a:lnTo>
                 </a:path>
               </a:pathLst>
@@ -32805,159 +37377,2445 @@
           </p:nvSpPr>
           <p:spPr>
             <a:xfrm>
-              <a:off x="3488656" y="1335232"/>
-              <a:ext cx="1604058" cy="479599"/>
-            </a:xfrm>
-            <a:custGeom>
-              <a:avLst/>
-              <a:pathLst>
-                <a:path w="1604058" h="479599">
-                  <a:moveTo>
-                    <a:pt x="0" y="0"/>
-                  </a:moveTo>
-                  <a:lnTo>
-                    <a:pt x="514882" y="0"/>
-                  </a:lnTo>
-                  <a:lnTo>
-                    <a:pt x="514882" y="6635"/>
-                  </a:lnTo>
-                  <a:lnTo>
-                    <a:pt x="594095" y="6635"/>
-                  </a:lnTo>
-                  <a:lnTo>
-                    <a:pt x="594095" y="15628"/>
-                  </a:lnTo>
-                  <a:lnTo>
-                    <a:pt x="653505" y="15628"/>
-                  </a:lnTo>
-                  <a:lnTo>
-                    <a:pt x="653505" y="26901"/>
-                  </a:lnTo>
-                  <a:lnTo>
-                    <a:pt x="712914" y="26901"/>
-                  </a:lnTo>
-                  <a:lnTo>
-                    <a:pt x="712914" y="42558"/>
-                  </a:lnTo>
-                  <a:lnTo>
-                    <a:pt x="752521" y="42558"/>
-                  </a:lnTo>
-                  <a:lnTo>
-                    <a:pt x="752521" y="62634"/>
-                  </a:lnTo>
-                  <a:lnTo>
-                    <a:pt x="792127" y="62634"/>
-                  </a:lnTo>
-                  <a:lnTo>
-                    <a:pt x="792127" y="88082"/>
-                  </a:lnTo>
-                  <a:lnTo>
-                    <a:pt x="831734" y="88082"/>
-                  </a:lnTo>
-                  <a:lnTo>
-                    <a:pt x="831734" y="118610"/>
-                  </a:lnTo>
-                  <a:lnTo>
-                    <a:pt x="871340" y="118610"/>
-                  </a:lnTo>
-                  <a:lnTo>
-                    <a:pt x="871340" y="153538"/>
-                  </a:lnTo>
-                  <a:lnTo>
-                    <a:pt x="910946" y="153538"/>
-                  </a:lnTo>
-                  <a:lnTo>
-                    <a:pt x="910946" y="191601"/>
-                  </a:lnTo>
-                  <a:lnTo>
-                    <a:pt x="950553" y="191601"/>
-                  </a:lnTo>
-                  <a:lnTo>
-                    <a:pt x="950553" y="228989"/>
-                  </a:lnTo>
-                  <a:lnTo>
-                    <a:pt x="990159" y="228989"/>
-                  </a:lnTo>
-                  <a:lnTo>
-                    <a:pt x="990159" y="262498"/>
-                  </a:lnTo>
-                  <a:lnTo>
-                    <a:pt x="1029765" y="262498"/>
-                  </a:lnTo>
-                  <a:lnTo>
-                    <a:pt x="1029765" y="290986"/>
-                  </a:lnTo>
-                  <a:lnTo>
-                    <a:pt x="1069372" y="290986"/>
-                  </a:lnTo>
-                  <a:lnTo>
-                    <a:pt x="1069372" y="314593"/>
-                  </a:lnTo>
-                  <a:lnTo>
-                    <a:pt x="1108978" y="314593"/>
-                  </a:lnTo>
-                  <a:lnTo>
-                    <a:pt x="1108978" y="334358"/>
-                  </a:lnTo>
-                  <a:lnTo>
-                    <a:pt x="1148585" y="334358"/>
-                  </a:lnTo>
-                  <a:lnTo>
-                    <a:pt x="1148585" y="351340"/>
-                  </a:lnTo>
-                  <a:lnTo>
-                    <a:pt x="1207994" y="351340"/>
-                  </a:lnTo>
-                  <a:lnTo>
-                    <a:pt x="1207994" y="366394"/>
-                  </a:lnTo>
-                  <a:lnTo>
-                    <a:pt x="1267404" y="366394"/>
-                  </a:lnTo>
-                  <a:lnTo>
-                    <a:pt x="1267404" y="382120"/>
-                  </a:lnTo>
-                  <a:lnTo>
-                    <a:pt x="1307010" y="382120"/>
-                  </a:lnTo>
-                  <a:lnTo>
-                    <a:pt x="1307010" y="398941"/>
-                  </a:lnTo>
-                  <a:lnTo>
-                    <a:pt x="1346616" y="398941"/>
-                  </a:lnTo>
-                  <a:lnTo>
-                    <a:pt x="1346616" y="416764"/>
-                  </a:lnTo>
-                  <a:lnTo>
-                    <a:pt x="1386223" y="416764"/>
-                  </a:lnTo>
-                  <a:lnTo>
-                    <a:pt x="1386223" y="434967"/>
-                  </a:lnTo>
-                  <a:lnTo>
-                    <a:pt x="1425829" y="434967"/>
-                  </a:lnTo>
-                  <a:lnTo>
-                    <a:pt x="1425829" y="451602"/>
-                  </a:lnTo>
-                  <a:lnTo>
-                    <a:pt x="1465436" y="451602"/>
-                  </a:lnTo>
-                  <a:lnTo>
-                    <a:pt x="1465436" y="465377"/>
-                  </a:lnTo>
-                  <a:lnTo>
-                    <a:pt x="1505042" y="465377"/>
-                  </a:lnTo>
-                  <a:lnTo>
-                    <a:pt x="1505042" y="475773"/>
-                  </a:lnTo>
-                  <a:lnTo>
-                    <a:pt x="1604058" y="475773"/>
-                  </a:lnTo>
-                  <a:lnTo>
-                    <a:pt x="1604058" y="479599"/>
+              <a:off x="3488656" y="1335041"/>
+              <a:ext cx="1604058" cy="552358"/>
+            </a:xfrm>
+            <a:custGeom>
+              <a:avLst/>
+              <a:pathLst>
+                <a:path w="1604058" h="552358">
+                  <a:moveTo>
+                    <a:pt x="0" y="0"/>
+                  </a:moveTo>
+                  <a:lnTo>
+                    <a:pt x="3960" y="0"/>
+                  </a:lnTo>
+                  <a:lnTo>
+                    <a:pt x="3960" y="26"/>
+                  </a:lnTo>
+                  <a:lnTo>
+                    <a:pt x="7921" y="26"/>
+                  </a:lnTo>
+                  <a:lnTo>
+                    <a:pt x="7921" y="57"/>
+                  </a:lnTo>
+                  <a:lnTo>
+                    <a:pt x="11881" y="57"/>
+                  </a:lnTo>
+                  <a:lnTo>
+                    <a:pt x="11881" y="93"/>
+                  </a:lnTo>
+                  <a:lnTo>
+                    <a:pt x="15842" y="93"/>
+                  </a:lnTo>
+                  <a:lnTo>
+                    <a:pt x="15842" y="134"/>
+                  </a:lnTo>
+                  <a:lnTo>
+                    <a:pt x="19803" y="134"/>
+                  </a:lnTo>
+                  <a:lnTo>
+                    <a:pt x="19803" y="180"/>
+                  </a:lnTo>
+                  <a:lnTo>
+                    <a:pt x="23763" y="180"/>
+                  </a:lnTo>
+                  <a:lnTo>
+                    <a:pt x="23763" y="231"/>
+                  </a:lnTo>
+                  <a:lnTo>
+                    <a:pt x="27724" y="231"/>
+                  </a:lnTo>
+                  <a:lnTo>
+                    <a:pt x="27724" y="286"/>
+                  </a:lnTo>
+                  <a:lnTo>
+                    <a:pt x="31685" y="286"/>
+                  </a:lnTo>
+                  <a:lnTo>
+                    <a:pt x="31685" y="347"/>
+                  </a:lnTo>
+                  <a:lnTo>
+                    <a:pt x="35645" y="347"/>
+                  </a:lnTo>
+                  <a:lnTo>
+                    <a:pt x="35645" y="413"/>
+                  </a:lnTo>
+                  <a:lnTo>
+                    <a:pt x="39606" y="413"/>
+                  </a:lnTo>
+                  <a:lnTo>
+                    <a:pt x="39606" y="483"/>
+                  </a:lnTo>
+                  <a:lnTo>
+                    <a:pt x="43567" y="483"/>
+                  </a:lnTo>
+                  <a:lnTo>
+                    <a:pt x="43567" y="559"/>
+                  </a:lnTo>
+                  <a:lnTo>
+                    <a:pt x="47527" y="559"/>
+                  </a:lnTo>
+                  <a:lnTo>
+                    <a:pt x="47527" y="640"/>
+                  </a:lnTo>
+                  <a:lnTo>
+                    <a:pt x="51488" y="640"/>
+                  </a:lnTo>
+                  <a:lnTo>
+                    <a:pt x="51488" y="725"/>
+                  </a:lnTo>
+                  <a:lnTo>
+                    <a:pt x="55448" y="725"/>
+                  </a:lnTo>
+                  <a:lnTo>
+                    <a:pt x="55448" y="816"/>
+                  </a:lnTo>
+                  <a:lnTo>
+                    <a:pt x="59409" y="816"/>
+                  </a:lnTo>
+                  <a:lnTo>
+                    <a:pt x="59409" y="911"/>
+                  </a:lnTo>
+                  <a:lnTo>
+                    <a:pt x="63370" y="911"/>
+                  </a:lnTo>
+                  <a:lnTo>
+                    <a:pt x="63370" y="1011"/>
+                  </a:lnTo>
+                  <a:lnTo>
+                    <a:pt x="67330" y="1011"/>
+                  </a:lnTo>
+                  <a:lnTo>
+                    <a:pt x="67330" y="1117"/>
+                  </a:lnTo>
+                  <a:lnTo>
+                    <a:pt x="71291" y="1117"/>
+                  </a:lnTo>
+                  <a:lnTo>
+                    <a:pt x="71291" y="1227"/>
+                  </a:lnTo>
+                  <a:lnTo>
+                    <a:pt x="75252" y="1227"/>
+                  </a:lnTo>
+                  <a:lnTo>
+                    <a:pt x="75252" y="1342"/>
+                  </a:lnTo>
+                  <a:lnTo>
+                    <a:pt x="79212" y="1342"/>
+                  </a:lnTo>
+                  <a:lnTo>
+                    <a:pt x="79212" y="1462"/>
+                  </a:lnTo>
+                  <a:lnTo>
+                    <a:pt x="83173" y="1462"/>
+                  </a:lnTo>
+                  <a:lnTo>
+                    <a:pt x="83173" y="1587"/>
+                  </a:lnTo>
+                  <a:lnTo>
+                    <a:pt x="87134" y="1587"/>
+                  </a:lnTo>
+                  <a:lnTo>
+                    <a:pt x="87134" y="1717"/>
+                  </a:lnTo>
+                  <a:lnTo>
+                    <a:pt x="91094" y="1717"/>
+                  </a:lnTo>
+                  <a:lnTo>
+                    <a:pt x="91094" y="1852"/>
+                  </a:lnTo>
+                  <a:lnTo>
+                    <a:pt x="95055" y="1852"/>
+                  </a:lnTo>
+                  <a:lnTo>
+                    <a:pt x="95055" y="1992"/>
+                  </a:lnTo>
+                  <a:lnTo>
+                    <a:pt x="99015" y="1992"/>
+                  </a:lnTo>
+                  <a:lnTo>
+                    <a:pt x="99015" y="2136"/>
+                  </a:lnTo>
+                  <a:lnTo>
+                    <a:pt x="102976" y="2136"/>
+                  </a:lnTo>
+                  <a:lnTo>
+                    <a:pt x="102976" y="2286"/>
+                  </a:lnTo>
+                  <a:lnTo>
+                    <a:pt x="106937" y="2286"/>
+                  </a:lnTo>
+                  <a:lnTo>
+                    <a:pt x="106937" y="2441"/>
+                  </a:lnTo>
+                  <a:lnTo>
+                    <a:pt x="110897" y="2441"/>
+                  </a:lnTo>
+                  <a:lnTo>
+                    <a:pt x="110897" y="2600"/>
+                  </a:lnTo>
+                  <a:lnTo>
+                    <a:pt x="114858" y="2600"/>
+                  </a:lnTo>
+                  <a:lnTo>
+                    <a:pt x="114858" y="2765"/>
+                  </a:lnTo>
+                  <a:lnTo>
+                    <a:pt x="118819" y="2765"/>
+                  </a:lnTo>
+                  <a:lnTo>
+                    <a:pt x="118819" y="2934"/>
+                  </a:lnTo>
+                  <a:lnTo>
+                    <a:pt x="122779" y="2934"/>
+                  </a:lnTo>
+                  <a:lnTo>
+                    <a:pt x="122779" y="3109"/>
+                  </a:lnTo>
+                  <a:lnTo>
+                    <a:pt x="126740" y="3109"/>
+                  </a:lnTo>
+                  <a:lnTo>
+                    <a:pt x="126740" y="3288"/>
+                  </a:lnTo>
+                  <a:lnTo>
+                    <a:pt x="130701" y="3288"/>
+                  </a:lnTo>
+                  <a:lnTo>
+                    <a:pt x="130701" y="3472"/>
+                  </a:lnTo>
+                  <a:lnTo>
+                    <a:pt x="134661" y="3472"/>
+                  </a:lnTo>
+                  <a:lnTo>
+                    <a:pt x="134661" y="3661"/>
+                  </a:lnTo>
+                  <a:lnTo>
+                    <a:pt x="138622" y="3661"/>
+                  </a:lnTo>
+                  <a:lnTo>
+                    <a:pt x="138622" y="3855"/>
+                  </a:lnTo>
+                  <a:lnTo>
+                    <a:pt x="142582" y="3855"/>
+                  </a:lnTo>
+                  <a:lnTo>
+                    <a:pt x="142582" y="4054"/>
+                  </a:lnTo>
+                  <a:lnTo>
+                    <a:pt x="146543" y="4054"/>
+                  </a:lnTo>
+                  <a:lnTo>
+                    <a:pt x="146543" y="4258"/>
+                  </a:lnTo>
+                  <a:lnTo>
+                    <a:pt x="150504" y="4258"/>
+                  </a:lnTo>
+                  <a:lnTo>
+                    <a:pt x="150504" y="4467"/>
+                  </a:lnTo>
+                  <a:lnTo>
+                    <a:pt x="154464" y="4467"/>
+                  </a:lnTo>
+                  <a:lnTo>
+                    <a:pt x="154464" y="4681"/>
+                  </a:lnTo>
+                  <a:lnTo>
+                    <a:pt x="158425" y="4681"/>
+                  </a:lnTo>
+                  <a:lnTo>
+                    <a:pt x="158425" y="4900"/>
+                  </a:lnTo>
+                  <a:lnTo>
+                    <a:pt x="162386" y="4900"/>
+                  </a:lnTo>
+                  <a:lnTo>
+                    <a:pt x="162386" y="5123"/>
+                  </a:lnTo>
+                  <a:lnTo>
+                    <a:pt x="166346" y="5123"/>
+                  </a:lnTo>
+                  <a:lnTo>
+                    <a:pt x="166346" y="5352"/>
+                  </a:lnTo>
+                  <a:lnTo>
+                    <a:pt x="170307" y="5352"/>
+                  </a:lnTo>
+                  <a:lnTo>
+                    <a:pt x="170307" y="5585"/>
+                  </a:lnTo>
+                  <a:lnTo>
+                    <a:pt x="174268" y="5585"/>
+                  </a:lnTo>
+                  <a:lnTo>
+                    <a:pt x="174268" y="5824"/>
+                  </a:lnTo>
+                  <a:lnTo>
+                    <a:pt x="178228" y="5824"/>
+                  </a:lnTo>
+                  <a:lnTo>
+                    <a:pt x="178228" y="6067"/>
+                  </a:lnTo>
+                  <a:lnTo>
+                    <a:pt x="182189" y="6067"/>
+                  </a:lnTo>
+                  <a:lnTo>
+                    <a:pt x="182189" y="6315"/>
+                  </a:lnTo>
+                  <a:lnTo>
+                    <a:pt x="186149" y="6315"/>
+                  </a:lnTo>
+                  <a:lnTo>
+                    <a:pt x="186149" y="6568"/>
+                  </a:lnTo>
+                  <a:lnTo>
+                    <a:pt x="190110" y="6568"/>
+                  </a:lnTo>
+                  <a:lnTo>
+                    <a:pt x="190110" y="6826"/>
+                  </a:lnTo>
+                  <a:lnTo>
+                    <a:pt x="194071" y="6826"/>
+                  </a:lnTo>
+                  <a:lnTo>
+                    <a:pt x="194071" y="7089"/>
+                  </a:lnTo>
+                  <a:lnTo>
+                    <a:pt x="198031" y="7089"/>
+                  </a:lnTo>
+                  <a:lnTo>
+                    <a:pt x="198031" y="7357"/>
+                  </a:lnTo>
+                  <a:lnTo>
+                    <a:pt x="201992" y="7357"/>
+                  </a:lnTo>
+                  <a:lnTo>
+                    <a:pt x="201992" y="7630"/>
+                  </a:lnTo>
+                  <a:lnTo>
+                    <a:pt x="205953" y="7630"/>
+                  </a:lnTo>
+                  <a:lnTo>
+                    <a:pt x="205953" y="7908"/>
+                  </a:lnTo>
+                  <a:lnTo>
+                    <a:pt x="209913" y="7908"/>
+                  </a:lnTo>
+                  <a:lnTo>
+                    <a:pt x="209913" y="8190"/>
+                  </a:lnTo>
+                  <a:lnTo>
+                    <a:pt x="213874" y="8190"/>
+                  </a:lnTo>
+                  <a:lnTo>
+                    <a:pt x="213874" y="8478"/>
+                  </a:lnTo>
+                  <a:lnTo>
+                    <a:pt x="217835" y="8478"/>
+                  </a:lnTo>
+                  <a:lnTo>
+                    <a:pt x="217835" y="8770"/>
+                  </a:lnTo>
+                  <a:lnTo>
+                    <a:pt x="221795" y="8770"/>
+                  </a:lnTo>
+                  <a:lnTo>
+                    <a:pt x="221795" y="9067"/>
+                  </a:lnTo>
+                  <a:lnTo>
+                    <a:pt x="225756" y="9067"/>
+                  </a:lnTo>
+                  <a:lnTo>
+                    <a:pt x="225756" y="9370"/>
+                  </a:lnTo>
+                  <a:lnTo>
+                    <a:pt x="229717" y="9370"/>
+                  </a:lnTo>
+                  <a:lnTo>
+                    <a:pt x="229717" y="9677"/>
+                  </a:lnTo>
+                  <a:lnTo>
+                    <a:pt x="233677" y="9677"/>
+                  </a:lnTo>
+                  <a:lnTo>
+                    <a:pt x="233677" y="9989"/>
+                  </a:lnTo>
+                  <a:lnTo>
+                    <a:pt x="237638" y="9989"/>
+                  </a:lnTo>
+                  <a:lnTo>
+                    <a:pt x="237638" y="10305"/>
+                  </a:lnTo>
+                  <a:lnTo>
+                    <a:pt x="241598" y="10305"/>
+                  </a:lnTo>
+                  <a:lnTo>
+                    <a:pt x="241598" y="10627"/>
+                  </a:lnTo>
+                  <a:lnTo>
+                    <a:pt x="245559" y="10627"/>
+                  </a:lnTo>
+                  <a:lnTo>
+                    <a:pt x="245559" y="10954"/>
+                  </a:lnTo>
+                  <a:lnTo>
+                    <a:pt x="249520" y="10954"/>
+                  </a:lnTo>
+                  <a:lnTo>
+                    <a:pt x="249520" y="11285"/>
+                  </a:lnTo>
+                  <a:lnTo>
+                    <a:pt x="253480" y="11285"/>
+                  </a:lnTo>
+                  <a:lnTo>
+                    <a:pt x="253480" y="11622"/>
+                  </a:lnTo>
+                  <a:lnTo>
+                    <a:pt x="257441" y="11622"/>
+                  </a:lnTo>
+                  <a:lnTo>
+                    <a:pt x="257441" y="11963"/>
+                  </a:lnTo>
+                  <a:lnTo>
+                    <a:pt x="261402" y="11963"/>
+                  </a:lnTo>
+                  <a:lnTo>
+                    <a:pt x="261402" y="12309"/>
+                  </a:lnTo>
+                  <a:lnTo>
+                    <a:pt x="265362" y="12309"/>
+                  </a:lnTo>
+                  <a:lnTo>
+                    <a:pt x="265362" y="12660"/>
+                  </a:lnTo>
+                  <a:lnTo>
+                    <a:pt x="269323" y="12660"/>
+                  </a:lnTo>
+                  <a:lnTo>
+                    <a:pt x="269323" y="13016"/>
+                  </a:lnTo>
+                  <a:lnTo>
+                    <a:pt x="273284" y="13016"/>
+                  </a:lnTo>
+                  <a:lnTo>
+                    <a:pt x="273284" y="13377"/>
+                  </a:lnTo>
+                  <a:lnTo>
+                    <a:pt x="277244" y="13377"/>
+                  </a:lnTo>
+                  <a:lnTo>
+                    <a:pt x="277244" y="13743"/>
+                  </a:lnTo>
+                  <a:lnTo>
+                    <a:pt x="281205" y="13743"/>
+                  </a:lnTo>
+                  <a:lnTo>
+                    <a:pt x="281205" y="14113"/>
+                  </a:lnTo>
+                  <a:lnTo>
+                    <a:pt x="285165" y="14113"/>
+                  </a:lnTo>
+                  <a:lnTo>
+                    <a:pt x="285165" y="14489"/>
+                  </a:lnTo>
+                  <a:lnTo>
+                    <a:pt x="289126" y="14489"/>
+                  </a:lnTo>
+                  <a:lnTo>
+                    <a:pt x="289126" y="14869"/>
+                  </a:lnTo>
+                  <a:lnTo>
+                    <a:pt x="293087" y="14869"/>
+                  </a:lnTo>
+                  <a:lnTo>
+                    <a:pt x="293087" y="15254"/>
+                  </a:lnTo>
+                  <a:lnTo>
+                    <a:pt x="297047" y="15254"/>
+                  </a:lnTo>
+                  <a:lnTo>
+                    <a:pt x="297047" y="15644"/>
+                  </a:lnTo>
+                  <a:lnTo>
+                    <a:pt x="301008" y="15644"/>
+                  </a:lnTo>
+                  <a:lnTo>
+                    <a:pt x="301008" y="16039"/>
+                  </a:lnTo>
+                  <a:lnTo>
+                    <a:pt x="304969" y="16039"/>
+                  </a:lnTo>
+                  <a:lnTo>
+                    <a:pt x="304969" y="16439"/>
+                  </a:lnTo>
+                  <a:lnTo>
+                    <a:pt x="308929" y="16439"/>
+                  </a:lnTo>
+                  <a:lnTo>
+                    <a:pt x="308929" y="16843"/>
+                  </a:lnTo>
+                  <a:lnTo>
+                    <a:pt x="312890" y="16843"/>
+                  </a:lnTo>
+                  <a:lnTo>
+                    <a:pt x="312890" y="17253"/>
+                  </a:lnTo>
+                  <a:lnTo>
+                    <a:pt x="316851" y="17253"/>
+                  </a:lnTo>
+                  <a:lnTo>
+                    <a:pt x="316851" y="17667"/>
+                  </a:lnTo>
+                  <a:lnTo>
+                    <a:pt x="320811" y="17667"/>
+                  </a:lnTo>
+                  <a:lnTo>
+                    <a:pt x="320811" y="18086"/>
+                  </a:lnTo>
+                  <a:lnTo>
+                    <a:pt x="324772" y="18086"/>
+                  </a:lnTo>
+                  <a:lnTo>
+                    <a:pt x="324772" y="18510"/>
+                  </a:lnTo>
+                  <a:lnTo>
+                    <a:pt x="328732" y="18510"/>
+                  </a:lnTo>
+                  <a:lnTo>
+                    <a:pt x="328732" y="18939"/>
+                  </a:lnTo>
+                  <a:lnTo>
+                    <a:pt x="332693" y="18939"/>
+                  </a:lnTo>
+                  <a:lnTo>
+                    <a:pt x="332693" y="19373"/>
+                  </a:lnTo>
+                  <a:lnTo>
+                    <a:pt x="336654" y="19373"/>
+                  </a:lnTo>
+                  <a:lnTo>
+                    <a:pt x="336654" y="19811"/>
+                  </a:lnTo>
+                  <a:lnTo>
+                    <a:pt x="340614" y="19811"/>
+                  </a:lnTo>
+                  <a:lnTo>
+                    <a:pt x="340614" y="20255"/>
+                  </a:lnTo>
+                  <a:lnTo>
+                    <a:pt x="344575" y="20255"/>
+                  </a:lnTo>
+                  <a:lnTo>
+                    <a:pt x="344575" y="20703"/>
+                  </a:lnTo>
+                  <a:lnTo>
+                    <a:pt x="348536" y="20703"/>
+                  </a:lnTo>
+                  <a:lnTo>
+                    <a:pt x="348536" y="21156"/>
+                  </a:lnTo>
+                  <a:lnTo>
+                    <a:pt x="352496" y="21156"/>
+                  </a:lnTo>
+                  <a:lnTo>
+                    <a:pt x="352496" y="21614"/>
+                  </a:lnTo>
+                  <a:lnTo>
+                    <a:pt x="356457" y="21614"/>
+                  </a:lnTo>
+                  <a:lnTo>
+                    <a:pt x="356457" y="22077"/>
+                  </a:lnTo>
+                  <a:lnTo>
+                    <a:pt x="360418" y="22077"/>
+                  </a:lnTo>
+                  <a:lnTo>
+                    <a:pt x="360418" y="22544"/>
+                  </a:lnTo>
+                  <a:lnTo>
+                    <a:pt x="364378" y="22544"/>
+                  </a:lnTo>
+                  <a:lnTo>
+                    <a:pt x="364378" y="23016"/>
+                  </a:lnTo>
+                  <a:lnTo>
+                    <a:pt x="368339" y="23016"/>
+                  </a:lnTo>
+                  <a:lnTo>
+                    <a:pt x="368339" y="23494"/>
+                  </a:lnTo>
+                  <a:lnTo>
+                    <a:pt x="372299" y="23494"/>
+                  </a:lnTo>
+                  <a:lnTo>
+                    <a:pt x="372299" y="23976"/>
+                  </a:lnTo>
+                  <a:lnTo>
+                    <a:pt x="376260" y="23976"/>
+                  </a:lnTo>
+                  <a:lnTo>
+                    <a:pt x="376260" y="24462"/>
+                  </a:lnTo>
+                  <a:lnTo>
+                    <a:pt x="380221" y="24462"/>
+                  </a:lnTo>
+                  <a:lnTo>
+                    <a:pt x="380221" y="24954"/>
+                  </a:lnTo>
+                  <a:lnTo>
+                    <a:pt x="384181" y="24954"/>
+                  </a:lnTo>
+                  <a:lnTo>
+                    <a:pt x="384181" y="25451"/>
+                  </a:lnTo>
+                  <a:lnTo>
+                    <a:pt x="388142" y="25451"/>
+                  </a:lnTo>
+                  <a:lnTo>
+                    <a:pt x="388142" y="25952"/>
+                  </a:lnTo>
+                  <a:lnTo>
+                    <a:pt x="392103" y="25952"/>
+                  </a:lnTo>
+                  <a:lnTo>
+                    <a:pt x="392103" y="26458"/>
+                  </a:lnTo>
+                  <a:lnTo>
+                    <a:pt x="396063" y="26458"/>
+                  </a:lnTo>
+                  <a:lnTo>
+                    <a:pt x="396063" y="26969"/>
+                  </a:lnTo>
+                  <a:lnTo>
+                    <a:pt x="400024" y="26969"/>
+                  </a:lnTo>
+                  <a:lnTo>
+                    <a:pt x="400024" y="27484"/>
+                  </a:lnTo>
+                  <a:lnTo>
+                    <a:pt x="403985" y="27484"/>
+                  </a:lnTo>
+                  <a:lnTo>
+                    <a:pt x="403985" y="28005"/>
+                  </a:lnTo>
+                  <a:lnTo>
+                    <a:pt x="407945" y="28005"/>
+                  </a:lnTo>
+                  <a:lnTo>
+                    <a:pt x="407945" y="28530"/>
+                  </a:lnTo>
+                  <a:lnTo>
+                    <a:pt x="411906" y="28530"/>
+                  </a:lnTo>
+                  <a:lnTo>
+                    <a:pt x="411906" y="29060"/>
+                  </a:lnTo>
+                  <a:lnTo>
+                    <a:pt x="415867" y="29060"/>
+                  </a:lnTo>
+                  <a:lnTo>
+                    <a:pt x="415867" y="29595"/>
+                  </a:lnTo>
+                  <a:lnTo>
+                    <a:pt x="419827" y="29595"/>
+                  </a:lnTo>
+                  <a:lnTo>
+                    <a:pt x="419827" y="30134"/>
+                  </a:lnTo>
+                  <a:lnTo>
+                    <a:pt x="423788" y="30134"/>
+                  </a:lnTo>
+                  <a:lnTo>
+                    <a:pt x="423788" y="30679"/>
+                  </a:lnTo>
+                  <a:lnTo>
+                    <a:pt x="427748" y="30679"/>
+                  </a:lnTo>
+                  <a:lnTo>
+                    <a:pt x="427748" y="31228"/>
+                  </a:lnTo>
+                  <a:lnTo>
+                    <a:pt x="431709" y="31228"/>
+                  </a:lnTo>
+                  <a:lnTo>
+                    <a:pt x="431709" y="31782"/>
+                  </a:lnTo>
+                  <a:lnTo>
+                    <a:pt x="435670" y="31782"/>
+                  </a:lnTo>
+                  <a:lnTo>
+                    <a:pt x="435670" y="32341"/>
+                  </a:lnTo>
+                  <a:lnTo>
+                    <a:pt x="439630" y="32341"/>
+                  </a:lnTo>
+                  <a:lnTo>
+                    <a:pt x="439630" y="32904"/>
+                  </a:lnTo>
+                  <a:lnTo>
+                    <a:pt x="443591" y="32904"/>
+                  </a:lnTo>
+                  <a:lnTo>
+                    <a:pt x="443591" y="33472"/>
+                  </a:lnTo>
+                  <a:lnTo>
+                    <a:pt x="447552" y="33472"/>
+                  </a:lnTo>
+                  <a:lnTo>
+                    <a:pt x="447552" y="34045"/>
+                  </a:lnTo>
+                  <a:lnTo>
+                    <a:pt x="451512" y="34045"/>
+                  </a:lnTo>
+                  <a:lnTo>
+                    <a:pt x="451512" y="34623"/>
+                  </a:lnTo>
+                  <a:lnTo>
+                    <a:pt x="455473" y="34623"/>
+                  </a:lnTo>
+                  <a:lnTo>
+                    <a:pt x="455473" y="35206"/>
+                  </a:lnTo>
+                  <a:lnTo>
+                    <a:pt x="459434" y="35206"/>
+                  </a:lnTo>
+                  <a:lnTo>
+                    <a:pt x="459434" y="35793"/>
+                  </a:lnTo>
+                  <a:lnTo>
+                    <a:pt x="463394" y="35793"/>
+                  </a:lnTo>
+                  <a:lnTo>
+                    <a:pt x="463394" y="36385"/>
+                  </a:lnTo>
+                  <a:lnTo>
+                    <a:pt x="467355" y="36385"/>
+                  </a:lnTo>
+                  <a:lnTo>
+                    <a:pt x="467355" y="36982"/>
+                  </a:lnTo>
+                  <a:lnTo>
+                    <a:pt x="471315" y="36982"/>
+                  </a:lnTo>
+                  <a:lnTo>
+                    <a:pt x="471315" y="37583"/>
+                  </a:lnTo>
+                  <a:lnTo>
+                    <a:pt x="475276" y="37583"/>
+                  </a:lnTo>
+                  <a:lnTo>
+                    <a:pt x="475276" y="38190"/>
+                  </a:lnTo>
+                  <a:lnTo>
+                    <a:pt x="479237" y="38190"/>
+                  </a:lnTo>
+                  <a:lnTo>
+                    <a:pt x="479237" y="38801"/>
+                  </a:lnTo>
+                  <a:lnTo>
+                    <a:pt x="483197" y="38801"/>
+                  </a:lnTo>
+                  <a:lnTo>
+                    <a:pt x="483197" y="39416"/>
+                  </a:lnTo>
+                  <a:lnTo>
+                    <a:pt x="487158" y="39416"/>
+                  </a:lnTo>
+                  <a:lnTo>
+                    <a:pt x="487158" y="40037"/>
+                  </a:lnTo>
+                  <a:lnTo>
+                    <a:pt x="491119" y="40037"/>
+                  </a:lnTo>
+                  <a:lnTo>
+                    <a:pt x="491119" y="40662"/>
+                  </a:lnTo>
+                  <a:lnTo>
+                    <a:pt x="495079" y="40662"/>
+                  </a:lnTo>
+                  <a:lnTo>
+                    <a:pt x="495079" y="41292"/>
+                  </a:lnTo>
+                  <a:lnTo>
+                    <a:pt x="499040" y="41292"/>
+                  </a:lnTo>
+                  <a:lnTo>
+                    <a:pt x="499040" y="41927"/>
+                  </a:lnTo>
+                  <a:lnTo>
+                    <a:pt x="503001" y="41927"/>
+                  </a:lnTo>
+                  <a:lnTo>
+                    <a:pt x="503001" y="42566"/>
+                  </a:lnTo>
+                  <a:lnTo>
+                    <a:pt x="506961" y="42566"/>
+                  </a:lnTo>
+                  <a:lnTo>
+                    <a:pt x="506961" y="43210"/>
+                  </a:lnTo>
+                  <a:lnTo>
+                    <a:pt x="510922" y="43210"/>
+                  </a:lnTo>
+                  <a:lnTo>
+                    <a:pt x="510922" y="43859"/>
+                  </a:lnTo>
+                  <a:lnTo>
+                    <a:pt x="514882" y="43859"/>
+                  </a:lnTo>
+                  <a:lnTo>
+                    <a:pt x="514882" y="44513"/>
+                  </a:lnTo>
+                  <a:lnTo>
+                    <a:pt x="518843" y="44513"/>
+                  </a:lnTo>
+                  <a:lnTo>
+                    <a:pt x="518843" y="45178"/>
+                  </a:lnTo>
+                  <a:lnTo>
+                    <a:pt x="522804" y="45178"/>
+                  </a:lnTo>
+                  <a:lnTo>
+                    <a:pt x="522804" y="45854"/>
+                  </a:lnTo>
+                  <a:lnTo>
+                    <a:pt x="526764" y="45854"/>
+                  </a:lnTo>
+                  <a:lnTo>
+                    <a:pt x="526764" y="46543"/>
+                  </a:lnTo>
+                  <a:lnTo>
+                    <a:pt x="530725" y="46543"/>
+                  </a:lnTo>
+                  <a:lnTo>
+                    <a:pt x="530725" y="47242"/>
+                  </a:lnTo>
+                  <a:lnTo>
+                    <a:pt x="534686" y="47242"/>
+                  </a:lnTo>
+                  <a:lnTo>
+                    <a:pt x="534686" y="47954"/>
+                  </a:lnTo>
+                  <a:lnTo>
+                    <a:pt x="538646" y="47954"/>
+                  </a:lnTo>
+                  <a:lnTo>
+                    <a:pt x="538646" y="48676"/>
+                  </a:lnTo>
+                  <a:lnTo>
+                    <a:pt x="542607" y="48676"/>
+                  </a:lnTo>
+                  <a:lnTo>
+                    <a:pt x="542607" y="49411"/>
+                  </a:lnTo>
+                  <a:lnTo>
+                    <a:pt x="546568" y="49411"/>
+                  </a:lnTo>
+                  <a:lnTo>
+                    <a:pt x="546568" y="50157"/>
+                  </a:lnTo>
+                  <a:lnTo>
+                    <a:pt x="550528" y="50157"/>
+                  </a:lnTo>
+                  <a:lnTo>
+                    <a:pt x="550528" y="50914"/>
+                  </a:lnTo>
+                  <a:lnTo>
+                    <a:pt x="554489" y="50914"/>
+                  </a:lnTo>
+                  <a:lnTo>
+                    <a:pt x="554489" y="51683"/>
+                  </a:lnTo>
+                  <a:lnTo>
+                    <a:pt x="558449" y="51683"/>
+                  </a:lnTo>
+                  <a:lnTo>
+                    <a:pt x="558449" y="52463"/>
+                  </a:lnTo>
+                  <a:lnTo>
+                    <a:pt x="562410" y="52463"/>
+                  </a:lnTo>
+                  <a:lnTo>
+                    <a:pt x="562410" y="53255"/>
+                  </a:lnTo>
+                  <a:lnTo>
+                    <a:pt x="566371" y="53255"/>
+                  </a:lnTo>
+                  <a:lnTo>
+                    <a:pt x="566371" y="54058"/>
+                  </a:lnTo>
+                  <a:lnTo>
+                    <a:pt x="570331" y="54058"/>
+                  </a:lnTo>
+                  <a:lnTo>
+                    <a:pt x="570331" y="54873"/>
+                  </a:lnTo>
+                  <a:lnTo>
+                    <a:pt x="574292" y="54873"/>
+                  </a:lnTo>
+                  <a:lnTo>
+                    <a:pt x="574292" y="55699"/>
+                  </a:lnTo>
+                  <a:lnTo>
+                    <a:pt x="578253" y="55699"/>
+                  </a:lnTo>
+                  <a:lnTo>
+                    <a:pt x="578253" y="56537"/>
+                  </a:lnTo>
+                  <a:lnTo>
+                    <a:pt x="582213" y="56537"/>
+                  </a:lnTo>
+                  <a:lnTo>
+                    <a:pt x="582213" y="57386"/>
+                  </a:lnTo>
+                  <a:lnTo>
+                    <a:pt x="586174" y="57386"/>
+                  </a:lnTo>
+                  <a:lnTo>
+                    <a:pt x="586174" y="58246"/>
+                  </a:lnTo>
+                  <a:lnTo>
+                    <a:pt x="590135" y="58246"/>
+                  </a:lnTo>
+                  <a:lnTo>
+                    <a:pt x="590135" y="59118"/>
+                  </a:lnTo>
+                  <a:lnTo>
+                    <a:pt x="594095" y="59118"/>
+                  </a:lnTo>
+                  <a:lnTo>
+                    <a:pt x="594095" y="60001"/>
+                  </a:lnTo>
+                  <a:lnTo>
+                    <a:pt x="598056" y="60001"/>
+                  </a:lnTo>
+                  <a:lnTo>
+                    <a:pt x="598056" y="60900"/>
+                  </a:lnTo>
+                  <a:lnTo>
+                    <a:pt x="602016" y="60900"/>
+                  </a:lnTo>
+                  <a:lnTo>
+                    <a:pt x="602016" y="61813"/>
+                  </a:lnTo>
+                  <a:lnTo>
+                    <a:pt x="605977" y="61813"/>
+                  </a:lnTo>
+                  <a:lnTo>
+                    <a:pt x="605977" y="62740"/>
+                  </a:lnTo>
+                  <a:lnTo>
+                    <a:pt x="609938" y="62740"/>
+                  </a:lnTo>
+                  <a:lnTo>
+                    <a:pt x="609938" y="63683"/>
+                  </a:lnTo>
+                  <a:lnTo>
+                    <a:pt x="613898" y="63683"/>
+                  </a:lnTo>
+                  <a:lnTo>
+                    <a:pt x="613898" y="64641"/>
+                  </a:lnTo>
+                  <a:lnTo>
+                    <a:pt x="617859" y="64641"/>
+                  </a:lnTo>
+                  <a:lnTo>
+                    <a:pt x="617859" y="65613"/>
+                  </a:lnTo>
+                  <a:lnTo>
+                    <a:pt x="621820" y="65613"/>
+                  </a:lnTo>
+                  <a:lnTo>
+                    <a:pt x="621820" y="66600"/>
+                  </a:lnTo>
+                  <a:lnTo>
+                    <a:pt x="625780" y="66600"/>
+                  </a:lnTo>
+                  <a:lnTo>
+                    <a:pt x="625780" y="67602"/>
+                  </a:lnTo>
+                  <a:lnTo>
+                    <a:pt x="629741" y="67602"/>
+                  </a:lnTo>
+                  <a:lnTo>
+                    <a:pt x="629741" y="68619"/>
+                  </a:lnTo>
+                  <a:lnTo>
+                    <a:pt x="633702" y="68619"/>
+                  </a:lnTo>
+                  <a:lnTo>
+                    <a:pt x="633702" y="69650"/>
+                  </a:lnTo>
+                  <a:lnTo>
+                    <a:pt x="637662" y="69650"/>
+                  </a:lnTo>
+                  <a:lnTo>
+                    <a:pt x="637662" y="70697"/>
+                  </a:lnTo>
+                  <a:lnTo>
+                    <a:pt x="641623" y="70697"/>
+                  </a:lnTo>
+                  <a:lnTo>
+                    <a:pt x="641623" y="71758"/>
+                  </a:lnTo>
+                  <a:lnTo>
+                    <a:pt x="645584" y="71758"/>
+                  </a:lnTo>
+                  <a:lnTo>
+                    <a:pt x="645584" y="72833"/>
+                  </a:lnTo>
+                  <a:lnTo>
+                    <a:pt x="649544" y="72833"/>
+                  </a:lnTo>
+                  <a:lnTo>
+                    <a:pt x="649544" y="73924"/>
+                  </a:lnTo>
+                  <a:lnTo>
+                    <a:pt x="653505" y="73924"/>
+                  </a:lnTo>
+                  <a:lnTo>
+                    <a:pt x="653505" y="75029"/>
+                  </a:lnTo>
+                  <a:lnTo>
+                    <a:pt x="657465" y="75029"/>
+                  </a:lnTo>
+                  <a:lnTo>
+                    <a:pt x="657465" y="76162"/>
+                  </a:lnTo>
+                  <a:lnTo>
+                    <a:pt x="661426" y="76162"/>
+                  </a:lnTo>
+                  <a:lnTo>
+                    <a:pt x="661426" y="77324"/>
+                  </a:lnTo>
+                  <a:lnTo>
+                    <a:pt x="665387" y="77324"/>
+                  </a:lnTo>
+                  <a:lnTo>
+                    <a:pt x="665387" y="78515"/>
+                  </a:lnTo>
+                  <a:lnTo>
+                    <a:pt x="669347" y="78515"/>
+                  </a:lnTo>
+                  <a:lnTo>
+                    <a:pt x="669347" y="79735"/>
+                  </a:lnTo>
+                  <a:lnTo>
+                    <a:pt x="673308" y="79735"/>
+                  </a:lnTo>
+                  <a:lnTo>
+                    <a:pt x="673308" y="80983"/>
+                  </a:lnTo>
+                  <a:lnTo>
+                    <a:pt x="677269" y="80983"/>
+                  </a:lnTo>
+                  <a:lnTo>
+                    <a:pt x="677269" y="82259"/>
+                  </a:lnTo>
+                  <a:lnTo>
+                    <a:pt x="681229" y="82259"/>
+                  </a:lnTo>
+                  <a:lnTo>
+                    <a:pt x="681229" y="83564"/>
+                  </a:lnTo>
+                  <a:lnTo>
+                    <a:pt x="685190" y="83564"/>
+                  </a:lnTo>
+                  <a:lnTo>
+                    <a:pt x="685190" y="84898"/>
+                  </a:lnTo>
+                  <a:lnTo>
+                    <a:pt x="689151" y="84898"/>
+                  </a:lnTo>
+                  <a:lnTo>
+                    <a:pt x="689151" y="86259"/>
+                  </a:lnTo>
+                  <a:lnTo>
+                    <a:pt x="693111" y="86259"/>
+                  </a:lnTo>
+                  <a:lnTo>
+                    <a:pt x="693111" y="87649"/>
+                  </a:lnTo>
+                  <a:lnTo>
+                    <a:pt x="697072" y="87649"/>
+                  </a:lnTo>
+                  <a:lnTo>
+                    <a:pt x="697072" y="89067"/>
+                  </a:lnTo>
+                  <a:lnTo>
+                    <a:pt x="701032" y="89067"/>
+                  </a:lnTo>
+                  <a:lnTo>
+                    <a:pt x="701032" y="90514"/>
+                  </a:lnTo>
+                  <a:lnTo>
+                    <a:pt x="704993" y="90514"/>
+                  </a:lnTo>
+                  <a:lnTo>
+                    <a:pt x="704993" y="91989"/>
+                  </a:lnTo>
+                  <a:lnTo>
+                    <a:pt x="708954" y="91989"/>
+                  </a:lnTo>
+                  <a:lnTo>
+                    <a:pt x="708954" y="93491"/>
+                  </a:lnTo>
+                  <a:lnTo>
+                    <a:pt x="712914" y="93491"/>
+                  </a:lnTo>
+                  <a:lnTo>
+                    <a:pt x="712914" y="95022"/>
+                  </a:lnTo>
+                  <a:lnTo>
+                    <a:pt x="716875" y="95022"/>
+                  </a:lnTo>
+                  <a:lnTo>
+                    <a:pt x="716875" y="96596"/>
+                  </a:lnTo>
+                  <a:lnTo>
+                    <a:pt x="720836" y="96596"/>
+                  </a:lnTo>
+                  <a:lnTo>
+                    <a:pt x="720836" y="98214"/>
+                  </a:lnTo>
+                  <a:lnTo>
+                    <a:pt x="724796" y="98214"/>
+                  </a:lnTo>
+                  <a:lnTo>
+                    <a:pt x="724796" y="99876"/>
+                  </a:lnTo>
+                  <a:lnTo>
+                    <a:pt x="728757" y="99876"/>
+                  </a:lnTo>
+                  <a:lnTo>
+                    <a:pt x="728757" y="101580"/>
+                  </a:lnTo>
+                  <a:lnTo>
+                    <a:pt x="732718" y="101580"/>
+                  </a:lnTo>
+                  <a:lnTo>
+                    <a:pt x="732718" y="103328"/>
+                  </a:lnTo>
+                  <a:lnTo>
+                    <a:pt x="736678" y="103328"/>
+                  </a:lnTo>
+                  <a:lnTo>
+                    <a:pt x="736678" y="105120"/>
+                  </a:lnTo>
+                  <a:lnTo>
+                    <a:pt x="740639" y="105120"/>
+                  </a:lnTo>
+                  <a:lnTo>
+                    <a:pt x="740639" y="106954"/>
+                  </a:lnTo>
+                  <a:lnTo>
+                    <a:pt x="744599" y="106954"/>
+                  </a:lnTo>
+                  <a:lnTo>
+                    <a:pt x="744599" y="108831"/>
+                  </a:lnTo>
+                  <a:lnTo>
+                    <a:pt x="748560" y="108831"/>
+                  </a:lnTo>
+                  <a:lnTo>
+                    <a:pt x="748560" y="110751"/>
+                  </a:lnTo>
+                  <a:lnTo>
+                    <a:pt x="752521" y="110751"/>
+                  </a:lnTo>
+                  <a:lnTo>
+                    <a:pt x="752521" y="112714"/>
+                  </a:lnTo>
+                  <a:lnTo>
+                    <a:pt x="756481" y="112714"/>
+                  </a:lnTo>
+                  <a:lnTo>
+                    <a:pt x="756481" y="114730"/>
+                  </a:lnTo>
+                  <a:lnTo>
+                    <a:pt x="760442" y="114730"/>
+                  </a:lnTo>
+                  <a:lnTo>
+                    <a:pt x="760442" y="116799"/>
+                  </a:lnTo>
+                  <a:lnTo>
+                    <a:pt x="764403" y="116799"/>
+                  </a:lnTo>
+                  <a:lnTo>
+                    <a:pt x="764403" y="118921"/>
+                  </a:lnTo>
+                  <a:lnTo>
+                    <a:pt x="768363" y="118921"/>
+                  </a:lnTo>
+                  <a:lnTo>
+                    <a:pt x="768363" y="121095"/>
+                  </a:lnTo>
+                  <a:lnTo>
+                    <a:pt x="772324" y="121095"/>
+                  </a:lnTo>
+                  <a:lnTo>
+                    <a:pt x="772324" y="123323"/>
+                  </a:lnTo>
+                  <a:lnTo>
+                    <a:pt x="776285" y="123323"/>
+                  </a:lnTo>
+                  <a:lnTo>
+                    <a:pt x="776285" y="125602"/>
+                  </a:lnTo>
+                  <a:lnTo>
+                    <a:pt x="780245" y="125602"/>
+                  </a:lnTo>
+                  <a:lnTo>
+                    <a:pt x="780245" y="127935"/>
+                  </a:lnTo>
+                  <a:lnTo>
+                    <a:pt x="784206" y="127935"/>
+                  </a:lnTo>
+                  <a:lnTo>
+                    <a:pt x="784206" y="130319"/>
+                  </a:lnTo>
+                  <a:lnTo>
+                    <a:pt x="788166" y="130319"/>
+                  </a:lnTo>
+                  <a:lnTo>
+                    <a:pt x="788166" y="132755"/>
+                  </a:lnTo>
+                  <a:lnTo>
+                    <a:pt x="792127" y="132755"/>
+                  </a:lnTo>
+                  <a:lnTo>
+                    <a:pt x="792127" y="135243"/>
+                  </a:lnTo>
+                  <a:lnTo>
+                    <a:pt x="796088" y="135243"/>
+                  </a:lnTo>
+                  <a:lnTo>
+                    <a:pt x="796088" y="137782"/>
+                  </a:lnTo>
+                  <a:lnTo>
+                    <a:pt x="800048" y="137782"/>
+                  </a:lnTo>
+                  <a:lnTo>
+                    <a:pt x="800048" y="140370"/>
+                  </a:lnTo>
+                  <a:lnTo>
+                    <a:pt x="804009" y="140370"/>
+                  </a:lnTo>
+                  <a:lnTo>
+                    <a:pt x="804009" y="143009"/>
+                  </a:lnTo>
+                  <a:lnTo>
+                    <a:pt x="807970" y="143009"/>
+                  </a:lnTo>
+                  <a:lnTo>
+                    <a:pt x="807970" y="145698"/>
+                  </a:lnTo>
+                  <a:lnTo>
+                    <a:pt x="811930" y="145698"/>
+                  </a:lnTo>
+                  <a:lnTo>
+                    <a:pt x="811930" y="148437"/>
+                  </a:lnTo>
+                  <a:lnTo>
+                    <a:pt x="815891" y="148437"/>
+                  </a:lnTo>
+                  <a:lnTo>
+                    <a:pt x="815891" y="151225"/>
+                  </a:lnTo>
+                  <a:lnTo>
+                    <a:pt x="819852" y="151225"/>
+                  </a:lnTo>
+                  <a:lnTo>
+                    <a:pt x="819852" y="154062"/>
+                  </a:lnTo>
+                  <a:lnTo>
+                    <a:pt x="823812" y="154062"/>
+                  </a:lnTo>
+                  <a:lnTo>
+                    <a:pt x="823812" y="156949"/>
+                  </a:lnTo>
+                  <a:lnTo>
+                    <a:pt x="827773" y="156949"/>
+                  </a:lnTo>
+                  <a:lnTo>
+                    <a:pt x="827773" y="159885"/>
+                  </a:lnTo>
+                  <a:lnTo>
+                    <a:pt x="831734" y="159885"/>
+                  </a:lnTo>
+                  <a:lnTo>
+                    <a:pt x="831734" y="162870"/>
+                  </a:lnTo>
+                  <a:lnTo>
+                    <a:pt x="835694" y="162870"/>
+                  </a:lnTo>
+                  <a:lnTo>
+                    <a:pt x="835694" y="165899"/>
+                  </a:lnTo>
+                  <a:lnTo>
+                    <a:pt x="839655" y="165899"/>
+                  </a:lnTo>
+                  <a:lnTo>
+                    <a:pt x="839655" y="168971"/>
+                  </a:lnTo>
+                  <a:lnTo>
+                    <a:pt x="843615" y="168971"/>
+                  </a:lnTo>
+                  <a:lnTo>
+                    <a:pt x="843615" y="172087"/>
+                  </a:lnTo>
+                  <a:lnTo>
+                    <a:pt x="847576" y="172087"/>
+                  </a:lnTo>
+                  <a:lnTo>
+                    <a:pt x="847576" y="175246"/>
+                  </a:lnTo>
+                  <a:lnTo>
+                    <a:pt x="851537" y="175246"/>
+                  </a:lnTo>
+                  <a:lnTo>
+                    <a:pt x="851537" y="178448"/>
+                  </a:lnTo>
+                  <a:lnTo>
+                    <a:pt x="855497" y="178448"/>
+                  </a:lnTo>
+                  <a:lnTo>
+                    <a:pt x="855497" y="181693"/>
+                  </a:lnTo>
+                  <a:lnTo>
+                    <a:pt x="859458" y="181693"/>
+                  </a:lnTo>
+                  <a:lnTo>
+                    <a:pt x="859458" y="184980"/>
+                  </a:lnTo>
+                  <a:lnTo>
+                    <a:pt x="863419" y="184980"/>
+                  </a:lnTo>
+                  <a:lnTo>
+                    <a:pt x="863419" y="188311"/>
+                  </a:lnTo>
+                  <a:lnTo>
+                    <a:pt x="867379" y="188311"/>
+                  </a:lnTo>
+                  <a:lnTo>
+                    <a:pt x="867379" y="191684"/>
+                  </a:lnTo>
+                  <a:lnTo>
+                    <a:pt x="871340" y="191684"/>
+                  </a:lnTo>
+                  <a:lnTo>
+                    <a:pt x="871340" y="195099"/>
+                  </a:lnTo>
+                  <a:lnTo>
+                    <a:pt x="875301" y="195099"/>
+                  </a:lnTo>
+                  <a:lnTo>
+                    <a:pt x="875301" y="198545"/>
+                  </a:lnTo>
+                  <a:lnTo>
+                    <a:pt x="879261" y="198545"/>
+                  </a:lnTo>
+                  <a:lnTo>
+                    <a:pt x="879261" y="202022"/>
+                  </a:lnTo>
+                  <a:lnTo>
+                    <a:pt x="883222" y="202022"/>
+                  </a:lnTo>
+                  <a:lnTo>
+                    <a:pt x="883222" y="205531"/>
+                  </a:lnTo>
+                  <a:lnTo>
+                    <a:pt x="887182" y="205531"/>
+                  </a:lnTo>
+                  <a:lnTo>
+                    <a:pt x="887182" y="209070"/>
+                  </a:lnTo>
+                  <a:lnTo>
+                    <a:pt x="891143" y="209070"/>
+                  </a:lnTo>
+                  <a:lnTo>
+                    <a:pt x="891143" y="212640"/>
+                  </a:lnTo>
+                  <a:lnTo>
+                    <a:pt x="895104" y="212640"/>
+                  </a:lnTo>
+                  <a:lnTo>
+                    <a:pt x="895104" y="216241"/>
+                  </a:lnTo>
+                  <a:lnTo>
+                    <a:pt x="899064" y="216241"/>
+                  </a:lnTo>
+                  <a:lnTo>
+                    <a:pt x="899064" y="219872"/>
+                  </a:lnTo>
+                  <a:lnTo>
+                    <a:pt x="903025" y="219872"/>
+                  </a:lnTo>
+                  <a:lnTo>
+                    <a:pt x="903025" y="223533"/>
+                  </a:lnTo>
+                  <a:lnTo>
+                    <a:pt x="906986" y="223533"/>
+                  </a:lnTo>
+                  <a:lnTo>
+                    <a:pt x="906986" y="227225"/>
+                  </a:lnTo>
+                  <a:lnTo>
+                    <a:pt x="910946" y="227225"/>
+                  </a:lnTo>
+                  <a:lnTo>
+                    <a:pt x="910946" y="230946"/>
+                  </a:lnTo>
+                  <a:lnTo>
+                    <a:pt x="914907" y="230946"/>
+                  </a:lnTo>
+                  <a:lnTo>
+                    <a:pt x="914907" y="234661"/>
+                  </a:lnTo>
+                  <a:lnTo>
+                    <a:pt x="918868" y="234661"/>
+                  </a:lnTo>
+                  <a:lnTo>
+                    <a:pt x="918868" y="238369"/>
+                  </a:lnTo>
+                  <a:lnTo>
+                    <a:pt x="922828" y="238369"/>
+                  </a:lnTo>
+                  <a:lnTo>
+                    <a:pt x="922828" y="242071"/>
+                  </a:lnTo>
+                  <a:lnTo>
+                    <a:pt x="926789" y="242071"/>
+                  </a:lnTo>
+                  <a:lnTo>
+                    <a:pt x="926789" y="245766"/>
+                  </a:lnTo>
+                  <a:lnTo>
+                    <a:pt x="930749" y="245766"/>
+                  </a:lnTo>
+                  <a:lnTo>
+                    <a:pt x="930749" y="249454"/>
+                  </a:lnTo>
+                  <a:lnTo>
+                    <a:pt x="934710" y="249454"/>
+                  </a:lnTo>
+                  <a:lnTo>
+                    <a:pt x="934710" y="253136"/>
+                  </a:lnTo>
+                  <a:lnTo>
+                    <a:pt x="938671" y="253136"/>
+                  </a:lnTo>
+                  <a:lnTo>
+                    <a:pt x="938671" y="256811"/>
+                  </a:lnTo>
+                  <a:lnTo>
+                    <a:pt x="942631" y="256811"/>
+                  </a:lnTo>
+                  <a:lnTo>
+                    <a:pt x="942631" y="260480"/>
+                  </a:lnTo>
+                  <a:lnTo>
+                    <a:pt x="946592" y="260480"/>
+                  </a:lnTo>
+                  <a:lnTo>
+                    <a:pt x="946592" y="264142"/>
+                  </a:lnTo>
+                  <a:lnTo>
+                    <a:pt x="950553" y="264142"/>
+                  </a:lnTo>
+                  <a:lnTo>
+                    <a:pt x="950553" y="267798"/>
+                  </a:lnTo>
+                  <a:lnTo>
+                    <a:pt x="954513" y="267798"/>
+                  </a:lnTo>
+                  <a:lnTo>
+                    <a:pt x="954513" y="271415"/>
+                  </a:lnTo>
+                  <a:lnTo>
+                    <a:pt x="958474" y="271415"/>
+                  </a:lnTo>
+                  <a:lnTo>
+                    <a:pt x="958474" y="274993"/>
+                  </a:lnTo>
+                  <a:lnTo>
+                    <a:pt x="962435" y="274993"/>
+                  </a:lnTo>
+                  <a:lnTo>
+                    <a:pt x="962435" y="278533"/>
+                  </a:lnTo>
+                  <a:lnTo>
+                    <a:pt x="966395" y="278533"/>
+                  </a:lnTo>
+                  <a:lnTo>
+                    <a:pt x="966395" y="282035"/>
+                  </a:lnTo>
+                  <a:lnTo>
+                    <a:pt x="970356" y="282035"/>
+                  </a:lnTo>
+                  <a:lnTo>
+                    <a:pt x="970356" y="285499"/>
+                  </a:lnTo>
+                  <a:lnTo>
+                    <a:pt x="974316" y="285499"/>
+                  </a:lnTo>
+                  <a:lnTo>
+                    <a:pt x="974316" y="288926"/>
+                  </a:lnTo>
+                  <a:lnTo>
+                    <a:pt x="978277" y="288926"/>
+                  </a:lnTo>
+                  <a:lnTo>
+                    <a:pt x="978277" y="292314"/>
+                  </a:lnTo>
+                  <a:lnTo>
+                    <a:pt x="982238" y="292314"/>
+                  </a:lnTo>
+                  <a:lnTo>
+                    <a:pt x="982238" y="295665"/>
+                  </a:lnTo>
+                  <a:lnTo>
+                    <a:pt x="986198" y="295665"/>
+                  </a:lnTo>
+                  <a:lnTo>
+                    <a:pt x="986198" y="298979"/>
+                  </a:lnTo>
+                  <a:lnTo>
+                    <a:pt x="990159" y="298979"/>
+                  </a:lnTo>
+                  <a:lnTo>
+                    <a:pt x="990159" y="302255"/>
+                  </a:lnTo>
+                  <a:lnTo>
+                    <a:pt x="994120" y="302255"/>
+                  </a:lnTo>
+                  <a:lnTo>
+                    <a:pt x="994120" y="305481"/>
+                  </a:lnTo>
+                  <a:lnTo>
+                    <a:pt x="998080" y="305481"/>
+                  </a:lnTo>
+                  <a:lnTo>
+                    <a:pt x="998080" y="308658"/>
+                  </a:lnTo>
+                  <a:lnTo>
+                    <a:pt x="1002041" y="308658"/>
+                  </a:lnTo>
+                  <a:lnTo>
+                    <a:pt x="1002041" y="311785"/>
+                  </a:lnTo>
+                  <a:lnTo>
+                    <a:pt x="1006002" y="311785"/>
+                  </a:lnTo>
+                  <a:lnTo>
+                    <a:pt x="1006002" y="314863"/>
+                  </a:lnTo>
+                  <a:lnTo>
+                    <a:pt x="1009962" y="314863"/>
+                  </a:lnTo>
+                  <a:lnTo>
+                    <a:pt x="1009962" y="317891"/>
+                  </a:lnTo>
+                  <a:lnTo>
+                    <a:pt x="1013923" y="317891"/>
+                  </a:lnTo>
+                  <a:lnTo>
+                    <a:pt x="1013923" y="320871"/>
+                  </a:lnTo>
+                  <a:lnTo>
+                    <a:pt x="1017883" y="320871"/>
+                  </a:lnTo>
+                  <a:lnTo>
+                    <a:pt x="1017883" y="323802"/>
+                  </a:lnTo>
+                  <a:lnTo>
+                    <a:pt x="1021844" y="323802"/>
+                  </a:lnTo>
+                  <a:lnTo>
+                    <a:pt x="1021844" y="326684"/>
+                  </a:lnTo>
+                  <a:lnTo>
+                    <a:pt x="1025805" y="326684"/>
+                  </a:lnTo>
+                  <a:lnTo>
+                    <a:pt x="1025805" y="329517"/>
+                  </a:lnTo>
+                  <a:lnTo>
+                    <a:pt x="1029765" y="329517"/>
+                  </a:lnTo>
+                  <a:lnTo>
+                    <a:pt x="1029765" y="332303"/>
+                  </a:lnTo>
+                  <a:lnTo>
+                    <a:pt x="1033726" y="332303"/>
+                  </a:lnTo>
+                  <a:lnTo>
+                    <a:pt x="1033726" y="335040"/>
+                  </a:lnTo>
+                  <a:lnTo>
+                    <a:pt x="1037687" y="335040"/>
+                  </a:lnTo>
+                  <a:lnTo>
+                    <a:pt x="1037687" y="337728"/>
+                  </a:lnTo>
+                  <a:lnTo>
+                    <a:pt x="1041647" y="337728"/>
+                  </a:lnTo>
+                  <a:lnTo>
+                    <a:pt x="1041647" y="340369"/>
+                  </a:lnTo>
+                  <a:lnTo>
+                    <a:pt x="1045608" y="340369"/>
+                  </a:lnTo>
+                  <a:lnTo>
+                    <a:pt x="1045608" y="342962"/>
+                  </a:lnTo>
+                  <a:lnTo>
+                    <a:pt x="1049569" y="342962"/>
+                  </a:lnTo>
+                  <a:lnTo>
+                    <a:pt x="1049569" y="345506"/>
+                  </a:lnTo>
+                  <a:lnTo>
+                    <a:pt x="1053529" y="345506"/>
+                  </a:lnTo>
+                  <a:lnTo>
+                    <a:pt x="1053529" y="348004"/>
+                  </a:lnTo>
+                  <a:lnTo>
+                    <a:pt x="1057490" y="348004"/>
+                  </a:lnTo>
+                  <a:lnTo>
+                    <a:pt x="1057490" y="350454"/>
+                  </a:lnTo>
+                  <a:lnTo>
+                    <a:pt x="1061451" y="350454"/>
+                  </a:lnTo>
+                  <a:lnTo>
+                    <a:pt x="1061451" y="352856"/>
+                  </a:lnTo>
+                  <a:lnTo>
+                    <a:pt x="1065411" y="352856"/>
+                  </a:lnTo>
+                  <a:lnTo>
+                    <a:pt x="1065411" y="355211"/>
+                  </a:lnTo>
+                  <a:lnTo>
+                    <a:pt x="1069372" y="355211"/>
+                  </a:lnTo>
+                  <a:lnTo>
+                    <a:pt x="1069372" y="357519"/>
+                  </a:lnTo>
+                  <a:lnTo>
+                    <a:pt x="1073332" y="357519"/>
+                  </a:lnTo>
+                  <a:lnTo>
+                    <a:pt x="1073332" y="359789"/>
+                  </a:lnTo>
+                  <a:lnTo>
+                    <a:pt x="1077293" y="359789"/>
+                  </a:lnTo>
+                  <a:lnTo>
+                    <a:pt x="1077293" y="362022"/>
+                  </a:lnTo>
+                  <a:lnTo>
+                    <a:pt x="1081254" y="362022"/>
+                  </a:lnTo>
+                  <a:lnTo>
+                    <a:pt x="1081254" y="364216"/>
+                  </a:lnTo>
+                  <a:lnTo>
+                    <a:pt x="1085214" y="364216"/>
+                  </a:lnTo>
+                  <a:lnTo>
+                    <a:pt x="1085214" y="366373"/>
+                  </a:lnTo>
+                  <a:lnTo>
+                    <a:pt x="1089175" y="366373"/>
+                  </a:lnTo>
+                  <a:lnTo>
+                    <a:pt x="1089175" y="368492"/>
+                  </a:lnTo>
+                  <a:lnTo>
+                    <a:pt x="1093136" y="368492"/>
+                  </a:lnTo>
+                  <a:lnTo>
+                    <a:pt x="1093136" y="370573"/>
+                  </a:lnTo>
+                  <a:lnTo>
+                    <a:pt x="1097096" y="370573"/>
+                  </a:lnTo>
+                  <a:lnTo>
+                    <a:pt x="1097096" y="372617"/>
+                  </a:lnTo>
+                  <a:lnTo>
+                    <a:pt x="1101057" y="372617"/>
+                  </a:lnTo>
+                  <a:lnTo>
+                    <a:pt x="1101057" y="374624"/>
+                  </a:lnTo>
+                  <a:lnTo>
+                    <a:pt x="1105018" y="374624"/>
+                  </a:lnTo>
+                  <a:lnTo>
+                    <a:pt x="1105018" y="376594"/>
+                  </a:lnTo>
+                  <a:lnTo>
+                    <a:pt x="1108978" y="376594"/>
+                  </a:lnTo>
+                  <a:lnTo>
+                    <a:pt x="1108978" y="378526"/>
+                  </a:lnTo>
+                  <a:lnTo>
+                    <a:pt x="1112939" y="378526"/>
+                  </a:lnTo>
+                  <a:lnTo>
+                    <a:pt x="1112939" y="380431"/>
+                  </a:lnTo>
+                  <a:lnTo>
+                    <a:pt x="1116899" y="380431"/>
+                  </a:lnTo>
+                  <a:lnTo>
+                    <a:pt x="1116899" y="382309"/>
+                  </a:lnTo>
+                  <a:lnTo>
+                    <a:pt x="1120860" y="382309"/>
+                  </a:lnTo>
+                  <a:lnTo>
+                    <a:pt x="1120860" y="384159"/>
+                  </a:lnTo>
+                  <a:lnTo>
+                    <a:pt x="1124821" y="384159"/>
+                  </a:lnTo>
+                  <a:lnTo>
+                    <a:pt x="1124821" y="385982"/>
+                  </a:lnTo>
+                  <a:lnTo>
+                    <a:pt x="1128781" y="385982"/>
+                  </a:lnTo>
+                  <a:lnTo>
+                    <a:pt x="1128781" y="387777"/>
+                  </a:lnTo>
+                  <a:lnTo>
+                    <a:pt x="1132742" y="387777"/>
+                  </a:lnTo>
+                  <a:lnTo>
+                    <a:pt x="1132742" y="389546"/>
+                  </a:lnTo>
+                  <a:lnTo>
+                    <a:pt x="1136703" y="389546"/>
+                  </a:lnTo>
+                  <a:lnTo>
+                    <a:pt x="1136703" y="391287"/>
+                  </a:lnTo>
+                  <a:lnTo>
+                    <a:pt x="1140663" y="391287"/>
+                  </a:lnTo>
+                  <a:lnTo>
+                    <a:pt x="1140663" y="393002"/>
+                  </a:lnTo>
+                  <a:lnTo>
+                    <a:pt x="1144624" y="393002"/>
+                  </a:lnTo>
+                  <a:lnTo>
+                    <a:pt x="1144624" y="394689"/>
+                  </a:lnTo>
+                  <a:lnTo>
+                    <a:pt x="1148585" y="394689"/>
+                  </a:lnTo>
+                  <a:lnTo>
+                    <a:pt x="1148585" y="396350"/>
+                  </a:lnTo>
+                  <a:lnTo>
+                    <a:pt x="1152545" y="396350"/>
+                  </a:lnTo>
+                  <a:lnTo>
+                    <a:pt x="1152545" y="397997"/>
+                  </a:lnTo>
+                  <a:lnTo>
+                    <a:pt x="1156506" y="397997"/>
+                  </a:lnTo>
+                  <a:lnTo>
+                    <a:pt x="1156506" y="399631"/>
+                  </a:lnTo>
+                  <a:lnTo>
+                    <a:pt x="1160466" y="399631"/>
+                  </a:lnTo>
+                  <a:lnTo>
+                    <a:pt x="1160466" y="401252"/>
+                  </a:lnTo>
+                  <a:lnTo>
+                    <a:pt x="1164427" y="401252"/>
+                  </a:lnTo>
+                  <a:lnTo>
+                    <a:pt x="1164427" y="402861"/>
+                  </a:lnTo>
+                  <a:lnTo>
+                    <a:pt x="1168388" y="402861"/>
+                  </a:lnTo>
+                  <a:lnTo>
+                    <a:pt x="1168388" y="404456"/>
+                  </a:lnTo>
+                  <a:lnTo>
+                    <a:pt x="1172348" y="404456"/>
+                  </a:lnTo>
+                  <a:lnTo>
+                    <a:pt x="1172348" y="406038"/>
+                  </a:lnTo>
+                  <a:lnTo>
+                    <a:pt x="1176309" y="406038"/>
+                  </a:lnTo>
+                  <a:lnTo>
+                    <a:pt x="1176309" y="407608"/>
+                  </a:lnTo>
+                  <a:lnTo>
+                    <a:pt x="1180270" y="407608"/>
+                  </a:lnTo>
+                  <a:lnTo>
+                    <a:pt x="1180270" y="409164"/>
+                  </a:lnTo>
+                  <a:lnTo>
+                    <a:pt x="1184230" y="409164"/>
+                  </a:lnTo>
+                  <a:lnTo>
+                    <a:pt x="1184230" y="410708"/>
+                  </a:lnTo>
+                  <a:lnTo>
+                    <a:pt x="1188191" y="410708"/>
+                  </a:lnTo>
+                  <a:lnTo>
+                    <a:pt x="1188191" y="412238"/>
+                  </a:lnTo>
+                  <a:lnTo>
+                    <a:pt x="1192152" y="412238"/>
+                  </a:lnTo>
+                  <a:lnTo>
+                    <a:pt x="1192152" y="413756"/>
+                  </a:lnTo>
+                  <a:lnTo>
+                    <a:pt x="1196112" y="413756"/>
+                  </a:lnTo>
+                  <a:lnTo>
+                    <a:pt x="1196112" y="415261"/>
+                  </a:lnTo>
+                  <a:lnTo>
+                    <a:pt x="1200073" y="415261"/>
+                  </a:lnTo>
+                  <a:lnTo>
+                    <a:pt x="1200073" y="416754"/>
+                  </a:lnTo>
+                  <a:lnTo>
+                    <a:pt x="1204033" y="416754"/>
+                  </a:lnTo>
+                  <a:lnTo>
+                    <a:pt x="1204033" y="418233"/>
+                  </a:lnTo>
+                  <a:lnTo>
+                    <a:pt x="1207994" y="418233"/>
+                  </a:lnTo>
+                  <a:lnTo>
+                    <a:pt x="1207994" y="419700"/>
+                  </a:lnTo>
+                  <a:lnTo>
+                    <a:pt x="1211955" y="419700"/>
+                  </a:lnTo>
+                  <a:lnTo>
+                    <a:pt x="1211955" y="421171"/>
+                  </a:lnTo>
+                  <a:lnTo>
+                    <a:pt x="1215915" y="421171"/>
+                  </a:lnTo>
+                  <a:lnTo>
+                    <a:pt x="1215915" y="422646"/>
+                  </a:lnTo>
+                  <a:lnTo>
+                    <a:pt x="1219876" y="422646"/>
+                  </a:lnTo>
+                  <a:lnTo>
+                    <a:pt x="1219876" y="424125"/>
+                  </a:lnTo>
+                  <a:lnTo>
+                    <a:pt x="1223837" y="424125"/>
+                  </a:lnTo>
+                  <a:lnTo>
+                    <a:pt x="1223837" y="425608"/>
+                  </a:lnTo>
+                  <a:lnTo>
+                    <a:pt x="1227797" y="425608"/>
+                  </a:lnTo>
+                  <a:lnTo>
+                    <a:pt x="1227797" y="427095"/>
+                  </a:lnTo>
+                  <a:lnTo>
+                    <a:pt x="1231758" y="427095"/>
+                  </a:lnTo>
+                  <a:lnTo>
+                    <a:pt x="1231758" y="428587"/>
+                  </a:lnTo>
+                  <a:lnTo>
+                    <a:pt x="1235719" y="428587"/>
+                  </a:lnTo>
+                  <a:lnTo>
+                    <a:pt x="1235719" y="430082"/>
+                  </a:lnTo>
+                  <a:lnTo>
+                    <a:pt x="1239679" y="430082"/>
+                  </a:lnTo>
+                  <a:lnTo>
+                    <a:pt x="1239679" y="431581"/>
+                  </a:lnTo>
+                  <a:lnTo>
+                    <a:pt x="1243640" y="431581"/>
+                  </a:lnTo>
+                  <a:lnTo>
+                    <a:pt x="1243640" y="433085"/>
+                  </a:lnTo>
+                  <a:lnTo>
+                    <a:pt x="1247601" y="433085"/>
+                  </a:lnTo>
+                  <a:lnTo>
+                    <a:pt x="1247601" y="434592"/>
+                  </a:lnTo>
+                  <a:lnTo>
+                    <a:pt x="1251561" y="434592"/>
+                  </a:lnTo>
+                  <a:lnTo>
+                    <a:pt x="1251561" y="436104"/>
+                  </a:lnTo>
+                  <a:lnTo>
+                    <a:pt x="1255522" y="436104"/>
+                  </a:lnTo>
+                  <a:lnTo>
+                    <a:pt x="1255522" y="437619"/>
+                  </a:lnTo>
+                  <a:lnTo>
+                    <a:pt x="1259482" y="437619"/>
+                  </a:lnTo>
+                  <a:lnTo>
+                    <a:pt x="1259482" y="439138"/>
+                  </a:lnTo>
+                  <a:lnTo>
+                    <a:pt x="1263443" y="439138"/>
+                  </a:lnTo>
+                  <a:lnTo>
+                    <a:pt x="1263443" y="440662"/>
+                  </a:lnTo>
+                  <a:lnTo>
+                    <a:pt x="1267404" y="440662"/>
+                  </a:lnTo>
+                  <a:lnTo>
+                    <a:pt x="1267404" y="442189"/>
+                  </a:lnTo>
+                  <a:lnTo>
+                    <a:pt x="1271364" y="442189"/>
+                  </a:lnTo>
+                  <a:lnTo>
+                    <a:pt x="1271364" y="443727"/>
+                  </a:lnTo>
+                  <a:lnTo>
+                    <a:pt x="1275325" y="443727"/>
+                  </a:lnTo>
+                  <a:lnTo>
+                    <a:pt x="1275325" y="445276"/>
+                  </a:lnTo>
+                  <a:lnTo>
+                    <a:pt x="1279286" y="445276"/>
+                  </a:lnTo>
+                  <a:lnTo>
+                    <a:pt x="1279286" y="446836"/>
+                  </a:lnTo>
+                  <a:lnTo>
+                    <a:pt x="1283246" y="446836"/>
+                  </a:lnTo>
+                  <a:lnTo>
+                    <a:pt x="1283246" y="448406"/>
+                  </a:lnTo>
+                  <a:lnTo>
+                    <a:pt x="1287207" y="448406"/>
+                  </a:lnTo>
+                  <a:lnTo>
+                    <a:pt x="1287207" y="449987"/>
+                  </a:lnTo>
+                  <a:lnTo>
+                    <a:pt x="1291168" y="449987"/>
+                  </a:lnTo>
+                  <a:lnTo>
+                    <a:pt x="1291168" y="451578"/>
+                  </a:lnTo>
+                  <a:lnTo>
+                    <a:pt x="1295128" y="451578"/>
+                  </a:lnTo>
+                  <a:lnTo>
+                    <a:pt x="1295128" y="453180"/>
+                  </a:lnTo>
+                  <a:lnTo>
+                    <a:pt x="1299089" y="453180"/>
+                  </a:lnTo>
+                  <a:lnTo>
+                    <a:pt x="1299089" y="454792"/>
+                  </a:lnTo>
+                  <a:lnTo>
+                    <a:pt x="1303049" y="454792"/>
+                  </a:lnTo>
+                  <a:lnTo>
+                    <a:pt x="1303049" y="456416"/>
+                  </a:lnTo>
+                  <a:lnTo>
+                    <a:pt x="1307010" y="456416"/>
+                  </a:lnTo>
+                  <a:lnTo>
+                    <a:pt x="1307010" y="458049"/>
+                  </a:lnTo>
+                  <a:lnTo>
+                    <a:pt x="1310971" y="458049"/>
+                  </a:lnTo>
+                  <a:lnTo>
+                    <a:pt x="1310971" y="459693"/>
+                  </a:lnTo>
+                  <a:lnTo>
+                    <a:pt x="1314931" y="459693"/>
+                  </a:lnTo>
+                  <a:lnTo>
+                    <a:pt x="1314931" y="461346"/>
+                  </a:lnTo>
+                  <a:lnTo>
+                    <a:pt x="1318892" y="461346"/>
+                  </a:lnTo>
+                  <a:lnTo>
+                    <a:pt x="1318892" y="463009"/>
+                  </a:lnTo>
+                  <a:lnTo>
+                    <a:pt x="1322853" y="463009"/>
+                  </a:lnTo>
+                  <a:lnTo>
+                    <a:pt x="1322853" y="464682"/>
+                  </a:lnTo>
+                  <a:lnTo>
+                    <a:pt x="1326813" y="464682"/>
+                  </a:lnTo>
+                  <a:lnTo>
+                    <a:pt x="1326813" y="466364"/>
+                  </a:lnTo>
+                  <a:lnTo>
+                    <a:pt x="1330774" y="466364"/>
+                  </a:lnTo>
+                  <a:lnTo>
+                    <a:pt x="1330774" y="468057"/>
+                  </a:lnTo>
+                  <a:lnTo>
+                    <a:pt x="1334735" y="468057"/>
+                  </a:lnTo>
+                  <a:lnTo>
+                    <a:pt x="1334735" y="469759"/>
+                  </a:lnTo>
+                  <a:lnTo>
+                    <a:pt x="1338695" y="469759"/>
+                  </a:lnTo>
+                  <a:lnTo>
+                    <a:pt x="1338695" y="471470"/>
+                  </a:lnTo>
+                  <a:lnTo>
+                    <a:pt x="1342656" y="471470"/>
+                  </a:lnTo>
+                  <a:lnTo>
+                    <a:pt x="1342656" y="473192"/>
+                  </a:lnTo>
+                  <a:lnTo>
+                    <a:pt x="1346616" y="473192"/>
+                  </a:lnTo>
+                  <a:lnTo>
+                    <a:pt x="1346616" y="474923"/>
+                  </a:lnTo>
+                  <a:lnTo>
+                    <a:pt x="1350577" y="474923"/>
+                  </a:lnTo>
+                  <a:lnTo>
+                    <a:pt x="1350577" y="476657"/>
+                  </a:lnTo>
+                  <a:lnTo>
+                    <a:pt x="1354538" y="476657"/>
+                  </a:lnTo>
+                  <a:lnTo>
+                    <a:pt x="1354538" y="478396"/>
+                  </a:lnTo>
+                  <a:lnTo>
+                    <a:pt x="1358498" y="478396"/>
+                  </a:lnTo>
+                  <a:lnTo>
+                    <a:pt x="1358498" y="480138"/>
+                  </a:lnTo>
+                  <a:lnTo>
+                    <a:pt x="1362459" y="480138"/>
+                  </a:lnTo>
+                  <a:lnTo>
+                    <a:pt x="1362459" y="481884"/>
+                  </a:lnTo>
+                  <a:lnTo>
+                    <a:pt x="1366420" y="481884"/>
+                  </a:lnTo>
+                  <a:lnTo>
+                    <a:pt x="1366420" y="483633"/>
+                  </a:lnTo>
+                  <a:lnTo>
+                    <a:pt x="1370380" y="483633"/>
+                  </a:lnTo>
+                  <a:lnTo>
+                    <a:pt x="1370380" y="485387"/>
+                  </a:lnTo>
+                  <a:lnTo>
+                    <a:pt x="1374341" y="485387"/>
+                  </a:lnTo>
+                  <a:lnTo>
+                    <a:pt x="1374341" y="487143"/>
+                  </a:lnTo>
+                  <a:lnTo>
+                    <a:pt x="1378302" y="487143"/>
+                  </a:lnTo>
+                  <a:lnTo>
+                    <a:pt x="1378302" y="488904"/>
+                  </a:lnTo>
+                  <a:lnTo>
+                    <a:pt x="1382262" y="488904"/>
+                  </a:lnTo>
+                  <a:lnTo>
+                    <a:pt x="1382262" y="490668"/>
+                  </a:lnTo>
+                  <a:lnTo>
+                    <a:pt x="1386223" y="490668"/>
+                  </a:lnTo>
+                  <a:lnTo>
+                    <a:pt x="1386223" y="492436"/>
+                  </a:lnTo>
+                  <a:lnTo>
+                    <a:pt x="1390183" y="492436"/>
+                  </a:lnTo>
+                  <a:lnTo>
+                    <a:pt x="1390183" y="494189"/>
+                  </a:lnTo>
+                  <a:lnTo>
+                    <a:pt x="1394144" y="494189"/>
+                  </a:lnTo>
+                  <a:lnTo>
+                    <a:pt x="1394144" y="495926"/>
+                  </a:lnTo>
+                  <a:lnTo>
+                    <a:pt x="1398105" y="495926"/>
+                  </a:lnTo>
+                  <a:lnTo>
+                    <a:pt x="1398105" y="497648"/>
+                  </a:lnTo>
+                  <a:lnTo>
+                    <a:pt x="1402065" y="497648"/>
+                  </a:lnTo>
+                  <a:lnTo>
+                    <a:pt x="1402065" y="499354"/>
+                  </a:lnTo>
+                  <a:lnTo>
+                    <a:pt x="1406026" y="499354"/>
+                  </a:lnTo>
+                  <a:lnTo>
+                    <a:pt x="1406026" y="501045"/>
+                  </a:lnTo>
+                  <a:lnTo>
+                    <a:pt x="1409987" y="501045"/>
+                  </a:lnTo>
+                  <a:lnTo>
+                    <a:pt x="1409987" y="502722"/>
+                  </a:lnTo>
+                  <a:lnTo>
+                    <a:pt x="1413947" y="502722"/>
+                  </a:lnTo>
+                  <a:lnTo>
+                    <a:pt x="1413947" y="504382"/>
+                  </a:lnTo>
+                  <a:lnTo>
+                    <a:pt x="1417908" y="504382"/>
+                  </a:lnTo>
+                  <a:lnTo>
+                    <a:pt x="1417908" y="506028"/>
+                  </a:lnTo>
+                  <a:lnTo>
+                    <a:pt x="1421869" y="506028"/>
+                  </a:lnTo>
+                  <a:lnTo>
+                    <a:pt x="1421869" y="507659"/>
+                  </a:lnTo>
+                  <a:lnTo>
+                    <a:pt x="1425829" y="507659"/>
+                  </a:lnTo>
+                  <a:lnTo>
+                    <a:pt x="1425829" y="509275"/>
+                  </a:lnTo>
+                  <a:lnTo>
+                    <a:pt x="1429790" y="509275"/>
+                  </a:lnTo>
+                  <a:lnTo>
+                    <a:pt x="1429790" y="510862"/>
+                  </a:lnTo>
+                  <a:lnTo>
+                    <a:pt x="1433751" y="510862"/>
+                  </a:lnTo>
+                  <a:lnTo>
+                    <a:pt x="1433751" y="512422"/>
+                  </a:lnTo>
+                  <a:lnTo>
+                    <a:pt x="1437711" y="512422"/>
+                  </a:lnTo>
+                  <a:lnTo>
+                    <a:pt x="1437711" y="513953"/>
+                  </a:lnTo>
+                  <a:lnTo>
+                    <a:pt x="1441672" y="513953"/>
+                  </a:lnTo>
+                  <a:lnTo>
+                    <a:pt x="1441672" y="515457"/>
+                  </a:lnTo>
+                  <a:lnTo>
+                    <a:pt x="1445632" y="515457"/>
+                  </a:lnTo>
+                  <a:lnTo>
+                    <a:pt x="1445632" y="516933"/>
+                  </a:lnTo>
+                  <a:lnTo>
+                    <a:pt x="1449593" y="516933"/>
+                  </a:lnTo>
+                  <a:lnTo>
+                    <a:pt x="1449593" y="518382"/>
+                  </a:lnTo>
+                  <a:lnTo>
+                    <a:pt x="1453554" y="518382"/>
+                  </a:lnTo>
+                  <a:lnTo>
+                    <a:pt x="1453554" y="519802"/>
+                  </a:lnTo>
+                  <a:lnTo>
+                    <a:pt x="1457514" y="519802"/>
+                  </a:lnTo>
+                  <a:lnTo>
+                    <a:pt x="1457514" y="521195"/>
+                  </a:lnTo>
+                  <a:lnTo>
+                    <a:pt x="1461475" y="521195"/>
+                  </a:lnTo>
+                  <a:lnTo>
+                    <a:pt x="1461475" y="522561"/>
+                  </a:lnTo>
+                  <a:lnTo>
+                    <a:pt x="1465436" y="522561"/>
+                  </a:lnTo>
+                  <a:lnTo>
+                    <a:pt x="1465436" y="523898"/>
+                  </a:lnTo>
+                  <a:lnTo>
+                    <a:pt x="1469396" y="523898"/>
+                  </a:lnTo>
+                  <a:lnTo>
+                    <a:pt x="1469396" y="525203"/>
+                  </a:lnTo>
+                  <a:lnTo>
+                    <a:pt x="1473357" y="525203"/>
+                  </a:lnTo>
+                  <a:lnTo>
+                    <a:pt x="1473357" y="526475"/>
+                  </a:lnTo>
+                  <a:lnTo>
+                    <a:pt x="1477318" y="526475"/>
+                  </a:lnTo>
+                  <a:lnTo>
+                    <a:pt x="1477318" y="527714"/>
+                  </a:lnTo>
+                  <a:lnTo>
+                    <a:pt x="1481278" y="527714"/>
+                  </a:lnTo>
+                  <a:lnTo>
+                    <a:pt x="1481278" y="528920"/>
+                  </a:lnTo>
+                  <a:lnTo>
+                    <a:pt x="1485239" y="528920"/>
+                  </a:lnTo>
+                  <a:lnTo>
+                    <a:pt x="1485239" y="530093"/>
+                  </a:lnTo>
+                  <a:lnTo>
+                    <a:pt x="1489199" y="530093"/>
+                  </a:lnTo>
+                  <a:lnTo>
+                    <a:pt x="1489199" y="531233"/>
+                  </a:lnTo>
+                  <a:lnTo>
+                    <a:pt x="1493160" y="531233"/>
+                  </a:lnTo>
+                  <a:lnTo>
+                    <a:pt x="1493160" y="532341"/>
+                  </a:lnTo>
+                  <a:lnTo>
+                    <a:pt x="1497121" y="532341"/>
+                  </a:lnTo>
+                  <a:lnTo>
+                    <a:pt x="1497121" y="533416"/>
+                  </a:lnTo>
+                  <a:lnTo>
+                    <a:pt x="1501081" y="533416"/>
+                  </a:lnTo>
+                  <a:lnTo>
+                    <a:pt x="1501081" y="534458"/>
+                  </a:lnTo>
+                  <a:lnTo>
+                    <a:pt x="1505042" y="534458"/>
+                  </a:lnTo>
+                  <a:lnTo>
+                    <a:pt x="1505042" y="535467"/>
+                  </a:lnTo>
+                  <a:lnTo>
+                    <a:pt x="1509003" y="535467"/>
+                  </a:lnTo>
+                  <a:lnTo>
+                    <a:pt x="1509003" y="536451"/>
+                  </a:lnTo>
+                  <a:lnTo>
+                    <a:pt x="1512963" y="536451"/>
+                  </a:lnTo>
+                  <a:lnTo>
+                    <a:pt x="1512963" y="537409"/>
+                  </a:lnTo>
+                  <a:lnTo>
+                    <a:pt x="1516924" y="537409"/>
+                  </a:lnTo>
+                  <a:lnTo>
+                    <a:pt x="1516924" y="538341"/>
+                  </a:lnTo>
+                  <a:lnTo>
+                    <a:pt x="1520885" y="538341"/>
+                  </a:lnTo>
+                  <a:lnTo>
+                    <a:pt x="1520885" y="539247"/>
+                  </a:lnTo>
+                  <a:lnTo>
+                    <a:pt x="1524845" y="539247"/>
+                  </a:lnTo>
+                  <a:lnTo>
+                    <a:pt x="1524845" y="540127"/>
+                  </a:lnTo>
+                  <a:lnTo>
+                    <a:pt x="1528806" y="540127"/>
+                  </a:lnTo>
+                  <a:lnTo>
+                    <a:pt x="1528806" y="540982"/>
+                  </a:lnTo>
+                  <a:lnTo>
+                    <a:pt x="1532766" y="540982"/>
+                  </a:lnTo>
+                  <a:lnTo>
+                    <a:pt x="1532766" y="541811"/>
+                  </a:lnTo>
+                  <a:lnTo>
+                    <a:pt x="1536727" y="541811"/>
+                  </a:lnTo>
+                  <a:lnTo>
+                    <a:pt x="1536727" y="542614"/>
+                  </a:lnTo>
+                  <a:lnTo>
+                    <a:pt x="1540688" y="542614"/>
+                  </a:lnTo>
+                  <a:lnTo>
+                    <a:pt x="1540688" y="543391"/>
+                  </a:lnTo>
+                  <a:lnTo>
+                    <a:pt x="1544648" y="543391"/>
+                  </a:lnTo>
+                  <a:lnTo>
+                    <a:pt x="1544648" y="544143"/>
+                  </a:lnTo>
+                  <a:lnTo>
+                    <a:pt x="1548609" y="544143"/>
+                  </a:lnTo>
+                  <a:lnTo>
+                    <a:pt x="1548609" y="544869"/>
+                  </a:lnTo>
+                  <a:lnTo>
+                    <a:pt x="1552570" y="544869"/>
+                  </a:lnTo>
+                  <a:lnTo>
+                    <a:pt x="1552570" y="545570"/>
+                  </a:lnTo>
+                  <a:lnTo>
+                    <a:pt x="1556530" y="545570"/>
+                  </a:lnTo>
+                  <a:lnTo>
+                    <a:pt x="1556530" y="546245"/>
+                  </a:lnTo>
+                  <a:lnTo>
+                    <a:pt x="1560491" y="546245"/>
+                  </a:lnTo>
+                  <a:lnTo>
+                    <a:pt x="1560491" y="546894"/>
+                  </a:lnTo>
+                  <a:lnTo>
+                    <a:pt x="1564452" y="546894"/>
+                  </a:lnTo>
+                  <a:lnTo>
+                    <a:pt x="1564452" y="547518"/>
+                  </a:lnTo>
+                  <a:lnTo>
+                    <a:pt x="1568412" y="547518"/>
+                  </a:lnTo>
+                  <a:lnTo>
+                    <a:pt x="1568412" y="548117"/>
+                  </a:lnTo>
+                  <a:lnTo>
+                    <a:pt x="1572373" y="548117"/>
+                  </a:lnTo>
+                  <a:lnTo>
+                    <a:pt x="1572373" y="548690"/>
+                  </a:lnTo>
+                  <a:lnTo>
+                    <a:pt x="1576333" y="548690"/>
+                  </a:lnTo>
+                  <a:lnTo>
+                    <a:pt x="1576333" y="549237"/>
+                  </a:lnTo>
+                  <a:lnTo>
+                    <a:pt x="1580294" y="549237"/>
+                  </a:lnTo>
+                  <a:lnTo>
+                    <a:pt x="1580294" y="549759"/>
+                  </a:lnTo>
+                  <a:lnTo>
+                    <a:pt x="1584255" y="549759"/>
+                  </a:lnTo>
+                  <a:lnTo>
+                    <a:pt x="1584255" y="550256"/>
+                  </a:lnTo>
+                  <a:lnTo>
+                    <a:pt x="1588215" y="550256"/>
+                  </a:lnTo>
+                  <a:lnTo>
+                    <a:pt x="1588215" y="550727"/>
+                  </a:lnTo>
+                  <a:lnTo>
+                    <a:pt x="1592176" y="550727"/>
+                  </a:lnTo>
+                  <a:lnTo>
+                    <a:pt x="1592176" y="551173"/>
+                  </a:lnTo>
+                  <a:lnTo>
+                    <a:pt x="1596137" y="551173"/>
+                  </a:lnTo>
+                  <a:lnTo>
+                    <a:pt x="1596137" y="551593"/>
+                  </a:lnTo>
+                  <a:lnTo>
+                    <a:pt x="1600097" y="551593"/>
+                  </a:lnTo>
+                  <a:lnTo>
+                    <a:pt x="1600097" y="551989"/>
+                  </a:lnTo>
+                  <a:lnTo>
+                    <a:pt x="1604058" y="551989"/>
+                  </a:lnTo>
+                  <a:lnTo>
+                    <a:pt x="1604058" y="552358"/>
                   </a:lnTo>
                 </a:path>
               </a:pathLst>
@@ -32986,7 +39844,7 @@
           </p:nvSpPr>
           <p:spPr>
             <a:xfrm>
-              <a:off x="4971326" y="2093087"/>
+              <a:off x="4971326" y="2210475"/>
               <a:ext cx="151735" cy="90191"/>
             </a:xfrm>
             <a:prstGeom prst="rect">
@@ -33019,7 +39877,7 @@
                   <a:latin typeface="DejaVu Sans"/>
                   <a:cs typeface="DejaVu Sans"/>
                 </a:rPr>
-                <a:t>68</a:t>
+                <a:t>63</a:t>
               </a:r>
             </a:p>
           </p:txBody>
@@ -33032,7 +39890,7 @@
           </p:nvSpPr>
           <p:spPr>
             <a:xfrm>
-              <a:off x="4971326" y="1944475"/>
+              <a:off x="4971326" y="2046703"/>
               <a:ext cx="151735" cy="90191"/>
             </a:xfrm>
             <a:prstGeom prst="rect">
@@ -33065,7 +39923,7 @@
                   <a:latin typeface="DejaVu Sans"/>
                   <a:cs typeface="DejaVu Sans"/>
                 </a:rPr>
-                <a:t>73</a:t>
+                <a:t>69</a:t>
               </a:r>
             </a:p>
           </p:txBody>
@@ -33078,7 +39936,7 @@
           </p:nvSpPr>
           <p:spPr>
             <a:xfrm>
-              <a:off x="4971326" y="1698561"/>
+              <a:off x="4971326" y="1771130"/>
               <a:ext cx="151735" cy="90191"/>
             </a:xfrm>
             <a:prstGeom prst="rect">
@@ -33111,7 +39969,7 @@
                   <a:latin typeface="DejaVu Sans"/>
                   <a:cs typeface="DejaVu Sans"/>
                 </a:rPr>
-                <a:t>82</a:t>
+                <a:t>80</a:t>
               </a:r>
             </a:p>
           </p:txBody>

--- a/reference/Surv_Simul-Plot-Output.pptx
+++ b/reference/Surv_Simul-Plot-Output.pptx
@@ -34774,3181 +34774,319 @@
                     <a:pt x="0" y="0"/>
                   </a:moveTo>
                   <a:lnTo>
-                    <a:pt x="3007" y="0"/>
-                  </a:lnTo>
-                  <a:lnTo>
-                    <a:pt x="3007" y="0"/>
-                  </a:lnTo>
-                  <a:lnTo>
-                    <a:pt x="6014" y="0"/>
-                  </a:lnTo>
-                  <a:lnTo>
-                    <a:pt x="6014" y="0"/>
-                  </a:lnTo>
-                  <a:lnTo>
-                    <a:pt x="9021" y="0"/>
-                  </a:lnTo>
-                  <a:lnTo>
-                    <a:pt x="9021" y="0"/>
-                  </a:lnTo>
-                  <a:lnTo>
-                    <a:pt x="12028" y="0"/>
-                  </a:lnTo>
-                  <a:lnTo>
-                    <a:pt x="12028" y="0"/>
-                  </a:lnTo>
-                  <a:lnTo>
-                    <a:pt x="15035" y="0"/>
-                  </a:lnTo>
-                  <a:lnTo>
-                    <a:pt x="15035" y="0"/>
-                  </a:lnTo>
-                  <a:lnTo>
-                    <a:pt x="18042" y="0"/>
-                  </a:lnTo>
-                  <a:lnTo>
-                    <a:pt x="18042" y="0"/>
-                  </a:lnTo>
-                  <a:lnTo>
-                    <a:pt x="21050" y="0"/>
-                  </a:lnTo>
-                  <a:lnTo>
-                    <a:pt x="21050" y="0"/>
-                  </a:lnTo>
-                  <a:lnTo>
-                    <a:pt x="24057" y="0"/>
-                  </a:lnTo>
-                  <a:lnTo>
-                    <a:pt x="24057" y="0"/>
-                  </a:lnTo>
-                  <a:lnTo>
-                    <a:pt x="27064" y="0"/>
-                  </a:lnTo>
-                  <a:lnTo>
-                    <a:pt x="27064" y="0"/>
-                  </a:lnTo>
-                  <a:lnTo>
                     <a:pt x="30071" y="0"/>
                   </a:lnTo>
                   <a:lnTo>
                     <a:pt x="30071" y="0"/>
                   </a:lnTo>
                   <a:lnTo>
-                    <a:pt x="33078" y="0"/>
-                  </a:lnTo>
-                  <a:lnTo>
-                    <a:pt x="33078" y="0"/>
-                  </a:lnTo>
-                  <a:lnTo>
-                    <a:pt x="36085" y="0"/>
-                  </a:lnTo>
-                  <a:lnTo>
-                    <a:pt x="36085" y="0"/>
-                  </a:lnTo>
-                  <a:lnTo>
-                    <a:pt x="39092" y="0"/>
-                  </a:lnTo>
-                  <a:lnTo>
-                    <a:pt x="39092" y="0"/>
-                  </a:lnTo>
-                  <a:lnTo>
-                    <a:pt x="42100" y="0"/>
-                  </a:lnTo>
-                  <a:lnTo>
-                    <a:pt x="42100" y="0"/>
-                  </a:lnTo>
-                  <a:lnTo>
-                    <a:pt x="45107" y="0"/>
-                  </a:lnTo>
-                  <a:lnTo>
-                    <a:pt x="45107" y="0"/>
-                  </a:lnTo>
-                  <a:lnTo>
-                    <a:pt x="48114" y="0"/>
-                  </a:lnTo>
-                  <a:lnTo>
-                    <a:pt x="48114" y="0"/>
-                  </a:lnTo>
-                  <a:lnTo>
-                    <a:pt x="51121" y="0"/>
-                  </a:lnTo>
-                  <a:lnTo>
-                    <a:pt x="51121" y="0"/>
-                  </a:lnTo>
-                  <a:lnTo>
-                    <a:pt x="54128" y="0"/>
-                  </a:lnTo>
-                  <a:lnTo>
-                    <a:pt x="54128" y="0"/>
-                  </a:lnTo>
-                  <a:lnTo>
-                    <a:pt x="57135" y="0"/>
-                  </a:lnTo>
-                  <a:lnTo>
-                    <a:pt x="57135" y="0"/>
-                  </a:lnTo>
-                  <a:lnTo>
                     <a:pt x="60143" y="0"/>
                   </a:lnTo>
                   <a:lnTo>
                     <a:pt x="60143" y="0"/>
                   </a:lnTo>
                   <a:lnTo>
-                    <a:pt x="63150" y="0"/>
-                  </a:lnTo>
-                  <a:lnTo>
-                    <a:pt x="63150" y="0"/>
-                  </a:lnTo>
-                  <a:lnTo>
-                    <a:pt x="66157" y="0"/>
-                  </a:lnTo>
-                  <a:lnTo>
-                    <a:pt x="66157" y="0"/>
-                  </a:lnTo>
-                  <a:lnTo>
-                    <a:pt x="69164" y="0"/>
-                  </a:lnTo>
-                  <a:lnTo>
-                    <a:pt x="69164" y="0"/>
-                  </a:lnTo>
-                  <a:lnTo>
-                    <a:pt x="72171" y="0"/>
-                  </a:lnTo>
-                  <a:lnTo>
-                    <a:pt x="72171" y="0"/>
-                  </a:lnTo>
-                  <a:lnTo>
-                    <a:pt x="75178" y="0"/>
-                  </a:lnTo>
-                  <a:lnTo>
-                    <a:pt x="75178" y="0"/>
-                  </a:lnTo>
-                  <a:lnTo>
-                    <a:pt x="78185" y="0"/>
-                  </a:lnTo>
-                  <a:lnTo>
-                    <a:pt x="78185" y="0"/>
-                  </a:lnTo>
-                  <a:lnTo>
-                    <a:pt x="81193" y="0"/>
-                  </a:lnTo>
-                  <a:lnTo>
-                    <a:pt x="81193" y="0"/>
-                  </a:lnTo>
-                  <a:lnTo>
-                    <a:pt x="84200" y="0"/>
-                  </a:lnTo>
-                  <a:lnTo>
-                    <a:pt x="84200" y="0"/>
-                  </a:lnTo>
-                  <a:lnTo>
-                    <a:pt x="87207" y="0"/>
-                  </a:lnTo>
-                  <a:lnTo>
-                    <a:pt x="87207" y="0"/>
-                  </a:lnTo>
-                  <a:lnTo>
                     <a:pt x="90214" y="0"/>
                   </a:lnTo>
                   <a:lnTo>
                     <a:pt x="90214" y="0"/>
                   </a:lnTo>
                   <a:lnTo>
-                    <a:pt x="93221" y="0"/>
-                  </a:lnTo>
-                  <a:lnTo>
-                    <a:pt x="93221" y="0"/>
-                  </a:lnTo>
-                  <a:lnTo>
-                    <a:pt x="96228" y="0"/>
-                  </a:lnTo>
-                  <a:lnTo>
-                    <a:pt x="96228" y="0"/>
-                  </a:lnTo>
-                  <a:lnTo>
-                    <a:pt x="99235" y="0"/>
-                  </a:lnTo>
-                  <a:lnTo>
-                    <a:pt x="99235" y="0"/>
-                  </a:lnTo>
-                  <a:lnTo>
-                    <a:pt x="102243" y="0"/>
-                  </a:lnTo>
-                  <a:lnTo>
-                    <a:pt x="102243" y="0"/>
-                  </a:lnTo>
-                  <a:lnTo>
-                    <a:pt x="105250" y="0"/>
-                  </a:lnTo>
-                  <a:lnTo>
-                    <a:pt x="105250" y="0"/>
-                  </a:lnTo>
-                  <a:lnTo>
-                    <a:pt x="108257" y="0"/>
-                  </a:lnTo>
-                  <a:lnTo>
-                    <a:pt x="108257" y="0"/>
-                  </a:lnTo>
-                  <a:lnTo>
-                    <a:pt x="111264" y="0"/>
-                  </a:lnTo>
-                  <a:lnTo>
-                    <a:pt x="111264" y="0"/>
-                  </a:lnTo>
-                  <a:lnTo>
-                    <a:pt x="114271" y="0"/>
-                  </a:lnTo>
-                  <a:lnTo>
-                    <a:pt x="114271" y="0"/>
-                  </a:lnTo>
-                  <a:lnTo>
-                    <a:pt x="117278" y="0"/>
-                  </a:lnTo>
-                  <a:lnTo>
-                    <a:pt x="117278" y="0"/>
-                  </a:lnTo>
-                  <a:lnTo>
                     <a:pt x="120286" y="0"/>
                   </a:lnTo>
                   <a:lnTo>
                     <a:pt x="120286" y="0"/>
                   </a:lnTo>
                   <a:lnTo>
-                    <a:pt x="123293" y="0"/>
-                  </a:lnTo>
-                  <a:lnTo>
-                    <a:pt x="123293" y="0"/>
-                  </a:lnTo>
-                  <a:lnTo>
-                    <a:pt x="126300" y="0"/>
-                  </a:lnTo>
-                  <a:lnTo>
-                    <a:pt x="126300" y="0"/>
-                  </a:lnTo>
-                  <a:lnTo>
-                    <a:pt x="129307" y="0"/>
-                  </a:lnTo>
-                  <a:lnTo>
-                    <a:pt x="129307" y="0"/>
-                  </a:lnTo>
-                  <a:lnTo>
-                    <a:pt x="132314" y="0"/>
-                  </a:lnTo>
-                  <a:lnTo>
-                    <a:pt x="132314" y="0"/>
-                  </a:lnTo>
-                  <a:lnTo>
-                    <a:pt x="135321" y="0"/>
-                  </a:lnTo>
-                  <a:lnTo>
-                    <a:pt x="135321" y="0"/>
-                  </a:lnTo>
-                  <a:lnTo>
-                    <a:pt x="138328" y="0"/>
-                  </a:lnTo>
-                  <a:lnTo>
-                    <a:pt x="138328" y="0"/>
-                  </a:lnTo>
-                  <a:lnTo>
-                    <a:pt x="141336" y="0"/>
-                  </a:lnTo>
-                  <a:lnTo>
-                    <a:pt x="141336" y="0"/>
-                  </a:lnTo>
-                  <a:lnTo>
-                    <a:pt x="144343" y="0"/>
-                  </a:lnTo>
-                  <a:lnTo>
-                    <a:pt x="144343" y="0"/>
-                  </a:lnTo>
-                  <a:lnTo>
-                    <a:pt x="147350" y="0"/>
-                  </a:lnTo>
-                  <a:lnTo>
-                    <a:pt x="147350" y="0"/>
-                  </a:lnTo>
-                  <a:lnTo>
                     <a:pt x="150357" y="0"/>
                   </a:lnTo>
                   <a:lnTo>
                     <a:pt x="150357" y="0"/>
                   </a:lnTo>
                   <a:lnTo>
-                    <a:pt x="153364" y="0"/>
-                  </a:lnTo>
-                  <a:lnTo>
-                    <a:pt x="153364" y="0"/>
-                  </a:lnTo>
-                  <a:lnTo>
-                    <a:pt x="156371" y="0"/>
-                  </a:lnTo>
-                  <a:lnTo>
-                    <a:pt x="156371" y="0"/>
-                  </a:lnTo>
-                  <a:lnTo>
-                    <a:pt x="159379" y="0"/>
-                  </a:lnTo>
-                  <a:lnTo>
-                    <a:pt x="159379" y="0"/>
-                  </a:lnTo>
-                  <a:lnTo>
-                    <a:pt x="162386" y="0"/>
-                  </a:lnTo>
-                  <a:lnTo>
-                    <a:pt x="162386" y="0"/>
-                  </a:lnTo>
-                  <a:lnTo>
-                    <a:pt x="165393" y="0"/>
-                  </a:lnTo>
-                  <a:lnTo>
-                    <a:pt x="165393" y="0"/>
-                  </a:lnTo>
-                  <a:lnTo>
-                    <a:pt x="168400" y="0"/>
-                  </a:lnTo>
-                  <a:lnTo>
-                    <a:pt x="168400" y="0"/>
-                  </a:lnTo>
-                  <a:lnTo>
-                    <a:pt x="171407" y="0"/>
-                  </a:lnTo>
-                  <a:lnTo>
-                    <a:pt x="171407" y="0"/>
-                  </a:lnTo>
-                  <a:lnTo>
-                    <a:pt x="174414" y="0"/>
-                  </a:lnTo>
-                  <a:lnTo>
-                    <a:pt x="174414" y="0"/>
-                  </a:lnTo>
-                  <a:lnTo>
-                    <a:pt x="177421" y="0"/>
-                  </a:lnTo>
-                  <a:lnTo>
-                    <a:pt x="177421" y="0"/>
-                  </a:lnTo>
-                  <a:lnTo>
                     <a:pt x="180429" y="0"/>
                   </a:lnTo>
                   <a:lnTo>
                     <a:pt x="180429" y="0"/>
                   </a:lnTo>
                   <a:lnTo>
-                    <a:pt x="183436" y="0"/>
-                  </a:lnTo>
-                  <a:lnTo>
-                    <a:pt x="183436" y="0"/>
-                  </a:lnTo>
-                  <a:lnTo>
-                    <a:pt x="186443" y="0"/>
-                  </a:lnTo>
-                  <a:lnTo>
-                    <a:pt x="186443" y="0"/>
-                  </a:lnTo>
-                  <a:lnTo>
-                    <a:pt x="189450" y="0"/>
-                  </a:lnTo>
-                  <a:lnTo>
-                    <a:pt x="189450" y="0"/>
-                  </a:lnTo>
-                  <a:lnTo>
-                    <a:pt x="192457" y="0"/>
-                  </a:lnTo>
-                  <a:lnTo>
-                    <a:pt x="192457" y="0"/>
-                  </a:lnTo>
-                  <a:lnTo>
-                    <a:pt x="195464" y="0"/>
-                  </a:lnTo>
-                  <a:lnTo>
-                    <a:pt x="195464" y="0"/>
-                  </a:lnTo>
-                  <a:lnTo>
-                    <a:pt x="198471" y="0"/>
-                  </a:lnTo>
-                  <a:lnTo>
-                    <a:pt x="198471" y="0"/>
-                  </a:lnTo>
-                  <a:lnTo>
-                    <a:pt x="201479" y="0"/>
-                  </a:lnTo>
-                  <a:lnTo>
-                    <a:pt x="201479" y="0"/>
-                  </a:lnTo>
-                  <a:lnTo>
-                    <a:pt x="204486" y="0"/>
-                  </a:lnTo>
-                  <a:lnTo>
-                    <a:pt x="204486" y="0"/>
-                  </a:lnTo>
-                  <a:lnTo>
-                    <a:pt x="207493" y="0"/>
-                  </a:lnTo>
-                  <a:lnTo>
-                    <a:pt x="207493" y="0"/>
-                  </a:lnTo>
-                  <a:lnTo>
                     <a:pt x="210500" y="0"/>
                   </a:lnTo>
                   <a:lnTo>
                     <a:pt x="210500" y="0"/>
                   </a:lnTo>
                   <a:lnTo>
-                    <a:pt x="213507" y="0"/>
-                  </a:lnTo>
-                  <a:lnTo>
-                    <a:pt x="213507" y="0"/>
-                  </a:lnTo>
-                  <a:lnTo>
-                    <a:pt x="216514" y="0"/>
-                  </a:lnTo>
-                  <a:lnTo>
-                    <a:pt x="216514" y="0"/>
-                  </a:lnTo>
-                  <a:lnTo>
-                    <a:pt x="219522" y="0"/>
-                  </a:lnTo>
-                  <a:lnTo>
-                    <a:pt x="219522" y="0"/>
-                  </a:lnTo>
-                  <a:lnTo>
-                    <a:pt x="222529" y="0"/>
-                  </a:lnTo>
-                  <a:lnTo>
-                    <a:pt x="222529" y="0"/>
-                  </a:lnTo>
-                  <a:lnTo>
-                    <a:pt x="225536" y="0"/>
-                  </a:lnTo>
-                  <a:lnTo>
-                    <a:pt x="225536" y="0"/>
-                  </a:lnTo>
-                  <a:lnTo>
-                    <a:pt x="228543" y="0"/>
-                  </a:lnTo>
-                  <a:lnTo>
-                    <a:pt x="228543" y="0"/>
-                  </a:lnTo>
-                  <a:lnTo>
-                    <a:pt x="231550" y="0"/>
-                  </a:lnTo>
-                  <a:lnTo>
-                    <a:pt x="231550" y="0"/>
-                  </a:lnTo>
-                  <a:lnTo>
-                    <a:pt x="234557" y="0"/>
-                  </a:lnTo>
-                  <a:lnTo>
-                    <a:pt x="234557" y="0"/>
-                  </a:lnTo>
-                  <a:lnTo>
-                    <a:pt x="237564" y="0"/>
-                  </a:lnTo>
-                  <a:lnTo>
-                    <a:pt x="237564" y="0"/>
-                  </a:lnTo>
-                  <a:lnTo>
                     <a:pt x="240572" y="0"/>
                   </a:lnTo>
                   <a:lnTo>
                     <a:pt x="240572" y="0"/>
                   </a:lnTo>
                   <a:lnTo>
-                    <a:pt x="243579" y="0"/>
-                  </a:lnTo>
-                  <a:lnTo>
-                    <a:pt x="243579" y="0"/>
-                  </a:lnTo>
-                  <a:lnTo>
-                    <a:pt x="246586" y="0"/>
-                  </a:lnTo>
-                  <a:lnTo>
-                    <a:pt x="246586" y="0"/>
-                  </a:lnTo>
-                  <a:lnTo>
-                    <a:pt x="249593" y="0"/>
-                  </a:lnTo>
-                  <a:lnTo>
-                    <a:pt x="249593" y="0"/>
-                  </a:lnTo>
-                  <a:lnTo>
-                    <a:pt x="252600" y="0"/>
-                  </a:lnTo>
-                  <a:lnTo>
-                    <a:pt x="252600" y="0"/>
-                  </a:lnTo>
-                  <a:lnTo>
-                    <a:pt x="255607" y="0"/>
-                  </a:lnTo>
-                  <a:lnTo>
-                    <a:pt x="255607" y="0"/>
-                  </a:lnTo>
-                  <a:lnTo>
-                    <a:pt x="258615" y="0"/>
-                  </a:lnTo>
-                  <a:lnTo>
-                    <a:pt x="258615" y="0"/>
-                  </a:lnTo>
-                  <a:lnTo>
-                    <a:pt x="261622" y="0"/>
-                  </a:lnTo>
-                  <a:lnTo>
-                    <a:pt x="261622" y="0"/>
-                  </a:lnTo>
-                  <a:lnTo>
-                    <a:pt x="264629" y="0"/>
-                  </a:lnTo>
-                  <a:lnTo>
-                    <a:pt x="264629" y="0"/>
-                  </a:lnTo>
-                  <a:lnTo>
-                    <a:pt x="267636" y="0"/>
-                  </a:lnTo>
-                  <a:lnTo>
-                    <a:pt x="267636" y="0"/>
-                  </a:lnTo>
-                  <a:lnTo>
                     <a:pt x="270643" y="0"/>
                   </a:lnTo>
                   <a:lnTo>
                     <a:pt x="270643" y="0"/>
                   </a:lnTo>
                   <a:lnTo>
-                    <a:pt x="273650" y="0"/>
-                  </a:lnTo>
-                  <a:lnTo>
-                    <a:pt x="273650" y="0"/>
-                  </a:lnTo>
-                  <a:lnTo>
-                    <a:pt x="276657" y="0"/>
-                  </a:lnTo>
-                  <a:lnTo>
-                    <a:pt x="276657" y="0"/>
-                  </a:lnTo>
-                  <a:lnTo>
-                    <a:pt x="279665" y="0"/>
-                  </a:lnTo>
-                  <a:lnTo>
-                    <a:pt x="279665" y="0"/>
-                  </a:lnTo>
-                  <a:lnTo>
-                    <a:pt x="282672" y="0"/>
-                  </a:lnTo>
-                  <a:lnTo>
-                    <a:pt x="282672" y="0"/>
-                  </a:lnTo>
-                  <a:lnTo>
-                    <a:pt x="285679" y="0"/>
-                  </a:lnTo>
-                  <a:lnTo>
-                    <a:pt x="285679" y="0"/>
-                  </a:lnTo>
-                  <a:lnTo>
-                    <a:pt x="288686" y="0"/>
-                  </a:lnTo>
-                  <a:lnTo>
-                    <a:pt x="288686" y="0"/>
-                  </a:lnTo>
-                  <a:lnTo>
-                    <a:pt x="291693" y="0"/>
-                  </a:lnTo>
-                  <a:lnTo>
-                    <a:pt x="291693" y="0"/>
-                  </a:lnTo>
-                  <a:lnTo>
-                    <a:pt x="294700" y="0"/>
-                  </a:lnTo>
-                  <a:lnTo>
-                    <a:pt x="294700" y="0"/>
-                  </a:lnTo>
-                  <a:lnTo>
-                    <a:pt x="297707" y="0"/>
-                  </a:lnTo>
-                  <a:lnTo>
-                    <a:pt x="297707" y="0"/>
-                  </a:lnTo>
-                  <a:lnTo>
                     <a:pt x="300715" y="0"/>
                   </a:lnTo>
                   <a:lnTo>
                     <a:pt x="300715" y="0"/>
                   </a:lnTo>
                   <a:lnTo>
-                    <a:pt x="303722" y="0"/>
-                  </a:lnTo>
-                  <a:lnTo>
-                    <a:pt x="303722" y="1"/>
-                  </a:lnTo>
-                  <a:lnTo>
-                    <a:pt x="306729" y="1"/>
-                  </a:lnTo>
-                  <a:lnTo>
-                    <a:pt x="306729" y="1"/>
-                  </a:lnTo>
-                  <a:lnTo>
-                    <a:pt x="309736" y="1"/>
-                  </a:lnTo>
-                  <a:lnTo>
-                    <a:pt x="309736" y="1"/>
-                  </a:lnTo>
-                  <a:lnTo>
-                    <a:pt x="312743" y="1"/>
-                  </a:lnTo>
-                  <a:lnTo>
-                    <a:pt x="312743" y="1"/>
-                  </a:lnTo>
-                  <a:lnTo>
-                    <a:pt x="315750" y="1"/>
-                  </a:lnTo>
-                  <a:lnTo>
-                    <a:pt x="315750" y="1"/>
-                  </a:lnTo>
-                  <a:lnTo>
-                    <a:pt x="318758" y="1"/>
-                  </a:lnTo>
-                  <a:lnTo>
-                    <a:pt x="318758" y="1"/>
-                  </a:lnTo>
-                  <a:lnTo>
-                    <a:pt x="321765" y="1"/>
-                  </a:lnTo>
-                  <a:lnTo>
-                    <a:pt x="321765" y="1"/>
-                  </a:lnTo>
-                  <a:lnTo>
-                    <a:pt x="324772" y="1"/>
-                  </a:lnTo>
-                  <a:lnTo>
-                    <a:pt x="324772" y="1"/>
-                  </a:lnTo>
-                  <a:lnTo>
-                    <a:pt x="327779" y="1"/>
-                  </a:lnTo>
-                  <a:lnTo>
-                    <a:pt x="327779" y="1"/>
-                  </a:lnTo>
-                  <a:lnTo>
-                    <a:pt x="330786" y="1"/>
+                    <a:pt x="330786" y="0"/>
                   </a:lnTo>
                   <a:lnTo>
                     <a:pt x="330786" y="2"/>
                   </a:lnTo>
                   <a:lnTo>
-                    <a:pt x="333793" y="2"/>
-                  </a:lnTo>
-                  <a:lnTo>
-                    <a:pt x="333793" y="2"/>
-                  </a:lnTo>
-                  <a:lnTo>
-                    <a:pt x="336800" y="2"/>
-                  </a:lnTo>
-                  <a:lnTo>
-                    <a:pt x="336800" y="2"/>
-                  </a:lnTo>
-                  <a:lnTo>
-                    <a:pt x="339808" y="2"/>
-                  </a:lnTo>
-                  <a:lnTo>
-                    <a:pt x="339808" y="2"/>
-                  </a:lnTo>
-                  <a:lnTo>
-                    <a:pt x="342815" y="2"/>
-                  </a:lnTo>
-                  <a:lnTo>
-                    <a:pt x="342815" y="3"/>
-                  </a:lnTo>
-                  <a:lnTo>
-                    <a:pt x="345822" y="3"/>
-                  </a:lnTo>
-                  <a:lnTo>
-                    <a:pt x="345822" y="3"/>
-                  </a:lnTo>
-                  <a:lnTo>
-                    <a:pt x="348829" y="3"/>
-                  </a:lnTo>
-                  <a:lnTo>
-                    <a:pt x="348829" y="3"/>
-                  </a:lnTo>
-                  <a:lnTo>
-                    <a:pt x="351836" y="3"/>
-                  </a:lnTo>
-                  <a:lnTo>
-                    <a:pt x="351836" y="3"/>
-                  </a:lnTo>
-                  <a:lnTo>
-                    <a:pt x="354843" y="3"/>
-                  </a:lnTo>
-                  <a:lnTo>
-                    <a:pt x="354843" y="3"/>
-                  </a:lnTo>
-                  <a:lnTo>
-                    <a:pt x="357850" y="3"/>
-                  </a:lnTo>
-                  <a:lnTo>
-                    <a:pt x="357850" y="4"/>
+                    <a:pt x="360858" y="2"/>
                   </a:lnTo>
                   <a:lnTo>
                     <a:pt x="360858" y="4"/>
                   </a:lnTo>
                   <a:lnTo>
-                    <a:pt x="360858" y="4"/>
-                  </a:lnTo>
-                  <a:lnTo>
-                    <a:pt x="363865" y="4"/>
-                  </a:lnTo>
-                  <a:lnTo>
-                    <a:pt x="363865" y="4"/>
-                  </a:lnTo>
-                  <a:lnTo>
-                    <a:pt x="366872" y="4"/>
-                  </a:lnTo>
-                  <a:lnTo>
-                    <a:pt x="366872" y="5"/>
-                  </a:lnTo>
-                  <a:lnTo>
-                    <a:pt x="369879" y="5"/>
-                  </a:lnTo>
-                  <a:lnTo>
-                    <a:pt x="369879" y="5"/>
-                  </a:lnTo>
-                  <a:lnTo>
-                    <a:pt x="372886" y="5"/>
-                  </a:lnTo>
-                  <a:lnTo>
-                    <a:pt x="372886" y="6"/>
-                  </a:lnTo>
-                  <a:lnTo>
-                    <a:pt x="375893" y="6"/>
-                  </a:lnTo>
-                  <a:lnTo>
-                    <a:pt x="375893" y="6"/>
-                  </a:lnTo>
-                  <a:lnTo>
-                    <a:pt x="378901" y="6"/>
-                  </a:lnTo>
-                  <a:lnTo>
-                    <a:pt x="378901" y="7"/>
-                  </a:lnTo>
-                  <a:lnTo>
-                    <a:pt x="381908" y="7"/>
-                  </a:lnTo>
-                  <a:lnTo>
-                    <a:pt x="381908" y="7"/>
-                  </a:lnTo>
-                  <a:lnTo>
-                    <a:pt x="384915" y="7"/>
-                  </a:lnTo>
-                  <a:lnTo>
-                    <a:pt x="384915" y="8"/>
-                  </a:lnTo>
-                  <a:lnTo>
-                    <a:pt x="387922" y="8"/>
-                  </a:lnTo>
-                  <a:lnTo>
-                    <a:pt x="387922" y="8"/>
-                  </a:lnTo>
-                  <a:lnTo>
-                    <a:pt x="390929" y="8"/>
+                    <a:pt x="390929" y="4"/>
                   </a:lnTo>
                   <a:lnTo>
                     <a:pt x="390929" y="9"/>
                   </a:lnTo>
                   <a:lnTo>
-                    <a:pt x="393936" y="9"/>
-                  </a:lnTo>
-                  <a:lnTo>
-                    <a:pt x="393936" y="10"/>
-                  </a:lnTo>
-                  <a:lnTo>
-                    <a:pt x="396943" y="10"/>
-                  </a:lnTo>
-                  <a:lnTo>
-                    <a:pt x="396943" y="11"/>
-                  </a:lnTo>
-                  <a:lnTo>
-                    <a:pt x="399951" y="11"/>
-                  </a:lnTo>
-                  <a:lnTo>
-                    <a:pt x="399951" y="12"/>
-                  </a:lnTo>
-                  <a:lnTo>
-                    <a:pt x="402958" y="12"/>
-                  </a:lnTo>
-                  <a:lnTo>
-                    <a:pt x="402958" y="13"/>
-                  </a:lnTo>
-                  <a:lnTo>
-                    <a:pt x="405965" y="13"/>
-                  </a:lnTo>
-                  <a:lnTo>
-                    <a:pt x="405965" y="14"/>
-                  </a:lnTo>
-                  <a:lnTo>
-                    <a:pt x="408972" y="14"/>
-                  </a:lnTo>
-                  <a:lnTo>
-                    <a:pt x="408972" y="15"/>
-                  </a:lnTo>
-                  <a:lnTo>
-                    <a:pt x="411979" y="15"/>
-                  </a:lnTo>
-                  <a:lnTo>
-                    <a:pt x="411979" y="16"/>
-                  </a:lnTo>
-                  <a:lnTo>
-                    <a:pt x="414986" y="16"/>
-                  </a:lnTo>
-                  <a:lnTo>
-                    <a:pt x="414986" y="17"/>
-                  </a:lnTo>
-                  <a:lnTo>
-                    <a:pt x="417994" y="17"/>
-                  </a:lnTo>
-                  <a:lnTo>
-                    <a:pt x="417994" y="18"/>
-                  </a:lnTo>
-                  <a:lnTo>
-                    <a:pt x="421001" y="18"/>
+                    <a:pt x="421001" y="9"/>
                   </a:lnTo>
                   <a:lnTo>
                     <a:pt x="421001" y="19"/>
                   </a:lnTo>
                   <a:lnTo>
-                    <a:pt x="424008" y="19"/>
-                  </a:lnTo>
-                  <a:lnTo>
-                    <a:pt x="424008" y="22"/>
-                  </a:lnTo>
-                  <a:lnTo>
-                    <a:pt x="427015" y="22"/>
-                  </a:lnTo>
-                  <a:lnTo>
-                    <a:pt x="427015" y="24"/>
-                  </a:lnTo>
-                  <a:lnTo>
-                    <a:pt x="430022" y="24"/>
-                  </a:lnTo>
-                  <a:lnTo>
-                    <a:pt x="430022" y="26"/>
-                  </a:lnTo>
-                  <a:lnTo>
-                    <a:pt x="433029" y="26"/>
-                  </a:lnTo>
-                  <a:lnTo>
-                    <a:pt x="433029" y="28"/>
-                  </a:lnTo>
-                  <a:lnTo>
-                    <a:pt x="436036" y="28"/>
-                  </a:lnTo>
-                  <a:lnTo>
-                    <a:pt x="436036" y="30"/>
-                  </a:lnTo>
-                  <a:lnTo>
-                    <a:pt x="439044" y="30"/>
-                  </a:lnTo>
-                  <a:lnTo>
-                    <a:pt x="439044" y="33"/>
-                  </a:lnTo>
-                  <a:lnTo>
-                    <a:pt x="442051" y="33"/>
-                  </a:lnTo>
-                  <a:lnTo>
-                    <a:pt x="442051" y="35"/>
-                  </a:lnTo>
-                  <a:lnTo>
-                    <a:pt x="445058" y="35"/>
-                  </a:lnTo>
-                  <a:lnTo>
-                    <a:pt x="445058" y="37"/>
-                  </a:lnTo>
-                  <a:lnTo>
-                    <a:pt x="448065" y="37"/>
-                  </a:lnTo>
-                  <a:lnTo>
-                    <a:pt x="448065" y="39"/>
-                  </a:lnTo>
-                  <a:lnTo>
-                    <a:pt x="451072" y="39"/>
+                    <a:pt x="451072" y="19"/>
                   </a:lnTo>
                   <a:lnTo>
                     <a:pt x="451072" y="42"/>
                   </a:lnTo>
                   <a:lnTo>
-                    <a:pt x="454079" y="42"/>
-                  </a:lnTo>
-                  <a:lnTo>
-                    <a:pt x="454079" y="46"/>
-                  </a:lnTo>
-                  <a:lnTo>
-                    <a:pt x="457086" y="46"/>
-                  </a:lnTo>
-                  <a:lnTo>
-                    <a:pt x="457086" y="51"/>
-                  </a:lnTo>
-                  <a:lnTo>
-                    <a:pt x="460094" y="51"/>
-                  </a:lnTo>
-                  <a:lnTo>
-                    <a:pt x="460094" y="56"/>
-                  </a:lnTo>
-                  <a:lnTo>
-                    <a:pt x="463101" y="56"/>
-                  </a:lnTo>
-                  <a:lnTo>
-                    <a:pt x="463101" y="60"/>
-                  </a:lnTo>
-                  <a:lnTo>
-                    <a:pt x="466108" y="60"/>
-                  </a:lnTo>
-                  <a:lnTo>
-                    <a:pt x="466108" y="65"/>
-                  </a:lnTo>
-                  <a:lnTo>
-                    <a:pt x="469115" y="65"/>
-                  </a:lnTo>
-                  <a:lnTo>
-                    <a:pt x="469115" y="70"/>
-                  </a:lnTo>
-                  <a:lnTo>
-                    <a:pt x="472122" y="70"/>
-                  </a:lnTo>
-                  <a:lnTo>
-                    <a:pt x="472122" y="74"/>
-                  </a:lnTo>
-                  <a:lnTo>
-                    <a:pt x="475129" y="74"/>
-                  </a:lnTo>
-                  <a:lnTo>
-                    <a:pt x="475129" y="79"/>
-                  </a:lnTo>
-                  <a:lnTo>
-                    <a:pt x="478137" y="79"/>
-                  </a:lnTo>
-                  <a:lnTo>
-                    <a:pt x="478137" y="84"/>
-                  </a:lnTo>
-                  <a:lnTo>
-                    <a:pt x="481144" y="84"/>
+                    <a:pt x="481144" y="42"/>
                   </a:lnTo>
                   <a:lnTo>
                     <a:pt x="481144" y="88"/>
                   </a:lnTo>
                   <a:lnTo>
-                    <a:pt x="484151" y="88"/>
-                  </a:lnTo>
-                  <a:lnTo>
-                    <a:pt x="484151" y="98"/>
-                  </a:lnTo>
-                  <a:lnTo>
-                    <a:pt x="487158" y="98"/>
-                  </a:lnTo>
-                  <a:lnTo>
-                    <a:pt x="487158" y="108"/>
-                  </a:lnTo>
-                  <a:lnTo>
-                    <a:pt x="490165" y="108"/>
-                  </a:lnTo>
-                  <a:lnTo>
-                    <a:pt x="490165" y="118"/>
-                  </a:lnTo>
-                  <a:lnTo>
-                    <a:pt x="493172" y="118"/>
-                  </a:lnTo>
-                  <a:lnTo>
-                    <a:pt x="493172" y="128"/>
-                  </a:lnTo>
-                  <a:lnTo>
-                    <a:pt x="496179" y="128"/>
-                  </a:lnTo>
-                  <a:lnTo>
-                    <a:pt x="496179" y="138"/>
-                  </a:lnTo>
-                  <a:lnTo>
-                    <a:pt x="499187" y="138"/>
-                  </a:lnTo>
-                  <a:lnTo>
-                    <a:pt x="499187" y="147"/>
-                  </a:lnTo>
-                  <a:lnTo>
-                    <a:pt x="502194" y="147"/>
-                  </a:lnTo>
-                  <a:lnTo>
-                    <a:pt x="502194" y="157"/>
-                  </a:lnTo>
-                  <a:lnTo>
-                    <a:pt x="505201" y="157"/>
-                  </a:lnTo>
-                  <a:lnTo>
-                    <a:pt x="505201" y="167"/>
-                  </a:lnTo>
-                  <a:lnTo>
-                    <a:pt x="508208" y="167"/>
-                  </a:lnTo>
-                  <a:lnTo>
-                    <a:pt x="508208" y="177"/>
-                  </a:lnTo>
-                  <a:lnTo>
-                    <a:pt x="511215" y="177"/>
+                    <a:pt x="511215" y="88"/>
                   </a:lnTo>
                   <a:lnTo>
                     <a:pt x="511215" y="187"/>
                   </a:lnTo>
                   <a:lnTo>
-                    <a:pt x="514222" y="187"/>
-                  </a:lnTo>
-                  <a:lnTo>
-                    <a:pt x="514222" y="208"/>
-                  </a:lnTo>
-                  <a:lnTo>
-                    <a:pt x="517230" y="208"/>
-                  </a:lnTo>
-                  <a:lnTo>
-                    <a:pt x="517230" y="228"/>
-                  </a:lnTo>
-                  <a:lnTo>
-                    <a:pt x="520237" y="228"/>
-                  </a:lnTo>
-                  <a:lnTo>
-                    <a:pt x="520237" y="249"/>
-                  </a:lnTo>
-                  <a:lnTo>
-                    <a:pt x="523244" y="249"/>
-                  </a:lnTo>
-                  <a:lnTo>
-                    <a:pt x="523244" y="270"/>
-                  </a:lnTo>
-                  <a:lnTo>
-                    <a:pt x="526251" y="270"/>
-                  </a:lnTo>
-                  <a:lnTo>
-                    <a:pt x="526251" y="291"/>
-                  </a:lnTo>
-                  <a:lnTo>
-                    <a:pt x="529258" y="291"/>
-                  </a:lnTo>
-                  <a:lnTo>
-                    <a:pt x="529258" y="311"/>
-                  </a:lnTo>
-                  <a:lnTo>
-                    <a:pt x="532265" y="311"/>
-                  </a:lnTo>
-                  <a:lnTo>
-                    <a:pt x="532265" y="332"/>
-                  </a:lnTo>
-                  <a:lnTo>
-                    <a:pt x="535272" y="332"/>
-                  </a:lnTo>
-                  <a:lnTo>
-                    <a:pt x="535272" y="353"/>
-                  </a:lnTo>
-                  <a:lnTo>
-                    <a:pt x="538280" y="353"/>
-                  </a:lnTo>
-                  <a:lnTo>
-                    <a:pt x="538280" y="374"/>
-                  </a:lnTo>
-                  <a:lnTo>
-                    <a:pt x="541287" y="374"/>
+                    <a:pt x="541287" y="187"/>
                   </a:lnTo>
                   <a:lnTo>
                     <a:pt x="541287" y="394"/>
                   </a:lnTo>
                   <a:lnTo>
-                    <a:pt x="544294" y="394"/>
-                  </a:lnTo>
-                  <a:lnTo>
-                    <a:pt x="544294" y="438"/>
-                  </a:lnTo>
-                  <a:lnTo>
-                    <a:pt x="547301" y="438"/>
-                  </a:lnTo>
-                  <a:lnTo>
-                    <a:pt x="547301" y="481"/>
-                  </a:lnTo>
-                  <a:lnTo>
-                    <a:pt x="550308" y="481"/>
-                  </a:lnTo>
-                  <a:lnTo>
-                    <a:pt x="550308" y="525"/>
-                  </a:lnTo>
-                  <a:lnTo>
-                    <a:pt x="553315" y="525"/>
-                  </a:lnTo>
-                  <a:lnTo>
-                    <a:pt x="553315" y="568"/>
-                  </a:lnTo>
-                  <a:lnTo>
-                    <a:pt x="556322" y="568"/>
-                  </a:lnTo>
-                  <a:lnTo>
-                    <a:pt x="556322" y="612"/>
-                  </a:lnTo>
-                  <a:lnTo>
-                    <a:pt x="559330" y="612"/>
-                  </a:lnTo>
-                  <a:lnTo>
-                    <a:pt x="559330" y="655"/>
-                  </a:lnTo>
-                  <a:lnTo>
-                    <a:pt x="562337" y="655"/>
-                  </a:lnTo>
-                  <a:lnTo>
-                    <a:pt x="562337" y="699"/>
-                  </a:lnTo>
-                  <a:lnTo>
-                    <a:pt x="565344" y="699"/>
-                  </a:lnTo>
-                  <a:lnTo>
-                    <a:pt x="565344" y="742"/>
-                  </a:lnTo>
-                  <a:lnTo>
-                    <a:pt x="568351" y="742"/>
-                  </a:lnTo>
-                  <a:lnTo>
-                    <a:pt x="568351" y="786"/>
-                  </a:lnTo>
-                  <a:lnTo>
-                    <a:pt x="571358" y="786"/>
+                    <a:pt x="571358" y="394"/>
                   </a:lnTo>
                   <a:lnTo>
                     <a:pt x="571358" y="829"/>
                   </a:lnTo>
                   <a:lnTo>
-                    <a:pt x="574365" y="829"/>
-                  </a:lnTo>
-                  <a:lnTo>
-                    <a:pt x="574365" y="920"/>
-                  </a:lnTo>
-                  <a:lnTo>
-                    <a:pt x="577373" y="920"/>
-                  </a:lnTo>
-                  <a:lnTo>
-                    <a:pt x="577373" y="1010"/>
-                  </a:lnTo>
-                  <a:lnTo>
-                    <a:pt x="580380" y="1010"/>
-                  </a:lnTo>
-                  <a:lnTo>
-                    <a:pt x="580380" y="1100"/>
-                  </a:lnTo>
-                  <a:lnTo>
-                    <a:pt x="583387" y="1100"/>
-                  </a:lnTo>
-                  <a:lnTo>
-                    <a:pt x="583387" y="1190"/>
-                  </a:lnTo>
-                  <a:lnTo>
-                    <a:pt x="586394" y="1190"/>
-                  </a:lnTo>
-                  <a:lnTo>
-                    <a:pt x="586394" y="1280"/>
-                  </a:lnTo>
-                  <a:lnTo>
-                    <a:pt x="589401" y="1280"/>
-                  </a:lnTo>
-                  <a:lnTo>
-                    <a:pt x="589401" y="1370"/>
-                  </a:lnTo>
-                  <a:lnTo>
-                    <a:pt x="592408" y="1370"/>
-                  </a:lnTo>
-                  <a:lnTo>
-                    <a:pt x="592408" y="1460"/>
-                  </a:lnTo>
-                  <a:lnTo>
-                    <a:pt x="595415" y="1460"/>
-                  </a:lnTo>
-                  <a:lnTo>
-                    <a:pt x="595415" y="1550"/>
-                  </a:lnTo>
-                  <a:lnTo>
-                    <a:pt x="598423" y="1550"/>
-                  </a:lnTo>
-                  <a:lnTo>
-                    <a:pt x="598423" y="1641"/>
-                  </a:lnTo>
-                  <a:lnTo>
-                    <a:pt x="601430" y="1641"/>
+                    <a:pt x="601430" y="829"/>
                   </a:lnTo>
                   <a:lnTo>
                     <a:pt x="601430" y="1731"/>
                   </a:lnTo>
                   <a:lnTo>
-                    <a:pt x="604437" y="1731"/>
-                  </a:lnTo>
-                  <a:lnTo>
-                    <a:pt x="604437" y="1916"/>
-                  </a:lnTo>
-                  <a:lnTo>
-                    <a:pt x="607444" y="1916"/>
-                  </a:lnTo>
-                  <a:lnTo>
-                    <a:pt x="607444" y="2100"/>
-                  </a:lnTo>
-                  <a:lnTo>
-                    <a:pt x="610451" y="2100"/>
-                  </a:lnTo>
-                  <a:lnTo>
-                    <a:pt x="610451" y="2285"/>
-                  </a:lnTo>
-                  <a:lnTo>
-                    <a:pt x="613458" y="2285"/>
-                  </a:lnTo>
-                  <a:lnTo>
-                    <a:pt x="613458" y="2470"/>
-                  </a:lnTo>
-                  <a:lnTo>
-                    <a:pt x="616465" y="2470"/>
-                  </a:lnTo>
-                  <a:lnTo>
-                    <a:pt x="616465" y="2655"/>
-                  </a:lnTo>
-                  <a:lnTo>
-                    <a:pt x="619473" y="2655"/>
-                  </a:lnTo>
-                  <a:lnTo>
-                    <a:pt x="619473" y="2840"/>
-                  </a:lnTo>
-                  <a:lnTo>
-                    <a:pt x="622480" y="2840"/>
-                  </a:lnTo>
-                  <a:lnTo>
-                    <a:pt x="622480" y="3025"/>
-                  </a:lnTo>
-                  <a:lnTo>
-                    <a:pt x="625487" y="3025"/>
-                  </a:lnTo>
-                  <a:lnTo>
-                    <a:pt x="625487" y="3210"/>
-                  </a:lnTo>
-                  <a:lnTo>
-                    <a:pt x="628494" y="3210"/>
-                  </a:lnTo>
-                  <a:lnTo>
-                    <a:pt x="628494" y="3395"/>
-                  </a:lnTo>
-                  <a:lnTo>
-                    <a:pt x="631501" y="3395"/>
+                    <a:pt x="631501" y="1731"/>
                   </a:lnTo>
                   <a:lnTo>
                     <a:pt x="631501" y="3579"/>
                   </a:lnTo>
                   <a:lnTo>
-                    <a:pt x="634508" y="3579"/>
-                  </a:lnTo>
-                  <a:lnTo>
-                    <a:pt x="634508" y="3936"/>
-                  </a:lnTo>
-                  <a:lnTo>
-                    <a:pt x="637516" y="3936"/>
-                  </a:lnTo>
-                  <a:lnTo>
-                    <a:pt x="637516" y="4292"/>
-                  </a:lnTo>
-                  <a:lnTo>
-                    <a:pt x="640523" y="4292"/>
-                  </a:lnTo>
-                  <a:lnTo>
-                    <a:pt x="640523" y="4649"/>
-                  </a:lnTo>
-                  <a:lnTo>
-                    <a:pt x="643530" y="4649"/>
-                  </a:lnTo>
-                  <a:lnTo>
-                    <a:pt x="643530" y="5005"/>
-                  </a:lnTo>
-                  <a:lnTo>
-                    <a:pt x="646537" y="5005"/>
-                  </a:lnTo>
-                  <a:lnTo>
-                    <a:pt x="646537" y="5362"/>
-                  </a:lnTo>
-                  <a:lnTo>
-                    <a:pt x="649544" y="5362"/>
-                  </a:lnTo>
-                  <a:lnTo>
-                    <a:pt x="649544" y="5718"/>
-                  </a:lnTo>
-                  <a:lnTo>
-                    <a:pt x="652551" y="5718"/>
-                  </a:lnTo>
-                  <a:lnTo>
-                    <a:pt x="652551" y="6074"/>
-                  </a:lnTo>
-                  <a:lnTo>
-                    <a:pt x="655558" y="6074"/>
-                  </a:lnTo>
-                  <a:lnTo>
-                    <a:pt x="655558" y="6430"/>
-                  </a:lnTo>
-                  <a:lnTo>
-                    <a:pt x="658566" y="6430"/>
-                  </a:lnTo>
-                  <a:lnTo>
-                    <a:pt x="658566" y="6787"/>
-                  </a:lnTo>
-                  <a:lnTo>
-                    <a:pt x="661573" y="6787"/>
+                    <a:pt x="661573" y="3579"/>
                   </a:lnTo>
                   <a:lnTo>
                     <a:pt x="661573" y="7143"/>
                   </a:lnTo>
                   <a:lnTo>
-                    <a:pt x="664580" y="7143"/>
-                  </a:lnTo>
-                  <a:lnTo>
-                    <a:pt x="664580" y="7817"/>
-                  </a:lnTo>
-                  <a:lnTo>
-                    <a:pt x="667587" y="7817"/>
-                  </a:lnTo>
-                  <a:lnTo>
-                    <a:pt x="667587" y="8491"/>
-                  </a:lnTo>
-                  <a:lnTo>
-                    <a:pt x="670594" y="8491"/>
-                  </a:lnTo>
-                  <a:lnTo>
-                    <a:pt x="670594" y="9165"/>
-                  </a:lnTo>
-                  <a:lnTo>
-                    <a:pt x="673601" y="9165"/>
-                  </a:lnTo>
-                  <a:lnTo>
-                    <a:pt x="673601" y="9838"/>
-                  </a:lnTo>
-                  <a:lnTo>
-                    <a:pt x="676609" y="9838"/>
-                  </a:lnTo>
-                  <a:lnTo>
-                    <a:pt x="676609" y="10512"/>
-                  </a:lnTo>
-                  <a:lnTo>
-                    <a:pt x="679616" y="10512"/>
-                  </a:lnTo>
-                  <a:lnTo>
-                    <a:pt x="679616" y="11185"/>
-                  </a:lnTo>
-                  <a:lnTo>
-                    <a:pt x="682623" y="11185"/>
-                  </a:lnTo>
-                  <a:lnTo>
-                    <a:pt x="682623" y="11858"/>
-                  </a:lnTo>
-                  <a:lnTo>
-                    <a:pt x="685630" y="11858"/>
-                  </a:lnTo>
-                  <a:lnTo>
-                    <a:pt x="685630" y="12531"/>
-                  </a:lnTo>
-                  <a:lnTo>
-                    <a:pt x="688637" y="12531"/>
-                  </a:lnTo>
-                  <a:lnTo>
-                    <a:pt x="688637" y="13204"/>
-                  </a:lnTo>
-                  <a:lnTo>
-                    <a:pt x="691644" y="13204"/>
+                    <a:pt x="691644" y="7143"/>
                   </a:lnTo>
                   <a:lnTo>
                     <a:pt x="691644" y="13877"/>
                   </a:lnTo>
                   <a:lnTo>
-                    <a:pt x="694651" y="13877"/>
-                  </a:lnTo>
-                  <a:lnTo>
-                    <a:pt x="694651" y="15033"/>
-                  </a:lnTo>
-                  <a:lnTo>
-                    <a:pt x="697659" y="15033"/>
-                  </a:lnTo>
-                  <a:lnTo>
-                    <a:pt x="697659" y="16189"/>
-                  </a:lnTo>
-                  <a:lnTo>
-                    <a:pt x="700666" y="16189"/>
-                  </a:lnTo>
-                  <a:lnTo>
-                    <a:pt x="700666" y="17345"/>
-                  </a:lnTo>
-                  <a:lnTo>
-                    <a:pt x="703673" y="17345"/>
-                  </a:lnTo>
-                  <a:lnTo>
-                    <a:pt x="703673" y="18500"/>
-                  </a:lnTo>
-                  <a:lnTo>
-                    <a:pt x="706680" y="18500"/>
-                  </a:lnTo>
-                  <a:lnTo>
-                    <a:pt x="706680" y="19654"/>
-                  </a:lnTo>
-                  <a:lnTo>
-                    <a:pt x="709687" y="19654"/>
-                  </a:lnTo>
-                  <a:lnTo>
-                    <a:pt x="709687" y="20808"/>
-                  </a:lnTo>
-                  <a:lnTo>
-                    <a:pt x="712694" y="20808"/>
-                  </a:lnTo>
-                  <a:lnTo>
-                    <a:pt x="712694" y="21962"/>
-                  </a:lnTo>
-                  <a:lnTo>
-                    <a:pt x="715701" y="21962"/>
-                  </a:lnTo>
-                  <a:lnTo>
-                    <a:pt x="715701" y="23115"/>
-                  </a:lnTo>
-                  <a:lnTo>
-                    <a:pt x="718709" y="23115"/>
-                  </a:lnTo>
-                  <a:lnTo>
-                    <a:pt x="718709" y="24267"/>
-                  </a:lnTo>
-                  <a:lnTo>
-                    <a:pt x="721716" y="24267"/>
+                    <a:pt x="721716" y="13877"/>
                   </a:lnTo>
                   <a:lnTo>
                     <a:pt x="721716" y="25419"/>
                   </a:lnTo>
                   <a:lnTo>
-                    <a:pt x="724723" y="25419"/>
-                  </a:lnTo>
-                  <a:lnTo>
-                    <a:pt x="724723" y="27186"/>
-                  </a:lnTo>
-                  <a:lnTo>
-                    <a:pt x="727730" y="27186"/>
-                  </a:lnTo>
-                  <a:lnTo>
-                    <a:pt x="727730" y="28952"/>
-                  </a:lnTo>
-                  <a:lnTo>
-                    <a:pt x="730737" y="28952"/>
-                  </a:lnTo>
-                  <a:lnTo>
-                    <a:pt x="730737" y="30717"/>
-                  </a:lnTo>
-                  <a:lnTo>
-                    <a:pt x="733744" y="30717"/>
-                  </a:lnTo>
-                  <a:lnTo>
-                    <a:pt x="733744" y="32481"/>
-                  </a:lnTo>
-                  <a:lnTo>
-                    <a:pt x="736752" y="32481"/>
-                  </a:lnTo>
-                  <a:lnTo>
-                    <a:pt x="736752" y="34243"/>
-                  </a:lnTo>
-                  <a:lnTo>
-                    <a:pt x="739759" y="34243"/>
-                  </a:lnTo>
-                  <a:lnTo>
-                    <a:pt x="739759" y="36004"/>
-                  </a:lnTo>
-                  <a:lnTo>
-                    <a:pt x="742766" y="36004"/>
-                  </a:lnTo>
-                  <a:lnTo>
-                    <a:pt x="742766" y="37764"/>
-                  </a:lnTo>
-                  <a:lnTo>
-                    <a:pt x="745773" y="37764"/>
-                  </a:lnTo>
-                  <a:lnTo>
-                    <a:pt x="745773" y="39523"/>
-                  </a:lnTo>
-                  <a:lnTo>
-                    <a:pt x="748780" y="39523"/>
-                  </a:lnTo>
-                  <a:lnTo>
-                    <a:pt x="748780" y="41281"/>
-                  </a:lnTo>
-                  <a:lnTo>
-                    <a:pt x="751787" y="41281"/>
+                    <a:pt x="751787" y="25419"/>
                   </a:lnTo>
                   <a:lnTo>
                     <a:pt x="751787" y="43038"/>
                   </a:lnTo>
                   <a:lnTo>
-                    <a:pt x="754794" y="43038"/>
-                  </a:lnTo>
-                  <a:lnTo>
-                    <a:pt x="754794" y="45008"/>
-                  </a:lnTo>
-                  <a:lnTo>
-                    <a:pt x="757802" y="45008"/>
-                  </a:lnTo>
-                  <a:lnTo>
-                    <a:pt x="757802" y="46976"/>
-                  </a:lnTo>
-                  <a:lnTo>
-                    <a:pt x="760809" y="46976"/>
-                  </a:lnTo>
-                  <a:lnTo>
-                    <a:pt x="760809" y="48944"/>
-                  </a:lnTo>
-                  <a:lnTo>
-                    <a:pt x="763816" y="48944"/>
-                  </a:lnTo>
-                  <a:lnTo>
-                    <a:pt x="763816" y="50909"/>
-                  </a:lnTo>
-                  <a:lnTo>
-                    <a:pt x="766823" y="50909"/>
-                  </a:lnTo>
-                  <a:lnTo>
-                    <a:pt x="766823" y="52873"/>
-                  </a:lnTo>
-                  <a:lnTo>
-                    <a:pt x="769830" y="52873"/>
-                  </a:lnTo>
-                  <a:lnTo>
-                    <a:pt x="769830" y="54836"/>
-                  </a:lnTo>
-                  <a:lnTo>
-                    <a:pt x="772837" y="54836"/>
-                  </a:lnTo>
-                  <a:lnTo>
-                    <a:pt x="772837" y="56797"/>
-                  </a:lnTo>
-                  <a:lnTo>
-                    <a:pt x="775845" y="56797"/>
-                  </a:lnTo>
-                  <a:lnTo>
-                    <a:pt x="775845" y="58757"/>
-                  </a:lnTo>
-                  <a:lnTo>
-                    <a:pt x="778852" y="58757"/>
-                  </a:lnTo>
-                  <a:lnTo>
-                    <a:pt x="778852" y="60716"/>
-                  </a:lnTo>
-                  <a:lnTo>
-                    <a:pt x="781859" y="60716"/>
+                    <a:pt x="781859" y="43038"/>
                   </a:lnTo>
                   <a:lnTo>
                     <a:pt x="781859" y="62673"/>
                   </a:lnTo>
                   <a:lnTo>
-                    <a:pt x="784866" y="62673"/>
-                  </a:lnTo>
-                  <a:lnTo>
-                    <a:pt x="784866" y="64802"/>
-                  </a:lnTo>
-                  <a:lnTo>
-                    <a:pt x="787873" y="64802"/>
-                  </a:lnTo>
-                  <a:lnTo>
-                    <a:pt x="787873" y="66930"/>
-                  </a:lnTo>
-                  <a:lnTo>
-                    <a:pt x="790880" y="66930"/>
-                  </a:lnTo>
-                  <a:lnTo>
-                    <a:pt x="790880" y="69056"/>
-                  </a:lnTo>
-                  <a:lnTo>
-                    <a:pt x="793887" y="69056"/>
-                  </a:lnTo>
-                  <a:lnTo>
-                    <a:pt x="793887" y="71180"/>
-                  </a:lnTo>
-                  <a:lnTo>
-                    <a:pt x="796895" y="71180"/>
-                  </a:lnTo>
-                  <a:lnTo>
-                    <a:pt x="796895" y="73303"/>
-                  </a:lnTo>
-                  <a:lnTo>
-                    <a:pt x="799902" y="73303"/>
-                  </a:lnTo>
-                  <a:lnTo>
-                    <a:pt x="799902" y="75424"/>
-                  </a:lnTo>
-                  <a:lnTo>
-                    <a:pt x="802909" y="75424"/>
-                  </a:lnTo>
-                  <a:lnTo>
-                    <a:pt x="802909" y="77543"/>
-                  </a:lnTo>
-                  <a:lnTo>
-                    <a:pt x="805916" y="77543"/>
-                  </a:lnTo>
-                  <a:lnTo>
-                    <a:pt x="805916" y="79661"/>
-                  </a:lnTo>
-                  <a:lnTo>
-                    <a:pt x="808923" y="79661"/>
-                  </a:lnTo>
-                  <a:lnTo>
-                    <a:pt x="808923" y="81777"/>
-                  </a:lnTo>
-                  <a:lnTo>
-                    <a:pt x="811930" y="81777"/>
+                    <a:pt x="811930" y="62673"/>
                   </a:lnTo>
                   <a:lnTo>
                     <a:pt x="811930" y="83891"/>
                   </a:lnTo>
                   <a:lnTo>
-                    <a:pt x="814937" y="83891"/>
-                  </a:lnTo>
-                  <a:lnTo>
-                    <a:pt x="814937" y="86123"/>
-                  </a:lnTo>
-                  <a:lnTo>
-                    <a:pt x="817945" y="86123"/>
-                  </a:lnTo>
-                  <a:lnTo>
-                    <a:pt x="817945" y="88354"/>
-                  </a:lnTo>
-                  <a:lnTo>
-                    <a:pt x="820952" y="88354"/>
-                  </a:lnTo>
-                  <a:lnTo>
-                    <a:pt x="820952" y="90582"/>
-                  </a:lnTo>
-                  <a:lnTo>
-                    <a:pt x="823959" y="90582"/>
-                  </a:lnTo>
-                  <a:lnTo>
-                    <a:pt x="823959" y="92809"/>
-                  </a:lnTo>
-                  <a:lnTo>
-                    <a:pt x="826966" y="92809"/>
-                  </a:lnTo>
-                  <a:lnTo>
-                    <a:pt x="826966" y="95034"/>
-                  </a:lnTo>
-                  <a:lnTo>
-                    <a:pt x="829973" y="95034"/>
-                  </a:lnTo>
-                  <a:lnTo>
-                    <a:pt x="829973" y="97257"/>
-                  </a:lnTo>
-                  <a:lnTo>
-                    <a:pt x="832980" y="97257"/>
-                  </a:lnTo>
-                  <a:lnTo>
-                    <a:pt x="832980" y="99478"/>
-                  </a:lnTo>
-                  <a:lnTo>
-                    <a:pt x="835988" y="99478"/>
-                  </a:lnTo>
-                  <a:lnTo>
-                    <a:pt x="835988" y="101697"/>
-                  </a:lnTo>
-                  <a:lnTo>
-                    <a:pt x="838995" y="101697"/>
-                  </a:lnTo>
-                  <a:lnTo>
-                    <a:pt x="838995" y="103914"/>
-                  </a:lnTo>
-                  <a:lnTo>
-                    <a:pt x="842002" y="103914"/>
+                    <a:pt x="842002" y="83891"/>
                   </a:lnTo>
                   <a:lnTo>
                     <a:pt x="842002" y="106130"/>
                   </a:lnTo>
                   <a:lnTo>
-                    <a:pt x="845009" y="106130"/>
-                  </a:lnTo>
-                  <a:lnTo>
-                    <a:pt x="845009" y="108947"/>
-                  </a:lnTo>
-                  <a:lnTo>
-                    <a:pt x="848016" y="108947"/>
-                  </a:lnTo>
-                  <a:lnTo>
-                    <a:pt x="848016" y="111762"/>
-                  </a:lnTo>
-                  <a:lnTo>
-                    <a:pt x="851023" y="111762"/>
-                  </a:lnTo>
-                  <a:lnTo>
-                    <a:pt x="851023" y="114573"/>
-                  </a:lnTo>
-                  <a:lnTo>
-                    <a:pt x="854030" y="114573"/>
-                  </a:lnTo>
-                  <a:lnTo>
-                    <a:pt x="854030" y="117381"/>
-                  </a:lnTo>
-                  <a:lnTo>
-                    <a:pt x="857038" y="117381"/>
-                  </a:lnTo>
-                  <a:lnTo>
-                    <a:pt x="857038" y="120187"/>
-                  </a:lnTo>
-                  <a:lnTo>
-                    <a:pt x="860045" y="120187"/>
-                  </a:lnTo>
-                  <a:lnTo>
-                    <a:pt x="860045" y="122989"/>
-                  </a:lnTo>
-                  <a:lnTo>
-                    <a:pt x="863052" y="122989"/>
-                  </a:lnTo>
-                  <a:lnTo>
-                    <a:pt x="863052" y="125788"/>
-                  </a:lnTo>
-                  <a:lnTo>
-                    <a:pt x="866059" y="125788"/>
-                  </a:lnTo>
-                  <a:lnTo>
-                    <a:pt x="866059" y="128584"/>
-                  </a:lnTo>
-                  <a:lnTo>
-                    <a:pt x="869066" y="128584"/>
-                  </a:lnTo>
-                  <a:lnTo>
-                    <a:pt x="869066" y="131377"/>
-                  </a:lnTo>
-                  <a:lnTo>
-                    <a:pt x="872073" y="131377"/>
+                    <a:pt x="872073" y="106130"/>
                   </a:lnTo>
                   <a:lnTo>
                     <a:pt x="872073" y="134167"/>
                   </a:lnTo>
                   <a:lnTo>
-                    <a:pt x="875080" y="134167"/>
-                  </a:lnTo>
-                  <a:lnTo>
-                    <a:pt x="875080" y="137963"/>
-                  </a:lnTo>
-                  <a:lnTo>
-                    <a:pt x="878088" y="137963"/>
-                  </a:lnTo>
-                  <a:lnTo>
-                    <a:pt x="878088" y="141753"/>
-                  </a:lnTo>
-                  <a:lnTo>
-                    <a:pt x="881095" y="141753"/>
-                  </a:lnTo>
-                  <a:lnTo>
-                    <a:pt x="881095" y="145538"/>
-                  </a:lnTo>
-                  <a:lnTo>
-                    <a:pt x="884102" y="145538"/>
-                  </a:lnTo>
-                  <a:lnTo>
-                    <a:pt x="884102" y="149316"/>
-                  </a:lnTo>
-                  <a:lnTo>
-                    <a:pt x="887109" y="149316"/>
-                  </a:lnTo>
-                  <a:lnTo>
-                    <a:pt x="887109" y="153090"/>
-                  </a:lnTo>
-                  <a:lnTo>
-                    <a:pt x="890116" y="153090"/>
-                  </a:lnTo>
-                  <a:lnTo>
-                    <a:pt x="890116" y="156857"/>
-                  </a:lnTo>
-                  <a:lnTo>
-                    <a:pt x="893123" y="156857"/>
-                  </a:lnTo>
-                  <a:lnTo>
-                    <a:pt x="893123" y="160620"/>
-                  </a:lnTo>
-                  <a:lnTo>
-                    <a:pt x="896131" y="160620"/>
-                  </a:lnTo>
-                  <a:lnTo>
-                    <a:pt x="896131" y="164376"/>
-                  </a:lnTo>
-                  <a:lnTo>
-                    <a:pt x="899138" y="164376"/>
-                  </a:lnTo>
-                  <a:lnTo>
-                    <a:pt x="899138" y="168127"/>
-                  </a:lnTo>
-                  <a:lnTo>
-                    <a:pt x="902145" y="168127"/>
+                    <a:pt x="902145" y="134167"/>
                   </a:lnTo>
                   <a:lnTo>
                     <a:pt x="902145" y="171873"/>
                   </a:lnTo>
                   <a:lnTo>
-                    <a:pt x="905152" y="171873"/>
-                  </a:lnTo>
-                  <a:lnTo>
-                    <a:pt x="905152" y="176719"/>
-                  </a:lnTo>
-                  <a:lnTo>
-                    <a:pt x="908159" y="176719"/>
-                  </a:lnTo>
-                  <a:lnTo>
-                    <a:pt x="908159" y="181555"/>
-                  </a:lnTo>
-                  <a:lnTo>
-                    <a:pt x="911166" y="181555"/>
-                  </a:lnTo>
-                  <a:lnTo>
-                    <a:pt x="911166" y="186383"/>
-                  </a:lnTo>
-                  <a:lnTo>
-                    <a:pt x="914173" y="186383"/>
-                  </a:lnTo>
-                  <a:lnTo>
-                    <a:pt x="914173" y="191201"/>
-                  </a:lnTo>
-                  <a:lnTo>
-                    <a:pt x="917181" y="191201"/>
-                  </a:lnTo>
-                  <a:lnTo>
-                    <a:pt x="917181" y="196010"/>
-                  </a:lnTo>
-                  <a:lnTo>
-                    <a:pt x="920188" y="196010"/>
-                  </a:lnTo>
-                  <a:lnTo>
-                    <a:pt x="920188" y="200809"/>
-                  </a:lnTo>
-                  <a:lnTo>
-                    <a:pt x="923195" y="200809"/>
-                  </a:lnTo>
-                  <a:lnTo>
-                    <a:pt x="923195" y="205600"/>
-                  </a:lnTo>
-                  <a:lnTo>
-                    <a:pt x="926202" y="205600"/>
-                  </a:lnTo>
-                  <a:lnTo>
-                    <a:pt x="926202" y="210381"/>
-                  </a:lnTo>
-                  <a:lnTo>
-                    <a:pt x="929209" y="210381"/>
-                  </a:lnTo>
-                  <a:lnTo>
-                    <a:pt x="929209" y="215153"/>
-                  </a:lnTo>
-                  <a:lnTo>
-                    <a:pt x="932216" y="215153"/>
+                    <a:pt x="932216" y="171873"/>
                   </a:lnTo>
                   <a:lnTo>
                     <a:pt x="932216" y="219916"/>
                   </a:lnTo>
                   <a:lnTo>
-                    <a:pt x="935224" y="219916"/>
-                  </a:lnTo>
-                  <a:lnTo>
-                    <a:pt x="935224" y="225935"/>
-                  </a:lnTo>
-                  <a:lnTo>
-                    <a:pt x="938231" y="225935"/>
-                  </a:lnTo>
-                  <a:lnTo>
-                    <a:pt x="938231" y="231939"/>
-                  </a:lnTo>
-                  <a:lnTo>
-                    <a:pt x="941238" y="231939"/>
-                  </a:lnTo>
-                  <a:lnTo>
-                    <a:pt x="941238" y="237929"/>
-                  </a:lnTo>
-                  <a:lnTo>
-                    <a:pt x="944245" y="237929"/>
-                  </a:lnTo>
-                  <a:lnTo>
-                    <a:pt x="944245" y="243904"/>
-                  </a:lnTo>
-                  <a:lnTo>
-                    <a:pt x="947252" y="243904"/>
-                  </a:lnTo>
-                  <a:lnTo>
-                    <a:pt x="947252" y="249865"/>
-                  </a:lnTo>
-                  <a:lnTo>
-                    <a:pt x="950259" y="249865"/>
-                  </a:lnTo>
-                  <a:lnTo>
-                    <a:pt x="950259" y="255811"/>
-                  </a:lnTo>
-                  <a:lnTo>
-                    <a:pt x="953266" y="255811"/>
-                  </a:lnTo>
-                  <a:lnTo>
-                    <a:pt x="953266" y="261742"/>
-                  </a:lnTo>
-                  <a:lnTo>
-                    <a:pt x="956274" y="261742"/>
-                  </a:lnTo>
-                  <a:lnTo>
-                    <a:pt x="956274" y="267660"/>
-                  </a:lnTo>
-                  <a:lnTo>
-                    <a:pt x="959281" y="267660"/>
-                  </a:lnTo>
-                  <a:lnTo>
-                    <a:pt x="959281" y="273563"/>
-                  </a:lnTo>
-                  <a:lnTo>
-                    <a:pt x="962288" y="273563"/>
+                    <a:pt x="962288" y="219916"/>
                   </a:lnTo>
                   <a:lnTo>
                     <a:pt x="962288" y="279451"/>
                   </a:lnTo>
                   <a:lnTo>
-                    <a:pt x="965295" y="279451"/>
-                  </a:lnTo>
-                  <a:lnTo>
-                    <a:pt x="965295" y="286279"/>
-                  </a:lnTo>
-                  <a:lnTo>
-                    <a:pt x="968302" y="286279"/>
-                  </a:lnTo>
-                  <a:lnTo>
-                    <a:pt x="968302" y="293088"/>
-                  </a:lnTo>
-                  <a:lnTo>
-                    <a:pt x="971309" y="293088"/>
-                  </a:lnTo>
-                  <a:lnTo>
-                    <a:pt x="971309" y="299878"/>
-                  </a:lnTo>
-                  <a:lnTo>
-                    <a:pt x="974316" y="299878"/>
-                  </a:lnTo>
-                  <a:lnTo>
-                    <a:pt x="974316" y="306648"/>
-                  </a:lnTo>
-                  <a:lnTo>
-                    <a:pt x="977324" y="306648"/>
-                  </a:lnTo>
-                  <a:lnTo>
-                    <a:pt x="977324" y="313400"/>
-                  </a:lnTo>
-                  <a:lnTo>
-                    <a:pt x="980331" y="313400"/>
-                  </a:lnTo>
-                  <a:lnTo>
-                    <a:pt x="980331" y="320132"/>
-                  </a:lnTo>
-                  <a:lnTo>
-                    <a:pt x="983338" y="320132"/>
-                  </a:lnTo>
-                  <a:lnTo>
-                    <a:pt x="983338" y="326845"/>
-                  </a:lnTo>
-                  <a:lnTo>
-                    <a:pt x="986345" y="326845"/>
-                  </a:lnTo>
-                  <a:lnTo>
-                    <a:pt x="986345" y="333540"/>
-                  </a:lnTo>
-                  <a:lnTo>
-                    <a:pt x="989352" y="333540"/>
-                  </a:lnTo>
-                  <a:lnTo>
-                    <a:pt x="989352" y="340215"/>
-                  </a:lnTo>
-                  <a:lnTo>
-                    <a:pt x="992359" y="340215"/>
+                    <a:pt x="992359" y="279451"/>
                   </a:lnTo>
                   <a:lnTo>
                     <a:pt x="992359" y="346872"/>
                   </a:lnTo>
                   <a:lnTo>
-                    <a:pt x="995367" y="346872"/>
-                  </a:lnTo>
-                  <a:lnTo>
-                    <a:pt x="995367" y="354335"/>
-                  </a:lnTo>
-                  <a:lnTo>
-                    <a:pt x="998374" y="354335"/>
-                  </a:lnTo>
-                  <a:lnTo>
-                    <a:pt x="998374" y="361775"/>
-                  </a:lnTo>
-                  <a:lnTo>
-                    <a:pt x="1001381" y="361775"/>
-                  </a:lnTo>
-                  <a:lnTo>
-                    <a:pt x="1001381" y="369191"/>
-                  </a:lnTo>
-                  <a:lnTo>
-                    <a:pt x="1004388" y="369191"/>
-                  </a:lnTo>
-                  <a:lnTo>
-                    <a:pt x="1004388" y="376583"/>
-                  </a:lnTo>
-                  <a:lnTo>
-                    <a:pt x="1007395" y="376583"/>
-                  </a:lnTo>
-                  <a:lnTo>
-                    <a:pt x="1007395" y="383952"/>
-                  </a:lnTo>
-                  <a:lnTo>
-                    <a:pt x="1010402" y="383952"/>
-                  </a:lnTo>
-                  <a:lnTo>
-                    <a:pt x="1010402" y="391298"/>
-                  </a:lnTo>
-                  <a:lnTo>
-                    <a:pt x="1013409" y="391298"/>
-                  </a:lnTo>
-                  <a:lnTo>
-                    <a:pt x="1013409" y="398620"/>
-                  </a:lnTo>
-                  <a:lnTo>
-                    <a:pt x="1016417" y="398620"/>
-                  </a:lnTo>
-                  <a:lnTo>
-                    <a:pt x="1016417" y="405919"/>
-                  </a:lnTo>
-                  <a:lnTo>
-                    <a:pt x="1019424" y="405919"/>
-                  </a:lnTo>
-                  <a:lnTo>
-                    <a:pt x="1019424" y="413195"/>
-                  </a:lnTo>
-                  <a:lnTo>
-                    <a:pt x="1022431" y="413195"/>
+                    <a:pt x="1022431" y="346872"/>
                   </a:lnTo>
                   <a:lnTo>
                     <a:pt x="1022431" y="420448"/>
                   </a:lnTo>
                   <a:lnTo>
-                    <a:pt x="1025438" y="420448"/>
-                  </a:lnTo>
-                  <a:lnTo>
-                    <a:pt x="1025438" y="428232"/>
-                  </a:lnTo>
-                  <a:lnTo>
-                    <a:pt x="1028445" y="428232"/>
-                  </a:lnTo>
-                  <a:lnTo>
-                    <a:pt x="1028445" y="435988"/>
-                  </a:lnTo>
-                  <a:lnTo>
-                    <a:pt x="1031452" y="435988"/>
-                  </a:lnTo>
-                  <a:lnTo>
-                    <a:pt x="1031452" y="443718"/>
-                  </a:lnTo>
-                  <a:lnTo>
-                    <a:pt x="1034460" y="443718"/>
-                  </a:lnTo>
-                  <a:lnTo>
-                    <a:pt x="1034460" y="451422"/>
-                  </a:lnTo>
-                  <a:lnTo>
-                    <a:pt x="1037467" y="451422"/>
-                  </a:lnTo>
-                  <a:lnTo>
-                    <a:pt x="1037467" y="459100"/>
-                  </a:lnTo>
-                  <a:lnTo>
-                    <a:pt x="1040474" y="459100"/>
-                  </a:lnTo>
-                  <a:lnTo>
-                    <a:pt x="1040474" y="466751"/>
-                  </a:lnTo>
-                  <a:lnTo>
-                    <a:pt x="1043481" y="466751"/>
-                  </a:lnTo>
-                  <a:lnTo>
-                    <a:pt x="1043481" y="474376"/>
-                  </a:lnTo>
-                  <a:lnTo>
-                    <a:pt x="1046488" y="474376"/>
-                  </a:lnTo>
-                  <a:lnTo>
-                    <a:pt x="1046488" y="481975"/>
-                  </a:lnTo>
-                  <a:lnTo>
-                    <a:pt x="1049495" y="481975"/>
-                  </a:lnTo>
-                  <a:lnTo>
-                    <a:pt x="1049495" y="489548"/>
-                  </a:lnTo>
-                  <a:lnTo>
-                    <a:pt x="1052502" y="489548"/>
+                    <a:pt x="1052502" y="420448"/>
                   </a:lnTo>
                   <a:lnTo>
                     <a:pt x="1052502" y="497095"/>
                   </a:lnTo>
                   <a:lnTo>
-                    <a:pt x="1055510" y="497095"/>
-                  </a:lnTo>
-                  <a:lnTo>
-                    <a:pt x="1055510" y="503560"/>
-                  </a:lnTo>
-                  <a:lnTo>
-                    <a:pt x="1058517" y="503560"/>
-                  </a:lnTo>
-                  <a:lnTo>
-                    <a:pt x="1058517" y="510006"/>
-                  </a:lnTo>
-                  <a:lnTo>
-                    <a:pt x="1061524" y="510006"/>
-                  </a:lnTo>
-                  <a:lnTo>
-                    <a:pt x="1061524" y="516434"/>
-                  </a:lnTo>
-                  <a:lnTo>
-                    <a:pt x="1064531" y="516434"/>
-                  </a:lnTo>
-                  <a:lnTo>
-                    <a:pt x="1064531" y="522842"/>
-                  </a:lnTo>
-                  <a:lnTo>
-                    <a:pt x="1067538" y="522842"/>
-                  </a:lnTo>
-                  <a:lnTo>
-                    <a:pt x="1067538" y="529232"/>
-                  </a:lnTo>
-                  <a:lnTo>
-                    <a:pt x="1070545" y="529232"/>
-                  </a:lnTo>
-                  <a:lnTo>
-                    <a:pt x="1070545" y="535602"/>
-                  </a:lnTo>
-                  <a:lnTo>
-                    <a:pt x="1073552" y="535602"/>
-                  </a:lnTo>
-                  <a:lnTo>
-                    <a:pt x="1073552" y="541954"/>
-                  </a:lnTo>
-                  <a:lnTo>
-                    <a:pt x="1076560" y="541954"/>
-                  </a:lnTo>
-                  <a:lnTo>
-                    <a:pt x="1076560" y="548288"/>
-                  </a:lnTo>
-                  <a:lnTo>
-                    <a:pt x="1079567" y="548288"/>
-                  </a:lnTo>
-                  <a:lnTo>
-                    <a:pt x="1079567" y="554603"/>
-                  </a:lnTo>
-                  <a:lnTo>
-                    <a:pt x="1082574" y="554603"/>
+                    <a:pt x="1082574" y="497095"/>
                   </a:lnTo>
                   <a:lnTo>
                     <a:pt x="1082574" y="560899"/>
                   </a:lnTo>
                   <a:lnTo>
-                    <a:pt x="1085581" y="560899"/>
-                  </a:lnTo>
-                  <a:lnTo>
-                    <a:pt x="1085581" y="565720"/>
-                  </a:lnTo>
-                  <a:lnTo>
-                    <a:pt x="1088588" y="565720"/>
-                  </a:lnTo>
-                  <a:lnTo>
-                    <a:pt x="1088588" y="570531"/>
-                  </a:lnTo>
-                  <a:lnTo>
-                    <a:pt x="1091595" y="570531"/>
-                  </a:lnTo>
-                  <a:lnTo>
-                    <a:pt x="1091595" y="575330"/>
-                  </a:lnTo>
-                  <a:lnTo>
-                    <a:pt x="1094603" y="575330"/>
-                  </a:lnTo>
-                  <a:lnTo>
-                    <a:pt x="1094603" y="580119"/>
-                  </a:lnTo>
-                  <a:lnTo>
-                    <a:pt x="1097610" y="580119"/>
-                  </a:lnTo>
-                  <a:lnTo>
-                    <a:pt x="1097610" y="584897"/>
-                  </a:lnTo>
-                  <a:lnTo>
-                    <a:pt x="1100617" y="584897"/>
-                  </a:lnTo>
-                  <a:lnTo>
-                    <a:pt x="1100617" y="589665"/>
-                  </a:lnTo>
-                  <a:lnTo>
-                    <a:pt x="1103624" y="589665"/>
-                  </a:lnTo>
-                  <a:lnTo>
-                    <a:pt x="1103624" y="594421"/>
-                  </a:lnTo>
-                  <a:lnTo>
-                    <a:pt x="1106631" y="594421"/>
-                  </a:lnTo>
-                  <a:lnTo>
-                    <a:pt x="1106631" y="599167"/>
-                  </a:lnTo>
-                  <a:lnTo>
-                    <a:pt x="1109638" y="599167"/>
-                  </a:lnTo>
-                  <a:lnTo>
-                    <a:pt x="1109638" y="603902"/>
-                  </a:lnTo>
-                  <a:lnTo>
-                    <a:pt x="1112645" y="603902"/>
+                    <a:pt x="1112645" y="560899"/>
                   </a:lnTo>
                   <a:lnTo>
                     <a:pt x="1112645" y="608626"/>
                   </a:lnTo>
                   <a:lnTo>
-                    <a:pt x="1115653" y="608626"/>
-                  </a:lnTo>
-                  <a:lnTo>
-                    <a:pt x="1115653" y="612506"/>
-                  </a:lnTo>
-                  <a:lnTo>
-                    <a:pt x="1118660" y="612506"/>
-                  </a:lnTo>
-                  <a:lnTo>
-                    <a:pt x="1118660" y="616379"/>
-                  </a:lnTo>
-                  <a:lnTo>
-                    <a:pt x="1121667" y="616379"/>
-                  </a:lnTo>
-                  <a:lnTo>
-                    <a:pt x="1121667" y="620244"/>
-                  </a:lnTo>
-                  <a:lnTo>
-                    <a:pt x="1124674" y="620244"/>
-                  </a:lnTo>
-                  <a:lnTo>
-                    <a:pt x="1124674" y="624102"/>
-                  </a:lnTo>
-                  <a:lnTo>
-                    <a:pt x="1127681" y="624102"/>
-                  </a:lnTo>
-                  <a:lnTo>
-                    <a:pt x="1127681" y="627953"/>
-                  </a:lnTo>
-                  <a:lnTo>
-                    <a:pt x="1130688" y="627953"/>
-                  </a:lnTo>
-                  <a:lnTo>
-                    <a:pt x="1130688" y="631797"/>
-                  </a:lnTo>
-                  <a:lnTo>
-                    <a:pt x="1133695" y="631797"/>
-                  </a:lnTo>
-                  <a:lnTo>
-                    <a:pt x="1133695" y="635634"/>
-                  </a:lnTo>
-                  <a:lnTo>
-                    <a:pt x="1136703" y="635634"/>
-                  </a:lnTo>
-                  <a:lnTo>
-                    <a:pt x="1136703" y="639463"/>
-                  </a:lnTo>
-                  <a:lnTo>
-                    <a:pt x="1139710" y="639463"/>
-                  </a:lnTo>
-                  <a:lnTo>
-                    <a:pt x="1139710" y="643286"/>
-                  </a:lnTo>
-                  <a:lnTo>
-                    <a:pt x="1142717" y="643286"/>
+                    <a:pt x="1142717" y="608626"/>
                   </a:lnTo>
                   <a:lnTo>
                     <a:pt x="1142717" y="647101"/>
                   </a:lnTo>
                   <a:lnTo>
-                    <a:pt x="1145724" y="647101"/>
-                  </a:lnTo>
-                  <a:lnTo>
-                    <a:pt x="1145724" y="650217"/>
-                  </a:lnTo>
-                  <a:lnTo>
-                    <a:pt x="1148731" y="650217"/>
-                  </a:lnTo>
-                  <a:lnTo>
-                    <a:pt x="1148731" y="653328"/>
-                  </a:lnTo>
-                  <a:lnTo>
-                    <a:pt x="1151738" y="653328"/>
-                  </a:lnTo>
-                  <a:lnTo>
-                    <a:pt x="1151738" y="656434"/>
-                  </a:lnTo>
-                  <a:lnTo>
-                    <a:pt x="1154746" y="656434"/>
-                  </a:lnTo>
-                  <a:lnTo>
-                    <a:pt x="1154746" y="659536"/>
-                  </a:lnTo>
-                  <a:lnTo>
-                    <a:pt x="1157753" y="659536"/>
-                  </a:lnTo>
-                  <a:lnTo>
-                    <a:pt x="1157753" y="662632"/>
-                  </a:lnTo>
-                  <a:lnTo>
-                    <a:pt x="1160760" y="662632"/>
-                  </a:lnTo>
-                  <a:lnTo>
-                    <a:pt x="1160760" y="665725"/>
-                  </a:lnTo>
-                  <a:lnTo>
-                    <a:pt x="1163767" y="665725"/>
-                  </a:lnTo>
-                  <a:lnTo>
-                    <a:pt x="1163767" y="668812"/>
-                  </a:lnTo>
-                  <a:lnTo>
-                    <a:pt x="1166774" y="668812"/>
-                  </a:lnTo>
-                  <a:lnTo>
-                    <a:pt x="1166774" y="671895"/>
-                  </a:lnTo>
-                  <a:lnTo>
-                    <a:pt x="1169781" y="671895"/>
-                  </a:lnTo>
-                  <a:lnTo>
-                    <a:pt x="1169781" y="674973"/>
-                  </a:lnTo>
-                  <a:lnTo>
-                    <a:pt x="1172788" y="674973"/>
+                    <a:pt x="1172788" y="647101"/>
                   </a:lnTo>
                   <a:lnTo>
                     <a:pt x="1172788" y="678046"/>
                   </a:lnTo>
                   <a:lnTo>
-                    <a:pt x="1175796" y="678046"/>
-                  </a:lnTo>
-                  <a:lnTo>
-                    <a:pt x="1175796" y="680343"/>
-                  </a:lnTo>
-                  <a:lnTo>
-                    <a:pt x="1178803" y="680343"/>
-                  </a:lnTo>
-                  <a:lnTo>
-                    <a:pt x="1178803" y="682638"/>
-                  </a:lnTo>
-                  <a:lnTo>
-                    <a:pt x="1181810" y="682638"/>
-                  </a:lnTo>
-                  <a:lnTo>
-                    <a:pt x="1181810" y="684930"/>
-                  </a:lnTo>
-                  <a:lnTo>
-                    <a:pt x="1184817" y="684930"/>
-                  </a:lnTo>
-                  <a:lnTo>
-                    <a:pt x="1184817" y="687219"/>
-                  </a:lnTo>
-                  <a:lnTo>
-                    <a:pt x="1187824" y="687219"/>
-                  </a:lnTo>
-                  <a:lnTo>
-                    <a:pt x="1187824" y="689506"/>
-                  </a:lnTo>
-                  <a:lnTo>
-                    <a:pt x="1190831" y="689506"/>
-                  </a:lnTo>
-                  <a:lnTo>
-                    <a:pt x="1190831" y="691790"/>
-                  </a:lnTo>
-                  <a:lnTo>
-                    <a:pt x="1193839" y="691790"/>
-                  </a:lnTo>
-                  <a:lnTo>
-                    <a:pt x="1193839" y="694072"/>
-                  </a:lnTo>
-                  <a:lnTo>
-                    <a:pt x="1196846" y="694072"/>
-                  </a:lnTo>
-                  <a:lnTo>
-                    <a:pt x="1196846" y="696351"/>
-                  </a:lnTo>
-                  <a:lnTo>
-                    <a:pt x="1199853" y="696351"/>
-                  </a:lnTo>
-                  <a:lnTo>
-                    <a:pt x="1199853" y="698627"/>
-                  </a:lnTo>
-                  <a:lnTo>
-                    <a:pt x="1202860" y="698627"/>
+                    <a:pt x="1202860" y="678046"/>
                   </a:lnTo>
                   <a:lnTo>
                     <a:pt x="1202860" y="700901"/>
                   </a:lnTo>
                   <a:lnTo>
-                    <a:pt x="1205867" y="700901"/>
-                  </a:lnTo>
-                  <a:lnTo>
-                    <a:pt x="1205867" y="702821"/>
-                  </a:lnTo>
-                  <a:lnTo>
-                    <a:pt x="1208874" y="702821"/>
-                  </a:lnTo>
-                  <a:lnTo>
-                    <a:pt x="1208874" y="704739"/>
-                  </a:lnTo>
-                  <a:lnTo>
-                    <a:pt x="1211881" y="704739"/>
-                  </a:lnTo>
-                  <a:lnTo>
-                    <a:pt x="1211881" y="706656"/>
-                  </a:lnTo>
-                  <a:lnTo>
-                    <a:pt x="1214889" y="706656"/>
-                  </a:lnTo>
-                  <a:lnTo>
-                    <a:pt x="1214889" y="708571"/>
-                  </a:lnTo>
-                  <a:lnTo>
-                    <a:pt x="1217896" y="708571"/>
-                  </a:lnTo>
-                  <a:lnTo>
-                    <a:pt x="1217896" y="710483"/>
-                  </a:lnTo>
-                  <a:lnTo>
-                    <a:pt x="1220903" y="710483"/>
-                  </a:lnTo>
-                  <a:lnTo>
-                    <a:pt x="1220903" y="712394"/>
-                  </a:lnTo>
-                  <a:lnTo>
-                    <a:pt x="1223910" y="712394"/>
-                  </a:lnTo>
-                  <a:lnTo>
-                    <a:pt x="1223910" y="714304"/>
-                  </a:lnTo>
-                  <a:lnTo>
-                    <a:pt x="1226917" y="714304"/>
-                  </a:lnTo>
-                  <a:lnTo>
-                    <a:pt x="1226917" y="716211"/>
-                  </a:lnTo>
-                  <a:lnTo>
-                    <a:pt x="1229924" y="716211"/>
-                  </a:lnTo>
-                  <a:lnTo>
-                    <a:pt x="1229924" y="718117"/>
-                  </a:lnTo>
-                  <a:lnTo>
-                    <a:pt x="1232931" y="718117"/>
+                    <a:pt x="1232931" y="700901"/>
                   </a:lnTo>
                   <a:lnTo>
                     <a:pt x="1232931" y="720020"/>
                   </a:lnTo>
                   <a:lnTo>
-                    <a:pt x="1235939" y="720020"/>
-                  </a:lnTo>
-                  <a:lnTo>
-                    <a:pt x="1235939" y="722005"/>
-                  </a:lnTo>
-                  <a:lnTo>
-                    <a:pt x="1238946" y="722005"/>
-                  </a:lnTo>
-                  <a:lnTo>
-                    <a:pt x="1238946" y="723987"/>
-                  </a:lnTo>
-                  <a:lnTo>
-                    <a:pt x="1241953" y="723987"/>
-                  </a:lnTo>
-                  <a:lnTo>
-                    <a:pt x="1241953" y="725967"/>
-                  </a:lnTo>
-                  <a:lnTo>
-                    <a:pt x="1244960" y="725967"/>
-                  </a:lnTo>
-                  <a:lnTo>
-                    <a:pt x="1244960" y="727946"/>
-                  </a:lnTo>
-                  <a:lnTo>
-                    <a:pt x="1247967" y="727946"/>
-                  </a:lnTo>
-                  <a:lnTo>
-                    <a:pt x="1247967" y="729922"/>
-                  </a:lnTo>
-                  <a:lnTo>
-                    <a:pt x="1250974" y="729922"/>
-                  </a:lnTo>
-                  <a:lnTo>
-                    <a:pt x="1250974" y="731896"/>
-                  </a:lnTo>
-                  <a:lnTo>
-                    <a:pt x="1253982" y="731896"/>
-                  </a:lnTo>
-                  <a:lnTo>
-                    <a:pt x="1253982" y="733869"/>
-                  </a:lnTo>
-                  <a:lnTo>
-                    <a:pt x="1256989" y="733869"/>
-                  </a:lnTo>
-                  <a:lnTo>
-                    <a:pt x="1256989" y="735839"/>
-                  </a:lnTo>
-                  <a:lnTo>
-                    <a:pt x="1259996" y="735839"/>
-                  </a:lnTo>
-                  <a:lnTo>
-                    <a:pt x="1259996" y="737808"/>
-                  </a:lnTo>
-                  <a:lnTo>
-                    <a:pt x="1263003" y="737808"/>
+                    <a:pt x="1263003" y="720020"/>
                   </a:lnTo>
                   <a:lnTo>
                     <a:pt x="1263003" y="739774"/>
                   </a:lnTo>
                   <a:lnTo>
-                    <a:pt x="1266010" y="739774"/>
-                  </a:lnTo>
-                  <a:lnTo>
-                    <a:pt x="1266010" y="742094"/>
-                  </a:lnTo>
-                  <a:lnTo>
-                    <a:pt x="1269017" y="742094"/>
-                  </a:lnTo>
-                  <a:lnTo>
-                    <a:pt x="1269017" y="744410"/>
-                  </a:lnTo>
-                  <a:lnTo>
-                    <a:pt x="1272024" y="744410"/>
-                  </a:lnTo>
-                  <a:lnTo>
-                    <a:pt x="1272024" y="746724"/>
-                  </a:lnTo>
-                  <a:lnTo>
-                    <a:pt x="1275032" y="746724"/>
-                  </a:lnTo>
-                  <a:lnTo>
-                    <a:pt x="1275032" y="749035"/>
-                  </a:lnTo>
-                  <a:lnTo>
-                    <a:pt x="1278039" y="749035"/>
-                  </a:lnTo>
-                  <a:lnTo>
-                    <a:pt x="1278039" y="751343"/>
-                  </a:lnTo>
-                  <a:lnTo>
-                    <a:pt x="1281046" y="751343"/>
-                  </a:lnTo>
-                  <a:lnTo>
-                    <a:pt x="1281046" y="753649"/>
-                  </a:lnTo>
-                  <a:lnTo>
-                    <a:pt x="1284053" y="753649"/>
-                  </a:lnTo>
-                  <a:lnTo>
-                    <a:pt x="1284053" y="755952"/>
-                  </a:lnTo>
-                  <a:lnTo>
-                    <a:pt x="1287060" y="755952"/>
-                  </a:lnTo>
-                  <a:lnTo>
-                    <a:pt x="1287060" y="758252"/>
-                  </a:lnTo>
-                  <a:lnTo>
-                    <a:pt x="1290067" y="758252"/>
-                  </a:lnTo>
-                  <a:lnTo>
-                    <a:pt x="1290067" y="760550"/>
-                  </a:lnTo>
-                  <a:lnTo>
-                    <a:pt x="1293075" y="760550"/>
+                    <a:pt x="1293075" y="739774"/>
                   </a:lnTo>
                   <a:lnTo>
                     <a:pt x="1293075" y="762844"/>
                   </a:lnTo>
                   <a:lnTo>
-                    <a:pt x="1296082" y="762844"/>
-                  </a:lnTo>
-                  <a:lnTo>
-                    <a:pt x="1296082" y="765783"/>
-                  </a:lnTo>
-                  <a:lnTo>
-                    <a:pt x="1299089" y="765783"/>
-                  </a:lnTo>
-                  <a:lnTo>
-                    <a:pt x="1299089" y="768716"/>
-                  </a:lnTo>
-                  <a:lnTo>
-                    <a:pt x="1302096" y="768716"/>
-                  </a:lnTo>
-                  <a:lnTo>
-                    <a:pt x="1302096" y="771646"/>
-                  </a:lnTo>
-                  <a:lnTo>
-                    <a:pt x="1305103" y="771646"/>
-                  </a:lnTo>
-                  <a:lnTo>
-                    <a:pt x="1305103" y="774571"/>
-                  </a:lnTo>
-                  <a:lnTo>
-                    <a:pt x="1308110" y="774571"/>
-                  </a:lnTo>
-                  <a:lnTo>
-                    <a:pt x="1308110" y="777491"/>
-                  </a:lnTo>
-                  <a:lnTo>
-                    <a:pt x="1311117" y="777491"/>
-                  </a:lnTo>
-                  <a:lnTo>
-                    <a:pt x="1311117" y="780407"/>
-                  </a:lnTo>
-                  <a:lnTo>
-                    <a:pt x="1314125" y="780407"/>
-                  </a:lnTo>
-                  <a:lnTo>
-                    <a:pt x="1314125" y="783319"/>
-                  </a:lnTo>
-                  <a:lnTo>
-                    <a:pt x="1317132" y="783319"/>
-                  </a:lnTo>
-                  <a:lnTo>
-                    <a:pt x="1317132" y="786226"/>
-                  </a:lnTo>
-                  <a:lnTo>
-                    <a:pt x="1320139" y="786226"/>
-                  </a:lnTo>
-                  <a:lnTo>
-                    <a:pt x="1320139" y="789129"/>
-                  </a:lnTo>
-                  <a:lnTo>
-                    <a:pt x="1323146" y="789129"/>
+                    <a:pt x="1323146" y="762844"/>
                   </a:lnTo>
                   <a:lnTo>
                     <a:pt x="1323146" y="792027"/>
                   </a:lnTo>
                   <a:lnTo>
-                    <a:pt x="1326153" y="792027"/>
-                  </a:lnTo>
-                  <a:lnTo>
-                    <a:pt x="1326153" y="795340"/>
-                  </a:lnTo>
-                  <a:lnTo>
-                    <a:pt x="1329160" y="795340"/>
-                  </a:lnTo>
-                  <a:lnTo>
-                    <a:pt x="1329160" y="798648"/>
-                  </a:lnTo>
-                  <a:lnTo>
-                    <a:pt x="1332167" y="798648"/>
-                  </a:lnTo>
-                  <a:lnTo>
-                    <a:pt x="1332167" y="801950"/>
-                  </a:lnTo>
-                  <a:lnTo>
-                    <a:pt x="1335175" y="801950"/>
-                  </a:lnTo>
-                  <a:lnTo>
-                    <a:pt x="1335175" y="805246"/>
-                  </a:lnTo>
-                  <a:lnTo>
-                    <a:pt x="1338182" y="805246"/>
-                  </a:lnTo>
-                  <a:lnTo>
-                    <a:pt x="1338182" y="808537"/>
-                  </a:lnTo>
-                  <a:lnTo>
-                    <a:pt x="1341189" y="808537"/>
-                  </a:lnTo>
-                  <a:lnTo>
-                    <a:pt x="1341189" y="811822"/>
-                  </a:lnTo>
-                  <a:lnTo>
-                    <a:pt x="1344196" y="811822"/>
-                  </a:lnTo>
-                  <a:lnTo>
-                    <a:pt x="1344196" y="815101"/>
-                  </a:lnTo>
-                  <a:lnTo>
-                    <a:pt x="1347203" y="815101"/>
-                  </a:lnTo>
-                  <a:lnTo>
-                    <a:pt x="1347203" y="818374"/>
-                  </a:lnTo>
-                  <a:lnTo>
-                    <a:pt x="1350210" y="818374"/>
-                  </a:lnTo>
-                  <a:lnTo>
-                    <a:pt x="1350210" y="821642"/>
-                  </a:lnTo>
-                  <a:lnTo>
-                    <a:pt x="1353218" y="821642"/>
+                    <a:pt x="1353218" y="792027"/>
                   </a:lnTo>
                   <a:lnTo>
                     <a:pt x="1353218" y="824904"/>
                   </a:lnTo>
                   <a:lnTo>
-                    <a:pt x="1356225" y="824904"/>
-                  </a:lnTo>
-                  <a:lnTo>
-                    <a:pt x="1356225" y="828498"/>
-                  </a:lnTo>
-                  <a:lnTo>
-                    <a:pt x="1359232" y="828498"/>
-                  </a:lnTo>
-                  <a:lnTo>
-                    <a:pt x="1359232" y="832085"/>
-                  </a:lnTo>
-                  <a:lnTo>
-                    <a:pt x="1362239" y="832085"/>
-                  </a:lnTo>
-                  <a:lnTo>
-                    <a:pt x="1362239" y="835665"/>
-                  </a:lnTo>
-                  <a:lnTo>
-                    <a:pt x="1365246" y="835665"/>
-                  </a:lnTo>
-                  <a:lnTo>
-                    <a:pt x="1365246" y="839238"/>
-                  </a:lnTo>
-                  <a:lnTo>
-                    <a:pt x="1368253" y="839238"/>
-                  </a:lnTo>
-                  <a:lnTo>
-                    <a:pt x="1368253" y="842805"/>
-                  </a:lnTo>
-                  <a:lnTo>
-                    <a:pt x="1371260" y="842805"/>
-                  </a:lnTo>
-                  <a:lnTo>
-                    <a:pt x="1371260" y="846364"/>
-                  </a:lnTo>
-                  <a:lnTo>
-                    <a:pt x="1374268" y="846364"/>
-                  </a:lnTo>
-                  <a:lnTo>
-                    <a:pt x="1374268" y="849917"/>
-                  </a:lnTo>
-                  <a:lnTo>
-                    <a:pt x="1377275" y="849917"/>
-                  </a:lnTo>
-                  <a:lnTo>
-                    <a:pt x="1377275" y="853463"/>
-                  </a:lnTo>
-                  <a:lnTo>
-                    <a:pt x="1380282" y="853463"/>
-                  </a:lnTo>
-                  <a:lnTo>
-                    <a:pt x="1380282" y="857003"/>
-                  </a:lnTo>
-                  <a:lnTo>
-                    <a:pt x="1383289" y="857003"/>
+                    <a:pt x="1383289" y="824904"/>
                   </a:lnTo>
                   <a:lnTo>
                     <a:pt x="1383289" y="860535"/>
                   </a:lnTo>
                   <a:lnTo>
-                    <a:pt x="1386296" y="860535"/>
-                  </a:lnTo>
-                  <a:lnTo>
-                    <a:pt x="1386296" y="863729"/>
-                  </a:lnTo>
-                  <a:lnTo>
-                    <a:pt x="1389303" y="863729"/>
-                  </a:lnTo>
-                  <a:lnTo>
-                    <a:pt x="1389303" y="866917"/>
-                  </a:lnTo>
-                  <a:lnTo>
-                    <a:pt x="1392310" y="866917"/>
-                  </a:lnTo>
-                  <a:lnTo>
-                    <a:pt x="1392310" y="870100"/>
-                  </a:lnTo>
-                  <a:lnTo>
-                    <a:pt x="1395318" y="870100"/>
-                  </a:lnTo>
-                  <a:lnTo>
-                    <a:pt x="1395318" y="873278"/>
-                  </a:lnTo>
-                  <a:lnTo>
-                    <a:pt x="1398325" y="873278"/>
-                  </a:lnTo>
-                  <a:lnTo>
-                    <a:pt x="1398325" y="876450"/>
-                  </a:lnTo>
-                  <a:lnTo>
-                    <a:pt x="1401332" y="876450"/>
-                  </a:lnTo>
-                  <a:lnTo>
-                    <a:pt x="1401332" y="879616"/>
-                  </a:lnTo>
-                  <a:lnTo>
-                    <a:pt x="1404339" y="879616"/>
-                  </a:lnTo>
-                  <a:lnTo>
-                    <a:pt x="1404339" y="882777"/>
-                  </a:lnTo>
-                  <a:lnTo>
-                    <a:pt x="1407346" y="882777"/>
-                  </a:lnTo>
-                  <a:lnTo>
-                    <a:pt x="1407346" y="885932"/>
-                  </a:lnTo>
-                  <a:lnTo>
-                    <a:pt x="1410353" y="885932"/>
-                  </a:lnTo>
-                  <a:lnTo>
-                    <a:pt x="1410353" y="889082"/>
-                  </a:lnTo>
-                  <a:lnTo>
-                    <a:pt x="1413361" y="889082"/>
+                    <a:pt x="1413361" y="860535"/>
                   </a:lnTo>
                   <a:lnTo>
                     <a:pt x="1413361" y="892227"/>
                   </a:lnTo>
                   <a:lnTo>
-                    <a:pt x="1416368" y="892227"/>
-                  </a:lnTo>
-                  <a:lnTo>
-                    <a:pt x="1416368" y="894766"/>
-                  </a:lnTo>
-                  <a:lnTo>
-                    <a:pt x="1419375" y="894766"/>
-                  </a:lnTo>
-                  <a:lnTo>
-                    <a:pt x="1419375" y="897302"/>
-                  </a:lnTo>
-                  <a:lnTo>
-                    <a:pt x="1422382" y="897302"/>
-                  </a:lnTo>
-                  <a:lnTo>
-                    <a:pt x="1422382" y="899834"/>
-                  </a:lnTo>
-                  <a:lnTo>
-                    <a:pt x="1425389" y="899834"/>
-                  </a:lnTo>
-                  <a:lnTo>
-                    <a:pt x="1425389" y="902362"/>
-                  </a:lnTo>
-                  <a:lnTo>
-                    <a:pt x="1428396" y="902362"/>
-                  </a:lnTo>
-                  <a:lnTo>
-                    <a:pt x="1428396" y="904887"/>
-                  </a:lnTo>
-                  <a:lnTo>
-                    <a:pt x="1431403" y="904887"/>
-                  </a:lnTo>
-                  <a:lnTo>
-                    <a:pt x="1431403" y="907409"/>
-                  </a:lnTo>
-                  <a:lnTo>
-                    <a:pt x="1434411" y="907409"/>
-                  </a:lnTo>
-                  <a:lnTo>
-                    <a:pt x="1434411" y="909927"/>
-                  </a:lnTo>
-                  <a:lnTo>
-                    <a:pt x="1437418" y="909927"/>
-                  </a:lnTo>
-                  <a:lnTo>
-                    <a:pt x="1437418" y="912441"/>
-                  </a:lnTo>
-                  <a:lnTo>
-                    <a:pt x="1440425" y="912441"/>
-                  </a:lnTo>
-                  <a:lnTo>
-                    <a:pt x="1440425" y="914952"/>
-                  </a:lnTo>
-                  <a:lnTo>
-                    <a:pt x="1443432" y="914952"/>
+                    <a:pt x="1443432" y="892227"/>
                   </a:lnTo>
                   <a:lnTo>
                     <a:pt x="1443432" y="917460"/>
                   </a:lnTo>
                   <a:lnTo>
-                    <a:pt x="1446439" y="917460"/>
-                  </a:lnTo>
-                  <a:lnTo>
-                    <a:pt x="1446439" y="919015"/>
-                  </a:lnTo>
-                  <a:lnTo>
-                    <a:pt x="1449446" y="919015"/>
-                  </a:lnTo>
-                  <a:lnTo>
-                    <a:pt x="1449446" y="920568"/>
-                  </a:lnTo>
-                  <a:lnTo>
-                    <a:pt x="1452454" y="920568"/>
-                  </a:lnTo>
-                  <a:lnTo>
-                    <a:pt x="1452454" y="922121"/>
-                  </a:lnTo>
-                  <a:lnTo>
-                    <a:pt x="1455461" y="922121"/>
-                  </a:lnTo>
-                  <a:lnTo>
-                    <a:pt x="1455461" y="923672"/>
-                  </a:lnTo>
-                  <a:lnTo>
-                    <a:pt x="1458468" y="923672"/>
-                  </a:lnTo>
-                  <a:lnTo>
-                    <a:pt x="1458468" y="925221"/>
-                  </a:lnTo>
-                  <a:lnTo>
-                    <a:pt x="1461475" y="925221"/>
-                  </a:lnTo>
-                  <a:lnTo>
-                    <a:pt x="1461475" y="926769"/>
-                  </a:lnTo>
-                  <a:lnTo>
-                    <a:pt x="1464482" y="926769"/>
-                  </a:lnTo>
-                  <a:lnTo>
-                    <a:pt x="1464482" y="928316"/>
-                  </a:lnTo>
-                  <a:lnTo>
-                    <a:pt x="1467489" y="928316"/>
-                  </a:lnTo>
-                  <a:lnTo>
-                    <a:pt x="1467489" y="929862"/>
-                  </a:lnTo>
-                  <a:lnTo>
-                    <a:pt x="1470496" y="929862"/>
-                  </a:lnTo>
-                  <a:lnTo>
-                    <a:pt x="1470496" y="931406"/>
-                  </a:lnTo>
-                  <a:lnTo>
-                    <a:pt x="1473504" y="931406"/>
+                    <a:pt x="1473504" y="917460"/>
                   </a:lnTo>
                   <a:lnTo>
                     <a:pt x="1473504" y="932949"/>
                   </a:lnTo>
                   <a:lnTo>
-                    <a:pt x="1476511" y="932949"/>
-                  </a:lnTo>
-                  <a:lnTo>
-                    <a:pt x="1476511" y="933893"/>
-                  </a:lnTo>
-                  <a:lnTo>
-                    <a:pt x="1479518" y="933893"/>
-                  </a:lnTo>
-                  <a:lnTo>
-                    <a:pt x="1479518" y="934837"/>
-                  </a:lnTo>
-                  <a:lnTo>
-                    <a:pt x="1482525" y="934837"/>
-                  </a:lnTo>
-                  <a:lnTo>
-                    <a:pt x="1482525" y="935780"/>
-                  </a:lnTo>
-                  <a:lnTo>
-                    <a:pt x="1485532" y="935780"/>
-                  </a:lnTo>
-                  <a:lnTo>
-                    <a:pt x="1485532" y="936723"/>
-                  </a:lnTo>
-                  <a:lnTo>
-                    <a:pt x="1488539" y="936723"/>
-                  </a:lnTo>
-                  <a:lnTo>
-                    <a:pt x="1488539" y="937666"/>
-                  </a:lnTo>
-                  <a:lnTo>
-                    <a:pt x="1491546" y="937666"/>
-                  </a:lnTo>
-                  <a:lnTo>
-                    <a:pt x="1491546" y="938607"/>
-                  </a:lnTo>
-                  <a:lnTo>
-                    <a:pt x="1494554" y="938607"/>
-                  </a:lnTo>
-                  <a:lnTo>
-                    <a:pt x="1494554" y="939549"/>
-                  </a:lnTo>
-                  <a:lnTo>
-                    <a:pt x="1497561" y="939549"/>
-                  </a:lnTo>
-                  <a:lnTo>
-                    <a:pt x="1497561" y="940490"/>
-                  </a:lnTo>
-                  <a:lnTo>
-                    <a:pt x="1500568" y="940490"/>
-                  </a:lnTo>
-                  <a:lnTo>
-                    <a:pt x="1500568" y="941430"/>
-                  </a:lnTo>
-                  <a:lnTo>
-                    <a:pt x="1503575" y="941430"/>
+                    <a:pt x="1503575" y="932949"/>
                   </a:lnTo>
                   <a:lnTo>
                     <a:pt x="1503575" y="942370"/>
                   </a:lnTo>
                   <a:lnTo>
-                    <a:pt x="1506582" y="942370"/>
-                  </a:lnTo>
-                  <a:lnTo>
-                    <a:pt x="1506582" y="942938"/>
-                  </a:lnTo>
-                  <a:lnTo>
-                    <a:pt x="1509589" y="942938"/>
-                  </a:lnTo>
-                  <a:lnTo>
-                    <a:pt x="1509589" y="943507"/>
-                  </a:lnTo>
-                  <a:lnTo>
-                    <a:pt x="1512597" y="943507"/>
-                  </a:lnTo>
-                  <a:lnTo>
-                    <a:pt x="1512597" y="944075"/>
-                  </a:lnTo>
-                  <a:lnTo>
-                    <a:pt x="1515604" y="944075"/>
-                  </a:lnTo>
-                  <a:lnTo>
-                    <a:pt x="1515604" y="944643"/>
-                  </a:lnTo>
-                  <a:lnTo>
-                    <a:pt x="1518611" y="944643"/>
-                  </a:lnTo>
-                  <a:lnTo>
-                    <a:pt x="1518611" y="945211"/>
-                  </a:lnTo>
-                  <a:lnTo>
-                    <a:pt x="1521618" y="945211"/>
-                  </a:lnTo>
-                  <a:lnTo>
-                    <a:pt x="1521618" y="945779"/>
-                  </a:lnTo>
-                  <a:lnTo>
-                    <a:pt x="1524625" y="945779"/>
-                  </a:lnTo>
-                  <a:lnTo>
-                    <a:pt x="1524625" y="946346"/>
-                  </a:lnTo>
-                  <a:lnTo>
-                    <a:pt x="1527632" y="946346"/>
-                  </a:lnTo>
-                  <a:lnTo>
-                    <a:pt x="1527632" y="946914"/>
-                  </a:lnTo>
-                  <a:lnTo>
-                    <a:pt x="1530639" y="946914"/>
-                  </a:lnTo>
-                  <a:lnTo>
-                    <a:pt x="1530639" y="947481"/>
-                  </a:lnTo>
-                  <a:lnTo>
-                    <a:pt x="1533647" y="947481"/>
+                    <a:pt x="1533647" y="942370"/>
                   </a:lnTo>
                   <a:lnTo>
                     <a:pt x="1533647" y="948048"/>
                   </a:lnTo>
                   <a:lnTo>
-                    <a:pt x="1536654" y="948048"/>
-                  </a:lnTo>
-                  <a:lnTo>
-                    <a:pt x="1536654" y="948434"/>
-                  </a:lnTo>
-                  <a:lnTo>
-                    <a:pt x="1539661" y="948434"/>
-                  </a:lnTo>
-                  <a:lnTo>
-                    <a:pt x="1539661" y="948820"/>
-                  </a:lnTo>
-                  <a:lnTo>
-                    <a:pt x="1542668" y="948820"/>
-                  </a:lnTo>
-                  <a:lnTo>
-                    <a:pt x="1542668" y="949206"/>
-                  </a:lnTo>
-                  <a:lnTo>
-                    <a:pt x="1545675" y="949206"/>
-                  </a:lnTo>
-                  <a:lnTo>
-                    <a:pt x="1545675" y="949592"/>
-                  </a:lnTo>
-                  <a:lnTo>
-                    <a:pt x="1548682" y="949592"/>
-                  </a:lnTo>
-                  <a:lnTo>
-                    <a:pt x="1548682" y="949978"/>
-                  </a:lnTo>
-                  <a:lnTo>
-                    <a:pt x="1551690" y="949978"/>
-                  </a:lnTo>
-                  <a:lnTo>
-                    <a:pt x="1551690" y="950364"/>
-                  </a:lnTo>
-                  <a:lnTo>
-                    <a:pt x="1554697" y="950364"/>
-                  </a:lnTo>
-                  <a:lnTo>
-                    <a:pt x="1554697" y="950750"/>
-                  </a:lnTo>
-                  <a:lnTo>
-                    <a:pt x="1557704" y="950750"/>
-                  </a:lnTo>
-                  <a:lnTo>
-                    <a:pt x="1557704" y="951135"/>
-                  </a:lnTo>
-                  <a:lnTo>
-                    <a:pt x="1560711" y="951135"/>
-                  </a:lnTo>
-                  <a:lnTo>
-                    <a:pt x="1560711" y="951521"/>
-                  </a:lnTo>
-                  <a:lnTo>
-                    <a:pt x="1563718" y="951521"/>
+                    <a:pt x="1563718" y="948048"/>
                   </a:lnTo>
                   <a:lnTo>
                     <a:pt x="1563718" y="951906"/>
                   </a:lnTo>
                   <a:lnTo>
-                    <a:pt x="1566725" y="951906"/>
-                  </a:lnTo>
-                  <a:lnTo>
-                    <a:pt x="1566725" y="952179"/>
-                  </a:lnTo>
-                  <a:lnTo>
-                    <a:pt x="1569732" y="952179"/>
-                  </a:lnTo>
-                  <a:lnTo>
-                    <a:pt x="1569732" y="952451"/>
-                  </a:lnTo>
-                  <a:lnTo>
-                    <a:pt x="1572740" y="952451"/>
-                  </a:lnTo>
-                  <a:lnTo>
-                    <a:pt x="1572740" y="952723"/>
-                  </a:lnTo>
-                  <a:lnTo>
-                    <a:pt x="1575747" y="952723"/>
-                  </a:lnTo>
-                  <a:lnTo>
-                    <a:pt x="1575747" y="952995"/>
-                  </a:lnTo>
-                  <a:lnTo>
-                    <a:pt x="1578754" y="952995"/>
-                  </a:lnTo>
-                  <a:lnTo>
-                    <a:pt x="1578754" y="953268"/>
-                  </a:lnTo>
-                  <a:lnTo>
-                    <a:pt x="1581761" y="953268"/>
-                  </a:lnTo>
-                  <a:lnTo>
-                    <a:pt x="1581761" y="953540"/>
-                  </a:lnTo>
-                  <a:lnTo>
-                    <a:pt x="1584768" y="953540"/>
-                  </a:lnTo>
-                  <a:lnTo>
-                    <a:pt x="1584768" y="953812"/>
-                  </a:lnTo>
-                  <a:lnTo>
-                    <a:pt x="1587775" y="953812"/>
-                  </a:lnTo>
-                  <a:lnTo>
-                    <a:pt x="1587775" y="954084"/>
-                  </a:lnTo>
-                  <a:lnTo>
-                    <a:pt x="1590782" y="954084"/>
-                  </a:lnTo>
-                  <a:lnTo>
-                    <a:pt x="1590782" y="954356"/>
-                  </a:lnTo>
-                  <a:lnTo>
-                    <a:pt x="1593790" y="954356"/>
+                    <a:pt x="1593790" y="951906"/>
                   </a:lnTo>
                   <a:lnTo>
                     <a:pt x="1593790" y="954628"/>
@@ -37991,3181 +35129,319 @@
                     <a:pt x="0" y="0"/>
                   </a:moveTo>
                   <a:lnTo>
-                    <a:pt x="3007" y="0"/>
-                  </a:lnTo>
-                  <a:lnTo>
-                    <a:pt x="3007" y="0"/>
-                  </a:lnTo>
-                  <a:lnTo>
-                    <a:pt x="6014" y="0"/>
-                  </a:lnTo>
-                  <a:lnTo>
-                    <a:pt x="6014" y="0"/>
-                  </a:lnTo>
-                  <a:lnTo>
-                    <a:pt x="9021" y="0"/>
-                  </a:lnTo>
-                  <a:lnTo>
-                    <a:pt x="9021" y="0"/>
-                  </a:lnTo>
-                  <a:lnTo>
-                    <a:pt x="12028" y="0"/>
-                  </a:lnTo>
-                  <a:lnTo>
-                    <a:pt x="12028" y="0"/>
-                  </a:lnTo>
-                  <a:lnTo>
-                    <a:pt x="15035" y="0"/>
-                  </a:lnTo>
-                  <a:lnTo>
-                    <a:pt x="15035" y="0"/>
-                  </a:lnTo>
-                  <a:lnTo>
-                    <a:pt x="18042" y="0"/>
-                  </a:lnTo>
-                  <a:lnTo>
-                    <a:pt x="18042" y="0"/>
-                  </a:lnTo>
-                  <a:lnTo>
-                    <a:pt x="21050" y="0"/>
-                  </a:lnTo>
-                  <a:lnTo>
-                    <a:pt x="21050" y="0"/>
-                  </a:lnTo>
-                  <a:lnTo>
-                    <a:pt x="24057" y="0"/>
-                  </a:lnTo>
-                  <a:lnTo>
-                    <a:pt x="24057" y="0"/>
-                  </a:lnTo>
-                  <a:lnTo>
-                    <a:pt x="27064" y="0"/>
-                  </a:lnTo>
-                  <a:lnTo>
-                    <a:pt x="27064" y="0"/>
-                  </a:lnTo>
-                  <a:lnTo>
                     <a:pt x="30071" y="0"/>
                   </a:lnTo>
                   <a:lnTo>
                     <a:pt x="30071" y="0"/>
                   </a:lnTo>
                   <a:lnTo>
-                    <a:pt x="33078" y="0"/>
-                  </a:lnTo>
-                  <a:lnTo>
-                    <a:pt x="33078" y="0"/>
-                  </a:lnTo>
-                  <a:lnTo>
-                    <a:pt x="36085" y="0"/>
-                  </a:lnTo>
-                  <a:lnTo>
-                    <a:pt x="36085" y="0"/>
-                  </a:lnTo>
-                  <a:lnTo>
-                    <a:pt x="39092" y="0"/>
-                  </a:lnTo>
-                  <a:lnTo>
-                    <a:pt x="39092" y="0"/>
-                  </a:lnTo>
-                  <a:lnTo>
-                    <a:pt x="42100" y="0"/>
-                  </a:lnTo>
-                  <a:lnTo>
-                    <a:pt x="42100" y="0"/>
-                  </a:lnTo>
-                  <a:lnTo>
-                    <a:pt x="45107" y="0"/>
-                  </a:lnTo>
-                  <a:lnTo>
-                    <a:pt x="45107" y="0"/>
-                  </a:lnTo>
-                  <a:lnTo>
-                    <a:pt x="48114" y="0"/>
-                  </a:lnTo>
-                  <a:lnTo>
-                    <a:pt x="48114" y="0"/>
-                  </a:lnTo>
-                  <a:lnTo>
-                    <a:pt x="51121" y="0"/>
-                  </a:lnTo>
-                  <a:lnTo>
-                    <a:pt x="51121" y="0"/>
-                  </a:lnTo>
-                  <a:lnTo>
-                    <a:pt x="54128" y="0"/>
-                  </a:lnTo>
-                  <a:lnTo>
-                    <a:pt x="54128" y="0"/>
-                  </a:lnTo>
-                  <a:lnTo>
-                    <a:pt x="57135" y="0"/>
-                  </a:lnTo>
-                  <a:lnTo>
-                    <a:pt x="57135" y="0"/>
-                  </a:lnTo>
-                  <a:lnTo>
                     <a:pt x="60143" y="0"/>
                   </a:lnTo>
                   <a:lnTo>
                     <a:pt x="60143" y="0"/>
                   </a:lnTo>
                   <a:lnTo>
-                    <a:pt x="63150" y="0"/>
-                  </a:lnTo>
-                  <a:lnTo>
-                    <a:pt x="63150" y="0"/>
-                  </a:lnTo>
-                  <a:lnTo>
-                    <a:pt x="66157" y="0"/>
-                  </a:lnTo>
-                  <a:lnTo>
-                    <a:pt x="66157" y="0"/>
-                  </a:lnTo>
-                  <a:lnTo>
-                    <a:pt x="69164" y="0"/>
-                  </a:lnTo>
-                  <a:lnTo>
-                    <a:pt x="69164" y="0"/>
-                  </a:lnTo>
-                  <a:lnTo>
-                    <a:pt x="72171" y="0"/>
-                  </a:lnTo>
-                  <a:lnTo>
-                    <a:pt x="72171" y="0"/>
-                  </a:lnTo>
-                  <a:lnTo>
-                    <a:pt x="75178" y="0"/>
-                  </a:lnTo>
-                  <a:lnTo>
-                    <a:pt x="75178" y="0"/>
-                  </a:lnTo>
-                  <a:lnTo>
-                    <a:pt x="78185" y="0"/>
-                  </a:lnTo>
-                  <a:lnTo>
-                    <a:pt x="78185" y="0"/>
-                  </a:lnTo>
-                  <a:lnTo>
-                    <a:pt x="81193" y="0"/>
-                  </a:lnTo>
-                  <a:lnTo>
-                    <a:pt x="81193" y="0"/>
-                  </a:lnTo>
-                  <a:lnTo>
-                    <a:pt x="84200" y="0"/>
-                  </a:lnTo>
-                  <a:lnTo>
-                    <a:pt x="84200" y="0"/>
-                  </a:lnTo>
-                  <a:lnTo>
-                    <a:pt x="87207" y="0"/>
-                  </a:lnTo>
-                  <a:lnTo>
-                    <a:pt x="87207" y="0"/>
-                  </a:lnTo>
-                  <a:lnTo>
                     <a:pt x="90214" y="0"/>
                   </a:lnTo>
                   <a:lnTo>
                     <a:pt x="90214" y="0"/>
                   </a:lnTo>
                   <a:lnTo>
-                    <a:pt x="93221" y="0"/>
-                  </a:lnTo>
-                  <a:lnTo>
-                    <a:pt x="93221" y="0"/>
-                  </a:lnTo>
-                  <a:lnTo>
-                    <a:pt x="96228" y="0"/>
-                  </a:lnTo>
-                  <a:lnTo>
-                    <a:pt x="96228" y="0"/>
-                  </a:lnTo>
-                  <a:lnTo>
-                    <a:pt x="99235" y="0"/>
-                  </a:lnTo>
-                  <a:lnTo>
-                    <a:pt x="99235" y="0"/>
-                  </a:lnTo>
-                  <a:lnTo>
-                    <a:pt x="102243" y="0"/>
-                  </a:lnTo>
-                  <a:lnTo>
-                    <a:pt x="102243" y="0"/>
-                  </a:lnTo>
-                  <a:lnTo>
-                    <a:pt x="105250" y="0"/>
-                  </a:lnTo>
-                  <a:lnTo>
-                    <a:pt x="105250" y="0"/>
-                  </a:lnTo>
-                  <a:lnTo>
-                    <a:pt x="108257" y="0"/>
-                  </a:lnTo>
-                  <a:lnTo>
-                    <a:pt x="108257" y="0"/>
-                  </a:lnTo>
-                  <a:lnTo>
-                    <a:pt x="111264" y="0"/>
-                  </a:lnTo>
-                  <a:lnTo>
-                    <a:pt x="111264" y="0"/>
-                  </a:lnTo>
-                  <a:lnTo>
-                    <a:pt x="114271" y="0"/>
-                  </a:lnTo>
-                  <a:lnTo>
-                    <a:pt x="114271" y="0"/>
-                  </a:lnTo>
-                  <a:lnTo>
-                    <a:pt x="117278" y="0"/>
-                  </a:lnTo>
-                  <a:lnTo>
-                    <a:pt x="117278" y="0"/>
-                  </a:lnTo>
-                  <a:lnTo>
                     <a:pt x="120286" y="0"/>
                   </a:lnTo>
                   <a:lnTo>
                     <a:pt x="120286" y="0"/>
                   </a:lnTo>
                   <a:lnTo>
-                    <a:pt x="123293" y="0"/>
-                  </a:lnTo>
-                  <a:lnTo>
-                    <a:pt x="123293" y="0"/>
-                  </a:lnTo>
-                  <a:lnTo>
-                    <a:pt x="126300" y="0"/>
-                  </a:lnTo>
-                  <a:lnTo>
-                    <a:pt x="126300" y="0"/>
-                  </a:lnTo>
-                  <a:lnTo>
-                    <a:pt x="129307" y="0"/>
-                  </a:lnTo>
-                  <a:lnTo>
-                    <a:pt x="129307" y="0"/>
-                  </a:lnTo>
-                  <a:lnTo>
-                    <a:pt x="132314" y="0"/>
-                  </a:lnTo>
-                  <a:lnTo>
-                    <a:pt x="132314" y="0"/>
-                  </a:lnTo>
-                  <a:lnTo>
-                    <a:pt x="135321" y="0"/>
-                  </a:lnTo>
-                  <a:lnTo>
-                    <a:pt x="135321" y="0"/>
-                  </a:lnTo>
-                  <a:lnTo>
-                    <a:pt x="138328" y="0"/>
-                  </a:lnTo>
-                  <a:lnTo>
-                    <a:pt x="138328" y="0"/>
-                  </a:lnTo>
-                  <a:lnTo>
-                    <a:pt x="141336" y="0"/>
-                  </a:lnTo>
-                  <a:lnTo>
-                    <a:pt x="141336" y="0"/>
-                  </a:lnTo>
-                  <a:lnTo>
-                    <a:pt x="144343" y="0"/>
-                  </a:lnTo>
-                  <a:lnTo>
-                    <a:pt x="144343" y="0"/>
-                  </a:lnTo>
-                  <a:lnTo>
-                    <a:pt x="147350" y="0"/>
-                  </a:lnTo>
-                  <a:lnTo>
-                    <a:pt x="147350" y="0"/>
-                  </a:lnTo>
-                  <a:lnTo>
                     <a:pt x="150357" y="0"/>
                   </a:lnTo>
                   <a:lnTo>
                     <a:pt x="150357" y="0"/>
                   </a:lnTo>
                   <a:lnTo>
-                    <a:pt x="153364" y="0"/>
-                  </a:lnTo>
-                  <a:lnTo>
-                    <a:pt x="153364" y="0"/>
-                  </a:lnTo>
-                  <a:lnTo>
-                    <a:pt x="156371" y="0"/>
-                  </a:lnTo>
-                  <a:lnTo>
-                    <a:pt x="156371" y="0"/>
-                  </a:lnTo>
-                  <a:lnTo>
-                    <a:pt x="159379" y="0"/>
-                  </a:lnTo>
-                  <a:lnTo>
-                    <a:pt x="159379" y="0"/>
-                  </a:lnTo>
-                  <a:lnTo>
-                    <a:pt x="162386" y="0"/>
-                  </a:lnTo>
-                  <a:lnTo>
-                    <a:pt x="162386" y="0"/>
-                  </a:lnTo>
-                  <a:lnTo>
-                    <a:pt x="165393" y="0"/>
-                  </a:lnTo>
-                  <a:lnTo>
-                    <a:pt x="165393" y="0"/>
-                  </a:lnTo>
-                  <a:lnTo>
-                    <a:pt x="168400" y="0"/>
-                  </a:lnTo>
-                  <a:lnTo>
-                    <a:pt x="168400" y="0"/>
-                  </a:lnTo>
-                  <a:lnTo>
-                    <a:pt x="171407" y="0"/>
-                  </a:lnTo>
-                  <a:lnTo>
-                    <a:pt x="171407" y="0"/>
-                  </a:lnTo>
-                  <a:lnTo>
-                    <a:pt x="174414" y="0"/>
-                  </a:lnTo>
-                  <a:lnTo>
-                    <a:pt x="174414" y="0"/>
-                  </a:lnTo>
-                  <a:lnTo>
-                    <a:pt x="177421" y="0"/>
-                  </a:lnTo>
-                  <a:lnTo>
-                    <a:pt x="177421" y="0"/>
-                  </a:lnTo>
-                  <a:lnTo>
                     <a:pt x="180429" y="0"/>
                   </a:lnTo>
                   <a:lnTo>
                     <a:pt x="180429" y="0"/>
                   </a:lnTo>
                   <a:lnTo>
-                    <a:pt x="183436" y="0"/>
-                  </a:lnTo>
-                  <a:lnTo>
-                    <a:pt x="183436" y="0"/>
-                  </a:lnTo>
-                  <a:lnTo>
-                    <a:pt x="186443" y="0"/>
-                  </a:lnTo>
-                  <a:lnTo>
-                    <a:pt x="186443" y="0"/>
-                  </a:lnTo>
-                  <a:lnTo>
-                    <a:pt x="189450" y="0"/>
-                  </a:lnTo>
-                  <a:lnTo>
-                    <a:pt x="189450" y="0"/>
-                  </a:lnTo>
-                  <a:lnTo>
-                    <a:pt x="192457" y="0"/>
-                  </a:lnTo>
-                  <a:lnTo>
-                    <a:pt x="192457" y="0"/>
-                  </a:lnTo>
-                  <a:lnTo>
-                    <a:pt x="195464" y="0"/>
-                  </a:lnTo>
-                  <a:lnTo>
-                    <a:pt x="195464" y="0"/>
-                  </a:lnTo>
-                  <a:lnTo>
-                    <a:pt x="198471" y="0"/>
-                  </a:lnTo>
-                  <a:lnTo>
-                    <a:pt x="198471" y="0"/>
-                  </a:lnTo>
-                  <a:lnTo>
-                    <a:pt x="201479" y="0"/>
-                  </a:lnTo>
-                  <a:lnTo>
-                    <a:pt x="201479" y="0"/>
-                  </a:lnTo>
-                  <a:lnTo>
-                    <a:pt x="204486" y="0"/>
-                  </a:lnTo>
-                  <a:lnTo>
-                    <a:pt x="204486" y="0"/>
-                  </a:lnTo>
-                  <a:lnTo>
-                    <a:pt x="207493" y="0"/>
-                  </a:lnTo>
-                  <a:lnTo>
-                    <a:pt x="207493" y="0"/>
-                  </a:lnTo>
-                  <a:lnTo>
                     <a:pt x="210500" y="0"/>
                   </a:lnTo>
                   <a:lnTo>
                     <a:pt x="210500" y="0"/>
                   </a:lnTo>
                   <a:lnTo>
-                    <a:pt x="213507" y="0"/>
-                  </a:lnTo>
-                  <a:lnTo>
-                    <a:pt x="213507" y="0"/>
-                  </a:lnTo>
-                  <a:lnTo>
-                    <a:pt x="216514" y="0"/>
-                  </a:lnTo>
-                  <a:lnTo>
-                    <a:pt x="216514" y="0"/>
-                  </a:lnTo>
-                  <a:lnTo>
-                    <a:pt x="219522" y="0"/>
-                  </a:lnTo>
-                  <a:lnTo>
-                    <a:pt x="219522" y="0"/>
-                  </a:lnTo>
-                  <a:lnTo>
-                    <a:pt x="222529" y="0"/>
-                  </a:lnTo>
-                  <a:lnTo>
-                    <a:pt x="222529" y="0"/>
-                  </a:lnTo>
-                  <a:lnTo>
-                    <a:pt x="225536" y="0"/>
-                  </a:lnTo>
-                  <a:lnTo>
-                    <a:pt x="225536" y="0"/>
-                  </a:lnTo>
-                  <a:lnTo>
-                    <a:pt x="228543" y="0"/>
-                  </a:lnTo>
-                  <a:lnTo>
-                    <a:pt x="228543" y="0"/>
-                  </a:lnTo>
-                  <a:lnTo>
-                    <a:pt x="231550" y="0"/>
-                  </a:lnTo>
-                  <a:lnTo>
-                    <a:pt x="231550" y="0"/>
-                  </a:lnTo>
-                  <a:lnTo>
-                    <a:pt x="234557" y="0"/>
-                  </a:lnTo>
-                  <a:lnTo>
-                    <a:pt x="234557" y="0"/>
-                  </a:lnTo>
-                  <a:lnTo>
-                    <a:pt x="237564" y="0"/>
-                  </a:lnTo>
-                  <a:lnTo>
-                    <a:pt x="237564" y="0"/>
-                  </a:lnTo>
-                  <a:lnTo>
                     <a:pt x="240572" y="0"/>
                   </a:lnTo>
                   <a:lnTo>
                     <a:pt x="240572" y="0"/>
                   </a:lnTo>
                   <a:lnTo>
-                    <a:pt x="243579" y="0"/>
-                  </a:lnTo>
-                  <a:lnTo>
-                    <a:pt x="243579" y="0"/>
-                  </a:lnTo>
-                  <a:lnTo>
-                    <a:pt x="246586" y="0"/>
-                  </a:lnTo>
-                  <a:lnTo>
-                    <a:pt x="246586" y="0"/>
-                  </a:lnTo>
-                  <a:lnTo>
-                    <a:pt x="249593" y="0"/>
-                  </a:lnTo>
-                  <a:lnTo>
-                    <a:pt x="249593" y="0"/>
-                  </a:lnTo>
-                  <a:lnTo>
-                    <a:pt x="252600" y="0"/>
-                  </a:lnTo>
-                  <a:lnTo>
-                    <a:pt x="252600" y="0"/>
-                  </a:lnTo>
-                  <a:lnTo>
-                    <a:pt x="255607" y="0"/>
-                  </a:lnTo>
-                  <a:lnTo>
-                    <a:pt x="255607" y="0"/>
-                  </a:lnTo>
-                  <a:lnTo>
-                    <a:pt x="258615" y="0"/>
-                  </a:lnTo>
-                  <a:lnTo>
-                    <a:pt x="258615" y="0"/>
-                  </a:lnTo>
-                  <a:lnTo>
-                    <a:pt x="261622" y="0"/>
-                  </a:lnTo>
-                  <a:lnTo>
-                    <a:pt x="261622" y="0"/>
-                  </a:lnTo>
-                  <a:lnTo>
-                    <a:pt x="264629" y="0"/>
-                  </a:lnTo>
-                  <a:lnTo>
-                    <a:pt x="264629" y="0"/>
-                  </a:lnTo>
-                  <a:lnTo>
-                    <a:pt x="267636" y="0"/>
-                  </a:lnTo>
-                  <a:lnTo>
-                    <a:pt x="267636" y="0"/>
-                  </a:lnTo>
-                  <a:lnTo>
                     <a:pt x="270643" y="0"/>
                   </a:lnTo>
                   <a:lnTo>
                     <a:pt x="270643" y="0"/>
                   </a:lnTo>
                   <a:lnTo>
-                    <a:pt x="273650" y="0"/>
-                  </a:lnTo>
-                  <a:lnTo>
-                    <a:pt x="273650" y="0"/>
-                  </a:lnTo>
-                  <a:lnTo>
-                    <a:pt x="276657" y="0"/>
-                  </a:lnTo>
-                  <a:lnTo>
-                    <a:pt x="276657" y="0"/>
-                  </a:lnTo>
-                  <a:lnTo>
-                    <a:pt x="279665" y="0"/>
-                  </a:lnTo>
-                  <a:lnTo>
-                    <a:pt x="279665" y="0"/>
-                  </a:lnTo>
-                  <a:lnTo>
-                    <a:pt x="282672" y="0"/>
-                  </a:lnTo>
-                  <a:lnTo>
-                    <a:pt x="282672" y="0"/>
-                  </a:lnTo>
-                  <a:lnTo>
-                    <a:pt x="285679" y="0"/>
-                  </a:lnTo>
-                  <a:lnTo>
-                    <a:pt x="285679" y="0"/>
-                  </a:lnTo>
-                  <a:lnTo>
-                    <a:pt x="288686" y="0"/>
-                  </a:lnTo>
-                  <a:lnTo>
-                    <a:pt x="288686" y="0"/>
-                  </a:lnTo>
-                  <a:lnTo>
-                    <a:pt x="291693" y="0"/>
-                  </a:lnTo>
-                  <a:lnTo>
-                    <a:pt x="291693" y="0"/>
-                  </a:lnTo>
-                  <a:lnTo>
-                    <a:pt x="294700" y="0"/>
-                  </a:lnTo>
-                  <a:lnTo>
-                    <a:pt x="294700" y="0"/>
-                  </a:lnTo>
-                  <a:lnTo>
-                    <a:pt x="297707" y="0"/>
-                  </a:lnTo>
-                  <a:lnTo>
-                    <a:pt x="297707" y="0"/>
-                  </a:lnTo>
-                  <a:lnTo>
                     <a:pt x="300715" y="0"/>
                   </a:lnTo>
                   <a:lnTo>
                     <a:pt x="300715" y="0"/>
                   </a:lnTo>
                   <a:lnTo>
-                    <a:pt x="303722" y="0"/>
-                  </a:lnTo>
-                  <a:lnTo>
-                    <a:pt x="303722" y="0"/>
-                  </a:lnTo>
-                  <a:lnTo>
-                    <a:pt x="306729" y="0"/>
-                  </a:lnTo>
-                  <a:lnTo>
-                    <a:pt x="306729" y="0"/>
-                  </a:lnTo>
-                  <a:lnTo>
-                    <a:pt x="309736" y="0"/>
-                  </a:lnTo>
-                  <a:lnTo>
-                    <a:pt x="309736" y="1"/>
-                  </a:lnTo>
-                  <a:lnTo>
-                    <a:pt x="312743" y="1"/>
-                  </a:lnTo>
-                  <a:lnTo>
-                    <a:pt x="312743" y="1"/>
-                  </a:lnTo>
-                  <a:lnTo>
-                    <a:pt x="315750" y="1"/>
-                  </a:lnTo>
-                  <a:lnTo>
-                    <a:pt x="315750" y="1"/>
-                  </a:lnTo>
-                  <a:lnTo>
-                    <a:pt x="318758" y="1"/>
-                  </a:lnTo>
-                  <a:lnTo>
-                    <a:pt x="318758" y="1"/>
-                  </a:lnTo>
-                  <a:lnTo>
-                    <a:pt x="321765" y="1"/>
-                  </a:lnTo>
-                  <a:lnTo>
-                    <a:pt x="321765" y="1"/>
-                  </a:lnTo>
-                  <a:lnTo>
-                    <a:pt x="324772" y="1"/>
-                  </a:lnTo>
-                  <a:lnTo>
-                    <a:pt x="324772" y="1"/>
-                  </a:lnTo>
-                  <a:lnTo>
-                    <a:pt x="327779" y="1"/>
-                  </a:lnTo>
-                  <a:lnTo>
-                    <a:pt x="327779" y="1"/>
+                    <a:pt x="330786" y="0"/>
                   </a:lnTo>
                   <a:lnTo>
                     <a:pt x="330786" y="1"/>
                   </a:lnTo>
                   <a:lnTo>
-                    <a:pt x="330786" y="1"/>
-                  </a:lnTo>
-                  <a:lnTo>
-                    <a:pt x="333793" y="1"/>
-                  </a:lnTo>
-                  <a:lnTo>
-                    <a:pt x="333793" y="1"/>
-                  </a:lnTo>
-                  <a:lnTo>
-                    <a:pt x="336800" y="1"/>
-                  </a:lnTo>
-                  <a:lnTo>
-                    <a:pt x="336800" y="2"/>
-                  </a:lnTo>
-                  <a:lnTo>
-                    <a:pt x="339808" y="2"/>
-                  </a:lnTo>
-                  <a:lnTo>
-                    <a:pt x="339808" y="2"/>
-                  </a:lnTo>
-                  <a:lnTo>
-                    <a:pt x="342815" y="2"/>
-                  </a:lnTo>
-                  <a:lnTo>
-                    <a:pt x="342815" y="2"/>
-                  </a:lnTo>
-                  <a:lnTo>
-                    <a:pt x="345822" y="2"/>
-                  </a:lnTo>
-                  <a:lnTo>
-                    <a:pt x="345822" y="2"/>
-                  </a:lnTo>
-                  <a:lnTo>
-                    <a:pt x="348829" y="2"/>
-                  </a:lnTo>
-                  <a:lnTo>
-                    <a:pt x="348829" y="2"/>
-                  </a:lnTo>
-                  <a:lnTo>
-                    <a:pt x="351836" y="2"/>
-                  </a:lnTo>
-                  <a:lnTo>
-                    <a:pt x="351836" y="3"/>
-                  </a:lnTo>
-                  <a:lnTo>
-                    <a:pt x="354843" y="3"/>
-                  </a:lnTo>
-                  <a:lnTo>
-                    <a:pt x="354843" y="3"/>
-                  </a:lnTo>
-                  <a:lnTo>
-                    <a:pt x="357850" y="3"/>
-                  </a:lnTo>
-                  <a:lnTo>
-                    <a:pt x="357850" y="3"/>
+                    <a:pt x="360858" y="1"/>
                   </a:lnTo>
                   <a:lnTo>
                     <a:pt x="360858" y="3"/>
                   </a:lnTo>
                   <a:lnTo>
-                    <a:pt x="360858" y="3"/>
-                  </a:lnTo>
-                  <a:lnTo>
-                    <a:pt x="363865" y="3"/>
-                  </a:lnTo>
-                  <a:lnTo>
-                    <a:pt x="363865" y="3"/>
-                  </a:lnTo>
-                  <a:lnTo>
-                    <a:pt x="366872" y="3"/>
-                  </a:lnTo>
-                  <a:lnTo>
-                    <a:pt x="366872" y="4"/>
-                  </a:lnTo>
-                  <a:lnTo>
-                    <a:pt x="369879" y="4"/>
-                  </a:lnTo>
-                  <a:lnTo>
-                    <a:pt x="369879" y="4"/>
-                  </a:lnTo>
-                  <a:lnTo>
-                    <a:pt x="372886" y="4"/>
-                  </a:lnTo>
-                  <a:lnTo>
-                    <a:pt x="372886" y="5"/>
-                  </a:lnTo>
-                  <a:lnTo>
-                    <a:pt x="375893" y="5"/>
-                  </a:lnTo>
-                  <a:lnTo>
-                    <a:pt x="375893" y="5"/>
-                  </a:lnTo>
-                  <a:lnTo>
-                    <a:pt x="378901" y="5"/>
-                  </a:lnTo>
-                  <a:lnTo>
-                    <a:pt x="378901" y="5"/>
-                  </a:lnTo>
-                  <a:lnTo>
-                    <a:pt x="381908" y="5"/>
-                  </a:lnTo>
-                  <a:lnTo>
-                    <a:pt x="381908" y="6"/>
-                  </a:lnTo>
-                  <a:lnTo>
-                    <a:pt x="384915" y="6"/>
-                  </a:lnTo>
-                  <a:lnTo>
-                    <a:pt x="384915" y="6"/>
-                  </a:lnTo>
-                  <a:lnTo>
-                    <a:pt x="387922" y="6"/>
-                  </a:lnTo>
-                  <a:lnTo>
-                    <a:pt x="387922" y="7"/>
+                    <a:pt x="390929" y="3"/>
                   </a:lnTo>
                   <a:lnTo>
                     <a:pt x="390929" y="7"/>
                   </a:lnTo>
                   <a:lnTo>
-                    <a:pt x="390929" y="7"/>
-                  </a:lnTo>
-                  <a:lnTo>
-                    <a:pt x="393936" y="7"/>
-                  </a:lnTo>
-                  <a:lnTo>
-                    <a:pt x="393936" y="8"/>
-                  </a:lnTo>
-                  <a:lnTo>
-                    <a:pt x="396943" y="8"/>
-                  </a:lnTo>
-                  <a:lnTo>
-                    <a:pt x="396943" y="9"/>
-                  </a:lnTo>
-                  <a:lnTo>
-                    <a:pt x="399951" y="9"/>
-                  </a:lnTo>
-                  <a:lnTo>
-                    <a:pt x="399951" y="10"/>
-                  </a:lnTo>
-                  <a:lnTo>
-                    <a:pt x="402958" y="10"/>
-                  </a:lnTo>
-                  <a:lnTo>
-                    <a:pt x="402958" y="10"/>
-                  </a:lnTo>
-                  <a:lnTo>
-                    <a:pt x="405965" y="10"/>
-                  </a:lnTo>
-                  <a:lnTo>
-                    <a:pt x="405965" y="11"/>
-                  </a:lnTo>
-                  <a:lnTo>
-                    <a:pt x="408972" y="11"/>
-                  </a:lnTo>
-                  <a:lnTo>
-                    <a:pt x="408972" y="12"/>
-                  </a:lnTo>
-                  <a:lnTo>
-                    <a:pt x="411979" y="12"/>
-                  </a:lnTo>
-                  <a:lnTo>
-                    <a:pt x="411979" y="13"/>
-                  </a:lnTo>
-                  <a:lnTo>
-                    <a:pt x="414986" y="13"/>
-                  </a:lnTo>
-                  <a:lnTo>
-                    <a:pt x="414986" y="14"/>
-                  </a:lnTo>
-                  <a:lnTo>
-                    <a:pt x="417994" y="14"/>
-                  </a:lnTo>
-                  <a:lnTo>
-                    <a:pt x="417994" y="15"/>
+                    <a:pt x="421001" y="7"/>
                   </a:lnTo>
                   <a:lnTo>
                     <a:pt x="421001" y="15"/>
                   </a:lnTo>
                   <a:lnTo>
-                    <a:pt x="421001" y="15"/>
-                  </a:lnTo>
-                  <a:lnTo>
-                    <a:pt x="424008" y="15"/>
-                  </a:lnTo>
-                  <a:lnTo>
-                    <a:pt x="424008" y="17"/>
-                  </a:lnTo>
-                  <a:lnTo>
-                    <a:pt x="427015" y="17"/>
-                  </a:lnTo>
-                  <a:lnTo>
-                    <a:pt x="427015" y="19"/>
-                  </a:lnTo>
-                  <a:lnTo>
-                    <a:pt x="430022" y="19"/>
-                  </a:lnTo>
-                  <a:lnTo>
-                    <a:pt x="430022" y="21"/>
-                  </a:lnTo>
-                  <a:lnTo>
-                    <a:pt x="433029" y="21"/>
-                  </a:lnTo>
-                  <a:lnTo>
-                    <a:pt x="433029" y="23"/>
-                  </a:lnTo>
-                  <a:lnTo>
-                    <a:pt x="436036" y="23"/>
-                  </a:lnTo>
-                  <a:lnTo>
-                    <a:pt x="436036" y="24"/>
-                  </a:lnTo>
-                  <a:lnTo>
-                    <a:pt x="439044" y="24"/>
-                  </a:lnTo>
-                  <a:lnTo>
-                    <a:pt x="439044" y="26"/>
-                  </a:lnTo>
-                  <a:lnTo>
-                    <a:pt x="442051" y="26"/>
-                  </a:lnTo>
-                  <a:lnTo>
-                    <a:pt x="442051" y="28"/>
-                  </a:lnTo>
-                  <a:lnTo>
-                    <a:pt x="445058" y="28"/>
-                  </a:lnTo>
-                  <a:lnTo>
-                    <a:pt x="445058" y="30"/>
-                  </a:lnTo>
-                  <a:lnTo>
-                    <a:pt x="448065" y="30"/>
-                  </a:lnTo>
-                  <a:lnTo>
-                    <a:pt x="448065" y="31"/>
-                  </a:lnTo>
-                  <a:lnTo>
-                    <a:pt x="451072" y="31"/>
+                    <a:pt x="451072" y="15"/>
                   </a:lnTo>
                   <a:lnTo>
                     <a:pt x="451072" y="33"/>
                   </a:lnTo>
                   <a:lnTo>
-                    <a:pt x="454079" y="33"/>
-                  </a:lnTo>
-                  <a:lnTo>
-                    <a:pt x="454079" y="37"/>
-                  </a:lnTo>
-                  <a:lnTo>
-                    <a:pt x="457086" y="37"/>
-                  </a:lnTo>
-                  <a:lnTo>
-                    <a:pt x="457086" y="41"/>
-                  </a:lnTo>
-                  <a:lnTo>
-                    <a:pt x="460094" y="41"/>
-                  </a:lnTo>
-                  <a:lnTo>
-                    <a:pt x="460094" y="44"/>
-                  </a:lnTo>
-                  <a:lnTo>
-                    <a:pt x="463101" y="44"/>
-                  </a:lnTo>
-                  <a:lnTo>
-                    <a:pt x="463101" y="48"/>
-                  </a:lnTo>
-                  <a:lnTo>
-                    <a:pt x="466108" y="48"/>
-                  </a:lnTo>
-                  <a:lnTo>
-                    <a:pt x="466108" y="52"/>
-                  </a:lnTo>
-                  <a:lnTo>
-                    <a:pt x="469115" y="52"/>
-                  </a:lnTo>
-                  <a:lnTo>
-                    <a:pt x="469115" y="56"/>
-                  </a:lnTo>
-                  <a:lnTo>
-                    <a:pt x="472122" y="56"/>
-                  </a:lnTo>
-                  <a:lnTo>
-                    <a:pt x="472122" y="59"/>
-                  </a:lnTo>
-                  <a:lnTo>
-                    <a:pt x="475129" y="59"/>
-                  </a:lnTo>
-                  <a:lnTo>
-                    <a:pt x="475129" y="63"/>
-                  </a:lnTo>
-                  <a:lnTo>
-                    <a:pt x="478137" y="63"/>
-                  </a:lnTo>
-                  <a:lnTo>
-                    <a:pt x="478137" y="67"/>
-                  </a:lnTo>
-                  <a:lnTo>
-                    <a:pt x="481144" y="67"/>
+                    <a:pt x="481144" y="33"/>
                   </a:lnTo>
                   <a:lnTo>
                     <a:pt x="481144" y="71"/>
                   </a:lnTo>
                   <a:lnTo>
-                    <a:pt x="484151" y="71"/>
-                  </a:lnTo>
-                  <a:lnTo>
-                    <a:pt x="484151" y="78"/>
-                  </a:lnTo>
-                  <a:lnTo>
-                    <a:pt x="487158" y="78"/>
-                  </a:lnTo>
-                  <a:lnTo>
-                    <a:pt x="487158" y="86"/>
-                  </a:lnTo>
-                  <a:lnTo>
-                    <a:pt x="490165" y="86"/>
-                  </a:lnTo>
-                  <a:lnTo>
-                    <a:pt x="490165" y="94"/>
-                  </a:lnTo>
-                  <a:lnTo>
-                    <a:pt x="493172" y="94"/>
-                  </a:lnTo>
-                  <a:lnTo>
-                    <a:pt x="493172" y="102"/>
-                  </a:lnTo>
-                  <a:lnTo>
-                    <a:pt x="496179" y="102"/>
-                  </a:lnTo>
-                  <a:lnTo>
-                    <a:pt x="496179" y="110"/>
-                  </a:lnTo>
-                  <a:lnTo>
-                    <a:pt x="499187" y="110"/>
-                  </a:lnTo>
-                  <a:lnTo>
-                    <a:pt x="499187" y="118"/>
-                  </a:lnTo>
-                  <a:lnTo>
-                    <a:pt x="502194" y="118"/>
-                  </a:lnTo>
-                  <a:lnTo>
-                    <a:pt x="502194" y="126"/>
-                  </a:lnTo>
-                  <a:lnTo>
-                    <a:pt x="505201" y="126"/>
-                  </a:lnTo>
-                  <a:lnTo>
-                    <a:pt x="505201" y="134"/>
-                  </a:lnTo>
-                  <a:lnTo>
-                    <a:pt x="508208" y="134"/>
-                  </a:lnTo>
-                  <a:lnTo>
-                    <a:pt x="508208" y="142"/>
-                  </a:lnTo>
-                  <a:lnTo>
-                    <a:pt x="511215" y="142"/>
+                    <a:pt x="511215" y="71"/>
                   </a:lnTo>
                   <a:lnTo>
                     <a:pt x="511215" y="149"/>
                   </a:lnTo>
                   <a:lnTo>
-                    <a:pt x="514222" y="149"/>
-                  </a:lnTo>
-                  <a:lnTo>
-                    <a:pt x="514222" y="166"/>
-                  </a:lnTo>
-                  <a:lnTo>
-                    <a:pt x="517230" y="166"/>
-                  </a:lnTo>
-                  <a:lnTo>
-                    <a:pt x="517230" y="183"/>
-                  </a:lnTo>
-                  <a:lnTo>
-                    <a:pt x="520237" y="183"/>
-                  </a:lnTo>
-                  <a:lnTo>
-                    <a:pt x="520237" y="199"/>
-                  </a:lnTo>
-                  <a:lnTo>
-                    <a:pt x="523244" y="199"/>
-                  </a:lnTo>
-                  <a:lnTo>
-                    <a:pt x="523244" y="216"/>
-                  </a:lnTo>
-                  <a:lnTo>
-                    <a:pt x="526251" y="216"/>
-                  </a:lnTo>
-                  <a:lnTo>
-                    <a:pt x="526251" y="232"/>
-                  </a:lnTo>
-                  <a:lnTo>
-                    <a:pt x="529258" y="232"/>
-                  </a:lnTo>
-                  <a:lnTo>
-                    <a:pt x="529258" y="249"/>
-                  </a:lnTo>
-                  <a:lnTo>
-                    <a:pt x="532265" y="249"/>
-                  </a:lnTo>
-                  <a:lnTo>
-                    <a:pt x="532265" y="266"/>
-                  </a:lnTo>
-                  <a:lnTo>
-                    <a:pt x="535272" y="266"/>
-                  </a:lnTo>
-                  <a:lnTo>
-                    <a:pt x="535272" y="282"/>
-                  </a:lnTo>
-                  <a:lnTo>
-                    <a:pt x="538280" y="282"/>
-                  </a:lnTo>
-                  <a:lnTo>
-                    <a:pt x="538280" y="299"/>
-                  </a:lnTo>
-                  <a:lnTo>
-                    <a:pt x="541287" y="299"/>
+                    <a:pt x="541287" y="149"/>
                   </a:lnTo>
                   <a:lnTo>
                     <a:pt x="541287" y="315"/>
                   </a:lnTo>
                   <a:lnTo>
-                    <a:pt x="544294" y="315"/>
-                  </a:lnTo>
-                  <a:lnTo>
-                    <a:pt x="544294" y="350"/>
-                  </a:lnTo>
-                  <a:lnTo>
-                    <a:pt x="547301" y="350"/>
-                  </a:lnTo>
-                  <a:lnTo>
-                    <a:pt x="547301" y="385"/>
-                  </a:lnTo>
-                  <a:lnTo>
-                    <a:pt x="550308" y="385"/>
-                  </a:lnTo>
-                  <a:lnTo>
-                    <a:pt x="550308" y="420"/>
-                  </a:lnTo>
-                  <a:lnTo>
-                    <a:pt x="553315" y="420"/>
-                  </a:lnTo>
-                  <a:lnTo>
-                    <a:pt x="553315" y="455"/>
-                  </a:lnTo>
-                  <a:lnTo>
-                    <a:pt x="556322" y="455"/>
-                  </a:lnTo>
-                  <a:lnTo>
-                    <a:pt x="556322" y="489"/>
-                  </a:lnTo>
-                  <a:lnTo>
-                    <a:pt x="559330" y="489"/>
-                  </a:lnTo>
-                  <a:lnTo>
-                    <a:pt x="559330" y="524"/>
-                  </a:lnTo>
-                  <a:lnTo>
-                    <a:pt x="562337" y="524"/>
-                  </a:lnTo>
-                  <a:lnTo>
-                    <a:pt x="562337" y="559"/>
-                  </a:lnTo>
-                  <a:lnTo>
-                    <a:pt x="565344" y="559"/>
-                  </a:lnTo>
-                  <a:lnTo>
-                    <a:pt x="565344" y="594"/>
-                  </a:lnTo>
-                  <a:lnTo>
-                    <a:pt x="568351" y="594"/>
-                  </a:lnTo>
-                  <a:lnTo>
-                    <a:pt x="568351" y="629"/>
-                  </a:lnTo>
-                  <a:lnTo>
-                    <a:pt x="571358" y="629"/>
+                    <a:pt x="571358" y="315"/>
                   </a:lnTo>
                   <a:lnTo>
                     <a:pt x="571358" y="664"/>
                   </a:lnTo>
                   <a:lnTo>
-                    <a:pt x="574365" y="664"/>
-                  </a:lnTo>
-                  <a:lnTo>
-                    <a:pt x="574365" y="736"/>
-                  </a:lnTo>
-                  <a:lnTo>
-                    <a:pt x="577373" y="736"/>
-                  </a:lnTo>
-                  <a:lnTo>
-                    <a:pt x="577373" y="808"/>
-                  </a:lnTo>
-                  <a:lnTo>
-                    <a:pt x="580380" y="808"/>
-                  </a:lnTo>
-                  <a:lnTo>
-                    <a:pt x="580380" y="880"/>
-                  </a:lnTo>
-                  <a:lnTo>
-                    <a:pt x="583387" y="880"/>
-                  </a:lnTo>
-                  <a:lnTo>
-                    <a:pt x="583387" y="952"/>
-                  </a:lnTo>
-                  <a:lnTo>
-                    <a:pt x="586394" y="952"/>
-                  </a:lnTo>
-                  <a:lnTo>
-                    <a:pt x="586394" y="1024"/>
-                  </a:lnTo>
-                  <a:lnTo>
-                    <a:pt x="589401" y="1024"/>
-                  </a:lnTo>
-                  <a:lnTo>
-                    <a:pt x="589401" y="1096"/>
-                  </a:lnTo>
-                  <a:lnTo>
-                    <a:pt x="592408" y="1096"/>
-                  </a:lnTo>
-                  <a:lnTo>
-                    <a:pt x="592408" y="1168"/>
-                  </a:lnTo>
-                  <a:lnTo>
-                    <a:pt x="595415" y="1168"/>
-                  </a:lnTo>
-                  <a:lnTo>
-                    <a:pt x="595415" y="1240"/>
-                  </a:lnTo>
-                  <a:lnTo>
-                    <a:pt x="598423" y="1240"/>
-                  </a:lnTo>
-                  <a:lnTo>
-                    <a:pt x="598423" y="1312"/>
-                  </a:lnTo>
-                  <a:lnTo>
-                    <a:pt x="601430" y="1312"/>
+                    <a:pt x="601430" y="664"/>
                   </a:lnTo>
                   <a:lnTo>
                     <a:pt x="601430" y="1384"/>
                   </a:lnTo>
                   <a:lnTo>
-                    <a:pt x="604437" y="1384"/>
-                  </a:lnTo>
-                  <a:lnTo>
-                    <a:pt x="604437" y="1532"/>
-                  </a:lnTo>
-                  <a:lnTo>
-                    <a:pt x="607444" y="1532"/>
-                  </a:lnTo>
-                  <a:lnTo>
-                    <a:pt x="607444" y="1680"/>
-                  </a:lnTo>
-                  <a:lnTo>
-                    <a:pt x="610451" y="1680"/>
-                  </a:lnTo>
-                  <a:lnTo>
-                    <a:pt x="610451" y="1828"/>
-                  </a:lnTo>
-                  <a:lnTo>
-                    <a:pt x="613458" y="1828"/>
-                  </a:lnTo>
-                  <a:lnTo>
-                    <a:pt x="613458" y="1976"/>
-                  </a:lnTo>
-                  <a:lnTo>
-                    <a:pt x="616465" y="1976"/>
-                  </a:lnTo>
-                  <a:lnTo>
-                    <a:pt x="616465" y="2124"/>
-                  </a:lnTo>
-                  <a:lnTo>
-                    <a:pt x="619473" y="2124"/>
-                  </a:lnTo>
-                  <a:lnTo>
-                    <a:pt x="619473" y="2272"/>
-                  </a:lnTo>
-                  <a:lnTo>
-                    <a:pt x="622480" y="2272"/>
-                  </a:lnTo>
-                  <a:lnTo>
-                    <a:pt x="622480" y="2420"/>
-                  </a:lnTo>
-                  <a:lnTo>
-                    <a:pt x="625487" y="2420"/>
-                  </a:lnTo>
-                  <a:lnTo>
-                    <a:pt x="625487" y="2568"/>
-                  </a:lnTo>
-                  <a:lnTo>
-                    <a:pt x="628494" y="2568"/>
-                  </a:lnTo>
-                  <a:lnTo>
-                    <a:pt x="628494" y="2716"/>
-                  </a:lnTo>
-                  <a:lnTo>
-                    <a:pt x="631501" y="2716"/>
+                    <a:pt x="631501" y="1384"/>
                   </a:lnTo>
                   <a:lnTo>
                     <a:pt x="631501" y="2864"/>
                   </a:lnTo>
                   <a:lnTo>
-                    <a:pt x="634508" y="2864"/>
-                  </a:lnTo>
-                  <a:lnTo>
-                    <a:pt x="634508" y="3149"/>
-                  </a:lnTo>
-                  <a:lnTo>
-                    <a:pt x="637516" y="3149"/>
-                  </a:lnTo>
-                  <a:lnTo>
-                    <a:pt x="637516" y="3434"/>
-                  </a:lnTo>
-                  <a:lnTo>
-                    <a:pt x="640523" y="3434"/>
-                  </a:lnTo>
-                  <a:lnTo>
-                    <a:pt x="640523" y="3720"/>
-                  </a:lnTo>
-                  <a:lnTo>
-                    <a:pt x="643530" y="3720"/>
-                  </a:lnTo>
-                  <a:lnTo>
-                    <a:pt x="643530" y="4005"/>
-                  </a:lnTo>
-                  <a:lnTo>
-                    <a:pt x="646537" y="4005"/>
-                  </a:lnTo>
-                  <a:lnTo>
-                    <a:pt x="646537" y="4290"/>
-                  </a:lnTo>
-                  <a:lnTo>
-                    <a:pt x="649544" y="4290"/>
-                  </a:lnTo>
-                  <a:lnTo>
-                    <a:pt x="649544" y="4575"/>
-                  </a:lnTo>
-                  <a:lnTo>
-                    <a:pt x="652551" y="4575"/>
-                  </a:lnTo>
-                  <a:lnTo>
-                    <a:pt x="652551" y="4860"/>
-                  </a:lnTo>
-                  <a:lnTo>
-                    <a:pt x="655558" y="4860"/>
-                  </a:lnTo>
-                  <a:lnTo>
-                    <a:pt x="655558" y="5145"/>
-                  </a:lnTo>
-                  <a:lnTo>
-                    <a:pt x="658566" y="5145"/>
-                  </a:lnTo>
-                  <a:lnTo>
-                    <a:pt x="658566" y="5431"/>
-                  </a:lnTo>
-                  <a:lnTo>
-                    <a:pt x="661573" y="5431"/>
+                    <a:pt x="661573" y="2864"/>
                   </a:lnTo>
                   <a:lnTo>
                     <a:pt x="661573" y="5716"/>
                   </a:lnTo>
                   <a:lnTo>
-                    <a:pt x="664580" y="5716"/>
-                  </a:lnTo>
-                  <a:lnTo>
-                    <a:pt x="664580" y="6255"/>
-                  </a:lnTo>
-                  <a:lnTo>
-                    <a:pt x="667587" y="6255"/>
-                  </a:lnTo>
-                  <a:lnTo>
-                    <a:pt x="667587" y="6795"/>
-                  </a:lnTo>
-                  <a:lnTo>
-                    <a:pt x="670594" y="6795"/>
-                  </a:lnTo>
-                  <a:lnTo>
-                    <a:pt x="670594" y="7334"/>
-                  </a:lnTo>
-                  <a:lnTo>
-                    <a:pt x="673601" y="7334"/>
-                  </a:lnTo>
-                  <a:lnTo>
-                    <a:pt x="673601" y="7873"/>
-                  </a:lnTo>
-                  <a:lnTo>
-                    <a:pt x="676609" y="7873"/>
-                  </a:lnTo>
-                  <a:lnTo>
-                    <a:pt x="676609" y="8413"/>
-                  </a:lnTo>
-                  <a:lnTo>
-                    <a:pt x="679616" y="8413"/>
-                  </a:lnTo>
-                  <a:lnTo>
-                    <a:pt x="679616" y="8952"/>
-                  </a:lnTo>
-                  <a:lnTo>
-                    <a:pt x="682623" y="8952"/>
-                  </a:lnTo>
-                  <a:lnTo>
-                    <a:pt x="682623" y="9491"/>
-                  </a:lnTo>
-                  <a:lnTo>
-                    <a:pt x="685630" y="9491"/>
-                  </a:lnTo>
-                  <a:lnTo>
-                    <a:pt x="685630" y="10030"/>
-                  </a:lnTo>
-                  <a:lnTo>
-                    <a:pt x="688637" y="10030"/>
-                  </a:lnTo>
-                  <a:lnTo>
-                    <a:pt x="688637" y="10568"/>
-                  </a:lnTo>
-                  <a:lnTo>
-                    <a:pt x="691644" y="10568"/>
+                    <a:pt x="691644" y="5716"/>
                   </a:lnTo>
                   <a:lnTo>
                     <a:pt x="691644" y="11107"/>
                   </a:lnTo>
                   <a:lnTo>
-                    <a:pt x="694651" y="11107"/>
-                  </a:lnTo>
-                  <a:lnTo>
-                    <a:pt x="694651" y="12033"/>
-                  </a:lnTo>
-                  <a:lnTo>
-                    <a:pt x="697659" y="12033"/>
-                  </a:lnTo>
-                  <a:lnTo>
-                    <a:pt x="697659" y="12959"/>
-                  </a:lnTo>
-                  <a:lnTo>
-                    <a:pt x="700666" y="12959"/>
-                  </a:lnTo>
-                  <a:lnTo>
-                    <a:pt x="700666" y="13885"/>
-                  </a:lnTo>
-                  <a:lnTo>
-                    <a:pt x="703673" y="13885"/>
-                  </a:lnTo>
-                  <a:lnTo>
-                    <a:pt x="703673" y="14810"/>
-                  </a:lnTo>
-                  <a:lnTo>
-                    <a:pt x="706680" y="14810"/>
-                  </a:lnTo>
-                  <a:lnTo>
-                    <a:pt x="706680" y="15735"/>
-                  </a:lnTo>
-                  <a:lnTo>
-                    <a:pt x="709687" y="15735"/>
-                  </a:lnTo>
-                  <a:lnTo>
-                    <a:pt x="709687" y="16659"/>
-                  </a:lnTo>
-                  <a:lnTo>
-                    <a:pt x="712694" y="16659"/>
-                  </a:lnTo>
-                  <a:lnTo>
-                    <a:pt x="712694" y="17583"/>
-                  </a:lnTo>
-                  <a:lnTo>
-                    <a:pt x="715701" y="17583"/>
-                  </a:lnTo>
-                  <a:lnTo>
-                    <a:pt x="715701" y="18507"/>
-                  </a:lnTo>
-                  <a:lnTo>
-                    <a:pt x="718709" y="18507"/>
-                  </a:lnTo>
-                  <a:lnTo>
-                    <a:pt x="718709" y="19431"/>
-                  </a:lnTo>
-                  <a:lnTo>
-                    <a:pt x="721716" y="19431"/>
+                    <a:pt x="721716" y="11107"/>
                   </a:lnTo>
                   <a:lnTo>
                     <a:pt x="721716" y="20354"/>
                   </a:lnTo>
                   <a:lnTo>
-                    <a:pt x="724723" y="20354"/>
-                  </a:lnTo>
-                  <a:lnTo>
-                    <a:pt x="724723" y="21771"/>
-                  </a:lnTo>
-                  <a:lnTo>
-                    <a:pt x="727730" y="21771"/>
-                  </a:lnTo>
-                  <a:lnTo>
-                    <a:pt x="727730" y="23187"/>
-                  </a:lnTo>
-                  <a:lnTo>
-                    <a:pt x="730737" y="23187"/>
-                  </a:lnTo>
-                  <a:lnTo>
-                    <a:pt x="730737" y="24601"/>
-                  </a:lnTo>
-                  <a:lnTo>
-                    <a:pt x="733744" y="24601"/>
-                  </a:lnTo>
-                  <a:lnTo>
-                    <a:pt x="733744" y="26016"/>
-                  </a:lnTo>
-                  <a:lnTo>
-                    <a:pt x="736752" y="26016"/>
-                  </a:lnTo>
-                  <a:lnTo>
-                    <a:pt x="736752" y="27429"/>
-                  </a:lnTo>
-                  <a:lnTo>
-                    <a:pt x="739759" y="27429"/>
-                  </a:lnTo>
-                  <a:lnTo>
-                    <a:pt x="739759" y="28842"/>
-                  </a:lnTo>
-                  <a:lnTo>
-                    <a:pt x="742766" y="28842"/>
-                  </a:lnTo>
-                  <a:lnTo>
-                    <a:pt x="742766" y="30254"/>
-                  </a:lnTo>
-                  <a:lnTo>
-                    <a:pt x="745773" y="30254"/>
-                  </a:lnTo>
-                  <a:lnTo>
-                    <a:pt x="745773" y="31665"/>
-                  </a:lnTo>
-                  <a:lnTo>
-                    <a:pt x="748780" y="31665"/>
-                  </a:lnTo>
-                  <a:lnTo>
-                    <a:pt x="748780" y="33076"/>
-                  </a:lnTo>
-                  <a:lnTo>
-                    <a:pt x="751787" y="33076"/>
+                    <a:pt x="751787" y="20354"/>
                   </a:lnTo>
                   <a:lnTo>
                     <a:pt x="751787" y="34485"/>
                   </a:lnTo>
                   <a:lnTo>
-                    <a:pt x="754794" y="34485"/>
-                  </a:lnTo>
-                  <a:lnTo>
-                    <a:pt x="754794" y="36067"/>
-                  </a:lnTo>
-                  <a:lnTo>
-                    <a:pt x="757802" y="36067"/>
-                  </a:lnTo>
-                  <a:lnTo>
-                    <a:pt x="757802" y="37647"/>
-                  </a:lnTo>
-                  <a:lnTo>
-                    <a:pt x="760809" y="37647"/>
-                  </a:lnTo>
-                  <a:lnTo>
-                    <a:pt x="760809" y="39226"/>
-                  </a:lnTo>
-                  <a:lnTo>
-                    <a:pt x="763816" y="39226"/>
-                  </a:lnTo>
-                  <a:lnTo>
-                    <a:pt x="763816" y="40805"/>
-                  </a:lnTo>
-                  <a:lnTo>
-                    <a:pt x="766823" y="40805"/>
-                  </a:lnTo>
-                  <a:lnTo>
-                    <a:pt x="766823" y="42382"/>
-                  </a:lnTo>
-                  <a:lnTo>
-                    <a:pt x="769830" y="42382"/>
-                  </a:lnTo>
-                  <a:lnTo>
-                    <a:pt x="769830" y="43959"/>
-                  </a:lnTo>
-                  <a:lnTo>
-                    <a:pt x="772837" y="43959"/>
-                  </a:lnTo>
-                  <a:lnTo>
-                    <a:pt x="772837" y="45534"/>
-                  </a:lnTo>
-                  <a:lnTo>
-                    <a:pt x="775845" y="45534"/>
-                  </a:lnTo>
-                  <a:lnTo>
-                    <a:pt x="775845" y="47109"/>
-                  </a:lnTo>
-                  <a:lnTo>
-                    <a:pt x="778852" y="47109"/>
-                  </a:lnTo>
-                  <a:lnTo>
-                    <a:pt x="778852" y="48683"/>
-                  </a:lnTo>
-                  <a:lnTo>
-                    <a:pt x="781859" y="48683"/>
+                    <a:pt x="781859" y="34485"/>
                   </a:lnTo>
                   <a:lnTo>
                     <a:pt x="781859" y="50255"/>
                   </a:lnTo>
                   <a:lnTo>
-                    <a:pt x="784866" y="50255"/>
-                  </a:lnTo>
-                  <a:lnTo>
-                    <a:pt x="784866" y="51967"/>
-                  </a:lnTo>
-                  <a:lnTo>
-                    <a:pt x="787873" y="51967"/>
-                  </a:lnTo>
-                  <a:lnTo>
-                    <a:pt x="787873" y="53678"/>
-                  </a:lnTo>
-                  <a:lnTo>
-                    <a:pt x="790880" y="53678"/>
-                  </a:lnTo>
-                  <a:lnTo>
-                    <a:pt x="790880" y="55388"/>
-                  </a:lnTo>
-                  <a:lnTo>
-                    <a:pt x="793887" y="55388"/>
-                  </a:lnTo>
-                  <a:lnTo>
-                    <a:pt x="793887" y="57096"/>
-                  </a:lnTo>
-                  <a:lnTo>
-                    <a:pt x="796895" y="57096"/>
-                  </a:lnTo>
-                  <a:lnTo>
-                    <a:pt x="796895" y="58803"/>
-                  </a:lnTo>
-                  <a:lnTo>
-                    <a:pt x="799902" y="58803"/>
-                  </a:lnTo>
-                  <a:lnTo>
-                    <a:pt x="799902" y="60510"/>
-                  </a:lnTo>
-                  <a:lnTo>
-                    <a:pt x="802909" y="60510"/>
-                  </a:lnTo>
-                  <a:lnTo>
-                    <a:pt x="802909" y="62215"/>
-                  </a:lnTo>
-                  <a:lnTo>
-                    <a:pt x="805916" y="62215"/>
-                  </a:lnTo>
-                  <a:lnTo>
-                    <a:pt x="805916" y="63919"/>
-                  </a:lnTo>
-                  <a:lnTo>
-                    <a:pt x="808923" y="63919"/>
-                  </a:lnTo>
-                  <a:lnTo>
-                    <a:pt x="808923" y="65622"/>
-                  </a:lnTo>
-                  <a:lnTo>
-                    <a:pt x="811930" y="65622"/>
+                    <a:pt x="811930" y="50255"/>
                   </a:lnTo>
                   <a:lnTo>
                     <a:pt x="811930" y="67324"/>
                   </a:lnTo>
                   <a:lnTo>
-                    <a:pt x="814937" y="67324"/>
-                  </a:lnTo>
-                  <a:lnTo>
-                    <a:pt x="814937" y="69121"/>
-                  </a:lnTo>
-                  <a:lnTo>
-                    <a:pt x="817945" y="69121"/>
-                  </a:lnTo>
-                  <a:lnTo>
-                    <a:pt x="817945" y="70917"/>
-                  </a:lnTo>
-                  <a:lnTo>
-                    <a:pt x="820952" y="70917"/>
-                  </a:lnTo>
-                  <a:lnTo>
-                    <a:pt x="820952" y="72712"/>
-                  </a:lnTo>
-                  <a:lnTo>
-                    <a:pt x="823959" y="72712"/>
-                  </a:lnTo>
-                  <a:lnTo>
-                    <a:pt x="823959" y="74506"/>
-                  </a:lnTo>
-                  <a:lnTo>
-                    <a:pt x="826966" y="74506"/>
-                  </a:lnTo>
-                  <a:lnTo>
-                    <a:pt x="826966" y="76299"/>
-                  </a:lnTo>
-                  <a:lnTo>
-                    <a:pt x="829973" y="76299"/>
-                  </a:lnTo>
-                  <a:lnTo>
-                    <a:pt x="829973" y="78090"/>
-                  </a:lnTo>
-                  <a:lnTo>
-                    <a:pt x="832980" y="78090"/>
-                  </a:lnTo>
-                  <a:lnTo>
-                    <a:pt x="832980" y="79880"/>
-                  </a:lnTo>
-                  <a:lnTo>
-                    <a:pt x="835988" y="79880"/>
-                  </a:lnTo>
-                  <a:lnTo>
-                    <a:pt x="835988" y="81669"/>
-                  </a:lnTo>
-                  <a:lnTo>
-                    <a:pt x="838995" y="81669"/>
-                  </a:lnTo>
-                  <a:lnTo>
-                    <a:pt x="838995" y="83456"/>
-                  </a:lnTo>
-                  <a:lnTo>
-                    <a:pt x="842002" y="83456"/>
+                    <a:pt x="842002" y="67324"/>
                   </a:lnTo>
                   <a:lnTo>
                     <a:pt x="842002" y="85243"/>
                   </a:lnTo>
                   <a:lnTo>
-                    <a:pt x="845009" y="85243"/>
-                  </a:lnTo>
-                  <a:lnTo>
-                    <a:pt x="845009" y="87515"/>
-                  </a:lnTo>
-                  <a:lnTo>
-                    <a:pt x="848016" y="87515"/>
-                  </a:lnTo>
-                  <a:lnTo>
-                    <a:pt x="848016" y="89786"/>
-                  </a:lnTo>
-                  <a:lnTo>
-                    <a:pt x="851023" y="89786"/>
-                  </a:lnTo>
-                  <a:lnTo>
-                    <a:pt x="851023" y="92054"/>
-                  </a:lnTo>
-                  <a:lnTo>
-                    <a:pt x="854030" y="92054"/>
-                  </a:lnTo>
-                  <a:lnTo>
-                    <a:pt x="854030" y="94321"/>
-                  </a:lnTo>
-                  <a:lnTo>
-                    <a:pt x="857038" y="94321"/>
-                  </a:lnTo>
-                  <a:lnTo>
-                    <a:pt x="857038" y="96585"/>
-                  </a:lnTo>
-                  <a:lnTo>
-                    <a:pt x="860045" y="96585"/>
-                  </a:lnTo>
-                  <a:lnTo>
-                    <a:pt x="860045" y="98848"/>
-                  </a:lnTo>
-                  <a:lnTo>
-                    <a:pt x="863052" y="98848"/>
-                  </a:lnTo>
-                  <a:lnTo>
-                    <a:pt x="863052" y="101108"/>
-                  </a:lnTo>
-                  <a:lnTo>
-                    <a:pt x="866059" y="101108"/>
-                  </a:lnTo>
-                  <a:lnTo>
-                    <a:pt x="866059" y="103367"/>
-                  </a:lnTo>
-                  <a:lnTo>
-                    <a:pt x="869066" y="103367"/>
-                  </a:lnTo>
-                  <a:lnTo>
-                    <a:pt x="869066" y="105623"/>
-                  </a:lnTo>
-                  <a:lnTo>
-                    <a:pt x="872073" y="105623"/>
+                    <a:pt x="872073" y="85243"/>
                   </a:lnTo>
                   <a:lnTo>
                     <a:pt x="872073" y="107878"/>
                   </a:lnTo>
                   <a:lnTo>
-                    <a:pt x="875080" y="107878"/>
-                  </a:lnTo>
-                  <a:lnTo>
-                    <a:pt x="875080" y="110946"/>
-                  </a:lnTo>
-                  <a:lnTo>
-                    <a:pt x="878088" y="110946"/>
-                  </a:lnTo>
-                  <a:lnTo>
-                    <a:pt x="878088" y="114011"/>
-                  </a:lnTo>
-                  <a:lnTo>
-                    <a:pt x="881095" y="114011"/>
-                  </a:lnTo>
-                  <a:lnTo>
-                    <a:pt x="881095" y="117072"/>
-                  </a:lnTo>
-                  <a:lnTo>
-                    <a:pt x="884102" y="117072"/>
-                  </a:lnTo>
-                  <a:lnTo>
-                    <a:pt x="884102" y="120129"/>
-                  </a:lnTo>
-                  <a:lnTo>
-                    <a:pt x="887109" y="120129"/>
-                  </a:lnTo>
-                  <a:lnTo>
-                    <a:pt x="887109" y="123183"/>
-                  </a:lnTo>
-                  <a:lnTo>
-                    <a:pt x="890116" y="123183"/>
-                  </a:lnTo>
-                  <a:lnTo>
-                    <a:pt x="890116" y="126233"/>
-                  </a:lnTo>
-                  <a:lnTo>
-                    <a:pt x="893123" y="126233"/>
-                  </a:lnTo>
-                  <a:lnTo>
-                    <a:pt x="893123" y="129279"/>
-                  </a:lnTo>
-                  <a:lnTo>
-                    <a:pt x="896131" y="129279"/>
-                  </a:lnTo>
-                  <a:lnTo>
-                    <a:pt x="896131" y="132322"/>
-                  </a:lnTo>
-                  <a:lnTo>
-                    <a:pt x="899138" y="132322"/>
-                  </a:lnTo>
-                  <a:lnTo>
-                    <a:pt x="899138" y="135361"/>
-                  </a:lnTo>
-                  <a:lnTo>
-                    <a:pt x="902145" y="135361"/>
+                    <a:pt x="902145" y="107878"/>
                   </a:lnTo>
                   <a:lnTo>
                     <a:pt x="902145" y="138397"/>
                   </a:lnTo>
                   <a:lnTo>
-                    <a:pt x="905152" y="138397"/>
-                  </a:lnTo>
-                  <a:lnTo>
-                    <a:pt x="905152" y="142325"/>
-                  </a:lnTo>
-                  <a:lnTo>
-                    <a:pt x="908159" y="142325"/>
-                  </a:lnTo>
-                  <a:lnTo>
-                    <a:pt x="908159" y="146248"/>
-                  </a:lnTo>
-                  <a:lnTo>
-                    <a:pt x="911166" y="146248"/>
-                  </a:lnTo>
-                  <a:lnTo>
-                    <a:pt x="911166" y="150165"/>
-                  </a:lnTo>
-                  <a:lnTo>
-                    <a:pt x="914173" y="150165"/>
-                  </a:lnTo>
-                  <a:lnTo>
-                    <a:pt x="914173" y="154076"/>
-                  </a:lnTo>
-                  <a:lnTo>
-                    <a:pt x="917181" y="154076"/>
-                  </a:lnTo>
-                  <a:lnTo>
-                    <a:pt x="917181" y="157981"/>
-                  </a:lnTo>
-                  <a:lnTo>
-                    <a:pt x="920188" y="157981"/>
-                  </a:lnTo>
-                  <a:lnTo>
-                    <a:pt x="920188" y="161880"/>
-                  </a:lnTo>
-                  <a:lnTo>
-                    <a:pt x="923195" y="161880"/>
-                  </a:lnTo>
-                  <a:lnTo>
-                    <a:pt x="923195" y="165772"/>
-                  </a:lnTo>
-                  <a:lnTo>
-                    <a:pt x="926202" y="165772"/>
-                  </a:lnTo>
-                  <a:lnTo>
-                    <a:pt x="926202" y="169659"/>
-                  </a:lnTo>
-                  <a:lnTo>
-                    <a:pt x="929209" y="169659"/>
-                  </a:lnTo>
-                  <a:lnTo>
-                    <a:pt x="929209" y="173540"/>
-                  </a:lnTo>
-                  <a:lnTo>
-                    <a:pt x="932216" y="173540"/>
+                    <a:pt x="932216" y="138397"/>
                   </a:lnTo>
                   <a:lnTo>
                     <a:pt x="932216" y="177415"/>
                   </a:lnTo>
                   <a:lnTo>
-                    <a:pt x="935224" y="177415"/>
-                  </a:lnTo>
-                  <a:lnTo>
-                    <a:pt x="935224" y="182314"/>
-                  </a:lnTo>
-                  <a:lnTo>
-                    <a:pt x="938231" y="182314"/>
-                  </a:lnTo>
-                  <a:lnTo>
-                    <a:pt x="938231" y="187203"/>
-                  </a:lnTo>
-                  <a:lnTo>
-                    <a:pt x="941238" y="187203"/>
-                  </a:lnTo>
-                  <a:lnTo>
-                    <a:pt x="941238" y="192083"/>
-                  </a:lnTo>
-                  <a:lnTo>
-                    <a:pt x="944245" y="192083"/>
-                  </a:lnTo>
-                  <a:lnTo>
-                    <a:pt x="944245" y="196953"/>
-                  </a:lnTo>
-                  <a:lnTo>
-                    <a:pt x="947252" y="196953"/>
-                  </a:lnTo>
-                  <a:lnTo>
-                    <a:pt x="947252" y="201814"/>
-                  </a:lnTo>
-                  <a:lnTo>
-                    <a:pt x="950259" y="201814"/>
-                  </a:lnTo>
-                  <a:lnTo>
-                    <a:pt x="950259" y="206666"/>
-                  </a:lnTo>
-                  <a:lnTo>
-                    <a:pt x="953266" y="206666"/>
-                  </a:lnTo>
-                  <a:lnTo>
-                    <a:pt x="953266" y="211507"/>
-                  </a:lnTo>
-                  <a:lnTo>
-                    <a:pt x="956274" y="211507"/>
-                  </a:lnTo>
-                  <a:lnTo>
-                    <a:pt x="956274" y="216340"/>
-                  </a:lnTo>
-                  <a:lnTo>
-                    <a:pt x="959281" y="216340"/>
-                  </a:lnTo>
-                  <a:lnTo>
-                    <a:pt x="959281" y="221163"/>
-                  </a:lnTo>
-                  <a:lnTo>
-                    <a:pt x="962288" y="221163"/>
+                    <a:pt x="962288" y="177415"/>
                   </a:lnTo>
                   <a:lnTo>
                     <a:pt x="962288" y="225977"/>
                   </a:lnTo>
                   <a:lnTo>
-                    <a:pt x="965295" y="225977"/>
-                  </a:lnTo>
-                  <a:lnTo>
-                    <a:pt x="965295" y="231562"/>
-                  </a:lnTo>
-                  <a:lnTo>
-                    <a:pt x="968302" y="231562"/>
-                  </a:lnTo>
-                  <a:lnTo>
-                    <a:pt x="968302" y="237134"/>
-                  </a:lnTo>
-                  <a:lnTo>
-                    <a:pt x="971309" y="237134"/>
-                  </a:lnTo>
-                  <a:lnTo>
-                    <a:pt x="971309" y="242694"/>
-                  </a:lnTo>
-                  <a:lnTo>
-                    <a:pt x="974316" y="242694"/>
-                  </a:lnTo>
-                  <a:lnTo>
-                    <a:pt x="974316" y="248241"/>
-                  </a:lnTo>
-                  <a:lnTo>
-                    <a:pt x="977324" y="248241"/>
-                  </a:lnTo>
-                  <a:lnTo>
-                    <a:pt x="977324" y="253775"/>
-                  </a:lnTo>
-                  <a:lnTo>
-                    <a:pt x="980331" y="253775"/>
-                  </a:lnTo>
-                  <a:lnTo>
-                    <a:pt x="980331" y="259297"/>
-                  </a:lnTo>
-                  <a:lnTo>
-                    <a:pt x="983338" y="259297"/>
-                  </a:lnTo>
-                  <a:lnTo>
-                    <a:pt x="983338" y="264807"/>
-                  </a:lnTo>
-                  <a:lnTo>
-                    <a:pt x="986345" y="264807"/>
-                  </a:lnTo>
-                  <a:lnTo>
-                    <a:pt x="986345" y="270304"/>
-                  </a:lnTo>
-                  <a:lnTo>
-                    <a:pt x="989352" y="270304"/>
-                  </a:lnTo>
-                  <a:lnTo>
-                    <a:pt x="989352" y="275788"/>
-                  </a:lnTo>
-                  <a:lnTo>
-                    <a:pt x="992359" y="275788"/>
+                    <a:pt x="992359" y="225977"/>
                   </a:lnTo>
                   <a:lnTo>
                     <a:pt x="992359" y="281261"/>
                   </a:lnTo>
                   <a:lnTo>
-                    <a:pt x="995367" y="281261"/>
-                  </a:lnTo>
-                  <a:lnTo>
-                    <a:pt x="995367" y="287400"/>
-                  </a:lnTo>
-                  <a:lnTo>
-                    <a:pt x="998374" y="287400"/>
-                  </a:lnTo>
-                  <a:lnTo>
-                    <a:pt x="998374" y="293523"/>
-                  </a:lnTo>
-                  <a:lnTo>
-                    <a:pt x="1001381" y="293523"/>
-                  </a:lnTo>
-                  <a:lnTo>
-                    <a:pt x="1001381" y="299631"/>
-                  </a:lnTo>
-                  <a:lnTo>
-                    <a:pt x="1004388" y="299631"/>
-                  </a:lnTo>
-                  <a:lnTo>
-                    <a:pt x="1004388" y="305724"/>
-                  </a:lnTo>
-                  <a:lnTo>
-                    <a:pt x="1007395" y="305724"/>
-                  </a:lnTo>
-                  <a:lnTo>
-                    <a:pt x="1007395" y="311801"/>
-                  </a:lnTo>
-                  <a:lnTo>
-                    <a:pt x="1010402" y="311801"/>
-                  </a:lnTo>
-                  <a:lnTo>
-                    <a:pt x="1010402" y="317862"/>
-                  </a:lnTo>
-                  <a:lnTo>
-                    <a:pt x="1013409" y="317862"/>
-                  </a:lnTo>
-                  <a:lnTo>
-                    <a:pt x="1013409" y="323909"/>
-                  </a:lnTo>
-                  <a:lnTo>
-                    <a:pt x="1016417" y="323909"/>
-                  </a:lnTo>
-                  <a:lnTo>
-                    <a:pt x="1016417" y="329939"/>
-                  </a:lnTo>
-                  <a:lnTo>
-                    <a:pt x="1019424" y="329939"/>
-                  </a:lnTo>
-                  <a:lnTo>
-                    <a:pt x="1019424" y="335955"/>
-                  </a:lnTo>
-                  <a:lnTo>
-                    <a:pt x="1022431" y="335955"/>
+                    <a:pt x="1022431" y="281261"/>
                   </a:lnTo>
                   <a:lnTo>
                     <a:pt x="1022431" y="341955"/>
                   </a:lnTo>
                   <a:lnTo>
-                    <a:pt x="1025438" y="341955"/>
-                  </a:lnTo>
-                  <a:lnTo>
-                    <a:pt x="1025438" y="348398"/>
-                  </a:lnTo>
-                  <a:lnTo>
-                    <a:pt x="1028445" y="348398"/>
-                  </a:lnTo>
-                  <a:lnTo>
-                    <a:pt x="1028445" y="354824"/>
-                  </a:lnTo>
-                  <a:lnTo>
-                    <a:pt x="1031452" y="354824"/>
-                  </a:lnTo>
-                  <a:lnTo>
-                    <a:pt x="1031452" y="361232"/>
-                  </a:lnTo>
-                  <a:lnTo>
-                    <a:pt x="1034460" y="361232"/>
-                  </a:lnTo>
-                  <a:lnTo>
-                    <a:pt x="1034460" y="367623"/>
-                  </a:lnTo>
-                  <a:lnTo>
-                    <a:pt x="1037467" y="367623"/>
-                  </a:lnTo>
-                  <a:lnTo>
-                    <a:pt x="1037467" y="373996"/>
-                  </a:lnTo>
-                  <a:lnTo>
-                    <a:pt x="1040474" y="373996"/>
-                  </a:lnTo>
-                  <a:lnTo>
-                    <a:pt x="1040474" y="380351"/>
-                  </a:lnTo>
-                  <a:lnTo>
-                    <a:pt x="1043481" y="380351"/>
-                  </a:lnTo>
-                  <a:lnTo>
-                    <a:pt x="1043481" y="386690"/>
-                  </a:lnTo>
-                  <a:lnTo>
-                    <a:pt x="1046488" y="386690"/>
-                  </a:lnTo>
-                  <a:lnTo>
-                    <a:pt x="1046488" y="393011"/>
-                  </a:lnTo>
-                  <a:lnTo>
-                    <a:pt x="1049495" y="393011"/>
-                  </a:lnTo>
-                  <a:lnTo>
-                    <a:pt x="1049495" y="399314"/>
-                  </a:lnTo>
-                  <a:lnTo>
-                    <a:pt x="1052502" y="399314"/>
+                    <a:pt x="1052502" y="341955"/>
                   </a:lnTo>
                   <a:lnTo>
                     <a:pt x="1052502" y="405601"/>
                   </a:lnTo>
                   <a:lnTo>
-                    <a:pt x="1055510" y="405601"/>
-                  </a:lnTo>
-                  <a:lnTo>
-                    <a:pt x="1055510" y="410989"/>
-                  </a:lnTo>
-                  <a:lnTo>
-                    <a:pt x="1058517" y="410989"/>
-                  </a:lnTo>
-                  <a:lnTo>
-                    <a:pt x="1058517" y="416365"/>
-                  </a:lnTo>
-                  <a:lnTo>
-                    <a:pt x="1061524" y="416365"/>
-                  </a:lnTo>
-                  <a:lnTo>
-                    <a:pt x="1061524" y="421729"/>
-                  </a:lnTo>
-                  <a:lnTo>
-                    <a:pt x="1064531" y="421729"/>
-                  </a:lnTo>
-                  <a:lnTo>
-                    <a:pt x="1064531" y="427079"/>
-                  </a:lnTo>
-                  <a:lnTo>
-                    <a:pt x="1067538" y="427079"/>
-                  </a:lnTo>
-                  <a:lnTo>
-                    <a:pt x="1067538" y="432417"/>
-                  </a:lnTo>
-                  <a:lnTo>
-                    <a:pt x="1070545" y="432417"/>
-                  </a:lnTo>
-                  <a:lnTo>
-                    <a:pt x="1070545" y="437743"/>
-                  </a:lnTo>
-                  <a:lnTo>
-                    <a:pt x="1073552" y="437743"/>
-                  </a:lnTo>
-                  <a:lnTo>
-                    <a:pt x="1073552" y="443056"/>
-                  </a:lnTo>
-                  <a:lnTo>
-                    <a:pt x="1076560" y="443056"/>
-                  </a:lnTo>
-                  <a:lnTo>
-                    <a:pt x="1076560" y="448356"/>
-                  </a:lnTo>
-                  <a:lnTo>
-                    <a:pt x="1079567" y="448356"/>
-                  </a:lnTo>
-                  <a:lnTo>
-                    <a:pt x="1079567" y="453645"/>
-                  </a:lnTo>
-                  <a:lnTo>
-                    <a:pt x="1082574" y="453645"/>
+                    <a:pt x="1082574" y="405601"/>
                   </a:lnTo>
                   <a:lnTo>
                     <a:pt x="1082574" y="458920"/>
                   </a:lnTo>
                   <a:lnTo>
-                    <a:pt x="1085581" y="458920"/>
-                  </a:lnTo>
-                  <a:lnTo>
-                    <a:pt x="1085581" y="462962"/>
-                  </a:lnTo>
-                  <a:lnTo>
-                    <a:pt x="1088588" y="462962"/>
-                  </a:lnTo>
-                  <a:lnTo>
-                    <a:pt x="1088588" y="466997"/>
-                  </a:lnTo>
-                  <a:lnTo>
-                    <a:pt x="1091595" y="466997"/>
-                  </a:lnTo>
-                  <a:lnTo>
-                    <a:pt x="1091595" y="471024"/>
-                  </a:lnTo>
-                  <a:lnTo>
-                    <a:pt x="1094603" y="471024"/>
-                  </a:lnTo>
-                  <a:lnTo>
-                    <a:pt x="1094603" y="475044"/>
-                  </a:lnTo>
-                  <a:lnTo>
-                    <a:pt x="1097610" y="475044"/>
-                  </a:lnTo>
-                  <a:lnTo>
-                    <a:pt x="1097610" y="479057"/>
-                  </a:lnTo>
-                  <a:lnTo>
-                    <a:pt x="1100617" y="479057"/>
-                  </a:lnTo>
-                  <a:lnTo>
-                    <a:pt x="1100617" y="483063"/>
-                  </a:lnTo>
-                  <a:lnTo>
-                    <a:pt x="1103624" y="483063"/>
-                  </a:lnTo>
-                  <a:lnTo>
-                    <a:pt x="1103624" y="487061"/>
-                  </a:lnTo>
-                  <a:lnTo>
-                    <a:pt x="1106631" y="487061"/>
-                  </a:lnTo>
-                  <a:lnTo>
-                    <a:pt x="1106631" y="491052"/>
-                  </a:lnTo>
-                  <a:lnTo>
-                    <a:pt x="1109638" y="491052"/>
-                  </a:lnTo>
-                  <a:lnTo>
-                    <a:pt x="1109638" y="495036"/>
-                  </a:lnTo>
-                  <a:lnTo>
-                    <a:pt x="1112645" y="495036"/>
+                    <a:pt x="1112645" y="458920"/>
                   </a:lnTo>
                   <a:lnTo>
                     <a:pt x="1112645" y="499013"/>
                   </a:lnTo>
                   <a:lnTo>
-                    <a:pt x="1115653" y="499013"/>
-                  </a:lnTo>
-                  <a:lnTo>
-                    <a:pt x="1115653" y="502280"/>
-                  </a:lnTo>
-                  <a:lnTo>
-                    <a:pt x="1118660" y="502280"/>
-                  </a:lnTo>
-                  <a:lnTo>
-                    <a:pt x="1118660" y="505543"/>
-                  </a:lnTo>
-                  <a:lnTo>
-                    <a:pt x="1121667" y="505543"/>
-                  </a:lnTo>
-                  <a:lnTo>
-                    <a:pt x="1121667" y="508800"/>
-                  </a:lnTo>
-                  <a:lnTo>
-                    <a:pt x="1124674" y="508800"/>
-                  </a:lnTo>
-                  <a:lnTo>
-                    <a:pt x="1124674" y="512052"/>
-                  </a:lnTo>
-                  <a:lnTo>
-                    <a:pt x="1127681" y="512052"/>
-                  </a:lnTo>
-                  <a:lnTo>
-                    <a:pt x="1127681" y="515300"/>
-                  </a:lnTo>
-                  <a:lnTo>
-                    <a:pt x="1130688" y="515300"/>
-                  </a:lnTo>
-                  <a:lnTo>
-                    <a:pt x="1130688" y="518543"/>
-                  </a:lnTo>
-                  <a:lnTo>
-                    <a:pt x="1133695" y="518543"/>
-                  </a:lnTo>
-                  <a:lnTo>
-                    <a:pt x="1133695" y="521781"/>
-                  </a:lnTo>
-                  <a:lnTo>
-                    <a:pt x="1136703" y="521781"/>
-                  </a:lnTo>
-                  <a:lnTo>
-                    <a:pt x="1136703" y="525014"/>
-                  </a:lnTo>
-                  <a:lnTo>
-                    <a:pt x="1139710" y="525014"/>
-                  </a:lnTo>
-                  <a:lnTo>
-                    <a:pt x="1139710" y="528243"/>
-                  </a:lnTo>
-                  <a:lnTo>
-                    <a:pt x="1142717" y="528243"/>
+                    <a:pt x="1142717" y="499013"/>
                   </a:lnTo>
                   <a:lnTo>
                     <a:pt x="1142717" y="531467"/>
                   </a:lnTo>
                   <a:lnTo>
-                    <a:pt x="1145724" y="531467"/>
-                  </a:lnTo>
-                  <a:lnTo>
-                    <a:pt x="1145724" y="534100"/>
-                  </a:lnTo>
-                  <a:lnTo>
-                    <a:pt x="1148731" y="534100"/>
-                  </a:lnTo>
-                  <a:lnTo>
-                    <a:pt x="1148731" y="536730"/>
-                  </a:lnTo>
-                  <a:lnTo>
-                    <a:pt x="1151738" y="536730"/>
-                  </a:lnTo>
-                  <a:lnTo>
-                    <a:pt x="1151738" y="539357"/>
-                  </a:lnTo>
-                  <a:lnTo>
-                    <a:pt x="1154746" y="539357"/>
-                  </a:lnTo>
-                  <a:lnTo>
-                    <a:pt x="1154746" y="541981"/>
-                  </a:lnTo>
-                  <a:lnTo>
-                    <a:pt x="1157753" y="541981"/>
-                  </a:lnTo>
-                  <a:lnTo>
-                    <a:pt x="1157753" y="544602"/>
-                  </a:lnTo>
-                  <a:lnTo>
-                    <a:pt x="1160760" y="544602"/>
-                  </a:lnTo>
-                  <a:lnTo>
-                    <a:pt x="1160760" y="547219"/>
-                  </a:lnTo>
-                  <a:lnTo>
-                    <a:pt x="1163767" y="547219"/>
-                  </a:lnTo>
-                  <a:lnTo>
-                    <a:pt x="1163767" y="549833"/>
-                  </a:lnTo>
-                  <a:lnTo>
-                    <a:pt x="1166774" y="549833"/>
-                  </a:lnTo>
-                  <a:lnTo>
-                    <a:pt x="1166774" y="552445"/>
-                  </a:lnTo>
-                  <a:lnTo>
-                    <a:pt x="1169781" y="552445"/>
-                  </a:lnTo>
-                  <a:lnTo>
-                    <a:pt x="1169781" y="555052"/>
-                  </a:lnTo>
-                  <a:lnTo>
-                    <a:pt x="1172788" y="555052"/>
+                    <a:pt x="1172788" y="531467"/>
                   </a:lnTo>
                   <a:lnTo>
                     <a:pt x="1172788" y="557657"/>
                   </a:lnTo>
                   <a:lnTo>
-                    <a:pt x="1175796" y="557657"/>
-                  </a:lnTo>
-                  <a:lnTo>
-                    <a:pt x="1175796" y="559605"/>
-                  </a:lnTo>
-                  <a:lnTo>
-                    <a:pt x="1178803" y="559605"/>
-                  </a:lnTo>
-                  <a:lnTo>
-                    <a:pt x="1178803" y="561550"/>
-                  </a:lnTo>
-                  <a:lnTo>
-                    <a:pt x="1181810" y="561550"/>
-                  </a:lnTo>
-                  <a:lnTo>
-                    <a:pt x="1181810" y="563494"/>
-                  </a:lnTo>
-                  <a:lnTo>
-                    <a:pt x="1184817" y="563494"/>
-                  </a:lnTo>
-                  <a:lnTo>
-                    <a:pt x="1184817" y="565436"/>
-                  </a:lnTo>
-                  <a:lnTo>
-                    <a:pt x="1187824" y="565436"/>
-                  </a:lnTo>
-                  <a:lnTo>
-                    <a:pt x="1187824" y="567377"/>
-                  </a:lnTo>
-                  <a:lnTo>
-                    <a:pt x="1190831" y="567377"/>
-                  </a:lnTo>
-                  <a:lnTo>
-                    <a:pt x="1190831" y="569315"/>
-                  </a:lnTo>
-                  <a:lnTo>
-                    <a:pt x="1193839" y="569315"/>
-                  </a:lnTo>
-                  <a:lnTo>
-                    <a:pt x="1193839" y="571252"/>
-                  </a:lnTo>
-                  <a:lnTo>
-                    <a:pt x="1196846" y="571252"/>
-                  </a:lnTo>
-                  <a:lnTo>
-                    <a:pt x="1196846" y="573187"/>
-                  </a:lnTo>
-                  <a:lnTo>
-                    <a:pt x="1199853" y="573187"/>
-                  </a:lnTo>
-                  <a:lnTo>
-                    <a:pt x="1199853" y="575120"/>
-                  </a:lnTo>
-                  <a:lnTo>
-                    <a:pt x="1202860" y="575120"/>
+                    <a:pt x="1202860" y="557657"/>
                   </a:lnTo>
                   <a:lnTo>
                     <a:pt x="1202860" y="577052"/>
                   </a:lnTo>
                   <a:lnTo>
-                    <a:pt x="1205867" y="577052"/>
-                  </a:lnTo>
-                  <a:lnTo>
-                    <a:pt x="1205867" y="578683"/>
-                  </a:lnTo>
-                  <a:lnTo>
-                    <a:pt x="1208874" y="578683"/>
-                  </a:lnTo>
-                  <a:lnTo>
-                    <a:pt x="1208874" y="580314"/>
-                  </a:lnTo>
-                  <a:lnTo>
-                    <a:pt x="1211881" y="580314"/>
-                  </a:lnTo>
-                  <a:lnTo>
-                    <a:pt x="1211881" y="581943"/>
-                  </a:lnTo>
-                  <a:lnTo>
-                    <a:pt x="1214889" y="581943"/>
-                  </a:lnTo>
-                  <a:lnTo>
-                    <a:pt x="1214889" y="583571"/>
-                  </a:lnTo>
-                  <a:lnTo>
-                    <a:pt x="1217896" y="583571"/>
-                  </a:lnTo>
-                  <a:lnTo>
-                    <a:pt x="1217896" y="585197"/>
-                  </a:lnTo>
-                  <a:lnTo>
-                    <a:pt x="1220903" y="585197"/>
-                  </a:lnTo>
-                  <a:lnTo>
-                    <a:pt x="1220903" y="586822"/>
-                  </a:lnTo>
-                  <a:lnTo>
-                    <a:pt x="1223910" y="586822"/>
-                  </a:lnTo>
-                  <a:lnTo>
-                    <a:pt x="1223910" y="588446"/>
-                  </a:lnTo>
-                  <a:lnTo>
-                    <a:pt x="1226917" y="588446"/>
-                  </a:lnTo>
-                  <a:lnTo>
-                    <a:pt x="1226917" y="590069"/>
-                  </a:lnTo>
-                  <a:lnTo>
-                    <a:pt x="1229924" y="590069"/>
-                  </a:lnTo>
-                  <a:lnTo>
-                    <a:pt x="1229924" y="591691"/>
-                  </a:lnTo>
-                  <a:lnTo>
-                    <a:pt x="1232931" y="591691"/>
+                    <a:pt x="1232931" y="577052"/>
                   </a:lnTo>
                   <a:lnTo>
                     <a:pt x="1232931" y="593311"/>
                   </a:lnTo>
                   <a:lnTo>
-                    <a:pt x="1235939" y="593311"/>
-                  </a:lnTo>
-                  <a:lnTo>
-                    <a:pt x="1235939" y="595000"/>
-                  </a:lnTo>
-                  <a:lnTo>
-                    <a:pt x="1238946" y="595000"/>
-                  </a:lnTo>
-                  <a:lnTo>
-                    <a:pt x="1238946" y="596688"/>
-                  </a:lnTo>
-                  <a:lnTo>
-                    <a:pt x="1241953" y="596688"/>
-                  </a:lnTo>
-                  <a:lnTo>
-                    <a:pt x="1241953" y="598375"/>
-                  </a:lnTo>
-                  <a:lnTo>
-                    <a:pt x="1244960" y="598375"/>
-                  </a:lnTo>
-                  <a:lnTo>
-                    <a:pt x="1244960" y="600060"/>
-                  </a:lnTo>
-                  <a:lnTo>
-                    <a:pt x="1247967" y="600060"/>
-                  </a:lnTo>
-                  <a:lnTo>
-                    <a:pt x="1247967" y="601744"/>
-                  </a:lnTo>
-                  <a:lnTo>
-                    <a:pt x="1250974" y="601744"/>
-                  </a:lnTo>
-                  <a:lnTo>
-                    <a:pt x="1250974" y="603426"/>
-                  </a:lnTo>
-                  <a:lnTo>
-                    <a:pt x="1253982" y="603426"/>
-                  </a:lnTo>
-                  <a:lnTo>
-                    <a:pt x="1253982" y="605107"/>
-                  </a:lnTo>
-                  <a:lnTo>
-                    <a:pt x="1256989" y="605107"/>
-                  </a:lnTo>
-                  <a:lnTo>
-                    <a:pt x="1256989" y="606787"/>
-                  </a:lnTo>
-                  <a:lnTo>
-                    <a:pt x="1259996" y="606787"/>
-                  </a:lnTo>
-                  <a:lnTo>
-                    <a:pt x="1259996" y="608466"/>
-                  </a:lnTo>
-                  <a:lnTo>
-                    <a:pt x="1263003" y="608466"/>
+                    <a:pt x="1263003" y="593311"/>
                   </a:lnTo>
                   <a:lnTo>
                     <a:pt x="1263003" y="610143"/>
                   </a:lnTo>
                   <a:lnTo>
-                    <a:pt x="1266010" y="610143"/>
-                  </a:lnTo>
-                  <a:lnTo>
-                    <a:pt x="1266010" y="612121"/>
-                  </a:lnTo>
-                  <a:lnTo>
-                    <a:pt x="1269017" y="612121"/>
-                  </a:lnTo>
-                  <a:lnTo>
-                    <a:pt x="1269017" y="614098"/>
-                  </a:lnTo>
-                  <a:lnTo>
-                    <a:pt x="1272024" y="614098"/>
-                  </a:lnTo>
-                  <a:lnTo>
-                    <a:pt x="1272024" y="616072"/>
-                  </a:lnTo>
-                  <a:lnTo>
-                    <a:pt x="1275032" y="616072"/>
-                  </a:lnTo>
-                  <a:lnTo>
-                    <a:pt x="1275032" y="618045"/>
-                  </a:lnTo>
-                  <a:lnTo>
-                    <a:pt x="1278039" y="618045"/>
-                  </a:lnTo>
-                  <a:lnTo>
-                    <a:pt x="1278039" y="620016"/>
-                  </a:lnTo>
-                  <a:lnTo>
-                    <a:pt x="1281046" y="620016"/>
-                  </a:lnTo>
-                  <a:lnTo>
-                    <a:pt x="1281046" y="621985"/>
-                  </a:lnTo>
-                  <a:lnTo>
-                    <a:pt x="1284053" y="621985"/>
-                  </a:lnTo>
-                  <a:lnTo>
-                    <a:pt x="1284053" y="623952"/>
-                  </a:lnTo>
-                  <a:lnTo>
-                    <a:pt x="1287060" y="623952"/>
-                  </a:lnTo>
-                  <a:lnTo>
-                    <a:pt x="1287060" y="625918"/>
-                  </a:lnTo>
-                  <a:lnTo>
-                    <a:pt x="1290067" y="625918"/>
-                  </a:lnTo>
-                  <a:lnTo>
-                    <a:pt x="1290067" y="627881"/>
-                  </a:lnTo>
-                  <a:lnTo>
-                    <a:pt x="1293075" y="627881"/>
+                    <a:pt x="1293075" y="610143"/>
                   </a:lnTo>
                   <a:lnTo>
                     <a:pt x="1293075" y="629843"/>
                   </a:lnTo>
                   <a:lnTo>
-                    <a:pt x="1296082" y="629843"/>
-                  </a:lnTo>
-                  <a:lnTo>
-                    <a:pt x="1296082" y="632355"/>
-                  </a:lnTo>
-                  <a:lnTo>
-                    <a:pt x="1299089" y="632355"/>
-                  </a:lnTo>
-                  <a:lnTo>
-                    <a:pt x="1299089" y="634865"/>
-                  </a:lnTo>
-                  <a:lnTo>
-                    <a:pt x="1302096" y="634865"/>
-                  </a:lnTo>
-                  <a:lnTo>
-                    <a:pt x="1302096" y="637371"/>
-                  </a:lnTo>
-                  <a:lnTo>
-                    <a:pt x="1305103" y="637371"/>
-                  </a:lnTo>
-                  <a:lnTo>
-                    <a:pt x="1305103" y="639874"/>
-                  </a:lnTo>
-                  <a:lnTo>
-                    <a:pt x="1308110" y="639874"/>
-                  </a:lnTo>
-                  <a:lnTo>
-                    <a:pt x="1308110" y="642375"/>
-                  </a:lnTo>
-                  <a:lnTo>
-                    <a:pt x="1311117" y="642375"/>
-                  </a:lnTo>
-                  <a:lnTo>
-                    <a:pt x="1311117" y="644872"/>
-                  </a:lnTo>
-                  <a:lnTo>
-                    <a:pt x="1314125" y="644872"/>
-                  </a:lnTo>
-                  <a:lnTo>
-                    <a:pt x="1314125" y="647366"/>
-                  </a:lnTo>
-                  <a:lnTo>
-                    <a:pt x="1317132" y="647366"/>
-                  </a:lnTo>
-                  <a:lnTo>
-                    <a:pt x="1317132" y="649857"/>
-                  </a:lnTo>
-                  <a:lnTo>
-                    <a:pt x="1320139" y="649857"/>
-                  </a:lnTo>
-                  <a:lnTo>
-                    <a:pt x="1320139" y="652345"/>
-                  </a:lnTo>
-                  <a:lnTo>
-                    <a:pt x="1323146" y="652345"/>
+                    <a:pt x="1323146" y="629843"/>
                   </a:lnTo>
                   <a:lnTo>
                     <a:pt x="1323146" y="654830"/>
                   </a:lnTo>
                   <a:lnTo>
-                    <a:pt x="1326153" y="654830"/>
-                  </a:lnTo>
-                  <a:lnTo>
-                    <a:pt x="1326153" y="657672"/>
-                  </a:lnTo>
-                  <a:lnTo>
-                    <a:pt x="1329160" y="657672"/>
-                  </a:lnTo>
-                  <a:lnTo>
-                    <a:pt x="1329160" y="660510"/>
-                  </a:lnTo>
-                  <a:lnTo>
-                    <a:pt x="1332167" y="660510"/>
-                  </a:lnTo>
-                  <a:lnTo>
-                    <a:pt x="1332167" y="663344"/>
-                  </a:lnTo>
-                  <a:lnTo>
-                    <a:pt x="1335175" y="663344"/>
-                  </a:lnTo>
-                  <a:lnTo>
-                    <a:pt x="1335175" y="666174"/>
-                  </a:lnTo>
-                  <a:lnTo>
-                    <a:pt x="1338182" y="666174"/>
-                  </a:lnTo>
-                  <a:lnTo>
-                    <a:pt x="1338182" y="669000"/>
-                  </a:lnTo>
-                  <a:lnTo>
-                    <a:pt x="1341189" y="669000"/>
-                  </a:lnTo>
-                  <a:lnTo>
-                    <a:pt x="1341189" y="671823"/>
-                  </a:lnTo>
-                  <a:lnTo>
-                    <a:pt x="1344196" y="671823"/>
-                  </a:lnTo>
-                  <a:lnTo>
-                    <a:pt x="1344196" y="674641"/>
-                  </a:lnTo>
-                  <a:lnTo>
-                    <a:pt x="1347203" y="674641"/>
-                  </a:lnTo>
-                  <a:lnTo>
-                    <a:pt x="1347203" y="677455"/>
-                  </a:lnTo>
-                  <a:lnTo>
-                    <a:pt x="1350210" y="677455"/>
-                  </a:lnTo>
-                  <a:lnTo>
-                    <a:pt x="1350210" y="680266"/>
-                  </a:lnTo>
-                  <a:lnTo>
-                    <a:pt x="1353218" y="680266"/>
+                    <a:pt x="1353218" y="654830"/>
                   </a:lnTo>
                   <a:lnTo>
                     <a:pt x="1353218" y="683072"/>
                   </a:lnTo>
                   <a:lnTo>
-                    <a:pt x="1356225" y="683072"/>
-                  </a:lnTo>
-                  <a:lnTo>
-                    <a:pt x="1356225" y="686166"/>
-                  </a:lnTo>
-                  <a:lnTo>
-                    <a:pt x="1359232" y="686166"/>
-                  </a:lnTo>
-                  <a:lnTo>
-                    <a:pt x="1359232" y="689254"/>
-                  </a:lnTo>
-                  <a:lnTo>
-                    <a:pt x="1362239" y="689254"/>
-                  </a:lnTo>
-                  <a:lnTo>
-                    <a:pt x="1362239" y="692338"/>
-                  </a:lnTo>
-                  <a:lnTo>
-                    <a:pt x="1365246" y="692338"/>
-                  </a:lnTo>
-                  <a:lnTo>
-                    <a:pt x="1365246" y="695417"/>
-                  </a:lnTo>
-                  <a:lnTo>
-                    <a:pt x="1368253" y="695417"/>
-                  </a:lnTo>
-                  <a:lnTo>
-                    <a:pt x="1368253" y="698492"/>
-                  </a:lnTo>
-                  <a:lnTo>
-                    <a:pt x="1371260" y="698492"/>
-                  </a:lnTo>
-                  <a:lnTo>
-                    <a:pt x="1371260" y="701561"/>
-                  </a:lnTo>
-                  <a:lnTo>
-                    <a:pt x="1374268" y="701561"/>
-                  </a:lnTo>
-                  <a:lnTo>
-                    <a:pt x="1374268" y="704626"/>
-                  </a:lnTo>
-                  <a:lnTo>
-                    <a:pt x="1377275" y="704626"/>
-                  </a:lnTo>
-                  <a:lnTo>
-                    <a:pt x="1377275" y="707687"/>
-                  </a:lnTo>
-                  <a:lnTo>
-                    <a:pt x="1380282" y="707687"/>
-                  </a:lnTo>
-                  <a:lnTo>
-                    <a:pt x="1380282" y="710742"/>
-                  </a:lnTo>
-                  <a:lnTo>
-                    <a:pt x="1383289" y="710742"/>
+                    <a:pt x="1383289" y="683072"/>
                   </a:lnTo>
                   <a:lnTo>
                     <a:pt x="1383289" y="713793"/>
                   </a:lnTo>
                   <a:lnTo>
-                    <a:pt x="1386296" y="713793"/>
-                  </a:lnTo>
-                  <a:lnTo>
-                    <a:pt x="1386296" y="716553"/>
-                  </a:lnTo>
-                  <a:lnTo>
-                    <a:pt x="1389303" y="716553"/>
-                  </a:lnTo>
-                  <a:lnTo>
-                    <a:pt x="1389303" y="719308"/>
-                  </a:lnTo>
-                  <a:lnTo>
-                    <a:pt x="1392310" y="719308"/>
-                  </a:lnTo>
-                  <a:lnTo>
-                    <a:pt x="1392310" y="722060"/>
-                  </a:lnTo>
-                  <a:lnTo>
-                    <a:pt x="1395318" y="722060"/>
-                  </a:lnTo>
-                  <a:lnTo>
-                    <a:pt x="1395318" y="724808"/>
-                  </a:lnTo>
-                  <a:lnTo>
-                    <a:pt x="1398325" y="724808"/>
-                  </a:lnTo>
-                  <a:lnTo>
-                    <a:pt x="1398325" y="727553"/>
-                  </a:lnTo>
-                  <a:lnTo>
-                    <a:pt x="1401332" y="727553"/>
-                  </a:lnTo>
-                  <a:lnTo>
-                    <a:pt x="1401332" y="730293"/>
-                  </a:lnTo>
-                  <a:lnTo>
-                    <a:pt x="1404339" y="730293"/>
-                  </a:lnTo>
-                  <a:lnTo>
-                    <a:pt x="1404339" y="733030"/>
-                  </a:lnTo>
-                  <a:lnTo>
-                    <a:pt x="1407346" y="733030"/>
-                  </a:lnTo>
-                  <a:lnTo>
-                    <a:pt x="1407346" y="735763"/>
-                  </a:lnTo>
-                  <a:lnTo>
-                    <a:pt x="1410353" y="735763"/>
-                  </a:lnTo>
-                  <a:lnTo>
-                    <a:pt x="1410353" y="738492"/>
-                  </a:lnTo>
-                  <a:lnTo>
-                    <a:pt x="1413361" y="738492"/>
+                    <a:pt x="1413361" y="713793"/>
                   </a:lnTo>
                   <a:lnTo>
                     <a:pt x="1413361" y="741217"/>
                   </a:lnTo>
                   <a:lnTo>
-                    <a:pt x="1416368" y="741217"/>
-                  </a:lnTo>
-                  <a:lnTo>
-                    <a:pt x="1416368" y="743419"/>
-                  </a:lnTo>
-                  <a:lnTo>
-                    <a:pt x="1419375" y="743419"/>
-                  </a:lnTo>
-                  <a:lnTo>
-                    <a:pt x="1419375" y="745618"/>
-                  </a:lnTo>
-                  <a:lnTo>
-                    <a:pt x="1422382" y="745618"/>
-                  </a:lnTo>
-                  <a:lnTo>
-                    <a:pt x="1422382" y="747814"/>
-                  </a:lnTo>
-                  <a:lnTo>
-                    <a:pt x="1425389" y="747814"/>
-                  </a:lnTo>
-                  <a:lnTo>
-                    <a:pt x="1425389" y="750008"/>
-                  </a:lnTo>
-                  <a:lnTo>
-                    <a:pt x="1428396" y="750008"/>
-                  </a:lnTo>
-                  <a:lnTo>
-                    <a:pt x="1428396" y="752200"/>
-                  </a:lnTo>
-                  <a:lnTo>
-                    <a:pt x="1431403" y="752200"/>
-                  </a:lnTo>
-                  <a:lnTo>
-                    <a:pt x="1431403" y="754389"/>
-                  </a:lnTo>
-                  <a:lnTo>
-                    <a:pt x="1434411" y="754389"/>
-                  </a:lnTo>
-                  <a:lnTo>
-                    <a:pt x="1434411" y="756576"/>
-                  </a:lnTo>
-                  <a:lnTo>
-                    <a:pt x="1437418" y="756576"/>
-                  </a:lnTo>
-                  <a:lnTo>
-                    <a:pt x="1437418" y="758760"/>
-                  </a:lnTo>
-                  <a:lnTo>
-                    <a:pt x="1440425" y="758760"/>
-                  </a:lnTo>
-                  <a:lnTo>
-                    <a:pt x="1440425" y="760942"/>
-                  </a:lnTo>
-                  <a:lnTo>
-                    <a:pt x="1443432" y="760942"/>
+                    <a:pt x="1443432" y="741217"/>
                   </a:lnTo>
                   <a:lnTo>
                     <a:pt x="1443432" y="763121"/>
                   </a:lnTo>
                   <a:lnTo>
-                    <a:pt x="1446439" y="763121"/>
-                  </a:lnTo>
-                  <a:lnTo>
-                    <a:pt x="1446439" y="764473"/>
-                  </a:lnTo>
-                  <a:lnTo>
-                    <a:pt x="1449446" y="764473"/>
-                  </a:lnTo>
-                  <a:lnTo>
-                    <a:pt x="1449446" y="765824"/>
-                  </a:lnTo>
-                  <a:lnTo>
-                    <a:pt x="1452454" y="765824"/>
-                  </a:lnTo>
-                  <a:lnTo>
-                    <a:pt x="1452454" y="767174"/>
-                  </a:lnTo>
-                  <a:lnTo>
-                    <a:pt x="1455461" y="767174"/>
-                  </a:lnTo>
-                  <a:lnTo>
-                    <a:pt x="1455461" y="768523"/>
-                  </a:lnTo>
-                  <a:lnTo>
-                    <a:pt x="1458468" y="768523"/>
-                  </a:lnTo>
-                  <a:lnTo>
-                    <a:pt x="1458468" y="769871"/>
-                  </a:lnTo>
-                  <a:lnTo>
-                    <a:pt x="1461475" y="769871"/>
-                  </a:lnTo>
-                  <a:lnTo>
-                    <a:pt x="1461475" y="771218"/>
-                  </a:lnTo>
-                  <a:lnTo>
-                    <a:pt x="1464482" y="771218"/>
-                  </a:lnTo>
-                  <a:lnTo>
-                    <a:pt x="1464482" y="772564"/>
-                  </a:lnTo>
-                  <a:lnTo>
-                    <a:pt x="1467489" y="772564"/>
-                  </a:lnTo>
-                  <a:lnTo>
-                    <a:pt x="1467489" y="773910"/>
-                  </a:lnTo>
-                  <a:lnTo>
-                    <a:pt x="1470496" y="773910"/>
-                  </a:lnTo>
-                  <a:lnTo>
-                    <a:pt x="1470496" y="775254"/>
-                  </a:lnTo>
-                  <a:lnTo>
-                    <a:pt x="1473504" y="775254"/>
+                    <a:pt x="1473504" y="763121"/>
                   </a:lnTo>
                   <a:lnTo>
                     <a:pt x="1473504" y="776597"/>
                   </a:lnTo>
                   <a:lnTo>
-                    <a:pt x="1476511" y="776597"/>
-                  </a:lnTo>
-                  <a:lnTo>
-                    <a:pt x="1476511" y="777420"/>
-                  </a:lnTo>
-                  <a:lnTo>
-                    <a:pt x="1479518" y="777420"/>
-                  </a:lnTo>
-                  <a:lnTo>
-                    <a:pt x="1479518" y="778242"/>
-                  </a:lnTo>
-                  <a:lnTo>
-                    <a:pt x="1482525" y="778242"/>
-                  </a:lnTo>
-                  <a:lnTo>
-                    <a:pt x="1482525" y="779064"/>
-                  </a:lnTo>
-                  <a:lnTo>
-                    <a:pt x="1485532" y="779064"/>
-                  </a:lnTo>
-                  <a:lnTo>
-                    <a:pt x="1485532" y="779885"/>
-                  </a:lnTo>
-                  <a:lnTo>
-                    <a:pt x="1488539" y="779885"/>
-                  </a:lnTo>
-                  <a:lnTo>
-                    <a:pt x="1488539" y="780706"/>
-                  </a:lnTo>
-                  <a:lnTo>
-                    <a:pt x="1491546" y="780706"/>
-                  </a:lnTo>
-                  <a:lnTo>
-                    <a:pt x="1491546" y="781527"/>
-                  </a:lnTo>
-                  <a:lnTo>
-                    <a:pt x="1494554" y="781527"/>
-                  </a:lnTo>
-                  <a:lnTo>
-                    <a:pt x="1494554" y="782347"/>
-                  </a:lnTo>
-                  <a:lnTo>
-                    <a:pt x="1497561" y="782347"/>
-                  </a:lnTo>
-                  <a:lnTo>
-                    <a:pt x="1497561" y="783167"/>
-                  </a:lnTo>
-                  <a:lnTo>
-                    <a:pt x="1500568" y="783167"/>
-                  </a:lnTo>
-                  <a:lnTo>
-                    <a:pt x="1500568" y="783986"/>
-                  </a:lnTo>
-                  <a:lnTo>
-                    <a:pt x="1503575" y="783986"/>
+                    <a:pt x="1503575" y="776597"/>
                   </a:lnTo>
                   <a:lnTo>
                     <a:pt x="1503575" y="784806"/>
                   </a:lnTo>
                   <a:lnTo>
-                    <a:pt x="1506582" y="784806"/>
-                  </a:lnTo>
-                  <a:lnTo>
-                    <a:pt x="1506582" y="785301"/>
-                  </a:lnTo>
-                  <a:lnTo>
-                    <a:pt x="1509589" y="785301"/>
-                  </a:lnTo>
-                  <a:lnTo>
-                    <a:pt x="1509589" y="785797"/>
-                  </a:lnTo>
-                  <a:lnTo>
-                    <a:pt x="1512597" y="785797"/>
-                  </a:lnTo>
-                  <a:lnTo>
-                    <a:pt x="1512597" y="786292"/>
-                  </a:lnTo>
-                  <a:lnTo>
-                    <a:pt x="1515604" y="786292"/>
-                  </a:lnTo>
-                  <a:lnTo>
-                    <a:pt x="1515604" y="786788"/>
-                  </a:lnTo>
-                  <a:lnTo>
-                    <a:pt x="1518611" y="786788"/>
-                  </a:lnTo>
-                  <a:lnTo>
-                    <a:pt x="1518611" y="787283"/>
-                  </a:lnTo>
-                  <a:lnTo>
-                    <a:pt x="1521618" y="787283"/>
-                  </a:lnTo>
-                  <a:lnTo>
-                    <a:pt x="1521618" y="787778"/>
-                  </a:lnTo>
-                  <a:lnTo>
-                    <a:pt x="1524625" y="787778"/>
-                  </a:lnTo>
-                  <a:lnTo>
-                    <a:pt x="1524625" y="788273"/>
-                  </a:lnTo>
-                  <a:lnTo>
-                    <a:pt x="1527632" y="788273"/>
-                  </a:lnTo>
-                  <a:lnTo>
-                    <a:pt x="1527632" y="788768"/>
-                  </a:lnTo>
-                  <a:lnTo>
-                    <a:pt x="1530639" y="788768"/>
-                  </a:lnTo>
-                  <a:lnTo>
-                    <a:pt x="1530639" y="789262"/>
-                  </a:lnTo>
-                  <a:lnTo>
-                    <a:pt x="1533647" y="789262"/>
+                    <a:pt x="1533647" y="784806"/>
                   </a:lnTo>
                   <a:lnTo>
                     <a:pt x="1533647" y="789757"/>
                   </a:lnTo>
                   <a:lnTo>
-                    <a:pt x="1536654" y="789757"/>
-                  </a:lnTo>
-                  <a:lnTo>
-                    <a:pt x="1536654" y="790094"/>
-                  </a:lnTo>
-                  <a:lnTo>
-                    <a:pt x="1539661" y="790094"/>
-                  </a:lnTo>
-                  <a:lnTo>
-                    <a:pt x="1539661" y="790431"/>
-                  </a:lnTo>
-                  <a:lnTo>
-                    <a:pt x="1542668" y="790431"/>
-                  </a:lnTo>
-                  <a:lnTo>
-                    <a:pt x="1542668" y="790768"/>
-                  </a:lnTo>
-                  <a:lnTo>
-                    <a:pt x="1545675" y="790768"/>
-                  </a:lnTo>
-                  <a:lnTo>
-                    <a:pt x="1545675" y="791104"/>
-                  </a:lnTo>
-                  <a:lnTo>
-                    <a:pt x="1548682" y="791104"/>
-                  </a:lnTo>
-                  <a:lnTo>
-                    <a:pt x="1548682" y="791441"/>
-                  </a:lnTo>
-                  <a:lnTo>
-                    <a:pt x="1551690" y="791441"/>
-                  </a:lnTo>
-                  <a:lnTo>
-                    <a:pt x="1551690" y="791778"/>
-                  </a:lnTo>
-                  <a:lnTo>
-                    <a:pt x="1554697" y="791778"/>
-                  </a:lnTo>
-                  <a:lnTo>
-                    <a:pt x="1554697" y="792114"/>
-                  </a:lnTo>
-                  <a:lnTo>
-                    <a:pt x="1557704" y="792114"/>
-                  </a:lnTo>
-                  <a:lnTo>
-                    <a:pt x="1557704" y="792451"/>
-                  </a:lnTo>
-                  <a:lnTo>
-                    <a:pt x="1560711" y="792451"/>
-                  </a:lnTo>
-                  <a:lnTo>
-                    <a:pt x="1560711" y="792787"/>
-                  </a:lnTo>
-                  <a:lnTo>
-                    <a:pt x="1563718" y="792787"/>
+                    <a:pt x="1563718" y="789757"/>
                   </a:lnTo>
                   <a:lnTo>
                     <a:pt x="1563718" y="793124"/>
                   </a:lnTo>
                   <a:lnTo>
-                    <a:pt x="1566725" y="793124"/>
-                  </a:lnTo>
-                  <a:lnTo>
-                    <a:pt x="1566725" y="793361"/>
-                  </a:lnTo>
-                  <a:lnTo>
-                    <a:pt x="1569732" y="793361"/>
-                  </a:lnTo>
-                  <a:lnTo>
-                    <a:pt x="1569732" y="793599"/>
-                  </a:lnTo>
-                  <a:lnTo>
-                    <a:pt x="1572740" y="793599"/>
-                  </a:lnTo>
-                  <a:lnTo>
-                    <a:pt x="1572740" y="793837"/>
-                  </a:lnTo>
-                  <a:lnTo>
-                    <a:pt x="1575747" y="793837"/>
-                  </a:lnTo>
-                  <a:lnTo>
-                    <a:pt x="1575747" y="794074"/>
-                  </a:lnTo>
-                  <a:lnTo>
-                    <a:pt x="1578754" y="794074"/>
-                  </a:lnTo>
-                  <a:lnTo>
-                    <a:pt x="1578754" y="794312"/>
-                  </a:lnTo>
-                  <a:lnTo>
-                    <a:pt x="1581761" y="794312"/>
-                  </a:lnTo>
-                  <a:lnTo>
-                    <a:pt x="1581761" y="794549"/>
-                  </a:lnTo>
-                  <a:lnTo>
-                    <a:pt x="1584768" y="794549"/>
-                  </a:lnTo>
-                  <a:lnTo>
-                    <a:pt x="1584768" y="794787"/>
-                  </a:lnTo>
-                  <a:lnTo>
-                    <a:pt x="1587775" y="794787"/>
-                  </a:lnTo>
-                  <a:lnTo>
-                    <a:pt x="1587775" y="795024"/>
-                  </a:lnTo>
-                  <a:lnTo>
-                    <a:pt x="1590782" y="795024"/>
-                  </a:lnTo>
-                  <a:lnTo>
-                    <a:pt x="1590782" y="795261"/>
-                  </a:lnTo>
-                  <a:lnTo>
-                    <a:pt x="1593790" y="795261"/>
+                    <a:pt x="1593790" y="793124"/>
                   </a:lnTo>
                   <a:lnTo>
                     <a:pt x="1593790" y="795499"/>
@@ -41208,3181 +35484,319 @@
                     <a:pt x="0" y="0"/>
                   </a:moveTo>
                   <a:lnTo>
-                    <a:pt x="3007" y="0"/>
-                  </a:lnTo>
-                  <a:lnTo>
-                    <a:pt x="3007" y="0"/>
-                  </a:lnTo>
-                  <a:lnTo>
-                    <a:pt x="6014" y="0"/>
-                  </a:lnTo>
-                  <a:lnTo>
-                    <a:pt x="6014" y="0"/>
-                  </a:lnTo>
-                  <a:lnTo>
-                    <a:pt x="9021" y="0"/>
-                  </a:lnTo>
-                  <a:lnTo>
-                    <a:pt x="9021" y="0"/>
-                  </a:lnTo>
-                  <a:lnTo>
-                    <a:pt x="12028" y="0"/>
-                  </a:lnTo>
-                  <a:lnTo>
-                    <a:pt x="12028" y="0"/>
-                  </a:lnTo>
-                  <a:lnTo>
-                    <a:pt x="15035" y="0"/>
-                  </a:lnTo>
-                  <a:lnTo>
-                    <a:pt x="15035" y="0"/>
-                  </a:lnTo>
-                  <a:lnTo>
-                    <a:pt x="18042" y="0"/>
-                  </a:lnTo>
-                  <a:lnTo>
-                    <a:pt x="18042" y="0"/>
-                  </a:lnTo>
-                  <a:lnTo>
-                    <a:pt x="21050" y="0"/>
-                  </a:lnTo>
-                  <a:lnTo>
-                    <a:pt x="21050" y="0"/>
-                  </a:lnTo>
-                  <a:lnTo>
-                    <a:pt x="24057" y="0"/>
-                  </a:lnTo>
-                  <a:lnTo>
-                    <a:pt x="24057" y="0"/>
-                  </a:lnTo>
-                  <a:lnTo>
-                    <a:pt x="27064" y="0"/>
-                  </a:lnTo>
-                  <a:lnTo>
-                    <a:pt x="27064" y="0"/>
-                  </a:lnTo>
-                  <a:lnTo>
                     <a:pt x="30071" y="0"/>
                   </a:lnTo>
                   <a:lnTo>
                     <a:pt x="30071" y="0"/>
                   </a:lnTo>
                   <a:lnTo>
-                    <a:pt x="33078" y="0"/>
-                  </a:lnTo>
-                  <a:lnTo>
-                    <a:pt x="33078" y="0"/>
-                  </a:lnTo>
-                  <a:lnTo>
-                    <a:pt x="36085" y="0"/>
-                  </a:lnTo>
-                  <a:lnTo>
-                    <a:pt x="36085" y="0"/>
-                  </a:lnTo>
-                  <a:lnTo>
-                    <a:pt x="39092" y="0"/>
-                  </a:lnTo>
-                  <a:lnTo>
-                    <a:pt x="39092" y="0"/>
-                  </a:lnTo>
-                  <a:lnTo>
-                    <a:pt x="42100" y="0"/>
-                  </a:lnTo>
-                  <a:lnTo>
-                    <a:pt x="42100" y="0"/>
-                  </a:lnTo>
-                  <a:lnTo>
-                    <a:pt x="45107" y="0"/>
-                  </a:lnTo>
-                  <a:lnTo>
-                    <a:pt x="45107" y="0"/>
-                  </a:lnTo>
-                  <a:lnTo>
-                    <a:pt x="48114" y="0"/>
-                  </a:lnTo>
-                  <a:lnTo>
-                    <a:pt x="48114" y="0"/>
-                  </a:lnTo>
-                  <a:lnTo>
-                    <a:pt x="51121" y="0"/>
-                  </a:lnTo>
-                  <a:lnTo>
-                    <a:pt x="51121" y="0"/>
-                  </a:lnTo>
-                  <a:lnTo>
-                    <a:pt x="54128" y="0"/>
-                  </a:lnTo>
-                  <a:lnTo>
-                    <a:pt x="54128" y="0"/>
-                  </a:lnTo>
-                  <a:lnTo>
-                    <a:pt x="57135" y="0"/>
-                  </a:lnTo>
-                  <a:lnTo>
-                    <a:pt x="57135" y="0"/>
-                  </a:lnTo>
-                  <a:lnTo>
                     <a:pt x="60143" y="0"/>
                   </a:lnTo>
                   <a:lnTo>
                     <a:pt x="60143" y="0"/>
                   </a:lnTo>
                   <a:lnTo>
-                    <a:pt x="63150" y="0"/>
-                  </a:lnTo>
-                  <a:lnTo>
-                    <a:pt x="63150" y="0"/>
-                  </a:lnTo>
-                  <a:lnTo>
-                    <a:pt x="66157" y="0"/>
-                  </a:lnTo>
-                  <a:lnTo>
-                    <a:pt x="66157" y="0"/>
-                  </a:lnTo>
-                  <a:lnTo>
-                    <a:pt x="69164" y="0"/>
-                  </a:lnTo>
-                  <a:lnTo>
-                    <a:pt x="69164" y="0"/>
-                  </a:lnTo>
-                  <a:lnTo>
-                    <a:pt x="72171" y="0"/>
-                  </a:lnTo>
-                  <a:lnTo>
-                    <a:pt x="72171" y="0"/>
-                  </a:lnTo>
-                  <a:lnTo>
-                    <a:pt x="75178" y="0"/>
-                  </a:lnTo>
-                  <a:lnTo>
-                    <a:pt x="75178" y="0"/>
-                  </a:lnTo>
-                  <a:lnTo>
-                    <a:pt x="78185" y="0"/>
-                  </a:lnTo>
-                  <a:lnTo>
-                    <a:pt x="78185" y="0"/>
-                  </a:lnTo>
-                  <a:lnTo>
-                    <a:pt x="81193" y="0"/>
-                  </a:lnTo>
-                  <a:lnTo>
-                    <a:pt x="81193" y="0"/>
-                  </a:lnTo>
-                  <a:lnTo>
-                    <a:pt x="84200" y="0"/>
-                  </a:lnTo>
-                  <a:lnTo>
-                    <a:pt x="84200" y="0"/>
-                  </a:lnTo>
-                  <a:lnTo>
-                    <a:pt x="87207" y="0"/>
-                  </a:lnTo>
-                  <a:lnTo>
-                    <a:pt x="87207" y="0"/>
-                  </a:lnTo>
-                  <a:lnTo>
                     <a:pt x="90214" y="0"/>
                   </a:lnTo>
                   <a:lnTo>
                     <a:pt x="90214" y="0"/>
                   </a:lnTo>
                   <a:lnTo>
-                    <a:pt x="93221" y="0"/>
-                  </a:lnTo>
-                  <a:lnTo>
-                    <a:pt x="93221" y="0"/>
-                  </a:lnTo>
-                  <a:lnTo>
-                    <a:pt x="96228" y="0"/>
-                  </a:lnTo>
-                  <a:lnTo>
-                    <a:pt x="96228" y="0"/>
-                  </a:lnTo>
-                  <a:lnTo>
-                    <a:pt x="99235" y="0"/>
-                  </a:lnTo>
-                  <a:lnTo>
-                    <a:pt x="99235" y="0"/>
-                  </a:lnTo>
-                  <a:lnTo>
-                    <a:pt x="102243" y="0"/>
-                  </a:lnTo>
-                  <a:lnTo>
-                    <a:pt x="102243" y="0"/>
-                  </a:lnTo>
-                  <a:lnTo>
-                    <a:pt x="105250" y="0"/>
-                  </a:lnTo>
-                  <a:lnTo>
-                    <a:pt x="105250" y="0"/>
-                  </a:lnTo>
-                  <a:lnTo>
-                    <a:pt x="108257" y="0"/>
-                  </a:lnTo>
-                  <a:lnTo>
-                    <a:pt x="108257" y="0"/>
-                  </a:lnTo>
-                  <a:lnTo>
-                    <a:pt x="111264" y="0"/>
-                  </a:lnTo>
-                  <a:lnTo>
-                    <a:pt x="111264" y="0"/>
-                  </a:lnTo>
-                  <a:lnTo>
-                    <a:pt x="114271" y="0"/>
-                  </a:lnTo>
-                  <a:lnTo>
-                    <a:pt x="114271" y="0"/>
-                  </a:lnTo>
-                  <a:lnTo>
-                    <a:pt x="117278" y="0"/>
-                  </a:lnTo>
-                  <a:lnTo>
-                    <a:pt x="117278" y="0"/>
-                  </a:lnTo>
-                  <a:lnTo>
                     <a:pt x="120286" y="0"/>
                   </a:lnTo>
                   <a:lnTo>
                     <a:pt x="120286" y="0"/>
                   </a:lnTo>
                   <a:lnTo>
-                    <a:pt x="123293" y="0"/>
-                  </a:lnTo>
-                  <a:lnTo>
-                    <a:pt x="123293" y="0"/>
-                  </a:lnTo>
-                  <a:lnTo>
-                    <a:pt x="126300" y="0"/>
-                  </a:lnTo>
-                  <a:lnTo>
-                    <a:pt x="126300" y="0"/>
-                  </a:lnTo>
-                  <a:lnTo>
-                    <a:pt x="129307" y="0"/>
-                  </a:lnTo>
-                  <a:lnTo>
-                    <a:pt x="129307" y="0"/>
-                  </a:lnTo>
-                  <a:lnTo>
-                    <a:pt x="132314" y="0"/>
-                  </a:lnTo>
-                  <a:lnTo>
-                    <a:pt x="132314" y="0"/>
-                  </a:lnTo>
-                  <a:lnTo>
-                    <a:pt x="135321" y="0"/>
-                  </a:lnTo>
-                  <a:lnTo>
-                    <a:pt x="135321" y="0"/>
-                  </a:lnTo>
-                  <a:lnTo>
-                    <a:pt x="138328" y="0"/>
-                  </a:lnTo>
-                  <a:lnTo>
-                    <a:pt x="138328" y="0"/>
-                  </a:lnTo>
-                  <a:lnTo>
-                    <a:pt x="141336" y="0"/>
-                  </a:lnTo>
-                  <a:lnTo>
-                    <a:pt x="141336" y="0"/>
-                  </a:lnTo>
-                  <a:lnTo>
-                    <a:pt x="144343" y="0"/>
-                  </a:lnTo>
-                  <a:lnTo>
-                    <a:pt x="144343" y="0"/>
-                  </a:lnTo>
-                  <a:lnTo>
-                    <a:pt x="147350" y="0"/>
-                  </a:lnTo>
-                  <a:lnTo>
-                    <a:pt x="147350" y="0"/>
-                  </a:lnTo>
-                  <a:lnTo>
                     <a:pt x="150357" y="0"/>
                   </a:lnTo>
                   <a:lnTo>
                     <a:pt x="150357" y="0"/>
                   </a:lnTo>
                   <a:lnTo>
-                    <a:pt x="153364" y="0"/>
-                  </a:lnTo>
-                  <a:lnTo>
-                    <a:pt x="153364" y="0"/>
-                  </a:lnTo>
-                  <a:lnTo>
-                    <a:pt x="156371" y="0"/>
-                  </a:lnTo>
-                  <a:lnTo>
-                    <a:pt x="156371" y="0"/>
-                  </a:lnTo>
-                  <a:lnTo>
-                    <a:pt x="159379" y="0"/>
-                  </a:lnTo>
-                  <a:lnTo>
-                    <a:pt x="159379" y="0"/>
-                  </a:lnTo>
-                  <a:lnTo>
-                    <a:pt x="162386" y="0"/>
-                  </a:lnTo>
-                  <a:lnTo>
-                    <a:pt x="162386" y="0"/>
-                  </a:lnTo>
-                  <a:lnTo>
-                    <a:pt x="165393" y="0"/>
-                  </a:lnTo>
-                  <a:lnTo>
-                    <a:pt x="165393" y="0"/>
-                  </a:lnTo>
-                  <a:lnTo>
-                    <a:pt x="168400" y="0"/>
-                  </a:lnTo>
-                  <a:lnTo>
-                    <a:pt x="168400" y="0"/>
-                  </a:lnTo>
-                  <a:lnTo>
-                    <a:pt x="171407" y="0"/>
-                  </a:lnTo>
-                  <a:lnTo>
-                    <a:pt x="171407" y="0"/>
-                  </a:lnTo>
-                  <a:lnTo>
-                    <a:pt x="174414" y="0"/>
-                  </a:lnTo>
-                  <a:lnTo>
-                    <a:pt x="174414" y="0"/>
-                  </a:lnTo>
-                  <a:lnTo>
-                    <a:pt x="177421" y="0"/>
-                  </a:lnTo>
-                  <a:lnTo>
-                    <a:pt x="177421" y="0"/>
-                  </a:lnTo>
-                  <a:lnTo>
                     <a:pt x="180429" y="0"/>
                   </a:lnTo>
                   <a:lnTo>
                     <a:pt x="180429" y="0"/>
                   </a:lnTo>
                   <a:lnTo>
-                    <a:pt x="183436" y="0"/>
-                  </a:lnTo>
-                  <a:lnTo>
-                    <a:pt x="183436" y="0"/>
-                  </a:lnTo>
-                  <a:lnTo>
-                    <a:pt x="186443" y="0"/>
-                  </a:lnTo>
-                  <a:lnTo>
-                    <a:pt x="186443" y="0"/>
-                  </a:lnTo>
-                  <a:lnTo>
-                    <a:pt x="189450" y="0"/>
-                  </a:lnTo>
-                  <a:lnTo>
-                    <a:pt x="189450" y="0"/>
-                  </a:lnTo>
-                  <a:lnTo>
-                    <a:pt x="192457" y="0"/>
-                  </a:lnTo>
-                  <a:lnTo>
-                    <a:pt x="192457" y="0"/>
-                  </a:lnTo>
-                  <a:lnTo>
-                    <a:pt x="195464" y="0"/>
-                  </a:lnTo>
-                  <a:lnTo>
-                    <a:pt x="195464" y="0"/>
-                  </a:lnTo>
-                  <a:lnTo>
-                    <a:pt x="198471" y="0"/>
-                  </a:lnTo>
-                  <a:lnTo>
-                    <a:pt x="198471" y="0"/>
-                  </a:lnTo>
-                  <a:lnTo>
-                    <a:pt x="201479" y="0"/>
-                  </a:lnTo>
-                  <a:lnTo>
-                    <a:pt x="201479" y="0"/>
-                  </a:lnTo>
-                  <a:lnTo>
-                    <a:pt x="204486" y="0"/>
-                  </a:lnTo>
-                  <a:lnTo>
-                    <a:pt x="204486" y="0"/>
-                  </a:lnTo>
-                  <a:lnTo>
-                    <a:pt x="207493" y="0"/>
-                  </a:lnTo>
-                  <a:lnTo>
-                    <a:pt x="207493" y="0"/>
-                  </a:lnTo>
-                  <a:lnTo>
                     <a:pt x="210500" y="0"/>
                   </a:lnTo>
                   <a:lnTo>
                     <a:pt x="210500" y="0"/>
                   </a:lnTo>
                   <a:lnTo>
-                    <a:pt x="213507" y="0"/>
-                  </a:lnTo>
-                  <a:lnTo>
-                    <a:pt x="213507" y="0"/>
-                  </a:lnTo>
-                  <a:lnTo>
-                    <a:pt x="216514" y="0"/>
-                  </a:lnTo>
-                  <a:lnTo>
-                    <a:pt x="216514" y="0"/>
-                  </a:lnTo>
-                  <a:lnTo>
-                    <a:pt x="219522" y="0"/>
-                  </a:lnTo>
-                  <a:lnTo>
-                    <a:pt x="219522" y="0"/>
-                  </a:lnTo>
-                  <a:lnTo>
-                    <a:pt x="222529" y="0"/>
-                  </a:lnTo>
-                  <a:lnTo>
-                    <a:pt x="222529" y="0"/>
-                  </a:lnTo>
-                  <a:lnTo>
-                    <a:pt x="225536" y="0"/>
-                  </a:lnTo>
-                  <a:lnTo>
-                    <a:pt x="225536" y="0"/>
-                  </a:lnTo>
-                  <a:lnTo>
-                    <a:pt x="228543" y="0"/>
-                  </a:lnTo>
-                  <a:lnTo>
-                    <a:pt x="228543" y="0"/>
-                  </a:lnTo>
-                  <a:lnTo>
-                    <a:pt x="231550" y="0"/>
-                  </a:lnTo>
-                  <a:lnTo>
-                    <a:pt x="231550" y="0"/>
-                  </a:lnTo>
-                  <a:lnTo>
-                    <a:pt x="234557" y="0"/>
-                  </a:lnTo>
-                  <a:lnTo>
-                    <a:pt x="234557" y="0"/>
-                  </a:lnTo>
-                  <a:lnTo>
-                    <a:pt x="237564" y="0"/>
-                  </a:lnTo>
-                  <a:lnTo>
-                    <a:pt x="237564" y="0"/>
-                  </a:lnTo>
-                  <a:lnTo>
                     <a:pt x="240572" y="0"/>
                   </a:lnTo>
                   <a:lnTo>
                     <a:pt x="240572" y="0"/>
                   </a:lnTo>
                   <a:lnTo>
-                    <a:pt x="243579" y="0"/>
-                  </a:lnTo>
-                  <a:lnTo>
-                    <a:pt x="243579" y="0"/>
-                  </a:lnTo>
-                  <a:lnTo>
-                    <a:pt x="246586" y="0"/>
-                  </a:lnTo>
-                  <a:lnTo>
-                    <a:pt x="246586" y="0"/>
-                  </a:lnTo>
-                  <a:lnTo>
-                    <a:pt x="249593" y="0"/>
-                  </a:lnTo>
-                  <a:lnTo>
-                    <a:pt x="249593" y="0"/>
-                  </a:lnTo>
-                  <a:lnTo>
-                    <a:pt x="252600" y="0"/>
-                  </a:lnTo>
-                  <a:lnTo>
-                    <a:pt x="252600" y="0"/>
-                  </a:lnTo>
-                  <a:lnTo>
-                    <a:pt x="255607" y="0"/>
-                  </a:lnTo>
-                  <a:lnTo>
-                    <a:pt x="255607" y="0"/>
-                  </a:lnTo>
-                  <a:lnTo>
-                    <a:pt x="258615" y="0"/>
-                  </a:lnTo>
-                  <a:lnTo>
-                    <a:pt x="258615" y="0"/>
-                  </a:lnTo>
-                  <a:lnTo>
-                    <a:pt x="261622" y="0"/>
-                  </a:lnTo>
-                  <a:lnTo>
-                    <a:pt x="261622" y="0"/>
-                  </a:lnTo>
-                  <a:lnTo>
-                    <a:pt x="264629" y="0"/>
-                  </a:lnTo>
-                  <a:lnTo>
-                    <a:pt x="264629" y="0"/>
-                  </a:lnTo>
-                  <a:lnTo>
-                    <a:pt x="267636" y="0"/>
-                  </a:lnTo>
-                  <a:lnTo>
-                    <a:pt x="267636" y="0"/>
-                  </a:lnTo>
-                  <a:lnTo>
                     <a:pt x="270643" y="0"/>
                   </a:lnTo>
                   <a:lnTo>
                     <a:pt x="270643" y="0"/>
                   </a:lnTo>
                   <a:lnTo>
-                    <a:pt x="273650" y="0"/>
-                  </a:lnTo>
-                  <a:lnTo>
-                    <a:pt x="273650" y="0"/>
-                  </a:lnTo>
-                  <a:lnTo>
-                    <a:pt x="276657" y="0"/>
-                  </a:lnTo>
-                  <a:lnTo>
-                    <a:pt x="276657" y="0"/>
-                  </a:lnTo>
-                  <a:lnTo>
-                    <a:pt x="279665" y="0"/>
-                  </a:lnTo>
-                  <a:lnTo>
-                    <a:pt x="279665" y="0"/>
-                  </a:lnTo>
-                  <a:lnTo>
-                    <a:pt x="282672" y="0"/>
-                  </a:lnTo>
-                  <a:lnTo>
-                    <a:pt x="282672" y="0"/>
-                  </a:lnTo>
-                  <a:lnTo>
-                    <a:pt x="285679" y="0"/>
-                  </a:lnTo>
-                  <a:lnTo>
-                    <a:pt x="285679" y="0"/>
-                  </a:lnTo>
-                  <a:lnTo>
-                    <a:pt x="288686" y="0"/>
-                  </a:lnTo>
-                  <a:lnTo>
-                    <a:pt x="288686" y="0"/>
-                  </a:lnTo>
-                  <a:lnTo>
-                    <a:pt x="291693" y="0"/>
-                  </a:lnTo>
-                  <a:lnTo>
-                    <a:pt x="291693" y="0"/>
-                  </a:lnTo>
-                  <a:lnTo>
-                    <a:pt x="294700" y="0"/>
-                  </a:lnTo>
-                  <a:lnTo>
-                    <a:pt x="294700" y="0"/>
-                  </a:lnTo>
-                  <a:lnTo>
-                    <a:pt x="297707" y="0"/>
-                  </a:lnTo>
-                  <a:lnTo>
-                    <a:pt x="297707" y="0"/>
-                  </a:lnTo>
-                  <a:lnTo>
                     <a:pt x="300715" y="0"/>
                   </a:lnTo>
                   <a:lnTo>
                     <a:pt x="300715" y="0"/>
                   </a:lnTo>
                   <a:lnTo>
-                    <a:pt x="303722" y="0"/>
-                  </a:lnTo>
-                  <a:lnTo>
-                    <a:pt x="303722" y="0"/>
-                  </a:lnTo>
-                  <a:lnTo>
-                    <a:pt x="306729" y="0"/>
-                  </a:lnTo>
-                  <a:lnTo>
-                    <a:pt x="306729" y="0"/>
-                  </a:lnTo>
-                  <a:lnTo>
-                    <a:pt x="309736" y="0"/>
-                  </a:lnTo>
-                  <a:lnTo>
-                    <a:pt x="309736" y="0"/>
-                  </a:lnTo>
-                  <a:lnTo>
-                    <a:pt x="312743" y="0"/>
-                  </a:lnTo>
-                  <a:lnTo>
-                    <a:pt x="312743" y="0"/>
-                  </a:lnTo>
-                  <a:lnTo>
-                    <a:pt x="315750" y="0"/>
-                  </a:lnTo>
-                  <a:lnTo>
-                    <a:pt x="315750" y="0"/>
-                  </a:lnTo>
-                  <a:lnTo>
-                    <a:pt x="318758" y="0"/>
-                  </a:lnTo>
-                  <a:lnTo>
-                    <a:pt x="318758" y="0"/>
-                  </a:lnTo>
-                  <a:lnTo>
-                    <a:pt x="321765" y="0"/>
-                  </a:lnTo>
-                  <a:lnTo>
-                    <a:pt x="321765" y="0"/>
-                  </a:lnTo>
-                  <a:lnTo>
-                    <a:pt x="324772" y="0"/>
-                  </a:lnTo>
-                  <a:lnTo>
-                    <a:pt x="324772" y="0"/>
-                  </a:lnTo>
-                  <a:lnTo>
-                    <a:pt x="327779" y="0"/>
-                  </a:lnTo>
-                  <a:lnTo>
-                    <a:pt x="327779" y="0"/>
-                  </a:lnTo>
-                  <a:lnTo>
                     <a:pt x="330786" y="0"/>
                   </a:lnTo>
                   <a:lnTo>
                     <a:pt x="330786" y="1"/>
                   </a:lnTo>
                   <a:lnTo>
-                    <a:pt x="333793" y="1"/>
-                  </a:lnTo>
-                  <a:lnTo>
-                    <a:pt x="333793" y="1"/>
-                  </a:lnTo>
-                  <a:lnTo>
-                    <a:pt x="336800" y="1"/>
-                  </a:lnTo>
-                  <a:lnTo>
-                    <a:pt x="336800" y="1"/>
-                  </a:lnTo>
-                  <a:lnTo>
-                    <a:pt x="339808" y="1"/>
-                  </a:lnTo>
-                  <a:lnTo>
-                    <a:pt x="339808" y="1"/>
-                  </a:lnTo>
-                  <a:lnTo>
-                    <a:pt x="342815" y="1"/>
-                  </a:lnTo>
-                  <a:lnTo>
-                    <a:pt x="342815" y="1"/>
-                  </a:lnTo>
-                  <a:lnTo>
-                    <a:pt x="345822" y="1"/>
-                  </a:lnTo>
-                  <a:lnTo>
-                    <a:pt x="345822" y="1"/>
-                  </a:lnTo>
-                  <a:lnTo>
-                    <a:pt x="348829" y="1"/>
-                  </a:lnTo>
-                  <a:lnTo>
-                    <a:pt x="348829" y="1"/>
-                  </a:lnTo>
-                  <a:lnTo>
-                    <a:pt x="351836" y="1"/>
-                  </a:lnTo>
-                  <a:lnTo>
-                    <a:pt x="351836" y="1"/>
-                  </a:lnTo>
-                  <a:lnTo>
-                    <a:pt x="354843" y="1"/>
-                  </a:lnTo>
-                  <a:lnTo>
-                    <a:pt x="354843" y="1"/>
-                  </a:lnTo>
-                  <a:lnTo>
-                    <a:pt x="357850" y="1"/>
-                  </a:lnTo>
-                  <a:lnTo>
-                    <a:pt x="357850" y="2"/>
+                    <a:pt x="360858" y="1"/>
                   </a:lnTo>
                   <a:lnTo>
                     <a:pt x="360858" y="2"/>
                   </a:lnTo>
                   <a:lnTo>
-                    <a:pt x="360858" y="2"/>
-                  </a:lnTo>
-                  <a:lnTo>
-                    <a:pt x="363865" y="2"/>
-                  </a:lnTo>
-                  <a:lnTo>
-                    <a:pt x="363865" y="2"/>
-                  </a:lnTo>
-                  <a:lnTo>
-                    <a:pt x="366872" y="2"/>
-                  </a:lnTo>
-                  <a:lnTo>
-                    <a:pt x="366872" y="2"/>
-                  </a:lnTo>
-                  <a:lnTo>
-                    <a:pt x="369879" y="2"/>
-                  </a:lnTo>
-                  <a:lnTo>
-                    <a:pt x="369879" y="2"/>
-                  </a:lnTo>
-                  <a:lnTo>
-                    <a:pt x="372886" y="2"/>
-                  </a:lnTo>
-                  <a:lnTo>
-                    <a:pt x="372886" y="3"/>
-                  </a:lnTo>
-                  <a:lnTo>
-                    <a:pt x="375893" y="3"/>
-                  </a:lnTo>
-                  <a:lnTo>
-                    <a:pt x="375893" y="3"/>
-                  </a:lnTo>
-                  <a:lnTo>
-                    <a:pt x="378901" y="3"/>
-                  </a:lnTo>
-                  <a:lnTo>
-                    <a:pt x="378901" y="3"/>
-                  </a:lnTo>
-                  <a:lnTo>
-                    <a:pt x="381908" y="3"/>
-                  </a:lnTo>
-                  <a:lnTo>
-                    <a:pt x="381908" y="3"/>
-                  </a:lnTo>
-                  <a:lnTo>
-                    <a:pt x="384915" y="3"/>
-                  </a:lnTo>
-                  <a:lnTo>
-                    <a:pt x="384915" y="4"/>
-                  </a:lnTo>
-                  <a:lnTo>
-                    <a:pt x="387922" y="4"/>
-                  </a:lnTo>
-                  <a:lnTo>
-                    <a:pt x="387922" y="4"/>
+                    <a:pt x="390929" y="2"/>
                   </a:lnTo>
                   <a:lnTo>
                     <a:pt x="390929" y="4"/>
                   </a:lnTo>
                   <a:lnTo>
-                    <a:pt x="390929" y="4"/>
-                  </a:lnTo>
-                  <a:lnTo>
-                    <a:pt x="393936" y="4"/>
-                  </a:lnTo>
-                  <a:lnTo>
-                    <a:pt x="393936" y="5"/>
-                  </a:lnTo>
-                  <a:lnTo>
-                    <a:pt x="396943" y="5"/>
-                  </a:lnTo>
-                  <a:lnTo>
-                    <a:pt x="396943" y="5"/>
-                  </a:lnTo>
-                  <a:lnTo>
-                    <a:pt x="399951" y="5"/>
-                  </a:lnTo>
-                  <a:lnTo>
-                    <a:pt x="399951" y="6"/>
-                  </a:lnTo>
-                  <a:lnTo>
-                    <a:pt x="402958" y="6"/>
-                  </a:lnTo>
-                  <a:lnTo>
-                    <a:pt x="402958" y="6"/>
-                  </a:lnTo>
-                  <a:lnTo>
-                    <a:pt x="405965" y="6"/>
-                  </a:lnTo>
-                  <a:lnTo>
-                    <a:pt x="405965" y="7"/>
-                  </a:lnTo>
-                  <a:lnTo>
-                    <a:pt x="408972" y="7"/>
-                  </a:lnTo>
-                  <a:lnTo>
-                    <a:pt x="408972" y="7"/>
-                  </a:lnTo>
-                  <a:lnTo>
-                    <a:pt x="411979" y="7"/>
-                  </a:lnTo>
-                  <a:lnTo>
-                    <a:pt x="411979" y="8"/>
-                  </a:lnTo>
-                  <a:lnTo>
-                    <a:pt x="414986" y="8"/>
-                  </a:lnTo>
-                  <a:lnTo>
-                    <a:pt x="414986" y="8"/>
-                  </a:lnTo>
-                  <a:lnTo>
-                    <a:pt x="417994" y="8"/>
-                  </a:lnTo>
-                  <a:lnTo>
-                    <a:pt x="417994" y="9"/>
+                    <a:pt x="421001" y="4"/>
                   </a:lnTo>
                   <a:lnTo>
                     <a:pt x="421001" y="9"/>
                   </a:lnTo>
                   <a:lnTo>
-                    <a:pt x="421001" y="9"/>
-                  </a:lnTo>
-                  <a:lnTo>
-                    <a:pt x="424008" y="9"/>
-                  </a:lnTo>
-                  <a:lnTo>
-                    <a:pt x="424008" y="11"/>
-                  </a:lnTo>
-                  <a:lnTo>
-                    <a:pt x="427015" y="11"/>
-                  </a:lnTo>
-                  <a:lnTo>
-                    <a:pt x="427015" y="12"/>
-                  </a:lnTo>
-                  <a:lnTo>
-                    <a:pt x="430022" y="12"/>
-                  </a:lnTo>
-                  <a:lnTo>
-                    <a:pt x="430022" y="13"/>
-                  </a:lnTo>
-                  <a:lnTo>
-                    <a:pt x="433029" y="13"/>
-                  </a:lnTo>
-                  <a:lnTo>
-                    <a:pt x="433029" y="14"/>
-                  </a:lnTo>
-                  <a:lnTo>
-                    <a:pt x="436036" y="14"/>
-                  </a:lnTo>
-                  <a:lnTo>
-                    <a:pt x="436036" y="15"/>
-                  </a:lnTo>
-                  <a:lnTo>
-                    <a:pt x="439044" y="15"/>
-                  </a:lnTo>
-                  <a:lnTo>
-                    <a:pt x="439044" y="16"/>
-                  </a:lnTo>
-                  <a:lnTo>
-                    <a:pt x="442051" y="16"/>
-                  </a:lnTo>
-                  <a:lnTo>
-                    <a:pt x="442051" y="17"/>
-                  </a:lnTo>
-                  <a:lnTo>
-                    <a:pt x="445058" y="17"/>
-                  </a:lnTo>
-                  <a:lnTo>
-                    <a:pt x="445058" y="18"/>
-                  </a:lnTo>
-                  <a:lnTo>
-                    <a:pt x="448065" y="18"/>
-                  </a:lnTo>
-                  <a:lnTo>
-                    <a:pt x="448065" y="19"/>
-                  </a:lnTo>
-                  <a:lnTo>
-                    <a:pt x="451072" y="19"/>
+                    <a:pt x="451072" y="9"/>
                   </a:lnTo>
                   <a:lnTo>
                     <a:pt x="451072" y="21"/>
                   </a:lnTo>
                   <a:lnTo>
-                    <a:pt x="454079" y="21"/>
-                  </a:lnTo>
-                  <a:lnTo>
-                    <a:pt x="454079" y="23"/>
-                  </a:lnTo>
-                  <a:lnTo>
-                    <a:pt x="457086" y="23"/>
-                  </a:lnTo>
-                  <a:lnTo>
-                    <a:pt x="457086" y="25"/>
-                  </a:lnTo>
-                  <a:lnTo>
-                    <a:pt x="460094" y="25"/>
-                  </a:lnTo>
-                  <a:lnTo>
-                    <a:pt x="460094" y="28"/>
-                  </a:lnTo>
-                  <a:lnTo>
-                    <a:pt x="463101" y="28"/>
-                  </a:lnTo>
-                  <a:lnTo>
-                    <a:pt x="463101" y="30"/>
-                  </a:lnTo>
-                  <a:lnTo>
-                    <a:pt x="466108" y="30"/>
-                  </a:lnTo>
-                  <a:lnTo>
-                    <a:pt x="466108" y="32"/>
-                  </a:lnTo>
-                  <a:lnTo>
-                    <a:pt x="469115" y="32"/>
-                  </a:lnTo>
-                  <a:lnTo>
-                    <a:pt x="469115" y="35"/>
-                  </a:lnTo>
-                  <a:lnTo>
-                    <a:pt x="472122" y="35"/>
-                  </a:lnTo>
-                  <a:lnTo>
-                    <a:pt x="472122" y="37"/>
-                  </a:lnTo>
-                  <a:lnTo>
-                    <a:pt x="475129" y="37"/>
-                  </a:lnTo>
-                  <a:lnTo>
-                    <a:pt x="475129" y="39"/>
-                  </a:lnTo>
-                  <a:lnTo>
-                    <a:pt x="478137" y="39"/>
-                  </a:lnTo>
-                  <a:lnTo>
-                    <a:pt x="478137" y="42"/>
-                  </a:lnTo>
-                  <a:lnTo>
-                    <a:pt x="481144" y="42"/>
+                    <a:pt x="481144" y="21"/>
                   </a:lnTo>
                   <a:lnTo>
                     <a:pt x="481144" y="44"/>
                   </a:lnTo>
                   <a:lnTo>
-                    <a:pt x="484151" y="44"/>
-                  </a:lnTo>
-                  <a:lnTo>
-                    <a:pt x="484151" y="49"/>
-                  </a:lnTo>
-                  <a:lnTo>
-                    <a:pt x="487158" y="49"/>
-                  </a:lnTo>
-                  <a:lnTo>
-                    <a:pt x="487158" y="54"/>
-                  </a:lnTo>
-                  <a:lnTo>
-                    <a:pt x="490165" y="54"/>
-                  </a:lnTo>
-                  <a:lnTo>
-                    <a:pt x="490165" y="59"/>
-                  </a:lnTo>
-                  <a:lnTo>
-                    <a:pt x="493172" y="59"/>
-                  </a:lnTo>
-                  <a:lnTo>
-                    <a:pt x="493172" y="64"/>
-                  </a:lnTo>
-                  <a:lnTo>
-                    <a:pt x="496179" y="64"/>
-                  </a:lnTo>
-                  <a:lnTo>
-                    <a:pt x="496179" y="69"/>
-                  </a:lnTo>
-                  <a:lnTo>
-                    <a:pt x="499187" y="69"/>
-                  </a:lnTo>
-                  <a:lnTo>
-                    <a:pt x="499187" y="73"/>
-                  </a:lnTo>
-                  <a:lnTo>
-                    <a:pt x="502194" y="73"/>
-                  </a:lnTo>
-                  <a:lnTo>
-                    <a:pt x="502194" y="78"/>
-                  </a:lnTo>
-                  <a:lnTo>
-                    <a:pt x="505201" y="78"/>
-                  </a:lnTo>
-                  <a:lnTo>
-                    <a:pt x="505201" y="83"/>
-                  </a:lnTo>
-                  <a:lnTo>
-                    <a:pt x="508208" y="83"/>
-                  </a:lnTo>
-                  <a:lnTo>
-                    <a:pt x="508208" y="88"/>
-                  </a:lnTo>
-                  <a:lnTo>
-                    <a:pt x="511215" y="88"/>
+                    <a:pt x="511215" y="44"/>
                   </a:lnTo>
                   <a:lnTo>
                     <a:pt x="511215" y="93"/>
                   </a:lnTo>
                   <a:lnTo>
-                    <a:pt x="514222" y="93"/>
-                  </a:lnTo>
-                  <a:lnTo>
-                    <a:pt x="514222" y="104"/>
-                  </a:lnTo>
-                  <a:lnTo>
-                    <a:pt x="517230" y="104"/>
-                  </a:lnTo>
-                  <a:lnTo>
-                    <a:pt x="517230" y="114"/>
-                  </a:lnTo>
-                  <a:lnTo>
-                    <a:pt x="520237" y="114"/>
-                  </a:lnTo>
-                  <a:lnTo>
-                    <a:pt x="520237" y="124"/>
-                  </a:lnTo>
-                  <a:lnTo>
-                    <a:pt x="523244" y="124"/>
-                  </a:lnTo>
-                  <a:lnTo>
-                    <a:pt x="523244" y="135"/>
-                  </a:lnTo>
-                  <a:lnTo>
-                    <a:pt x="526251" y="135"/>
-                  </a:lnTo>
-                  <a:lnTo>
-                    <a:pt x="526251" y="145"/>
-                  </a:lnTo>
-                  <a:lnTo>
-                    <a:pt x="529258" y="145"/>
-                  </a:lnTo>
-                  <a:lnTo>
-                    <a:pt x="529258" y="155"/>
-                  </a:lnTo>
-                  <a:lnTo>
-                    <a:pt x="532265" y="155"/>
-                  </a:lnTo>
-                  <a:lnTo>
-                    <a:pt x="532265" y="166"/>
-                  </a:lnTo>
-                  <a:lnTo>
-                    <a:pt x="535272" y="166"/>
-                  </a:lnTo>
-                  <a:lnTo>
-                    <a:pt x="535272" y="176"/>
-                  </a:lnTo>
-                  <a:lnTo>
-                    <a:pt x="538280" y="176"/>
-                  </a:lnTo>
-                  <a:lnTo>
-                    <a:pt x="538280" y="187"/>
-                  </a:lnTo>
-                  <a:lnTo>
-                    <a:pt x="541287" y="187"/>
+                    <a:pt x="541287" y="93"/>
                   </a:lnTo>
                   <a:lnTo>
                     <a:pt x="541287" y="197"/>
                   </a:lnTo>
                   <a:lnTo>
-                    <a:pt x="544294" y="197"/>
-                  </a:lnTo>
-                  <a:lnTo>
-                    <a:pt x="544294" y="219"/>
-                  </a:lnTo>
-                  <a:lnTo>
-                    <a:pt x="547301" y="219"/>
-                  </a:lnTo>
-                  <a:lnTo>
-                    <a:pt x="547301" y="240"/>
-                  </a:lnTo>
-                  <a:lnTo>
-                    <a:pt x="550308" y="240"/>
-                  </a:lnTo>
-                  <a:lnTo>
-                    <a:pt x="550308" y="262"/>
-                  </a:lnTo>
-                  <a:lnTo>
-                    <a:pt x="553315" y="262"/>
-                  </a:lnTo>
-                  <a:lnTo>
-                    <a:pt x="553315" y="284"/>
-                  </a:lnTo>
-                  <a:lnTo>
-                    <a:pt x="556322" y="284"/>
-                  </a:lnTo>
-                  <a:lnTo>
-                    <a:pt x="556322" y="306"/>
-                  </a:lnTo>
-                  <a:lnTo>
-                    <a:pt x="559330" y="306"/>
-                  </a:lnTo>
-                  <a:lnTo>
-                    <a:pt x="559330" y="328"/>
-                  </a:lnTo>
-                  <a:lnTo>
-                    <a:pt x="562337" y="328"/>
-                  </a:lnTo>
-                  <a:lnTo>
-                    <a:pt x="562337" y="349"/>
-                  </a:lnTo>
-                  <a:lnTo>
-                    <a:pt x="565344" y="349"/>
-                  </a:lnTo>
-                  <a:lnTo>
-                    <a:pt x="565344" y="371"/>
-                  </a:lnTo>
-                  <a:lnTo>
-                    <a:pt x="568351" y="371"/>
-                  </a:lnTo>
-                  <a:lnTo>
-                    <a:pt x="568351" y="393"/>
-                  </a:lnTo>
-                  <a:lnTo>
-                    <a:pt x="571358" y="393"/>
+                    <a:pt x="571358" y="197"/>
                   </a:lnTo>
                   <a:lnTo>
                     <a:pt x="571358" y="415"/>
                   </a:lnTo>
                   <a:lnTo>
-                    <a:pt x="574365" y="415"/>
-                  </a:lnTo>
-                  <a:lnTo>
-                    <a:pt x="574365" y="460"/>
-                  </a:lnTo>
-                  <a:lnTo>
-                    <a:pt x="577373" y="460"/>
-                  </a:lnTo>
-                  <a:lnTo>
-                    <a:pt x="577373" y="505"/>
-                  </a:lnTo>
-                  <a:lnTo>
-                    <a:pt x="580380" y="505"/>
-                  </a:lnTo>
-                  <a:lnTo>
-                    <a:pt x="580380" y="550"/>
-                  </a:lnTo>
-                  <a:lnTo>
-                    <a:pt x="583387" y="550"/>
-                  </a:lnTo>
-                  <a:lnTo>
-                    <a:pt x="583387" y="595"/>
-                  </a:lnTo>
-                  <a:lnTo>
-                    <a:pt x="586394" y="595"/>
-                  </a:lnTo>
-                  <a:lnTo>
-                    <a:pt x="586394" y="640"/>
-                  </a:lnTo>
-                  <a:lnTo>
-                    <a:pt x="589401" y="640"/>
-                  </a:lnTo>
-                  <a:lnTo>
-                    <a:pt x="589401" y="685"/>
-                  </a:lnTo>
-                  <a:lnTo>
-                    <a:pt x="592408" y="685"/>
-                  </a:lnTo>
-                  <a:lnTo>
-                    <a:pt x="592408" y="730"/>
-                  </a:lnTo>
-                  <a:lnTo>
-                    <a:pt x="595415" y="730"/>
-                  </a:lnTo>
-                  <a:lnTo>
-                    <a:pt x="595415" y="775"/>
-                  </a:lnTo>
-                  <a:lnTo>
-                    <a:pt x="598423" y="775"/>
-                  </a:lnTo>
-                  <a:lnTo>
-                    <a:pt x="598423" y="820"/>
-                  </a:lnTo>
-                  <a:lnTo>
-                    <a:pt x="601430" y="820"/>
+                    <a:pt x="601430" y="415"/>
                   </a:lnTo>
                   <a:lnTo>
                     <a:pt x="601430" y="865"/>
                   </a:lnTo>
                   <a:lnTo>
-                    <a:pt x="604437" y="865"/>
-                  </a:lnTo>
-                  <a:lnTo>
-                    <a:pt x="604437" y="958"/>
-                  </a:lnTo>
-                  <a:lnTo>
-                    <a:pt x="607444" y="958"/>
-                  </a:lnTo>
-                  <a:lnTo>
-                    <a:pt x="607444" y="1050"/>
-                  </a:lnTo>
-                  <a:lnTo>
-                    <a:pt x="610451" y="1050"/>
-                  </a:lnTo>
-                  <a:lnTo>
-                    <a:pt x="610451" y="1143"/>
-                  </a:lnTo>
-                  <a:lnTo>
-                    <a:pt x="613458" y="1143"/>
-                  </a:lnTo>
-                  <a:lnTo>
-                    <a:pt x="613458" y="1235"/>
-                  </a:lnTo>
-                  <a:lnTo>
-                    <a:pt x="616465" y="1235"/>
-                  </a:lnTo>
-                  <a:lnTo>
-                    <a:pt x="616465" y="1328"/>
-                  </a:lnTo>
-                  <a:lnTo>
-                    <a:pt x="619473" y="1328"/>
-                  </a:lnTo>
-                  <a:lnTo>
-                    <a:pt x="619473" y="1420"/>
-                  </a:lnTo>
-                  <a:lnTo>
-                    <a:pt x="622480" y="1420"/>
-                  </a:lnTo>
-                  <a:lnTo>
-                    <a:pt x="622480" y="1513"/>
-                  </a:lnTo>
-                  <a:lnTo>
-                    <a:pt x="625487" y="1513"/>
-                  </a:lnTo>
-                  <a:lnTo>
-                    <a:pt x="625487" y="1605"/>
-                  </a:lnTo>
-                  <a:lnTo>
-                    <a:pt x="628494" y="1605"/>
-                  </a:lnTo>
-                  <a:lnTo>
-                    <a:pt x="628494" y="1698"/>
-                  </a:lnTo>
-                  <a:lnTo>
-                    <a:pt x="631501" y="1698"/>
+                    <a:pt x="631501" y="865"/>
                   </a:lnTo>
                   <a:lnTo>
                     <a:pt x="631501" y="1790"/>
                   </a:lnTo>
                   <a:lnTo>
-                    <a:pt x="634508" y="1790"/>
-                  </a:lnTo>
-                  <a:lnTo>
-                    <a:pt x="634508" y="1968"/>
-                  </a:lnTo>
-                  <a:lnTo>
-                    <a:pt x="637516" y="1968"/>
-                  </a:lnTo>
-                  <a:lnTo>
-                    <a:pt x="637516" y="2147"/>
-                  </a:lnTo>
-                  <a:lnTo>
-                    <a:pt x="640523" y="2147"/>
-                  </a:lnTo>
-                  <a:lnTo>
-                    <a:pt x="640523" y="2325"/>
-                  </a:lnTo>
-                  <a:lnTo>
-                    <a:pt x="643530" y="2325"/>
-                  </a:lnTo>
-                  <a:lnTo>
-                    <a:pt x="643530" y="2504"/>
-                  </a:lnTo>
-                  <a:lnTo>
-                    <a:pt x="646537" y="2504"/>
-                  </a:lnTo>
-                  <a:lnTo>
-                    <a:pt x="646537" y="2682"/>
-                  </a:lnTo>
-                  <a:lnTo>
-                    <a:pt x="649544" y="2682"/>
-                  </a:lnTo>
-                  <a:lnTo>
-                    <a:pt x="649544" y="2860"/>
-                  </a:lnTo>
-                  <a:lnTo>
-                    <a:pt x="652551" y="2860"/>
-                  </a:lnTo>
-                  <a:lnTo>
-                    <a:pt x="652551" y="3039"/>
-                  </a:lnTo>
-                  <a:lnTo>
-                    <a:pt x="655558" y="3039"/>
-                  </a:lnTo>
-                  <a:lnTo>
-                    <a:pt x="655558" y="3217"/>
-                  </a:lnTo>
-                  <a:lnTo>
-                    <a:pt x="658566" y="3217"/>
-                  </a:lnTo>
-                  <a:lnTo>
-                    <a:pt x="658566" y="3395"/>
-                  </a:lnTo>
-                  <a:lnTo>
-                    <a:pt x="661573" y="3395"/>
+                    <a:pt x="661573" y="1790"/>
                   </a:lnTo>
                   <a:lnTo>
                     <a:pt x="661573" y="3573"/>
                   </a:lnTo>
                   <a:lnTo>
-                    <a:pt x="664580" y="3573"/>
-                  </a:lnTo>
-                  <a:lnTo>
-                    <a:pt x="664580" y="3911"/>
-                  </a:lnTo>
-                  <a:lnTo>
-                    <a:pt x="667587" y="3911"/>
-                  </a:lnTo>
-                  <a:lnTo>
-                    <a:pt x="667587" y="4249"/>
-                  </a:lnTo>
-                  <a:lnTo>
-                    <a:pt x="670594" y="4249"/>
-                  </a:lnTo>
-                  <a:lnTo>
-                    <a:pt x="670594" y="4586"/>
-                  </a:lnTo>
-                  <a:lnTo>
-                    <a:pt x="673601" y="4586"/>
-                  </a:lnTo>
-                  <a:lnTo>
-                    <a:pt x="673601" y="4923"/>
-                  </a:lnTo>
-                  <a:lnTo>
-                    <a:pt x="676609" y="4923"/>
-                  </a:lnTo>
-                  <a:lnTo>
-                    <a:pt x="676609" y="5261"/>
-                  </a:lnTo>
-                  <a:lnTo>
-                    <a:pt x="679616" y="5261"/>
-                  </a:lnTo>
-                  <a:lnTo>
-                    <a:pt x="679616" y="5598"/>
-                  </a:lnTo>
-                  <a:lnTo>
-                    <a:pt x="682623" y="5598"/>
-                  </a:lnTo>
-                  <a:lnTo>
-                    <a:pt x="682623" y="5935"/>
-                  </a:lnTo>
-                  <a:lnTo>
-                    <a:pt x="685630" y="5935"/>
-                  </a:lnTo>
-                  <a:lnTo>
-                    <a:pt x="685630" y="6273"/>
-                  </a:lnTo>
-                  <a:lnTo>
-                    <a:pt x="688637" y="6273"/>
-                  </a:lnTo>
-                  <a:lnTo>
-                    <a:pt x="688637" y="6610"/>
-                  </a:lnTo>
-                  <a:lnTo>
-                    <a:pt x="691644" y="6610"/>
+                    <a:pt x="691644" y="3573"/>
                   </a:lnTo>
                   <a:lnTo>
                     <a:pt x="691644" y="6947"/>
                   </a:lnTo>
                   <a:lnTo>
-                    <a:pt x="694651" y="6947"/>
-                  </a:lnTo>
-                  <a:lnTo>
-                    <a:pt x="694651" y="7527"/>
-                  </a:lnTo>
-                  <a:lnTo>
-                    <a:pt x="697659" y="7527"/>
-                  </a:lnTo>
-                  <a:lnTo>
-                    <a:pt x="697659" y="8106"/>
-                  </a:lnTo>
-                  <a:lnTo>
-                    <a:pt x="700666" y="8106"/>
-                  </a:lnTo>
-                  <a:lnTo>
-                    <a:pt x="700666" y="8686"/>
-                  </a:lnTo>
-                  <a:lnTo>
-                    <a:pt x="703673" y="8686"/>
-                  </a:lnTo>
-                  <a:lnTo>
-                    <a:pt x="703673" y="9265"/>
-                  </a:lnTo>
-                  <a:lnTo>
-                    <a:pt x="706680" y="9265"/>
-                  </a:lnTo>
-                  <a:lnTo>
-                    <a:pt x="706680" y="9845"/>
-                  </a:lnTo>
-                  <a:lnTo>
-                    <a:pt x="709687" y="9845"/>
-                  </a:lnTo>
-                  <a:lnTo>
-                    <a:pt x="709687" y="10424"/>
-                  </a:lnTo>
-                  <a:lnTo>
-                    <a:pt x="712694" y="10424"/>
-                  </a:lnTo>
-                  <a:lnTo>
-                    <a:pt x="712694" y="11003"/>
-                  </a:lnTo>
-                  <a:lnTo>
-                    <a:pt x="715701" y="11003"/>
-                  </a:lnTo>
-                  <a:lnTo>
-                    <a:pt x="715701" y="11582"/>
-                  </a:lnTo>
-                  <a:lnTo>
-                    <a:pt x="718709" y="11582"/>
-                  </a:lnTo>
-                  <a:lnTo>
-                    <a:pt x="718709" y="12161"/>
-                  </a:lnTo>
-                  <a:lnTo>
-                    <a:pt x="721716" y="12161"/>
+                    <a:pt x="721716" y="6947"/>
                   </a:lnTo>
                   <a:lnTo>
                     <a:pt x="721716" y="12739"/>
                   </a:lnTo>
                   <a:lnTo>
-                    <a:pt x="724723" y="12739"/>
-                  </a:lnTo>
-                  <a:lnTo>
-                    <a:pt x="724723" y="13627"/>
-                  </a:lnTo>
-                  <a:lnTo>
-                    <a:pt x="727730" y="13627"/>
-                  </a:lnTo>
-                  <a:lnTo>
-                    <a:pt x="727730" y="14515"/>
-                  </a:lnTo>
-                  <a:lnTo>
-                    <a:pt x="730737" y="14515"/>
-                  </a:lnTo>
-                  <a:lnTo>
-                    <a:pt x="730737" y="15402"/>
-                  </a:lnTo>
-                  <a:lnTo>
-                    <a:pt x="733744" y="15402"/>
-                  </a:lnTo>
-                  <a:lnTo>
-                    <a:pt x="733744" y="16289"/>
-                  </a:lnTo>
-                  <a:lnTo>
-                    <a:pt x="736752" y="16289"/>
-                  </a:lnTo>
-                  <a:lnTo>
-                    <a:pt x="736752" y="17176"/>
-                  </a:lnTo>
-                  <a:lnTo>
-                    <a:pt x="739759" y="17176"/>
-                  </a:lnTo>
-                  <a:lnTo>
-                    <a:pt x="739759" y="18062"/>
-                  </a:lnTo>
-                  <a:lnTo>
-                    <a:pt x="742766" y="18062"/>
-                  </a:lnTo>
-                  <a:lnTo>
-                    <a:pt x="742766" y="18948"/>
-                  </a:lnTo>
-                  <a:lnTo>
-                    <a:pt x="745773" y="18948"/>
-                  </a:lnTo>
-                  <a:lnTo>
-                    <a:pt x="745773" y="19834"/>
-                  </a:lnTo>
-                  <a:lnTo>
-                    <a:pt x="748780" y="19834"/>
-                  </a:lnTo>
-                  <a:lnTo>
-                    <a:pt x="748780" y="20720"/>
-                  </a:lnTo>
-                  <a:lnTo>
-                    <a:pt x="751787" y="20720"/>
+                    <a:pt x="751787" y="12739"/>
                   </a:lnTo>
                   <a:lnTo>
                     <a:pt x="751787" y="21605"/>
                   </a:lnTo>
                   <a:lnTo>
-                    <a:pt x="754794" y="21605"/>
-                  </a:lnTo>
-                  <a:lnTo>
-                    <a:pt x="754794" y="22598"/>
-                  </a:lnTo>
-                  <a:lnTo>
-                    <a:pt x="757802" y="22598"/>
-                  </a:lnTo>
-                  <a:lnTo>
-                    <a:pt x="757802" y="23591"/>
-                  </a:lnTo>
-                  <a:lnTo>
-                    <a:pt x="760809" y="23591"/>
-                  </a:lnTo>
-                  <a:lnTo>
-                    <a:pt x="760809" y="24583"/>
-                  </a:lnTo>
-                  <a:lnTo>
-                    <a:pt x="763816" y="24583"/>
-                  </a:lnTo>
-                  <a:lnTo>
-                    <a:pt x="763816" y="25576"/>
-                  </a:lnTo>
-                  <a:lnTo>
-                    <a:pt x="766823" y="25576"/>
-                  </a:lnTo>
-                  <a:lnTo>
-                    <a:pt x="766823" y="26567"/>
-                  </a:lnTo>
-                  <a:lnTo>
-                    <a:pt x="769830" y="26567"/>
-                  </a:lnTo>
-                  <a:lnTo>
-                    <a:pt x="769830" y="27558"/>
-                  </a:lnTo>
-                  <a:lnTo>
-                    <a:pt x="772837" y="27558"/>
-                  </a:lnTo>
-                  <a:lnTo>
-                    <a:pt x="772837" y="28549"/>
-                  </a:lnTo>
-                  <a:lnTo>
-                    <a:pt x="775845" y="28549"/>
-                  </a:lnTo>
-                  <a:lnTo>
-                    <a:pt x="775845" y="29540"/>
-                  </a:lnTo>
-                  <a:lnTo>
-                    <a:pt x="778852" y="29540"/>
-                  </a:lnTo>
-                  <a:lnTo>
-                    <a:pt x="778852" y="30530"/>
-                  </a:lnTo>
-                  <a:lnTo>
-                    <a:pt x="781859" y="30530"/>
+                    <a:pt x="781859" y="21605"/>
                   </a:lnTo>
                   <a:lnTo>
                     <a:pt x="781859" y="31520"/>
                   </a:lnTo>
                   <a:lnTo>
-                    <a:pt x="784866" y="31520"/>
-                  </a:lnTo>
-                  <a:lnTo>
-                    <a:pt x="784866" y="32598"/>
-                  </a:lnTo>
-                  <a:lnTo>
-                    <a:pt x="787873" y="32598"/>
-                  </a:lnTo>
-                  <a:lnTo>
-                    <a:pt x="787873" y="33675"/>
-                  </a:lnTo>
-                  <a:lnTo>
-                    <a:pt x="790880" y="33675"/>
-                  </a:lnTo>
-                  <a:lnTo>
-                    <a:pt x="790880" y="34751"/>
-                  </a:lnTo>
-                  <a:lnTo>
-                    <a:pt x="793887" y="34751"/>
-                  </a:lnTo>
-                  <a:lnTo>
-                    <a:pt x="793887" y="35828"/>
-                  </a:lnTo>
-                  <a:lnTo>
-                    <a:pt x="796895" y="35828"/>
-                  </a:lnTo>
-                  <a:lnTo>
-                    <a:pt x="796895" y="36904"/>
-                  </a:lnTo>
-                  <a:lnTo>
-                    <a:pt x="799902" y="36904"/>
-                  </a:lnTo>
-                  <a:lnTo>
-                    <a:pt x="799902" y="37979"/>
-                  </a:lnTo>
-                  <a:lnTo>
-                    <a:pt x="802909" y="37979"/>
-                  </a:lnTo>
-                  <a:lnTo>
-                    <a:pt x="802909" y="39054"/>
-                  </a:lnTo>
-                  <a:lnTo>
-                    <a:pt x="805916" y="39054"/>
-                  </a:lnTo>
-                  <a:lnTo>
-                    <a:pt x="805916" y="40128"/>
-                  </a:lnTo>
-                  <a:lnTo>
-                    <a:pt x="808923" y="40128"/>
-                  </a:lnTo>
-                  <a:lnTo>
-                    <a:pt x="808923" y="41203"/>
-                  </a:lnTo>
-                  <a:lnTo>
-                    <a:pt x="811930" y="41203"/>
+                    <a:pt x="811930" y="31520"/>
                   </a:lnTo>
                   <a:lnTo>
                     <a:pt x="811930" y="42276"/>
                   </a:lnTo>
                   <a:lnTo>
-                    <a:pt x="814937" y="42276"/>
-                  </a:lnTo>
-                  <a:lnTo>
-                    <a:pt x="814937" y="43410"/>
-                  </a:lnTo>
-                  <a:lnTo>
-                    <a:pt x="817945" y="43410"/>
-                  </a:lnTo>
-                  <a:lnTo>
-                    <a:pt x="817945" y="44544"/>
-                  </a:lnTo>
-                  <a:lnTo>
-                    <a:pt x="820952" y="44544"/>
-                  </a:lnTo>
-                  <a:lnTo>
-                    <a:pt x="820952" y="45677"/>
-                  </a:lnTo>
-                  <a:lnTo>
-                    <a:pt x="823959" y="45677"/>
-                  </a:lnTo>
-                  <a:lnTo>
-                    <a:pt x="823959" y="46810"/>
-                  </a:lnTo>
-                  <a:lnTo>
-                    <a:pt x="826966" y="46810"/>
-                  </a:lnTo>
-                  <a:lnTo>
-                    <a:pt x="826966" y="47943"/>
-                  </a:lnTo>
-                  <a:lnTo>
-                    <a:pt x="829973" y="47943"/>
-                  </a:lnTo>
-                  <a:lnTo>
-                    <a:pt x="829973" y="49074"/>
-                  </a:lnTo>
-                  <a:lnTo>
-                    <a:pt x="832980" y="49074"/>
-                  </a:lnTo>
-                  <a:lnTo>
-                    <a:pt x="832980" y="50206"/>
-                  </a:lnTo>
-                  <a:lnTo>
-                    <a:pt x="835988" y="50206"/>
-                  </a:lnTo>
-                  <a:lnTo>
-                    <a:pt x="835988" y="51336"/>
-                  </a:lnTo>
-                  <a:lnTo>
-                    <a:pt x="838995" y="51336"/>
-                  </a:lnTo>
-                  <a:lnTo>
-                    <a:pt x="838995" y="52467"/>
-                  </a:lnTo>
-                  <a:lnTo>
-                    <a:pt x="842002" y="52467"/>
+                    <a:pt x="842002" y="42276"/>
                   </a:lnTo>
                   <a:lnTo>
                     <a:pt x="842002" y="53597"/>
                   </a:lnTo>
                   <a:lnTo>
-                    <a:pt x="845009" y="53597"/>
-                  </a:lnTo>
-                  <a:lnTo>
-                    <a:pt x="845009" y="55034"/>
-                  </a:lnTo>
-                  <a:lnTo>
-                    <a:pt x="848016" y="55034"/>
-                  </a:lnTo>
-                  <a:lnTo>
-                    <a:pt x="848016" y="56471"/>
-                  </a:lnTo>
-                  <a:lnTo>
-                    <a:pt x="851023" y="56471"/>
-                  </a:lnTo>
-                  <a:lnTo>
-                    <a:pt x="851023" y="57907"/>
-                  </a:lnTo>
-                  <a:lnTo>
-                    <a:pt x="854030" y="57907"/>
-                  </a:lnTo>
-                  <a:lnTo>
-                    <a:pt x="854030" y="59343"/>
-                  </a:lnTo>
-                  <a:lnTo>
-                    <a:pt x="857038" y="59343"/>
-                  </a:lnTo>
-                  <a:lnTo>
-                    <a:pt x="857038" y="60777"/>
-                  </a:lnTo>
-                  <a:lnTo>
-                    <a:pt x="860045" y="60777"/>
-                  </a:lnTo>
-                  <a:lnTo>
-                    <a:pt x="860045" y="62211"/>
-                  </a:lnTo>
-                  <a:lnTo>
-                    <a:pt x="863052" y="62211"/>
-                  </a:lnTo>
-                  <a:lnTo>
-                    <a:pt x="863052" y="63644"/>
-                  </a:lnTo>
-                  <a:lnTo>
-                    <a:pt x="866059" y="63644"/>
-                  </a:lnTo>
-                  <a:lnTo>
-                    <a:pt x="866059" y="65076"/>
-                  </a:lnTo>
-                  <a:lnTo>
-                    <a:pt x="869066" y="65076"/>
-                  </a:lnTo>
-                  <a:lnTo>
-                    <a:pt x="869066" y="66508"/>
-                  </a:lnTo>
-                  <a:lnTo>
-                    <a:pt x="872073" y="66508"/>
+                    <a:pt x="872073" y="53597"/>
                   </a:lnTo>
                   <a:lnTo>
                     <a:pt x="872073" y="67938"/>
                   </a:lnTo>
                   <a:lnTo>
-                    <a:pt x="875080" y="67938"/>
-                  </a:lnTo>
-                  <a:lnTo>
-                    <a:pt x="875080" y="69886"/>
-                  </a:lnTo>
-                  <a:lnTo>
-                    <a:pt x="878088" y="69886"/>
-                  </a:lnTo>
-                  <a:lnTo>
-                    <a:pt x="878088" y="71832"/>
-                  </a:lnTo>
-                  <a:lnTo>
-                    <a:pt x="881095" y="71832"/>
-                  </a:lnTo>
-                  <a:lnTo>
-                    <a:pt x="881095" y="73777"/>
-                  </a:lnTo>
-                  <a:lnTo>
-                    <a:pt x="884102" y="73777"/>
-                  </a:lnTo>
-                  <a:lnTo>
-                    <a:pt x="884102" y="75720"/>
-                  </a:lnTo>
-                  <a:lnTo>
-                    <a:pt x="887109" y="75720"/>
-                  </a:lnTo>
-                  <a:lnTo>
-                    <a:pt x="887109" y="77662"/>
-                  </a:lnTo>
-                  <a:lnTo>
-                    <a:pt x="890116" y="77662"/>
-                  </a:lnTo>
-                  <a:lnTo>
-                    <a:pt x="890116" y="79602"/>
-                  </a:lnTo>
-                  <a:lnTo>
-                    <a:pt x="893123" y="79602"/>
-                  </a:lnTo>
-                  <a:lnTo>
-                    <a:pt x="893123" y="81541"/>
-                  </a:lnTo>
-                  <a:lnTo>
-                    <a:pt x="896131" y="81541"/>
-                  </a:lnTo>
-                  <a:lnTo>
-                    <a:pt x="896131" y="83479"/>
-                  </a:lnTo>
-                  <a:lnTo>
-                    <a:pt x="899138" y="83479"/>
-                  </a:lnTo>
-                  <a:lnTo>
-                    <a:pt x="899138" y="85415"/>
-                  </a:lnTo>
-                  <a:lnTo>
-                    <a:pt x="902145" y="85415"/>
+                    <a:pt x="902145" y="67938"/>
                   </a:lnTo>
                   <a:lnTo>
                     <a:pt x="902145" y="87349"/>
                   </a:lnTo>
                   <a:lnTo>
-                    <a:pt x="905152" y="87349"/>
-                  </a:lnTo>
-                  <a:lnTo>
-                    <a:pt x="905152" y="89855"/>
-                  </a:lnTo>
-                  <a:lnTo>
-                    <a:pt x="908159" y="89855"/>
-                  </a:lnTo>
-                  <a:lnTo>
-                    <a:pt x="908159" y="92357"/>
-                  </a:lnTo>
-                  <a:lnTo>
-                    <a:pt x="911166" y="92357"/>
-                  </a:lnTo>
-                  <a:lnTo>
-                    <a:pt x="911166" y="94858"/>
-                  </a:lnTo>
-                  <a:lnTo>
-                    <a:pt x="914173" y="94858"/>
-                  </a:lnTo>
-                  <a:lnTo>
-                    <a:pt x="914173" y="97356"/>
-                  </a:lnTo>
-                  <a:lnTo>
-                    <a:pt x="917181" y="97356"/>
-                  </a:lnTo>
-                  <a:lnTo>
-                    <a:pt x="917181" y="99851"/>
-                  </a:lnTo>
-                  <a:lnTo>
-                    <a:pt x="920188" y="99851"/>
-                  </a:lnTo>
-                  <a:lnTo>
-                    <a:pt x="920188" y="102345"/>
-                  </a:lnTo>
-                  <a:lnTo>
-                    <a:pt x="923195" y="102345"/>
-                  </a:lnTo>
-                  <a:lnTo>
-                    <a:pt x="923195" y="104835"/>
-                  </a:lnTo>
-                  <a:lnTo>
-                    <a:pt x="926202" y="104835"/>
-                  </a:lnTo>
-                  <a:lnTo>
-                    <a:pt x="926202" y="107324"/>
-                  </a:lnTo>
-                  <a:lnTo>
-                    <a:pt x="929209" y="107324"/>
-                  </a:lnTo>
-                  <a:lnTo>
-                    <a:pt x="929209" y="109810"/>
-                  </a:lnTo>
-                  <a:lnTo>
-                    <a:pt x="932216" y="109810"/>
+                    <a:pt x="932216" y="87349"/>
                   </a:lnTo>
                   <a:lnTo>
                     <a:pt x="932216" y="112294"/>
                   </a:lnTo>
                   <a:lnTo>
-                    <a:pt x="935224" y="112294"/>
-                  </a:lnTo>
-                  <a:lnTo>
-                    <a:pt x="935224" y="115435"/>
-                  </a:lnTo>
-                  <a:lnTo>
-                    <a:pt x="938231" y="115435"/>
-                  </a:lnTo>
-                  <a:lnTo>
-                    <a:pt x="938231" y="118574"/>
-                  </a:lnTo>
-                  <a:lnTo>
-                    <a:pt x="941238" y="118574"/>
-                  </a:lnTo>
-                  <a:lnTo>
-                    <a:pt x="941238" y="121708"/>
-                  </a:lnTo>
-                  <a:lnTo>
-                    <a:pt x="944245" y="121708"/>
-                  </a:lnTo>
-                  <a:lnTo>
-                    <a:pt x="944245" y="124838"/>
-                  </a:lnTo>
-                  <a:lnTo>
-                    <a:pt x="947252" y="124838"/>
-                  </a:lnTo>
-                  <a:lnTo>
-                    <a:pt x="947252" y="127965"/>
-                  </a:lnTo>
-                  <a:lnTo>
-                    <a:pt x="950259" y="127965"/>
-                  </a:lnTo>
-                  <a:lnTo>
-                    <a:pt x="950259" y="131088"/>
-                  </a:lnTo>
-                  <a:lnTo>
-                    <a:pt x="953266" y="131088"/>
-                  </a:lnTo>
-                  <a:lnTo>
-                    <a:pt x="953266" y="134207"/>
-                  </a:lnTo>
-                  <a:lnTo>
-                    <a:pt x="956274" y="134207"/>
-                  </a:lnTo>
-                  <a:lnTo>
-                    <a:pt x="956274" y="137323"/>
-                  </a:lnTo>
-                  <a:lnTo>
-                    <a:pt x="959281" y="137323"/>
-                  </a:lnTo>
-                  <a:lnTo>
-                    <a:pt x="959281" y="140434"/>
-                  </a:lnTo>
-                  <a:lnTo>
-                    <a:pt x="962288" y="140434"/>
+                    <a:pt x="962288" y="112294"/>
                   </a:lnTo>
                   <a:lnTo>
                     <a:pt x="962288" y="143542"/>
                   </a:lnTo>
                   <a:lnTo>
-                    <a:pt x="965295" y="143542"/>
-                  </a:lnTo>
-                  <a:lnTo>
-                    <a:pt x="965295" y="147150"/>
-                  </a:lnTo>
-                  <a:lnTo>
-                    <a:pt x="968302" y="147150"/>
-                  </a:lnTo>
-                  <a:lnTo>
-                    <a:pt x="968302" y="150754"/>
-                  </a:lnTo>
-                  <a:lnTo>
-                    <a:pt x="971309" y="150754"/>
-                  </a:lnTo>
-                  <a:lnTo>
-                    <a:pt x="971309" y="154352"/>
-                  </a:lnTo>
-                  <a:lnTo>
-                    <a:pt x="974316" y="154352"/>
-                  </a:lnTo>
-                  <a:lnTo>
-                    <a:pt x="974316" y="157945"/>
-                  </a:lnTo>
-                  <a:lnTo>
-                    <a:pt x="977324" y="157945"/>
-                  </a:lnTo>
-                  <a:lnTo>
-                    <a:pt x="977324" y="161533"/>
-                  </a:lnTo>
-                  <a:lnTo>
-                    <a:pt x="980331" y="161533"/>
-                  </a:lnTo>
-                  <a:lnTo>
-                    <a:pt x="980331" y="165116"/>
-                  </a:lnTo>
-                  <a:lnTo>
-                    <a:pt x="983338" y="165116"/>
-                  </a:lnTo>
-                  <a:lnTo>
-                    <a:pt x="983338" y="168694"/>
-                  </a:lnTo>
-                  <a:lnTo>
-                    <a:pt x="986345" y="168694"/>
-                  </a:lnTo>
-                  <a:lnTo>
-                    <a:pt x="986345" y="172266"/>
-                  </a:lnTo>
-                  <a:lnTo>
-                    <a:pt x="989352" y="172266"/>
-                  </a:lnTo>
-                  <a:lnTo>
-                    <a:pt x="989352" y="175834"/>
-                  </a:lnTo>
-                  <a:lnTo>
-                    <a:pt x="992359" y="175834"/>
+                    <a:pt x="992359" y="143542"/>
                   </a:lnTo>
                   <a:lnTo>
                     <a:pt x="992359" y="179397"/>
                   </a:lnTo>
                   <a:lnTo>
-                    <a:pt x="995367" y="179397"/>
-                  </a:lnTo>
-                  <a:lnTo>
-                    <a:pt x="995367" y="183397"/>
-                  </a:lnTo>
-                  <a:lnTo>
-                    <a:pt x="998374" y="183397"/>
-                  </a:lnTo>
-                  <a:lnTo>
-                    <a:pt x="998374" y="187392"/>
-                  </a:lnTo>
-                  <a:lnTo>
-                    <a:pt x="1001381" y="187392"/>
-                  </a:lnTo>
-                  <a:lnTo>
-                    <a:pt x="1001381" y="191379"/>
-                  </a:lnTo>
-                  <a:lnTo>
-                    <a:pt x="1004388" y="191379"/>
-                  </a:lnTo>
-                  <a:lnTo>
-                    <a:pt x="1004388" y="195361"/>
-                  </a:lnTo>
-                  <a:lnTo>
-                    <a:pt x="1007395" y="195361"/>
-                  </a:lnTo>
-                  <a:lnTo>
-                    <a:pt x="1007395" y="199336"/>
-                  </a:lnTo>
-                  <a:lnTo>
-                    <a:pt x="1010402" y="199336"/>
-                  </a:lnTo>
-                  <a:lnTo>
-                    <a:pt x="1010402" y="203305"/>
-                  </a:lnTo>
-                  <a:lnTo>
-                    <a:pt x="1013409" y="203305"/>
-                  </a:lnTo>
-                  <a:lnTo>
-                    <a:pt x="1013409" y="207267"/>
-                  </a:lnTo>
-                  <a:lnTo>
-                    <a:pt x="1016417" y="207267"/>
-                  </a:lnTo>
-                  <a:lnTo>
-                    <a:pt x="1016417" y="211224"/>
-                  </a:lnTo>
-                  <a:lnTo>
-                    <a:pt x="1019424" y="211224"/>
-                  </a:lnTo>
-                  <a:lnTo>
-                    <a:pt x="1019424" y="215174"/>
-                  </a:lnTo>
-                  <a:lnTo>
-                    <a:pt x="1022431" y="215174"/>
+                    <a:pt x="1022431" y="179397"/>
                   </a:lnTo>
                   <a:lnTo>
                     <a:pt x="1022431" y="219117"/>
                   </a:lnTo>
                   <a:lnTo>
-                    <a:pt x="1025438" y="219117"/>
-                  </a:lnTo>
-                  <a:lnTo>
-                    <a:pt x="1025438" y="223356"/>
-                  </a:lnTo>
-                  <a:lnTo>
-                    <a:pt x="1028445" y="223356"/>
-                  </a:lnTo>
-                  <a:lnTo>
-                    <a:pt x="1028445" y="227588"/>
-                  </a:lnTo>
-                  <a:lnTo>
-                    <a:pt x="1031452" y="227588"/>
-                  </a:lnTo>
-                  <a:lnTo>
-                    <a:pt x="1031452" y="231813"/>
-                  </a:lnTo>
-                  <a:lnTo>
-                    <a:pt x="1034460" y="231813"/>
-                  </a:lnTo>
-                  <a:lnTo>
-                    <a:pt x="1034460" y="236030"/>
-                  </a:lnTo>
-                  <a:lnTo>
-                    <a:pt x="1037467" y="236030"/>
-                  </a:lnTo>
-                  <a:lnTo>
-                    <a:pt x="1037467" y="240240"/>
-                  </a:lnTo>
-                  <a:lnTo>
-                    <a:pt x="1040474" y="240240"/>
-                  </a:lnTo>
-                  <a:lnTo>
-                    <a:pt x="1040474" y="244443"/>
-                  </a:lnTo>
-                  <a:lnTo>
-                    <a:pt x="1043481" y="244443"/>
-                  </a:lnTo>
-                  <a:lnTo>
-                    <a:pt x="1043481" y="248639"/>
-                  </a:lnTo>
-                  <a:lnTo>
-                    <a:pt x="1046488" y="248639"/>
-                  </a:lnTo>
-                  <a:lnTo>
-                    <a:pt x="1046488" y="252827"/>
-                  </a:lnTo>
-                  <a:lnTo>
-                    <a:pt x="1049495" y="252827"/>
-                  </a:lnTo>
-                  <a:lnTo>
-                    <a:pt x="1049495" y="257009"/>
-                  </a:lnTo>
-                  <a:lnTo>
-                    <a:pt x="1052502" y="257009"/>
+                    <a:pt x="1052502" y="219117"/>
                   </a:lnTo>
                   <a:lnTo>
                     <a:pt x="1052502" y="261183"/>
                   </a:lnTo>
                   <a:lnTo>
-                    <a:pt x="1055510" y="261183"/>
-                  </a:lnTo>
-                  <a:lnTo>
-                    <a:pt x="1055510" y="264764"/>
-                  </a:lnTo>
-                  <a:lnTo>
-                    <a:pt x="1058517" y="264764"/>
-                  </a:lnTo>
-                  <a:lnTo>
-                    <a:pt x="1058517" y="268341"/>
-                  </a:lnTo>
-                  <a:lnTo>
-                    <a:pt x="1061524" y="268341"/>
-                  </a:lnTo>
-                  <a:lnTo>
-                    <a:pt x="1061524" y="271912"/>
-                  </a:lnTo>
-                  <a:lnTo>
-                    <a:pt x="1064531" y="271912"/>
-                  </a:lnTo>
-                  <a:lnTo>
-                    <a:pt x="1064531" y="275477"/>
-                  </a:lnTo>
-                  <a:lnTo>
-                    <a:pt x="1067538" y="275477"/>
-                  </a:lnTo>
-                  <a:lnTo>
-                    <a:pt x="1067538" y="279038"/>
-                  </a:lnTo>
-                  <a:lnTo>
-                    <a:pt x="1070545" y="279038"/>
-                  </a:lnTo>
-                  <a:lnTo>
-                    <a:pt x="1070545" y="282593"/>
-                  </a:lnTo>
-                  <a:lnTo>
-                    <a:pt x="1073552" y="282593"/>
-                  </a:lnTo>
-                  <a:lnTo>
-                    <a:pt x="1073552" y="286143"/>
-                  </a:lnTo>
-                  <a:lnTo>
-                    <a:pt x="1076560" y="286143"/>
-                  </a:lnTo>
-                  <a:lnTo>
-                    <a:pt x="1076560" y="289688"/>
-                  </a:lnTo>
-                  <a:lnTo>
-                    <a:pt x="1079567" y="289688"/>
-                  </a:lnTo>
-                  <a:lnTo>
-                    <a:pt x="1079567" y="293227"/>
-                  </a:lnTo>
-                  <a:lnTo>
-                    <a:pt x="1082574" y="293227"/>
+                    <a:pt x="1082574" y="261183"/>
                   </a:lnTo>
                   <a:lnTo>
                     <a:pt x="1082574" y="296762"/>
                   </a:lnTo>
                   <a:lnTo>
-                    <a:pt x="1085581" y="296762"/>
-                  </a:lnTo>
-                  <a:lnTo>
-                    <a:pt x="1085581" y="299472"/>
-                  </a:lnTo>
-                  <a:lnTo>
-                    <a:pt x="1088588" y="299472"/>
-                  </a:lnTo>
-                  <a:lnTo>
-                    <a:pt x="1088588" y="302179"/>
-                  </a:lnTo>
-                  <a:lnTo>
-                    <a:pt x="1091595" y="302179"/>
-                  </a:lnTo>
-                  <a:lnTo>
-                    <a:pt x="1091595" y="304883"/>
-                  </a:lnTo>
-                  <a:lnTo>
-                    <a:pt x="1094603" y="304883"/>
-                  </a:lnTo>
-                  <a:lnTo>
-                    <a:pt x="1094603" y="307583"/>
-                  </a:lnTo>
-                  <a:lnTo>
-                    <a:pt x="1097610" y="307583"/>
-                  </a:lnTo>
-                  <a:lnTo>
-                    <a:pt x="1097610" y="310281"/>
-                  </a:lnTo>
-                  <a:lnTo>
-                    <a:pt x="1100617" y="310281"/>
-                  </a:lnTo>
-                  <a:lnTo>
-                    <a:pt x="1100617" y="312976"/>
-                  </a:lnTo>
-                  <a:lnTo>
-                    <a:pt x="1103624" y="312976"/>
-                  </a:lnTo>
-                  <a:lnTo>
-                    <a:pt x="1103624" y="315668"/>
-                  </a:lnTo>
-                  <a:lnTo>
-                    <a:pt x="1106631" y="315668"/>
-                  </a:lnTo>
-                  <a:lnTo>
-                    <a:pt x="1106631" y="318356"/>
-                  </a:lnTo>
-                  <a:lnTo>
-                    <a:pt x="1109638" y="318356"/>
-                  </a:lnTo>
-                  <a:lnTo>
-                    <a:pt x="1109638" y="321042"/>
-                  </a:lnTo>
-                  <a:lnTo>
-                    <a:pt x="1112645" y="321042"/>
+                    <a:pt x="1112645" y="296762"/>
                   </a:lnTo>
                   <a:lnTo>
                     <a:pt x="1112645" y="323724"/>
                   </a:lnTo>
                   <a:lnTo>
-                    <a:pt x="1115653" y="323724"/>
-                  </a:lnTo>
-                  <a:lnTo>
-                    <a:pt x="1115653" y="325930"/>
-                  </a:lnTo>
-                  <a:lnTo>
-                    <a:pt x="1118660" y="325930"/>
-                  </a:lnTo>
-                  <a:lnTo>
-                    <a:pt x="1118660" y="328133"/>
-                  </a:lnTo>
-                  <a:lnTo>
-                    <a:pt x="1121667" y="328133"/>
-                  </a:lnTo>
-                  <a:lnTo>
-                    <a:pt x="1121667" y="330334"/>
-                  </a:lnTo>
-                  <a:lnTo>
-                    <a:pt x="1124674" y="330334"/>
-                  </a:lnTo>
-                  <a:lnTo>
-                    <a:pt x="1124674" y="332533"/>
-                  </a:lnTo>
-                  <a:lnTo>
-                    <a:pt x="1127681" y="332533"/>
-                  </a:lnTo>
-                  <a:lnTo>
-                    <a:pt x="1127681" y="334730"/>
-                  </a:lnTo>
-                  <a:lnTo>
-                    <a:pt x="1130688" y="334730"/>
-                  </a:lnTo>
-                  <a:lnTo>
-                    <a:pt x="1130688" y="336925"/>
-                  </a:lnTo>
-                  <a:lnTo>
-                    <a:pt x="1133695" y="336925"/>
-                  </a:lnTo>
-                  <a:lnTo>
-                    <a:pt x="1133695" y="339118"/>
-                  </a:lnTo>
-                  <a:lnTo>
-                    <a:pt x="1136703" y="339118"/>
-                  </a:lnTo>
-                  <a:lnTo>
-                    <a:pt x="1136703" y="341309"/>
-                  </a:lnTo>
-                  <a:lnTo>
-                    <a:pt x="1139710" y="341309"/>
-                  </a:lnTo>
-                  <a:lnTo>
-                    <a:pt x="1139710" y="343498"/>
-                  </a:lnTo>
-                  <a:lnTo>
-                    <a:pt x="1142717" y="343498"/>
+                    <a:pt x="1142717" y="323724"/>
                   </a:lnTo>
                   <a:lnTo>
                     <a:pt x="1142717" y="345685"/>
                   </a:lnTo>
                   <a:lnTo>
-                    <a:pt x="1145724" y="345685"/>
-                  </a:lnTo>
-                  <a:lnTo>
-                    <a:pt x="1145724" y="347472"/>
-                  </a:lnTo>
-                  <a:lnTo>
-                    <a:pt x="1148731" y="347472"/>
-                  </a:lnTo>
-                  <a:lnTo>
-                    <a:pt x="1148731" y="349258"/>
-                  </a:lnTo>
-                  <a:lnTo>
-                    <a:pt x="1151738" y="349258"/>
-                  </a:lnTo>
-                  <a:lnTo>
-                    <a:pt x="1151738" y="351043"/>
-                  </a:lnTo>
-                  <a:lnTo>
-                    <a:pt x="1154746" y="351043"/>
-                  </a:lnTo>
-                  <a:lnTo>
-                    <a:pt x="1154746" y="352826"/>
-                  </a:lnTo>
-                  <a:lnTo>
-                    <a:pt x="1157753" y="352826"/>
-                  </a:lnTo>
-                  <a:lnTo>
-                    <a:pt x="1157753" y="354608"/>
-                  </a:lnTo>
-                  <a:lnTo>
-                    <a:pt x="1160760" y="354608"/>
-                  </a:lnTo>
-                  <a:lnTo>
-                    <a:pt x="1160760" y="356388"/>
-                  </a:lnTo>
-                  <a:lnTo>
-                    <a:pt x="1163767" y="356388"/>
-                  </a:lnTo>
-                  <a:lnTo>
-                    <a:pt x="1163767" y="358168"/>
-                  </a:lnTo>
-                  <a:lnTo>
-                    <a:pt x="1166774" y="358168"/>
-                  </a:lnTo>
-                  <a:lnTo>
-                    <a:pt x="1166774" y="359945"/>
-                  </a:lnTo>
-                  <a:lnTo>
-                    <a:pt x="1169781" y="359945"/>
-                  </a:lnTo>
-                  <a:lnTo>
-                    <a:pt x="1169781" y="361722"/>
-                  </a:lnTo>
-                  <a:lnTo>
-                    <a:pt x="1172788" y="361722"/>
+                    <a:pt x="1172788" y="345685"/>
                   </a:lnTo>
                   <a:lnTo>
                     <a:pt x="1172788" y="363497"/>
                   </a:lnTo>
                   <a:lnTo>
-                    <a:pt x="1175796" y="363497"/>
-                  </a:lnTo>
-                  <a:lnTo>
-                    <a:pt x="1175796" y="364825"/>
-                  </a:lnTo>
-                  <a:lnTo>
-                    <a:pt x="1178803" y="364825"/>
-                  </a:lnTo>
-                  <a:lnTo>
-                    <a:pt x="1178803" y="366152"/>
-                  </a:lnTo>
-                  <a:lnTo>
-                    <a:pt x="1181810" y="366152"/>
-                  </a:lnTo>
-                  <a:lnTo>
-                    <a:pt x="1181810" y="367478"/>
-                  </a:lnTo>
-                  <a:lnTo>
-                    <a:pt x="1184817" y="367478"/>
-                  </a:lnTo>
-                  <a:lnTo>
-                    <a:pt x="1184817" y="368803"/>
-                  </a:lnTo>
-                  <a:lnTo>
-                    <a:pt x="1187824" y="368803"/>
-                  </a:lnTo>
-                  <a:lnTo>
-                    <a:pt x="1187824" y="370128"/>
-                  </a:lnTo>
-                  <a:lnTo>
-                    <a:pt x="1190831" y="370128"/>
-                  </a:lnTo>
-                  <a:lnTo>
-                    <a:pt x="1190831" y="371452"/>
-                  </a:lnTo>
-                  <a:lnTo>
-                    <a:pt x="1193839" y="371452"/>
-                  </a:lnTo>
-                  <a:lnTo>
-                    <a:pt x="1193839" y="372775"/>
-                  </a:lnTo>
-                  <a:lnTo>
-                    <a:pt x="1196846" y="372775"/>
-                  </a:lnTo>
-                  <a:lnTo>
-                    <a:pt x="1196846" y="374098"/>
-                  </a:lnTo>
-                  <a:lnTo>
-                    <a:pt x="1199853" y="374098"/>
-                  </a:lnTo>
-                  <a:lnTo>
-                    <a:pt x="1199853" y="375419"/>
-                  </a:lnTo>
-                  <a:lnTo>
-                    <a:pt x="1202860" y="375419"/>
+                    <a:pt x="1202860" y="363497"/>
                   </a:lnTo>
                   <a:lnTo>
                     <a:pt x="1202860" y="376740"/>
                   </a:lnTo>
                   <a:lnTo>
-                    <a:pt x="1205867" y="376740"/>
-                  </a:lnTo>
-                  <a:lnTo>
-                    <a:pt x="1205867" y="377856"/>
-                  </a:lnTo>
-                  <a:lnTo>
-                    <a:pt x="1208874" y="377856"/>
-                  </a:lnTo>
-                  <a:lnTo>
-                    <a:pt x="1208874" y="378972"/>
-                  </a:lnTo>
-                  <a:lnTo>
-                    <a:pt x="1211881" y="378972"/>
-                  </a:lnTo>
-                  <a:lnTo>
-                    <a:pt x="1211881" y="380087"/>
-                  </a:lnTo>
-                  <a:lnTo>
-                    <a:pt x="1214889" y="380087"/>
-                  </a:lnTo>
-                  <a:lnTo>
-                    <a:pt x="1214889" y="381201"/>
-                  </a:lnTo>
-                  <a:lnTo>
-                    <a:pt x="1217896" y="381201"/>
-                  </a:lnTo>
-                  <a:lnTo>
-                    <a:pt x="1217896" y="382315"/>
-                  </a:lnTo>
-                  <a:lnTo>
-                    <a:pt x="1220903" y="382315"/>
-                  </a:lnTo>
-                  <a:lnTo>
-                    <a:pt x="1220903" y="383429"/>
-                  </a:lnTo>
-                  <a:lnTo>
-                    <a:pt x="1223910" y="383429"/>
-                  </a:lnTo>
-                  <a:lnTo>
-                    <a:pt x="1223910" y="384542"/>
-                  </a:lnTo>
-                  <a:lnTo>
-                    <a:pt x="1226917" y="384542"/>
-                  </a:lnTo>
-                  <a:lnTo>
-                    <a:pt x="1226917" y="385654"/>
-                  </a:lnTo>
-                  <a:lnTo>
-                    <a:pt x="1229924" y="385654"/>
-                  </a:lnTo>
-                  <a:lnTo>
-                    <a:pt x="1229924" y="386766"/>
-                  </a:lnTo>
-                  <a:lnTo>
-                    <a:pt x="1232931" y="386766"/>
+                    <a:pt x="1232931" y="376740"/>
                   </a:lnTo>
                   <a:lnTo>
                     <a:pt x="1232931" y="387877"/>
                   </a:lnTo>
                   <a:lnTo>
-                    <a:pt x="1235939" y="387877"/>
-                  </a:lnTo>
-                  <a:lnTo>
-                    <a:pt x="1235939" y="389036"/>
-                  </a:lnTo>
-                  <a:lnTo>
-                    <a:pt x="1238946" y="389036"/>
-                  </a:lnTo>
-                  <a:lnTo>
-                    <a:pt x="1238946" y="390195"/>
-                  </a:lnTo>
-                  <a:lnTo>
-                    <a:pt x="1241953" y="390195"/>
-                  </a:lnTo>
-                  <a:lnTo>
-                    <a:pt x="1241953" y="391352"/>
-                  </a:lnTo>
-                  <a:lnTo>
-                    <a:pt x="1244960" y="391352"/>
-                  </a:lnTo>
-                  <a:lnTo>
-                    <a:pt x="1244960" y="392510"/>
-                  </a:lnTo>
-                  <a:lnTo>
-                    <a:pt x="1247967" y="392510"/>
-                  </a:lnTo>
-                  <a:lnTo>
-                    <a:pt x="1247967" y="393666"/>
-                  </a:lnTo>
-                  <a:lnTo>
-                    <a:pt x="1250974" y="393666"/>
-                  </a:lnTo>
-                  <a:lnTo>
-                    <a:pt x="1250974" y="394822"/>
-                  </a:lnTo>
-                  <a:lnTo>
-                    <a:pt x="1253982" y="394822"/>
-                  </a:lnTo>
-                  <a:lnTo>
-                    <a:pt x="1253982" y="395978"/>
-                  </a:lnTo>
-                  <a:lnTo>
-                    <a:pt x="1256989" y="395978"/>
-                  </a:lnTo>
-                  <a:lnTo>
-                    <a:pt x="1256989" y="397133"/>
-                  </a:lnTo>
-                  <a:lnTo>
-                    <a:pt x="1259996" y="397133"/>
-                  </a:lnTo>
-                  <a:lnTo>
-                    <a:pt x="1259996" y="398287"/>
-                  </a:lnTo>
-                  <a:lnTo>
-                    <a:pt x="1263003" y="398287"/>
+                    <a:pt x="1263003" y="387877"/>
                   </a:lnTo>
                   <a:lnTo>
                     <a:pt x="1263003" y="399441"/>
                   </a:lnTo>
                   <a:lnTo>
-                    <a:pt x="1266010" y="399441"/>
-                  </a:lnTo>
-                  <a:lnTo>
-                    <a:pt x="1266010" y="400802"/>
-                  </a:lnTo>
-                  <a:lnTo>
-                    <a:pt x="1269017" y="400802"/>
-                  </a:lnTo>
-                  <a:lnTo>
-                    <a:pt x="1269017" y="402163"/>
-                  </a:lnTo>
-                  <a:lnTo>
-                    <a:pt x="1272024" y="402163"/>
-                  </a:lnTo>
-                  <a:lnTo>
-                    <a:pt x="1272024" y="403523"/>
-                  </a:lnTo>
-                  <a:lnTo>
-                    <a:pt x="1275032" y="403523"/>
-                  </a:lnTo>
-                  <a:lnTo>
-                    <a:pt x="1275032" y="404882"/>
-                  </a:lnTo>
-                  <a:lnTo>
-                    <a:pt x="1278039" y="404882"/>
-                  </a:lnTo>
-                  <a:lnTo>
-                    <a:pt x="1278039" y="406240"/>
-                  </a:lnTo>
-                  <a:lnTo>
-                    <a:pt x="1281046" y="406240"/>
-                  </a:lnTo>
-                  <a:lnTo>
-                    <a:pt x="1281046" y="407597"/>
-                  </a:lnTo>
-                  <a:lnTo>
-                    <a:pt x="1284053" y="407597"/>
-                  </a:lnTo>
-                  <a:lnTo>
-                    <a:pt x="1284053" y="408954"/>
-                  </a:lnTo>
-                  <a:lnTo>
-                    <a:pt x="1287060" y="408954"/>
-                  </a:lnTo>
-                  <a:lnTo>
-                    <a:pt x="1287060" y="410310"/>
-                  </a:lnTo>
-                  <a:lnTo>
-                    <a:pt x="1290067" y="410310"/>
-                  </a:lnTo>
-                  <a:lnTo>
-                    <a:pt x="1290067" y="411665"/>
-                  </a:lnTo>
-                  <a:lnTo>
-                    <a:pt x="1293075" y="411665"/>
+                    <a:pt x="1293075" y="399441"/>
                   </a:lnTo>
                   <a:lnTo>
                     <a:pt x="1293075" y="413019"/>
                   </a:lnTo>
                   <a:lnTo>
-                    <a:pt x="1296082" y="413019"/>
-                  </a:lnTo>
-                  <a:lnTo>
-                    <a:pt x="1296082" y="414754"/>
-                  </a:lnTo>
-                  <a:lnTo>
-                    <a:pt x="1299089" y="414754"/>
-                  </a:lnTo>
-                  <a:lnTo>
-                    <a:pt x="1299089" y="416488"/>
-                  </a:lnTo>
-                  <a:lnTo>
-                    <a:pt x="1302096" y="416488"/>
-                  </a:lnTo>
-                  <a:lnTo>
-                    <a:pt x="1302096" y="418221"/>
-                  </a:lnTo>
-                  <a:lnTo>
-                    <a:pt x="1305103" y="418221"/>
-                  </a:lnTo>
-                  <a:lnTo>
-                    <a:pt x="1305103" y="419952"/>
-                  </a:lnTo>
-                  <a:lnTo>
-                    <a:pt x="1308110" y="419952"/>
-                  </a:lnTo>
-                  <a:lnTo>
-                    <a:pt x="1308110" y="421682"/>
-                  </a:lnTo>
-                  <a:lnTo>
-                    <a:pt x="1311117" y="421682"/>
-                  </a:lnTo>
-                  <a:lnTo>
-                    <a:pt x="1311117" y="423410"/>
-                  </a:lnTo>
-                  <a:lnTo>
-                    <a:pt x="1314125" y="423410"/>
-                  </a:lnTo>
-                  <a:lnTo>
-                    <a:pt x="1314125" y="425138"/>
-                  </a:lnTo>
-                  <a:lnTo>
-                    <a:pt x="1317132" y="425138"/>
-                  </a:lnTo>
-                  <a:lnTo>
-                    <a:pt x="1317132" y="426864"/>
-                  </a:lnTo>
-                  <a:lnTo>
-                    <a:pt x="1320139" y="426864"/>
-                  </a:lnTo>
-                  <a:lnTo>
-                    <a:pt x="1320139" y="428588"/>
-                  </a:lnTo>
-                  <a:lnTo>
-                    <a:pt x="1323146" y="428588"/>
+                    <a:pt x="1323146" y="413019"/>
                   </a:lnTo>
                   <a:lnTo>
                     <a:pt x="1323146" y="430312"/>
                   </a:lnTo>
                   <a:lnTo>
-                    <a:pt x="1326153" y="430312"/>
-                  </a:lnTo>
-                  <a:lnTo>
-                    <a:pt x="1326153" y="432283"/>
-                  </a:lnTo>
-                  <a:lnTo>
-                    <a:pt x="1329160" y="432283"/>
-                  </a:lnTo>
-                  <a:lnTo>
-                    <a:pt x="1329160" y="434253"/>
-                  </a:lnTo>
-                  <a:lnTo>
-                    <a:pt x="1332167" y="434253"/>
-                  </a:lnTo>
-                  <a:lnTo>
-                    <a:pt x="1332167" y="436222"/>
-                  </a:lnTo>
-                  <a:lnTo>
-                    <a:pt x="1335175" y="436222"/>
-                  </a:lnTo>
-                  <a:lnTo>
-                    <a:pt x="1335175" y="438188"/>
-                  </a:lnTo>
-                  <a:lnTo>
-                    <a:pt x="1338182" y="438188"/>
-                  </a:lnTo>
-                  <a:lnTo>
-                    <a:pt x="1338182" y="440153"/>
-                  </a:lnTo>
-                  <a:lnTo>
-                    <a:pt x="1341189" y="440153"/>
-                  </a:lnTo>
-                  <a:lnTo>
-                    <a:pt x="1341189" y="442117"/>
-                  </a:lnTo>
-                  <a:lnTo>
-                    <a:pt x="1344196" y="442117"/>
-                  </a:lnTo>
-                  <a:lnTo>
-                    <a:pt x="1344196" y="444078"/>
-                  </a:lnTo>
-                  <a:lnTo>
-                    <a:pt x="1347203" y="444078"/>
-                  </a:lnTo>
-                  <a:lnTo>
-                    <a:pt x="1347203" y="446038"/>
-                  </a:lnTo>
-                  <a:lnTo>
-                    <a:pt x="1350210" y="446038"/>
-                  </a:lnTo>
-                  <a:lnTo>
-                    <a:pt x="1350210" y="447996"/>
-                  </a:lnTo>
-                  <a:lnTo>
-                    <a:pt x="1353218" y="447996"/>
+                    <a:pt x="1353218" y="430312"/>
                   </a:lnTo>
                   <a:lnTo>
                     <a:pt x="1353218" y="449952"/>
                   </a:lnTo>
                   <a:lnTo>
-                    <a:pt x="1356225" y="449952"/>
-                  </a:lnTo>
-                  <a:lnTo>
-                    <a:pt x="1356225" y="452110"/>
-                  </a:lnTo>
-                  <a:lnTo>
-                    <a:pt x="1359232" y="452110"/>
-                  </a:lnTo>
-                  <a:lnTo>
-                    <a:pt x="1359232" y="454265"/>
-                  </a:lnTo>
-                  <a:lnTo>
-                    <a:pt x="1362239" y="454265"/>
-                  </a:lnTo>
-                  <a:lnTo>
-                    <a:pt x="1362239" y="456419"/>
-                  </a:lnTo>
-                  <a:lnTo>
-                    <a:pt x="1365246" y="456419"/>
-                  </a:lnTo>
-                  <a:lnTo>
-                    <a:pt x="1365246" y="458570"/>
-                  </a:lnTo>
-                  <a:lnTo>
-                    <a:pt x="1368253" y="458570"/>
-                  </a:lnTo>
-                  <a:lnTo>
-                    <a:pt x="1368253" y="460719"/>
-                  </a:lnTo>
-                  <a:lnTo>
-                    <a:pt x="1371260" y="460719"/>
-                  </a:lnTo>
-                  <a:lnTo>
-                    <a:pt x="1371260" y="462866"/>
-                  </a:lnTo>
-                  <a:lnTo>
-                    <a:pt x="1374268" y="462866"/>
-                  </a:lnTo>
-                  <a:lnTo>
-                    <a:pt x="1374268" y="465011"/>
-                  </a:lnTo>
-                  <a:lnTo>
-                    <a:pt x="1377275" y="465011"/>
-                  </a:lnTo>
-                  <a:lnTo>
-                    <a:pt x="1377275" y="467154"/>
-                  </a:lnTo>
-                  <a:lnTo>
-                    <a:pt x="1380282" y="467154"/>
-                  </a:lnTo>
-                  <a:lnTo>
-                    <a:pt x="1380282" y="469295"/>
-                  </a:lnTo>
-                  <a:lnTo>
-                    <a:pt x="1383289" y="469295"/>
+                    <a:pt x="1383289" y="449952"/>
                   </a:lnTo>
                   <a:lnTo>
                     <a:pt x="1383289" y="471434"/>
                   </a:lnTo>
                   <a:lnTo>
-                    <a:pt x="1386296" y="471434"/>
-                  </a:lnTo>
-                  <a:lnTo>
-                    <a:pt x="1386296" y="473370"/>
-                  </a:lnTo>
-                  <a:lnTo>
-                    <a:pt x="1389303" y="473370"/>
-                  </a:lnTo>
-                  <a:lnTo>
-                    <a:pt x="1389303" y="475304"/>
-                  </a:lnTo>
-                  <a:lnTo>
-                    <a:pt x="1392310" y="475304"/>
-                  </a:lnTo>
-                  <a:lnTo>
-                    <a:pt x="1392310" y="477237"/>
-                  </a:lnTo>
-                  <a:lnTo>
-                    <a:pt x="1395318" y="477237"/>
-                  </a:lnTo>
-                  <a:lnTo>
-                    <a:pt x="1395318" y="479167"/>
-                  </a:lnTo>
-                  <a:lnTo>
-                    <a:pt x="1398325" y="479167"/>
-                  </a:lnTo>
-                  <a:lnTo>
-                    <a:pt x="1398325" y="481096"/>
-                  </a:lnTo>
-                  <a:lnTo>
-                    <a:pt x="1401332" y="481096"/>
-                  </a:lnTo>
-                  <a:lnTo>
-                    <a:pt x="1401332" y="483024"/>
-                  </a:lnTo>
-                  <a:lnTo>
-                    <a:pt x="1404339" y="483024"/>
-                  </a:lnTo>
-                  <a:lnTo>
-                    <a:pt x="1404339" y="484950"/>
-                  </a:lnTo>
-                  <a:lnTo>
-                    <a:pt x="1407346" y="484950"/>
-                  </a:lnTo>
-                  <a:lnTo>
-                    <a:pt x="1407346" y="486874"/>
-                  </a:lnTo>
-                  <a:lnTo>
-                    <a:pt x="1410353" y="486874"/>
-                  </a:lnTo>
-                  <a:lnTo>
-                    <a:pt x="1410353" y="488796"/>
-                  </a:lnTo>
-                  <a:lnTo>
-                    <a:pt x="1413361" y="488796"/>
+                    <a:pt x="1413361" y="471434"/>
                   </a:lnTo>
                   <a:lnTo>
                     <a:pt x="1413361" y="490717"/>
                   </a:lnTo>
                   <a:lnTo>
-                    <a:pt x="1416368" y="490717"/>
-                  </a:lnTo>
-                  <a:lnTo>
-                    <a:pt x="1416368" y="492269"/>
-                  </a:lnTo>
-                  <a:lnTo>
-                    <a:pt x="1419375" y="492269"/>
-                  </a:lnTo>
-                  <a:lnTo>
-                    <a:pt x="1419375" y="493820"/>
-                  </a:lnTo>
-                  <a:lnTo>
-                    <a:pt x="1422382" y="493820"/>
-                  </a:lnTo>
-                  <a:lnTo>
-                    <a:pt x="1422382" y="495370"/>
-                  </a:lnTo>
-                  <a:lnTo>
-                    <a:pt x="1425389" y="495370"/>
-                  </a:lnTo>
-                  <a:lnTo>
-                    <a:pt x="1425389" y="496919"/>
-                  </a:lnTo>
-                  <a:lnTo>
-                    <a:pt x="1428396" y="496919"/>
-                  </a:lnTo>
-                  <a:lnTo>
-                    <a:pt x="1428396" y="498467"/>
-                  </a:lnTo>
-                  <a:lnTo>
-                    <a:pt x="1431403" y="498467"/>
-                  </a:lnTo>
-                  <a:lnTo>
-                    <a:pt x="1431403" y="500014"/>
-                  </a:lnTo>
-                  <a:lnTo>
-                    <a:pt x="1434411" y="500014"/>
-                  </a:lnTo>
-                  <a:lnTo>
-                    <a:pt x="1434411" y="501560"/>
-                  </a:lnTo>
-                  <a:lnTo>
-                    <a:pt x="1437418" y="501560"/>
-                  </a:lnTo>
-                  <a:lnTo>
-                    <a:pt x="1437418" y="503104"/>
-                  </a:lnTo>
-                  <a:lnTo>
-                    <a:pt x="1440425" y="503104"/>
-                  </a:lnTo>
-                  <a:lnTo>
-                    <a:pt x="1440425" y="504648"/>
-                  </a:lnTo>
-                  <a:lnTo>
-                    <a:pt x="1443432" y="504648"/>
+                    <a:pt x="1443432" y="490717"/>
                   </a:lnTo>
                   <a:lnTo>
                     <a:pt x="1443432" y="506190"/>
                   </a:lnTo>
                   <a:lnTo>
-                    <a:pt x="1446439" y="506190"/>
-                  </a:lnTo>
-                  <a:lnTo>
-                    <a:pt x="1446439" y="507148"/>
-                  </a:lnTo>
-                  <a:lnTo>
-                    <a:pt x="1449446" y="507148"/>
-                  </a:lnTo>
-                  <a:lnTo>
-                    <a:pt x="1449446" y="508104"/>
-                  </a:lnTo>
-                  <a:lnTo>
-                    <a:pt x="1452454" y="508104"/>
-                  </a:lnTo>
-                  <a:lnTo>
-                    <a:pt x="1452454" y="509061"/>
-                  </a:lnTo>
-                  <a:lnTo>
-                    <a:pt x="1455461" y="509061"/>
-                  </a:lnTo>
-                  <a:lnTo>
-                    <a:pt x="1455461" y="510017"/>
-                  </a:lnTo>
-                  <a:lnTo>
-                    <a:pt x="1458468" y="510017"/>
-                  </a:lnTo>
-                  <a:lnTo>
-                    <a:pt x="1458468" y="510972"/>
-                  </a:lnTo>
-                  <a:lnTo>
-                    <a:pt x="1461475" y="510972"/>
-                  </a:lnTo>
-                  <a:lnTo>
-                    <a:pt x="1461475" y="511927"/>
-                  </a:lnTo>
-                  <a:lnTo>
-                    <a:pt x="1464482" y="511927"/>
-                  </a:lnTo>
-                  <a:lnTo>
-                    <a:pt x="1464482" y="512882"/>
-                  </a:lnTo>
-                  <a:lnTo>
-                    <a:pt x="1467489" y="512882"/>
-                  </a:lnTo>
-                  <a:lnTo>
-                    <a:pt x="1467489" y="513836"/>
-                  </a:lnTo>
-                  <a:lnTo>
-                    <a:pt x="1470496" y="513836"/>
-                  </a:lnTo>
-                  <a:lnTo>
-                    <a:pt x="1470496" y="514790"/>
-                  </a:lnTo>
-                  <a:lnTo>
-                    <a:pt x="1473504" y="514790"/>
+                    <a:pt x="1473504" y="506190"/>
                   </a:lnTo>
                   <a:lnTo>
                     <a:pt x="1473504" y="515743"/>
                   </a:lnTo>
                   <a:lnTo>
-                    <a:pt x="1476511" y="515743"/>
-                  </a:lnTo>
-                  <a:lnTo>
-                    <a:pt x="1476511" y="516327"/>
-                  </a:lnTo>
-                  <a:lnTo>
-                    <a:pt x="1479518" y="516327"/>
-                  </a:lnTo>
-                  <a:lnTo>
-                    <a:pt x="1479518" y="516911"/>
-                  </a:lnTo>
-                  <a:lnTo>
-                    <a:pt x="1482525" y="516911"/>
-                  </a:lnTo>
-                  <a:lnTo>
-                    <a:pt x="1482525" y="517494"/>
-                  </a:lnTo>
-                  <a:lnTo>
-                    <a:pt x="1485532" y="517494"/>
-                  </a:lnTo>
-                  <a:lnTo>
-                    <a:pt x="1485532" y="518077"/>
-                  </a:lnTo>
-                  <a:lnTo>
-                    <a:pt x="1488539" y="518077"/>
-                  </a:lnTo>
-                  <a:lnTo>
-                    <a:pt x="1488539" y="518661"/>
-                  </a:lnTo>
-                  <a:lnTo>
-                    <a:pt x="1491546" y="518661"/>
-                  </a:lnTo>
-                  <a:lnTo>
-                    <a:pt x="1491546" y="519244"/>
-                  </a:lnTo>
-                  <a:lnTo>
-                    <a:pt x="1494554" y="519244"/>
-                  </a:lnTo>
-                  <a:lnTo>
-                    <a:pt x="1494554" y="519826"/>
-                  </a:lnTo>
-                  <a:lnTo>
-                    <a:pt x="1497561" y="519826"/>
-                  </a:lnTo>
-                  <a:lnTo>
-                    <a:pt x="1497561" y="520409"/>
-                  </a:lnTo>
-                  <a:lnTo>
-                    <a:pt x="1500568" y="520409"/>
-                  </a:lnTo>
-                  <a:lnTo>
-                    <a:pt x="1500568" y="520992"/>
-                  </a:lnTo>
-                  <a:lnTo>
-                    <a:pt x="1503575" y="520992"/>
+                    <a:pt x="1503575" y="515743"/>
                   </a:lnTo>
                   <a:lnTo>
                     <a:pt x="1503575" y="521574"/>
                   </a:lnTo>
                   <a:lnTo>
-                    <a:pt x="1506582" y="521574"/>
-                  </a:lnTo>
-                  <a:lnTo>
-                    <a:pt x="1506582" y="521927"/>
-                  </a:lnTo>
-                  <a:lnTo>
-                    <a:pt x="1509589" y="521927"/>
-                  </a:lnTo>
-                  <a:lnTo>
-                    <a:pt x="1509589" y="522279"/>
-                  </a:lnTo>
-                  <a:lnTo>
-                    <a:pt x="1512597" y="522279"/>
-                  </a:lnTo>
-                  <a:lnTo>
-                    <a:pt x="1512597" y="522631"/>
-                  </a:lnTo>
-                  <a:lnTo>
-                    <a:pt x="1515604" y="522631"/>
-                  </a:lnTo>
-                  <a:lnTo>
-                    <a:pt x="1515604" y="522983"/>
-                  </a:lnTo>
-                  <a:lnTo>
-                    <a:pt x="1518611" y="522983"/>
-                  </a:lnTo>
-                  <a:lnTo>
-                    <a:pt x="1518611" y="523336"/>
-                  </a:lnTo>
-                  <a:lnTo>
-                    <a:pt x="1521618" y="523336"/>
-                  </a:lnTo>
-                  <a:lnTo>
-                    <a:pt x="1521618" y="523688"/>
-                  </a:lnTo>
-                  <a:lnTo>
-                    <a:pt x="1524625" y="523688"/>
-                  </a:lnTo>
-                  <a:lnTo>
-                    <a:pt x="1524625" y="524040"/>
-                  </a:lnTo>
-                  <a:lnTo>
-                    <a:pt x="1527632" y="524040"/>
-                  </a:lnTo>
-                  <a:lnTo>
-                    <a:pt x="1527632" y="524392"/>
-                  </a:lnTo>
-                  <a:lnTo>
-                    <a:pt x="1530639" y="524392"/>
-                  </a:lnTo>
-                  <a:lnTo>
-                    <a:pt x="1530639" y="524744"/>
-                  </a:lnTo>
-                  <a:lnTo>
-                    <a:pt x="1533647" y="524744"/>
+                    <a:pt x="1533647" y="521574"/>
                   </a:lnTo>
                   <a:lnTo>
                     <a:pt x="1533647" y="525096"/>
                   </a:lnTo>
                   <a:lnTo>
-                    <a:pt x="1536654" y="525096"/>
-                  </a:lnTo>
-                  <a:lnTo>
-                    <a:pt x="1536654" y="525336"/>
-                  </a:lnTo>
-                  <a:lnTo>
-                    <a:pt x="1539661" y="525336"/>
-                  </a:lnTo>
-                  <a:lnTo>
-                    <a:pt x="1539661" y="525575"/>
-                  </a:lnTo>
-                  <a:lnTo>
-                    <a:pt x="1542668" y="525575"/>
-                  </a:lnTo>
-                  <a:lnTo>
-                    <a:pt x="1542668" y="525815"/>
-                  </a:lnTo>
-                  <a:lnTo>
-                    <a:pt x="1545675" y="525815"/>
-                  </a:lnTo>
-                  <a:lnTo>
-                    <a:pt x="1545675" y="526055"/>
-                  </a:lnTo>
-                  <a:lnTo>
-                    <a:pt x="1548682" y="526055"/>
-                  </a:lnTo>
-                  <a:lnTo>
-                    <a:pt x="1548682" y="526294"/>
-                  </a:lnTo>
-                  <a:lnTo>
-                    <a:pt x="1551690" y="526294"/>
-                  </a:lnTo>
-                  <a:lnTo>
-                    <a:pt x="1551690" y="526534"/>
-                  </a:lnTo>
-                  <a:lnTo>
-                    <a:pt x="1554697" y="526534"/>
-                  </a:lnTo>
-                  <a:lnTo>
-                    <a:pt x="1554697" y="526774"/>
-                  </a:lnTo>
-                  <a:lnTo>
-                    <a:pt x="1557704" y="526774"/>
-                  </a:lnTo>
-                  <a:lnTo>
-                    <a:pt x="1557704" y="527013"/>
-                  </a:lnTo>
-                  <a:lnTo>
-                    <a:pt x="1560711" y="527013"/>
-                  </a:lnTo>
-                  <a:lnTo>
-                    <a:pt x="1560711" y="527253"/>
-                  </a:lnTo>
-                  <a:lnTo>
-                    <a:pt x="1563718" y="527253"/>
+                    <a:pt x="1563718" y="525096"/>
                   </a:lnTo>
                   <a:lnTo>
                     <a:pt x="1563718" y="527492"/>
                   </a:lnTo>
                   <a:lnTo>
-                    <a:pt x="1566725" y="527492"/>
-                  </a:lnTo>
-                  <a:lnTo>
-                    <a:pt x="1566725" y="527662"/>
-                  </a:lnTo>
-                  <a:lnTo>
-                    <a:pt x="1569732" y="527662"/>
-                  </a:lnTo>
-                  <a:lnTo>
-                    <a:pt x="1569732" y="527831"/>
-                  </a:lnTo>
-                  <a:lnTo>
-                    <a:pt x="1572740" y="527831"/>
-                  </a:lnTo>
-                  <a:lnTo>
-                    <a:pt x="1572740" y="528000"/>
-                  </a:lnTo>
-                  <a:lnTo>
-                    <a:pt x="1575747" y="528000"/>
-                  </a:lnTo>
-                  <a:lnTo>
-                    <a:pt x="1575747" y="528169"/>
-                  </a:lnTo>
-                  <a:lnTo>
-                    <a:pt x="1578754" y="528169"/>
-                  </a:lnTo>
-                  <a:lnTo>
-                    <a:pt x="1578754" y="528338"/>
-                  </a:lnTo>
-                  <a:lnTo>
-                    <a:pt x="1581761" y="528338"/>
-                  </a:lnTo>
-                  <a:lnTo>
-                    <a:pt x="1581761" y="528508"/>
-                  </a:lnTo>
-                  <a:lnTo>
-                    <a:pt x="1584768" y="528508"/>
-                  </a:lnTo>
-                  <a:lnTo>
-                    <a:pt x="1584768" y="528677"/>
-                  </a:lnTo>
-                  <a:lnTo>
-                    <a:pt x="1587775" y="528677"/>
-                  </a:lnTo>
-                  <a:lnTo>
-                    <a:pt x="1587775" y="528846"/>
-                  </a:lnTo>
-                  <a:lnTo>
-                    <a:pt x="1590782" y="528846"/>
-                  </a:lnTo>
-                  <a:lnTo>
-                    <a:pt x="1590782" y="529015"/>
-                  </a:lnTo>
-                  <a:lnTo>
-                    <a:pt x="1593790" y="529015"/>
+                    <a:pt x="1593790" y="527492"/>
                   </a:lnTo>
                   <a:lnTo>
                     <a:pt x="1593790" y="529184"/>
@@ -44716,8 +36130,8 @@
           </p:nvSpPr>
           <p:spPr>
             <a:xfrm>
-              <a:off x="2000744" y="1024598"/>
-              <a:ext cx="848404" cy="108158"/>
+              <a:off x="1897579" y="1024598"/>
+              <a:ext cx="1054735" cy="108158"/>
             </a:xfrm>
             <a:prstGeom prst="rect">
               <a:avLst/>
@@ -44749,7 +36163,7 @@
                   <a:latin typeface="DejaVu Sans"/>
                   <a:cs typeface="DejaVu Sans"/>
                 </a:rPr>
-                <a:t>Sample (n = 4)</a:t>
+                <a:t>Sample set (n = 4)</a:t>
               </a:r>
             </a:p>
           </p:txBody>
